--- a/Slides/Intro_to_ML.pptx
+++ b/Slides/Intro_to_ML.pptx
@@ -4,12 +4,24 @@
   <p:sldMasterIdLst>
     <p:sldMasterId id="2147483648" r:id="rId1"/>
   </p:sldMasterIdLst>
+  <p:notesMasterIdLst>
+    <p:notesMasterId r:id="rId16"/>
+  </p:notesMasterIdLst>
   <p:sldIdLst>
     <p:sldId id="256" r:id="rId2"/>
     <p:sldId id="257" r:id="rId3"/>
-    <p:sldId id="258" r:id="rId4"/>
-    <p:sldId id="259" r:id="rId5"/>
-    <p:sldId id="260" r:id="rId6"/>
+    <p:sldId id="267" r:id="rId4"/>
+    <p:sldId id="268" r:id="rId5"/>
+    <p:sldId id="269" r:id="rId6"/>
+    <p:sldId id="270" r:id="rId7"/>
+    <p:sldId id="262" r:id="rId8"/>
+    <p:sldId id="261" r:id="rId9"/>
+    <p:sldId id="263" r:id="rId10"/>
+    <p:sldId id="265" r:id="rId11"/>
+    <p:sldId id="259" r:id="rId12"/>
+    <p:sldId id="266" r:id="rId13"/>
+    <p:sldId id="271" r:id="rId14"/>
+    <p:sldId id="272" r:id="rId15"/>
   </p:sldIdLst>
   <p:sldSz cx="12192000" cy="6858000"/>
   <p:notesSz cx="6858000" cy="9144000"/>
@@ -108,6 +120,11 @@
       </a:defRPr>
     </a:lvl9pPr>
   </p:defaultTextStyle>
+  <p:extLst>
+    <p:ext uri="{EFAFB233-063F-42B5-8137-9DF3F51BA10A}">
+      <p15:sldGuideLst xmlns:p15="http://schemas.microsoft.com/office/powerpoint/2012/main"/>
+    </p:ext>
+  </p:extLst>
 </p:presentation>
 </file>
 
@@ -136,6 +153,356 @@
     </p188:txBody>
   </p188:cm>
 </p188:cmLst>
+</file>
+
+<file path=ppt/notesMasters/notesMaster1.xml><?xml version="1.0" encoding="utf-8"?>
+<p:notesMaster xmlns:a="http://schemas.openxmlformats.org/drawingml/2006/main" xmlns:r="http://schemas.openxmlformats.org/officeDocument/2006/relationships" xmlns:p="http://schemas.openxmlformats.org/presentationml/2006/main">
+  <p:cSld>
+    <p:bg>
+      <p:bgRef idx="1001">
+        <a:schemeClr val="bg1"/>
+      </p:bgRef>
+    </p:bg>
+    <p:spTree>
+      <p:nvGrpSpPr>
+        <p:cNvPr id="1" name=""/>
+        <p:cNvGrpSpPr/>
+        <p:nvPr/>
+      </p:nvGrpSpPr>
+      <p:grpSpPr>
+        <a:xfrm>
+          <a:off x="0" y="0"/>
+          <a:ext cx="0" cy="0"/>
+          <a:chOff x="0" y="0"/>
+          <a:chExt cx="0" cy="0"/>
+        </a:xfrm>
+      </p:grpSpPr>
+      <p:sp>
+        <p:nvSpPr>
+          <p:cNvPr id="2" name="Header Placeholder 1"/>
+          <p:cNvSpPr>
+            <a:spLocks noGrp="1"/>
+          </p:cNvSpPr>
+          <p:nvPr>
+            <p:ph type="hdr" sz="quarter"/>
+          </p:nvPr>
+        </p:nvSpPr>
+        <p:spPr>
+          <a:xfrm>
+            <a:off x="0" y="0"/>
+            <a:ext cx="2971800" cy="458788"/>
+          </a:xfrm>
+          <a:prstGeom prst="rect">
+            <a:avLst/>
+          </a:prstGeom>
+        </p:spPr>
+        <p:txBody>
+          <a:bodyPr vert="horz" lIns="91440" tIns="45720" rIns="91440" bIns="45720" rtlCol="0"/>
+          <a:lstStyle>
+            <a:lvl1pPr algn="l">
+              <a:defRPr sz="1200"/>
+            </a:lvl1pPr>
+          </a:lstStyle>
+          <a:p>
+            <a:endParaRPr lang="en-GB"/>
+          </a:p>
+        </p:txBody>
+      </p:sp>
+      <p:sp>
+        <p:nvSpPr>
+          <p:cNvPr id="3" name="Date Placeholder 2"/>
+          <p:cNvSpPr>
+            <a:spLocks noGrp="1"/>
+          </p:cNvSpPr>
+          <p:nvPr>
+            <p:ph type="dt" idx="1"/>
+          </p:nvPr>
+        </p:nvSpPr>
+        <p:spPr>
+          <a:xfrm>
+            <a:off x="3884613" y="0"/>
+            <a:ext cx="2971800" cy="458788"/>
+          </a:xfrm>
+          <a:prstGeom prst="rect">
+            <a:avLst/>
+          </a:prstGeom>
+        </p:spPr>
+        <p:txBody>
+          <a:bodyPr vert="horz" lIns="91440" tIns="45720" rIns="91440" bIns="45720" rtlCol="0"/>
+          <a:lstStyle>
+            <a:lvl1pPr algn="r">
+              <a:defRPr sz="1200"/>
+            </a:lvl1pPr>
+          </a:lstStyle>
+          <a:p>
+            <a:fld id="{67CD468E-CC0C-497E-8670-9BCB6EBA61D3}" type="datetimeFigureOut">
+              <a:rPr lang="en-GB" smtClean="0"/>
+              <a:t>17/07/2023</a:t>
+            </a:fld>
+            <a:endParaRPr lang="en-GB"/>
+          </a:p>
+        </p:txBody>
+      </p:sp>
+      <p:sp>
+        <p:nvSpPr>
+          <p:cNvPr id="4" name="Slide Image Placeholder 3"/>
+          <p:cNvSpPr>
+            <a:spLocks noGrp="1" noRot="1" noChangeAspect="1"/>
+          </p:cNvSpPr>
+          <p:nvPr>
+            <p:ph type="sldImg" idx="2"/>
+          </p:nvPr>
+        </p:nvSpPr>
+        <p:spPr>
+          <a:xfrm>
+            <a:off x="685800" y="1143000"/>
+            <a:ext cx="5486400" cy="3086100"/>
+          </a:xfrm>
+          <a:prstGeom prst="rect">
+            <a:avLst/>
+          </a:prstGeom>
+          <a:noFill/>
+          <a:ln w="12700">
+            <a:solidFill>
+              <a:prstClr val="black"/>
+            </a:solidFill>
+          </a:ln>
+        </p:spPr>
+        <p:txBody>
+          <a:bodyPr vert="horz" lIns="91440" tIns="45720" rIns="91440" bIns="45720" rtlCol="0" anchor="ctr"/>
+          <a:lstStyle/>
+          <a:p>
+            <a:endParaRPr lang="en-GB"/>
+          </a:p>
+        </p:txBody>
+      </p:sp>
+      <p:sp>
+        <p:nvSpPr>
+          <p:cNvPr id="5" name="Notes Placeholder 4"/>
+          <p:cNvSpPr>
+            <a:spLocks noGrp="1"/>
+          </p:cNvSpPr>
+          <p:nvPr>
+            <p:ph type="body" sz="quarter" idx="3"/>
+          </p:nvPr>
+        </p:nvSpPr>
+        <p:spPr>
+          <a:xfrm>
+            <a:off x="685800" y="4400550"/>
+            <a:ext cx="5486400" cy="3600450"/>
+          </a:xfrm>
+          <a:prstGeom prst="rect">
+            <a:avLst/>
+          </a:prstGeom>
+        </p:spPr>
+        <p:txBody>
+          <a:bodyPr vert="horz" lIns="91440" tIns="45720" rIns="91440" bIns="45720" rtlCol="0"/>
+          <a:lstStyle/>
+          <a:p>
+            <a:pPr lvl="0"/>
+            <a:r>
+              <a:rPr lang="en-US"/>
+              <a:t>Click to edit Master text styles</a:t>
+            </a:r>
+          </a:p>
+          <a:p>
+            <a:pPr lvl="1"/>
+            <a:r>
+              <a:rPr lang="en-US"/>
+              <a:t>Second level</a:t>
+            </a:r>
+          </a:p>
+          <a:p>
+            <a:pPr lvl="2"/>
+            <a:r>
+              <a:rPr lang="en-US"/>
+              <a:t>Third level</a:t>
+            </a:r>
+          </a:p>
+          <a:p>
+            <a:pPr lvl="3"/>
+            <a:r>
+              <a:rPr lang="en-US"/>
+              <a:t>Fourth level</a:t>
+            </a:r>
+          </a:p>
+          <a:p>
+            <a:pPr lvl="4"/>
+            <a:r>
+              <a:rPr lang="en-US"/>
+              <a:t>Fifth level</a:t>
+            </a:r>
+            <a:endParaRPr lang="en-GB"/>
+          </a:p>
+        </p:txBody>
+      </p:sp>
+      <p:sp>
+        <p:nvSpPr>
+          <p:cNvPr id="6" name="Footer Placeholder 5"/>
+          <p:cNvSpPr>
+            <a:spLocks noGrp="1"/>
+          </p:cNvSpPr>
+          <p:nvPr>
+            <p:ph type="ftr" sz="quarter" idx="4"/>
+          </p:nvPr>
+        </p:nvSpPr>
+        <p:spPr>
+          <a:xfrm>
+            <a:off x="0" y="8685213"/>
+            <a:ext cx="2971800" cy="458787"/>
+          </a:xfrm>
+          <a:prstGeom prst="rect">
+            <a:avLst/>
+          </a:prstGeom>
+        </p:spPr>
+        <p:txBody>
+          <a:bodyPr vert="horz" lIns="91440" tIns="45720" rIns="91440" bIns="45720" rtlCol="0" anchor="b"/>
+          <a:lstStyle>
+            <a:lvl1pPr algn="l">
+              <a:defRPr sz="1200"/>
+            </a:lvl1pPr>
+          </a:lstStyle>
+          <a:p>
+            <a:endParaRPr lang="en-GB"/>
+          </a:p>
+        </p:txBody>
+      </p:sp>
+      <p:sp>
+        <p:nvSpPr>
+          <p:cNvPr id="7" name="Slide Number Placeholder 6"/>
+          <p:cNvSpPr>
+            <a:spLocks noGrp="1"/>
+          </p:cNvSpPr>
+          <p:nvPr>
+            <p:ph type="sldNum" sz="quarter" idx="5"/>
+          </p:nvPr>
+        </p:nvSpPr>
+        <p:spPr>
+          <a:xfrm>
+            <a:off x="3884613" y="8685213"/>
+            <a:ext cx="2971800" cy="458787"/>
+          </a:xfrm>
+          <a:prstGeom prst="rect">
+            <a:avLst/>
+          </a:prstGeom>
+        </p:spPr>
+        <p:txBody>
+          <a:bodyPr vert="horz" lIns="91440" tIns="45720" rIns="91440" bIns="45720" rtlCol="0" anchor="b"/>
+          <a:lstStyle>
+            <a:lvl1pPr algn="r">
+              <a:defRPr sz="1200"/>
+            </a:lvl1pPr>
+          </a:lstStyle>
+          <a:p>
+            <a:fld id="{68C589F7-DA25-4B1C-81E6-D38960BB8FC9}" type="slidenum">
+              <a:rPr lang="en-GB" smtClean="0"/>
+              <a:t>‹#›</a:t>
+            </a:fld>
+            <a:endParaRPr lang="en-GB"/>
+          </a:p>
+        </p:txBody>
+      </p:sp>
+    </p:spTree>
+    <p:extLst>
+      <p:ext uri="{BB962C8B-B14F-4D97-AF65-F5344CB8AC3E}">
+        <p14:creationId xmlns:p14="http://schemas.microsoft.com/office/powerpoint/2010/main" val="1353303718"/>
+      </p:ext>
+    </p:extLst>
+  </p:cSld>
+  <p:clrMap bg1="lt1" tx1="dk1" bg2="lt2" tx2="dk2" accent1="accent1" accent2="accent2" accent3="accent3" accent4="accent4" accent5="accent5" accent6="accent6" hlink="hlink" folHlink="folHlink"/>
+  <p:notesStyle>
+    <a:lvl1pPr marL="0" algn="l" defTabSz="914400" rtl="0" eaLnBrk="1" latinLnBrk="0" hangingPunct="1">
+      <a:defRPr sz="1200" kern="1200">
+        <a:solidFill>
+          <a:schemeClr val="tx1"/>
+        </a:solidFill>
+        <a:latin typeface="+mn-lt"/>
+        <a:ea typeface="+mn-ea"/>
+        <a:cs typeface="+mn-cs"/>
+      </a:defRPr>
+    </a:lvl1pPr>
+    <a:lvl2pPr marL="457200" algn="l" defTabSz="914400" rtl="0" eaLnBrk="1" latinLnBrk="0" hangingPunct="1">
+      <a:defRPr sz="1200" kern="1200">
+        <a:solidFill>
+          <a:schemeClr val="tx1"/>
+        </a:solidFill>
+        <a:latin typeface="+mn-lt"/>
+        <a:ea typeface="+mn-ea"/>
+        <a:cs typeface="+mn-cs"/>
+      </a:defRPr>
+    </a:lvl2pPr>
+    <a:lvl3pPr marL="914400" algn="l" defTabSz="914400" rtl="0" eaLnBrk="1" latinLnBrk="0" hangingPunct="1">
+      <a:defRPr sz="1200" kern="1200">
+        <a:solidFill>
+          <a:schemeClr val="tx1"/>
+        </a:solidFill>
+        <a:latin typeface="+mn-lt"/>
+        <a:ea typeface="+mn-ea"/>
+        <a:cs typeface="+mn-cs"/>
+      </a:defRPr>
+    </a:lvl3pPr>
+    <a:lvl4pPr marL="1371600" algn="l" defTabSz="914400" rtl="0" eaLnBrk="1" latinLnBrk="0" hangingPunct="1">
+      <a:defRPr sz="1200" kern="1200">
+        <a:solidFill>
+          <a:schemeClr val="tx1"/>
+        </a:solidFill>
+        <a:latin typeface="+mn-lt"/>
+        <a:ea typeface="+mn-ea"/>
+        <a:cs typeface="+mn-cs"/>
+      </a:defRPr>
+    </a:lvl4pPr>
+    <a:lvl5pPr marL="1828800" algn="l" defTabSz="914400" rtl="0" eaLnBrk="1" latinLnBrk="0" hangingPunct="1">
+      <a:defRPr sz="1200" kern="1200">
+        <a:solidFill>
+          <a:schemeClr val="tx1"/>
+        </a:solidFill>
+        <a:latin typeface="+mn-lt"/>
+        <a:ea typeface="+mn-ea"/>
+        <a:cs typeface="+mn-cs"/>
+      </a:defRPr>
+    </a:lvl5pPr>
+    <a:lvl6pPr marL="2286000" algn="l" defTabSz="914400" rtl="0" eaLnBrk="1" latinLnBrk="0" hangingPunct="1">
+      <a:defRPr sz="1200" kern="1200">
+        <a:solidFill>
+          <a:schemeClr val="tx1"/>
+        </a:solidFill>
+        <a:latin typeface="+mn-lt"/>
+        <a:ea typeface="+mn-ea"/>
+        <a:cs typeface="+mn-cs"/>
+      </a:defRPr>
+    </a:lvl6pPr>
+    <a:lvl7pPr marL="2743200" algn="l" defTabSz="914400" rtl="0" eaLnBrk="1" latinLnBrk="0" hangingPunct="1">
+      <a:defRPr sz="1200" kern="1200">
+        <a:solidFill>
+          <a:schemeClr val="tx1"/>
+        </a:solidFill>
+        <a:latin typeface="+mn-lt"/>
+        <a:ea typeface="+mn-ea"/>
+        <a:cs typeface="+mn-cs"/>
+      </a:defRPr>
+    </a:lvl7pPr>
+    <a:lvl8pPr marL="3200400" algn="l" defTabSz="914400" rtl="0" eaLnBrk="1" latinLnBrk="0" hangingPunct="1">
+      <a:defRPr sz="1200" kern="1200">
+        <a:solidFill>
+          <a:schemeClr val="tx1"/>
+        </a:solidFill>
+        <a:latin typeface="+mn-lt"/>
+        <a:ea typeface="+mn-ea"/>
+        <a:cs typeface="+mn-cs"/>
+      </a:defRPr>
+    </a:lvl8pPr>
+    <a:lvl9pPr marL="3657600" algn="l" defTabSz="914400" rtl="0" eaLnBrk="1" latinLnBrk="0" hangingPunct="1">
+      <a:defRPr sz="1200" kern="1200">
+        <a:solidFill>
+          <a:schemeClr val="tx1"/>
+        </a:solidFill>
+        <a:latin typeface="+mn-lt"/>
+        <a:ea typeface="+mn-ea"/>
+        <a:cs typeface="+mn-cs"/>
+      </a:defRPr>
+    </a:lvl9pPr>
+  </p:notesStyle>
+</p:notesMaster>
 </file>
 
 <file path=ppt/slideLayouts/slideLayout1.xml><?xml version="1.0" encoding="utf-8"?>
@@ -2792,7 +3159,7 @@
     <p:bg>
       <p:bgPr>
         <a:solidFill>
-          <a:srgbClr val="152247"/>
+          <a:schemeClr val="bg1"/>
         </a:solidFill>
         <a:effectLst/>
       </p:bgPr>
@@ -3362,6 +3729,14 @@
 <file path=ppt/slides/slide1.xml><?xml version="1.0" encoding="utf-8"?>
 <p:sld xmlns:a="http://schemas.openxmlformats.org/drawingml/2006/main" xmlns:r="http://schemas.openxmlformats.org/officeDocument/2006/relationships" xmlns:p="http://schemas.openxmlformats.org/presentationml/2006/main">
   <p:cSld>
+    <p:bg>
+      <p:bgPr>
+        <a:solidFill>
+          <a:srgbClr val="152247"/>
+        </a:solidFill>
+        <a:effectLst/>
+      </p:bgPr>
+    </p:bg>
     <p:spTree>
       <p:nvGrpSpPr>
         <p:cNvPr id="1" name=""/>
@@ -3378,10 +3753,10 @@
       </p:grpSpPr>
       <p:pic>
         <p:nvPicPr>
-          <p:cNvPr id="5" name="Picture 4">
-            <a:extLst>
-              <a:ext uri="{FF2B5EF4-FFF2-40B4-BE49-F238E27FC236}">
-                <a16:creationId xmlns:a16="http://schemas.microsoft.com/office/drawing/2014/main" id="{E3E32579-AAC9-3B20-0492-871FD4C67A3D}"/>
+          <p:cNvPr id="3" name="Picture 2">
+            <a:extLst>
+              <a:ext uri="{FF2B5EF4-FFF2-40B4-BE49-F238E27FC236}">
+                <a16:creationId xmlns:a16="http://schemas.microsoft.com/office/drawing/2014/main" id="{DB1B1B5A-BFFD-F3AB-F875-9527557640FC}"/>
               </a:ext>
             </a:extLst>
           </p:cNvPr>
@@ -3392,6 +3767,14 @@
         </p:nvPicPr>
         <p:blipFill>
           <a:blip r:embed="rId3">
+            <a:alphaModFix amt="6000"/>
+            <a:duotone>
+              <a:prstClr val="black"/>
+              <a:schemeClr val="accent5">
+                <a:tint val="45000"/>
+                <a:satMod val="400000"/>
+              </a:schemeClr>
+            </a:duotone>
             <a:extLst>
               <a:ext uri="{28A0092B-C50C-407E-A947-70E740481C1C}">
                 <a14:useLocalDpi xmlns:a14="http://schemas.microsoft.com/office/drawing/2010/main" val="0"/>
@@ -3404,37 +3787,74 @@
         </p:blipFill>
         <p:spPr>
           <a:xfrm>
-            <a:off x="878668" y="2274419"/>
-            <a:ext cx="2618237" cy="2493269"/>
+            <a:off x="-1055183" y="-4011106"/>
+            <a:ext cx="13588408" cy="12939836"/>
           </a:xfrm>
           <a:prstGeom prst="rect">
             <a:avLst/>
           </a:prstGeom>
         </p:spPr>
       </p:pic>
-      <p:sp>
-        <p:nvSpPr>
-          <p:cNvPr id="6" name="Rectangle 5">
-            <a:extLst>
-              <a:ext uri="{FF2B5EF4-FFF2-40B4-BE49-F238E27FC236}">
-                <a16:creationId xmlns:a16="http://schemas.microsoft.com/office/drawing/2014/main" id="{B44390D1-5068-B2C8-C8E2-685A280EFE0D}"/>
-              </a:ext>
-            </a:extLst>
-          </p:cNvPr>
-          <p:cNvSpPr/>
+      <p:pic>
+        <p:nvPicPr>
+          <p:cNvPr id="5" name="Picture 4">
+            <a:extLst>
+              <a:ext uri="{FF2B5EF4-FFF2-40B4-BE49-F238E27FC236}">
+                <a16:creationId xmlns:a16="http://schemas.microsoft.com/office/drawing/2014/main" id="{E3E32579-AAC9-3B20-0492-871FD4C67A3D}"/>
+              </a:ext>
+            </a:extLst>
+          </p:cNvPr>
+          <p:cNvPicPr>
+            <a:picLocks noChangeAspect="1"/>
+          </p:cNvPicPr>
           <p:nvPr/>
-        </p:nvSpPr>
+        </p:nvPicPr>
+        <p:blipFill>
+          <a:blip r:embed="rId3">
+            <a:extLst>
+              <a:ext uri="{28A0092B-C50C-407E-A947-70E740481C1C}">
+                <a14:useLocalDpi xmlns:a14="http://schemas.microsoft.com/office/drawing/2010/main" val="0"/>
+              </a:ext>
+            </a:extLst>
+          </a:blip>
+          <a:stretch>
+            <a:fillRect/>
+          </a:stretch>
+        </p:blipFill>
         <p:spPr>
           <a:xfrm>
-            <a:off x="4199467" y="1341119"/>
-            <a:ext cx="7816426" cy="325121"/>
+            <a:off x="861499" y="3260550"/>
+            <a:ext cx="2618237" cy="2493269"/>
           </a:xfrm>
           <a:prstGeom prst="rect">
             <a:avLst/>
           </a:prstGeom>
-          <a:solidFill>
-            <a:srgbClr val="FFC100"/>
-          </a:solidFill>
+        </p:spPr>
+      </p:pic>
+      <p:sp>
+        <p:nvSpPr>
+          <p:cNvPr id="6" name="Rectangle 5">
+            <a:extLst>
+              <a:ext uri="{FF2B5EF4-FFF2-40B4-BE49-F238E27FC236}">
+                <a16:creationId xmlns:a16="http://schemas.microsoft.com/office/drawing/2014/main" id="{B44390D1-5068-B2C8-C8E2-685A280EFE0D}"/>
+              </a:ext>
+            </a:extLst>
+          </p:cNvPr>
+          <p:cNvSpPr/>
+          <p:nvPr/>
+        </p:nvSpPr>
+        <p:spPr>
+          <a:xfrm>
+            <a:off x="4199467" y="1341119"/>
+            <a:ext cx="3434709" cy="697654"/>
+          </a:xfrm>
+          <a:prstGeom prst="rect">
+            <a:avLst/>
+          </a:prstGeom>
+          <a:noFill/>
+          <a:ln>
+            <a:noFill/>
+          </a:ln>
         </p:spPr>
         <p:style>
           <a:lnRef idx="2">
@@ -3457,25 +3877,25 @@
           <a:lstStyle/>
           <a:p>
             <a:r>
-              <a:rPr lang="en-GB" sz="1400" dirty="0">
+              <a:rPr lang="en-GB" b="1" dirty="0">
                 <a:solidFill>
-                  <a:schemeClr val="tx1"/>
+                  <a:srgbClr val="FFC100"/>
                 </a:solidFill>
               </a:rPr>
-              <a:t>EUROPYTHON 2023 - 17</a:t>
-            </a:r>
-            <a:r>
-              <a:rPr lang="en-GB" sz="1400" baseline="30000" dirty="0">
+              <a:t>EUROPYTHON 2023, 17</a:t>
+            </a:r>
+            <a:r>
+              <a:rPr lang="en-GB" b="1" baseline="30000" dirty="0">
                 <a:solidFill>
-                  <a:schemeClr val="tx1"/>
+                  <a:srgbClr val="FFC100"/>
                 </a:solidFill>
               </a:rPr>
               <a:t>th</a:t>
             </a:r>
             <a:r>
-              <a:rPr lang="en-GB" sz="1400" dirty="0">
+              <a:rPr lang="en-GB" b="1" dirty="0">
                 <a:solidFill>
-                  <a:schemeClr val="tx1"/>
+                  <a:srgbClr val="FFC100"/>
                 </a:solidFill>
               </a:rPr>
               <a:t> JULY</a:t>
@@ -3512,7 +3932,7 @@
           <a:lstStyle/>
           <a:p>
             <a:r>
-              <a:rPr lang="en-GB" sz="5400" b="1" dirty="0">
+              <a:rPr lang="en-GB" sz="5400" b="1">
                 <a:solidFill>
                   <a:schemeClr val="bg1"/>
                 </a:solidFill>
@@ -3532,7 +3952,7 @@
           </a:p>
           <a:p>
             <a:r>
-              <a:rPr lang="en-GB" sz="5400" b="1" dirty="0">
+              <a:rPr lang="en-GB" sz="5400" b="1">
                 <a:solidFill>
                   <a:schemeClr val="bg1"/>
                 </a:solidFill>
@@ -3552,7 +3972,7 @@
           </a:p>
           <a:p>
             <a:r>
-              <a:rPr lang="en-GB" sz="5400" b="1" dirty="0">
+              <a:rPr lang="en-GB" sz="5400" b="1">
                 <a:solidFill>
                   <a:schemeClr val="bg1"/>
                 </a:solidFill>
@@ -3569,6 +3989,21 @@
               </a:rPr>
               <a:t>WITH SCIKIT-LEARN</a:t>
             </a:r>
+            <a:endParaRPr lang="en-GB" sz="5400" b="1" dirty="0">
+              <a:solidFill>
+                <a:schemeClr val="bg1"/>
+              </a:solidFill>
+              <a:effectLst>
+                <a:outerShdw blurRad="38100" dist="38100" dir="2700000" algn="tl">
+                  <a:srgbClr val="000000">
+                    <a:alpha val="43137"/>
+                  </a:srgbClr>
+                </a:outerShdw>
+              </a:effectLst>
+              <a:latin typeface="Calibri Light" panose="020F0302020204030204" pitchFamily="34" charset="0"/>
+              <a:ea typeface="Calibri Light" panose="020F0302020204030204" pitchFamily="34" charset="0"/>
+              <a:cs typeface="Calibri Light" panose="020F0302020204030204" pitchFamily="34" charset="0"/>
+            </a:endParaRPr>
           </a:p>
         </p:txBody>
       </p:sp>
@@ -3587,14 +4022,15 @@
         <p:spPr>
           <a:xfrm>
             <a:off x="4199467" y="5191760"/>
-            <a:ext cx="7816426" cy="325121"/>
+            <a:ext cx="7394599" cy="562059"/>
           </a:xfrm>
           <a:prstGeom prst="rect">
             <a:avLst/>
           </a:prstGeom>
-          <a:solidFill>
-            <a:srgbClr val="FFC100"/>
-          </a:solidFill>
+          <a:noFill/>
+          <a:ln>
+            <a:noFill/>
+          </a:ln>
         </p:spPr>
         <p:style>
           <a:lnRef idx="2">
@@ -3617,9 +4053,9 @@
           <a:lstStyle/>
           <a:p>
             <a:r>
-              <a:rPr lang="en-GB" sz="1600" dirty="0">
+              <a:rPr lang="en-GB" sz="2400" dirty="0">
                 <a:solidFill>
-                  <a:schemeClr val="tx1"/>
+                  <a:schemeClr val="bg1"/>
                 </a:solidFill>
               </a:rPr>
               <a:t>Nabanita Roy, Liliya Akhtyamova, Bhawna Singh</a:t>
@@ -3655,6 +4091,157 @@
           <a:prstGeom prst="rect">
             <a:avLst/>
           </a:prstGeom>
+        </p:spPr>
+      </p:pic>
+      <p:sp>
+        <p:nvSpPr>
+          <p:cNvPr id="4" name="Rectangle 3">
+            <a:extLst>
+              <a:ext uri="{FF2B5EF4-FFF2-40B4-BE49-F238E27FC236}">
+                <a16:creationId xmlns:a16="http://schemas.microsoft.com/office/drawing/2014/main" id="{C82F734F-3AFB-9C9D-3E6B-A4665A1256B3}"/>
+              </a:ext>
+            </a:extLst>
+          </p:cNvPr>
+          <p:cNvSpPr/>
+          <p:nvPr/>
+        </p:nvSpPr>
+        <p:spPr>
+          <a:xfrm rot="10800000">
+            <a:off x="4199467" y="4891731"/>
+            <a:ext cx="1943946" cy="67798"/>
+          </a:xfrm>
+          <a:prstGeom prst="rect">
+            <a:avLst/>
+          </a:prstGeom>
+          <a:solidFill>
+            <a:srgbClr val="FFC100"/>
+          </a:solidFill>
+        </p:spPr>
+        <p:style>
+          <a:lnRef idx="2">
+            <a:schemeClr val="accent1">
+              <a:shade val="15000"/>
+            </a:schemeClr>
+          </a:lnRef>
+          <a:fillRef idx="1">
+            <a:schemeClr val="accent1"/>
+          </a:fillRef>
+          <a:effectRef idx="0">
+            <a:schemeClr val="accent1"/>
+          </a:effectRef>
+          <a:fontRef idx="minor">
+            <a:schemeClr val="lt1"/>
+          </a:fontRef>
+        </p:style>
+        <p:txBody>
+          <a:bodyPr rtlCol="0" anchor="ctr"/>
+          <a:lstStyle/>
+          <a:p>
+            <a:endParaRPr lang="en-GB" b="1" dirty="0">
+              <a:solidFill>
+                <a:schemeClr val="tx1"/>
+              </a:solidFill>
+            </a:endParaRPr>
+          </a:p>
+        </p:txBody>
+      </p:sp>
+      <p:sp>
+        <p:nvSpPr>
+          <p:cNvPr id="9" name="Rectangle 8">
+            <a:extLst>
+              <a:ext uri="{FF2B5EF4-FFF2-40B4-BE49-F238E27FC236}">
+                <a16:creationId xmlns:a16="http://schemas.microsoft.com/office/drawing/2014/main" id="{23F67F5B-D4C4-D6F3-2AD6-E589895F86CC}"/>
+              </a:ext>
+            </a:extLst>
+          </p:cNvPr>
+          <p:cNvSpPr/>
+          <p:nvPr/>
+        </p:nvSpPr>
+        <p:spPr>
+          <a:xfrm rot="10800000">
+            <a:off x="4298703" y="1950135"/>
+            <a:ext cx="1943946" cy="67798"/>
+          </a:xfrm>
+          <a:prstGeom prst="rect">
+            <a:avLst/>
+          </a:prstGeom>
+          <a:solidFill>
+            <a:srgbClr val="FFC100"/>
+          </a:solidFill>
+        </p:spPr>
+        <p:style>
+          <a:lnRef idx="2">
+            <a:schemeClr val="accent1">
+              <a:shade val="15000"/>
+            </a:schemeClr>
+          </a:lnRef>
+          <a:fillRef idx="1">
+            <a:schemeClr val="accent1"/>
+          </a:fillRef>
+          <a:effectRef idx="0">
+            <a:schemeClr val="accent1"/>
+          </a:effectRef>
+          <a:fontRef idx="minor">
+            <a:schemeClr val="lt1"/>
+          </a:fontRef>
+        </p:style>
+        <p:txBody>
+          <a:bodyPr rtlCol="0" anchor="ctr"/>
+          <a:lstStyle/>
+          <a:p>
+            <a:endParaRPr lang="en-GB" b="1" dirty="0">
+              <a:solidFill>
+                <a:schemeClr val="tx1"/>
+              </a:solidFill>
+            </a:endParaRPr>
+          </a:p>
+        </p:txBody>
+      </p:sp>
+      <p:pic>
+        <p:nvPicPr>
+          <p:cNvPr id="3074" name="Picture 2" descr="EuroPython - DEV Community">
+            <a:extLst>
+              <a:ext uri="{FF2B5EF4-FFF2-40B4-BE49-F238E27FC236}">
+                <a16:creationId xmlns:a16="http://schemas.microsoft.com/office/drawing/2014/main" id="{BFADEBCF-CEA5-7706-693D-E7D0B74E02A6}"/>
+              </a:ext>
+            </a:extLst>
+          </p:cNvPr>
+          <p:cNvPicPr>
+            <a:picLocks noChangeAspect="1" noChangeArrowheads="1"/>
+          </p:cNvPicPr>
+          <p:nvPr/>
+        </p:nvPicPr>
+        <p:blipFill>
+          <a:blip r:embed="rId5">
+            <a:extLst>
+              <a:ext uri="{28A0092B-C50C-407E-A947-70E740481C1C}">
+                <a14:useLocalDpi xmlns:a14="http://schemas.microsoft.com/office/drawing/2010/main" val="0"/>
+              </a:ext>
+            </a:extLst>
+          </a:blip>
+          <a:srcRect/>
+          <a:stretch>
+            <a:fillRect/>
+          </a:stretch>
+        </p:blipFill>
+        <p:spPr bwMode="auto">
+          <a:xfrm>
+            <a:off x="3224816" y="1341119"/>
+            <a:ext cx="925033" cy="925033"/>
+          </a:xfrm>
+          <a:prstGeom prst="rect">
+            <a:avLst/>
+          </a:prstGeom>
+          <a:noFill/>
+          <a:extLst>
+            <a:ext uri="{909E8E84-426E-40DD-AFC4-6F175D3DCCD1}">
+              <a14:hiddenFill xmlns:a14="http://schemas.microsoft.com/office/drawing/2010/main">
+                <a:solidFill>
+                  <a:srgbClr val="FFFFFF"/>
+                </a:solidFill>
+              </a14:hiddenFill>
+            </a:ext>
+          </a:extLst>
         </p:spPr>
       </p:pic>
     </p:spTree>
@@ -3675,7 +4262,7 @@
 </p:sld>
 </file>
 
-<file path=ppt/slides/slide2.xml><?xml version="1.0" encoding="utf-8"?>
+<file path=ppt/slides/slide10.xml><?xml version="1.0" encoding="utf-8"?>
 <p:sld xmlns:a="http://schemas.openxmlformats.org/drawingml/2006/main" xmlns:r="http://schemas.openxmlformats.org/officeDocument/2006/relationships" xmlns:p="http://schemas.openxmlformats.org/presentationml/2006/main">
   <p:cSld>
     <p:spTree>
@@ -3692,12 +4279,66 @@
           <a:chExt cx="0" cy="0"/>
         </a:xfrm>
       </p:grpSpPr>
+      <p:sp>
+        <p:nvSpPr>
+          <p:cNvPr id="6" name="Rectangle 5">
+            <a:extLst>
+              <a:ext uri="{FF2B5EF4-FFF2-40B4-BE49-F238E27FC236}">
+                <a16:creationId xmlns:a16="http://schemas.microsoft.com/office/drawing/2014/main" id="{021FFAFE-378A-0FA5-29B4-7107CB8E072C}"/>
+              </a:ext>
+            </a:extLst>
+          </p:cNvPr>
+          <p:cNvSpPr/>
+          <p:nvPr/>
+        </p:nvSpPr>
+        <p:spPr>
+          <a:xfrm>
+            <a:off x="0" y="1194997"/>
+            <a:ext cx="12192000" cy="4710518"/>
+          </a:xfrm>
+          <a:prstGeom prst="rect">
+            <a:avLst/>
+          </a:prstGeom>
+          <a:solidFill>
+            <a:schemeClr val="bg1">
+              <a:lumMod val="95000"/>
+            </a:schemeClr>
+          </a:solidFill>
+          <a:ln>
+            <a:noFill/>
+          </a:ln>
+        </p:spPr>
+        <p:style>
+          <a:lnRef idx="2">
+            <a:schemeClr val="accent1">
+              <a:shade val="15000"/>
+            </a:schemeClr>
+          </a:lnRef>
+          <a:fillRef idx="1">
+            <a:schemeClr val="accent1"/>
+          </a:fillRef>
+          <a:effectRef idx="0">
+            <a:schemeClr val="accent1"/>
+          </a:effectRef>
+          <a:fontRef idx="minor">
+            <a:schemeClr val="lt1"/>
+          </a:fontRef>
+        </p:style>
+        <p:txBody>
+          <a:bodyPr rtlCol="0" anchor="ctr"/>
+          <a:lstStyle/>
+          <a:p>
+            <a:pPr algn="ctr"/>
+            <a:endParaRPr lang="en-GB"/>
+          </a:p>
+        </p:txBody>
+      </p:sp>
       <p:pic>
         <p:nvPicPr>
-          <p:cNvPr id="2" name="Picture 1">
-            <a:extLst>
-              <a:ext uri="{FF2B5EF4-FFF2-40B4-BE49-F238E27FC236}">
-                <a16:creationId xmlns:a16="http://schemas.microsoft.com/office/drawing/2014/main" id="{F768AF78-8A41-7D71-87C0-39922AFCF0F8}"/>
+          <p:cNvPr id="2" name="Picture 1" descr="A black background with a black square&#10;&#10;Description automatically generated">
+            <a:extLst>
+              <a:ext uri="{FF2B5EF4-FFF2-40B4-BE49-F238E27FC236}">
+                <a16:creationId xmlns:a16="http://schemas.microsoft.com/office/drawing/2014/main" id="{AC95A10E-872A-6150-7DB2-FBEB01CD4A0C}"/>
               </a:ext>
             </a:extLst>
           </p:cNvPr>
@@ -3720,7 +4361,7 @@
         </p:blipFill>
         <p:spPr>
           <a:xfrm>
-            <a:off x="11115483" y="143902"/>
+            <a:off x="11295590" y="5905515"/>
             <a:ext cx="896410" cy="853625"/>
           </a:xfrm>
           <a:prstGeom prst="rect">
@@ -3733,7 +4374,7 @@
           <p:cNvPr id="3" name="TextBox 2">
             <a:extLst>
               <a:ext uri="{FF2B5EF4-FFF2-40B4-BE49-F238E27FC236}">
-                <a16:creationId xmlns:a16="http://schemas.microsoft.com/office/drawing/2014/main" id="{63300B2F-7246-F08E-3F24-3F9FABD9A6F9}"/>
+                <a16:creationId xmlns:a16="http://schemas.microsoft.com/office/drawing/2014/main" id="{7176B518-690A-A8F7-71A0-73A15A43D753}"/>
               </a:ext>
             </a:extLst>
           </p:cNvPr>
@@ -3742,8 +4383,8 @@
         </p:nvSpPr>
         <p:spPr>
           <a:xfrm>
-            <a:off x="1136073" y="652887"/>
-            <a:ext cx="4433454" cy="2031325"/>
+            <a:off x="121920" y="6280919"/>
+            <a:ext cx="5096267" cy="577081"/>
           </a:xfrm>
           <a:prstGeom prst="rect">
             <a:avLst/>
@@ -3751,94 +4392,2962 @@
           <a:noFill/>
         </p:spPr>
         <p:txBody>
-          <a:bodyPr wrap="square" rtlCol="0">
+          <a:bodyPr wrap="none" rtlCol="0">
             <a:spAutoFit/>
           </a:bodyPr>
           <a:lstStyle/>
           <a:p>
             <a:r>
-              <a:rPr lang="en-GB" dirty="0">
+              <a:rPr lang="en-GB" sz="1050" dirty="0"/>
+              <a:t>Image Source: </a:t>
+            </a:r>
+            <a:r>
+              <a:rPr lang="en-GB" sz="1050" dirty="0">
+                <a:hlinkClick r:id="rId3">
+                  <a:extLst>
+                    <a:ext uri="{A12FA001-AC4F-418D-AE19-62706E023703}">
+                      <ahyp:hlinkClr xmlns:ahyp="http://schemas.microsoft.com/office/drawing/2018/hyperlinkcolor" val="tx"/>
+                    </a:ext>
+                  </a:extLst>
+                </a:hlinkClick>
+              </a:rPr>
+              <a:t>https://blog.nami.gg/p/how-generative-ai-can-charge-web3</a:t>
+            </a:r>
+            <a:r>
+              <a:rPr lang="en-GB" sz="1050" dirty="0"/>
+              <a:t>, </a:t>
+            </a:r>
+          </a:p>
+          <a:p>
+            <a:r>
+              <a:rPr lang="en-GB" sz="1050" dirty="0">
+                <a:hlinkClick r:id="rId4">
+                  <a:extLst>
+                    <a:ext uri="{A12FA001-AC4F-418D-AE19-62706E023703}">
+                      <ahyp:hlinkClr xmlns:ahyp="http://schemas.microsoft.com/office/drawing/2018/hyperlinkcolor" val="tx"/>
+                    </a:ext>
+                  </a:extLst>
+                </a:hlinkClick>
+              </a:rPr>
+              <a:t>https://medium.com/@mail2princeyadav/machine-learning-vs-deep-learning-b5c5a4fc5c</a:t>
+            </a:r>
+            <a:endParaRPr lang="en-GB" sz="1050" dirty="0"/>
+          </a:p>
+          <a:p>
+            <a:endParaRPr lang="en-GB" sz="1050" dirty="0"/>
+          </a:p>
+        </p:txBody>
+      </p:sp>
+      <p:pic>
+        <p:nvPicPr>
+          <p:cNvPr id="6146" name="Picture 2" descr="Machine Learning vs. Deep Learning | by Prince Yadav | Medium">
+            <a:extLst>
+              <a:ext uri="{FF2B5EF4-FFF2-40B4-BE49-F238E27FC236}">
+                <a16:creationId xmlns:a16="http://schemas.microsoft.com/office/drawing/2014/main" id="{97E009D2-9AD9-A97A-A565-6B5780484D1C}"/>
+              </a:ext>
+            </a:extLst>
+          </p:cNvPr>
+          <p:cNvPicPr>
+            <a:picLocks noChangeAspect="1" noChangeArrowheads="1"/>
+          </p:cNvPicPr>
+          <p:nvPr/>
+        </p:nvPicPr>
+        <p:blipFill>
+          <a:blip r:embed="rId5">
+            <a:extLst>
+              <a:ext uri="{28A0092B-C50C-407E-A947-70E740481C1C}">
+                <a14:useLocalDpi xmlns:a14="http://schemas.microsoft.com/office/drawing/2010/main" val="0"/>
+              </a:ext>
+            </a:extLst>
+          </a:blip>
+          <a:srcRect/>
+          <a:stretch>
+            <a:fillRect/>
+          </a:stretch>
+        </p:blipFill>
+        <p:spPr bwMode="auto">
+          <a:xfrm>
+            <a:off x="725231" y="1916430"/>
+            <a:ext cx="4614520" cy="3025140"/>
+          </a:xfrm>
+          <a:prstGeom prst="rect">
+            <a:avLst/>
+          </a:prstGeom>
+          <a:noFill/>
+          <a:extLst>
+            <a:ext uri="{909E8E84-426E-40DD-AFC4-6F175D3DCCD1}">
+              <a14:hiddenFill xmlns:a14="http://schemas.microsoft.com/office/drawing/2010/main">
                 <a:solidFill>
-                  <a:schemeClr val="bg1"/>
+                  <a:srgbClr val="FFFFFF"/>
+                </a:solidFill>
+              </a14:hiddenFill>
+            </a:ext>
+          </a:extLst>
+        </p:spPr>
+      </p:pic>
+      <p:sp>
+        <p:nvSpPr>
+          <p:cNvPr id="4" name="TextBox 3">
+            <a:extLst>
+              <a:ext uri="{FF2B5EF4-FFF2-40B4-BE49-F238E27FC236}">
+                <a16:creationId xmlns:a16="http://schemas.microsoft.com/office/drawing/2014/main" id="{340E9D68-88C9-D899-41AE-F48FE8C4AE7E}"/>
+              </a:ext>
+            </a:extLst>
+          </p:cNvPr>
+          <p:cNvSpPr txBox="1"/>
+          <p:nvPr/>
+        </p:nvSpPr>
+        <p:spPr>
+          <a:xfrm>
+            <a:off x="1011535" y="179500"/>
+            <a:ext cx="9831899" cy="874375"/>
+          </a:xfrm>
+          <a:prstGeom prst="rect">
+            <a:avLst/>
+          </a:prstGeom>
+        </p:spPr>
+        <p:txBody>
+          <a:bodyPr vert="horz" lIns="91440" tIns="45720" rIns="91440" bIns="45720" rtlCol="0" anchor="ctr">
+            <a:normAutofit/>
+          </a:bodyPr>
+          <a:lstStyle/>
+          <a:p>
+            <a:pPr algn="ctr">
+              <a:lnSpc>
+                <a:spcPct val="90000"/>
+              </a:lnSpc>
+              <a:spcBef>
+                <a:spcPct val="0"/>
+              </a:spcBef>
+              <a:spcAft>
+                <a:spcPts val="600"/>
+              </a:spcAft>
+            </a:pPr>
+            <a:r>
+              <a:rPr lang="en-US" sz="4400" b="1" kern="1200" dirty="0">
+                <a:latin typeface="+mj-lt"/>
+                <a:ea typeface="+mj-ea"/>
+                <a:cs typeface="+mj-cs"/>
+              </a:rPr>
+              <a:t>… Can’t Have a Slide Without ChatGPT, duh!</a:t>
+            </a:r>
+          </a:p>
+        </p:txBody>
+      </p:sp>
+      <p:pic>
+        <p:nvPicPr>
+          <p:cNvPr id="5" name="Picture 2" descr="Doing magic with generative AI - Nami">
+            <a:extLst>
+              <a:ext uri="{FF2B5EF4-FFF2-40B4-BE49-F238E27FC236}">
+                <a16:creationId xmlns:a16="http://schemas.microsoft.com/office/drawing/2014/main" id="{4BF81203-83B9-63D9-0527-63750C0048DC}"/>
+              </a:ext>
+            </a:extLst>
+          </p:cNvPr>
+          <p:cNvPicPr>
+            <a:picLocks noChangeAspect="1" noChangeArrowheads="1"/>
+          </p:cNvPicPr>
+          <p:nvPr/>
+        </p:nvPicPr>
+        <p:blipFill>
+          <a:blip r:embed="rId6">
+            <a:clrChange>
+              <a:clrFrom>
+                <a:srgbClr val="221353"/>
+              </a:clrFrom>
+              <a:clrTo>
+                <a:srgbClr val="221353">
+                  <a:alpha val="0"/>
+                </a:srgbClr>
+              </a:clrTo>
+            </a:clrChange>
+            <a:extLst>
+              <a:ext uri="{28A0092B-C50C-407E-A947-70E740481C1C}">
+                <a14:useLocalDpi xmlns:a14="http://schemas.microsoft.com/office/drawing/2010/main" val="0"/>
+              </a:ext>
+            </a:extLst>
+          </a:blip>
+          <a:srcRect/>
+          <a:stretch>
+            <a:fillRect/>
+          </a:stretch>
+        </p:blipFill>
+        <p:spPr bwMode="auto">
+          <a:xfrm>
+            <a:off x="6286674" y="1127706"/>
+            <a:ext cx="4861560" cy="4861560"/>
+          </a:xfrm>
+          <a:prstGeom prst="rect">
+            <a:avLst/>
+          </a:prstGeom>
+          <a:noFill/>
+          <a:extLst>
+            <a:ext uri="{909E8E84-426E-40DD-AFC4-6F175D3DCCD1}">
+              <a14:hiddenFill xmlns:a14="http://schemas.microsoft.com/office/drawing/2010/main">
+                <a:solidFill>
+                  <a:srgbClr val="FFFFFF"/>
+                </a:solidFill>
+              </a14:hiddenFill>
+            </a:ext>
+          </a:extLst>
+        </p:spPr>
+      </p:pic>
+    </p:spTree>
+    <p:extLst>
+      <p:ext uri="{BB962C8B-B14F-4D97-AF65-F5344CB8AC3E}">
+        <p14:creationId xmlns:p14="http://schemas.microsoft.com/office/powerpoint/2010/main" val="3811596486"/>
+      </p:ext>
+    </p:extLst>
+  </p:cSld>
+  <p:clrMapOvr>
+    <a:masterClrMapping/>
+  </p:clrMapOvr>
+</p:sld>
+</file>
+
+<file path=ppt/slides/slide11.xml><?xml version="1.0" encoding="utf-8"?>
+<p:sld xmlns:a="http://schemas.openxmlformats.org/drawingml/2006/main" xmlns:r="http://schemas.openxmlformats.org/officeDocument/2006/relationships" xmlns:p="http://schemas.openxmlformats.org/presentationml/2006/main">
+  <p:cSld>
+    <p:bg>
+      <p:bgPr>
+        <a:solidFill>
+          <a:schemeClr val="bg1"/>
+        </a:solidFill>
+        <a:effectLst/>
+      </p:bgPr>
+    </p:bg>
+    <p:spTree>
+      <p:nvGrpSpPr>
+        <p:cNvPr id="1" name=""/>
+        <p:cNvGrpSpPr/>
+        <p:nvPr/>
+      </p:nvGrpSpPr>
+      <p:grpSpPr>
+        <a:xfrm>
+          <a:off x="0" y="0"/>
+          <a:ext cx="0" cy="0"/>
+          <a:chOff x="0" y="0"/>
+          <a:chExt cx="0" cy="0"/>
+        </a:xfrm>
+      </p:grpSpPr>
+      <p:sp useBgFill="1">
+        <p:nvSpPr>
+          <p:cNvPr id="1043" name="Rectangle 1042">
+            <a:extLst>
+              <a:ext uri="{FF2B5EF4-FFF2-40B4-BE49-F238E27FC236}">
+                <a16:creationId xmlns:a16="http://schemas.microsoft.com/office/drawing/2014/main" id="{53F29798-D584-4792-9B62-3F5F5C36D619}"/>
+              </a:ext>
+              <a:ext uri="{C183D7F6-B498-43B3-948B-1728B52AA6E4}">
+                <adec:decorative xmlns:adec="http://schemas.microsoft.com/office/drawing/2017/decorative" val="1"/>
+              </a:ext>
+            </a:extLst>
+          </p:cNvPr>
+          <p:cNvSpPr>
+            <a:spLocks noGrp="1" noRot="1" noChangeAspect="1" noMove="1" noResize="1" noEditPoints="1" noAdjustHandles="1" noChangeArrowheads="1" noChangeShapeType="1" noTextEdit="1"/>
+          </p:cNvSpPr>
+          <p:nvPr>
+            <p:extLst>
+              <p:ext uri="{386F3935-93C4-4BCD-93E2-E3B085C9AB24}">
+                <p16:designElem xmlns:p16="http://schemas.microsoft.com/office/powerpoint/2015/main" val="1"/>
+              </p:ext>
+            </p:extLst>
+          </p:nvPr>
+        </p:nvSpPr>
+        <p:spPr>
+          <a:xfrm>
+            <a:off x="0" y="0"/>
+            <a:ext cx="12188952" cy="6858000"/>
+          </a:xfrm>
+          <a:prstGeom prst="rect">
+            <a:avLst/>
+          </a:prstGeom>
+          <a:ln>
+            <a:noFill/>
+          </a:ln>
+        </p:spPr>
+        <p:style>
+          <a:lnRef idx="2">
+            <a:schemeClr val="accent1">
+              <a:shade val="50000"/>
+            </a:schemeClr>
+          </a:lnRef>
+          <a:fillRef idx="1">
+            <a:schemeClr val="accent1"/>
+          </a:fillRef>
+          <a:effectRef idx="0">
+            <a:schemeClr val="accent1"/>
+          </a:effectRef>
+          <a:fontRef idx="minor">
+            <a:schemeClr val="lt1"/>
+          </a:fontRef>
+        </p:style>
+        <p:txBody>
+          <a:bodyPr rtlCol="0" anchor="ctr"/>
+          <a:lstStyle/>
+          <a:p>
+            <a:pPr algn="ctr"/>
+            <a:endParaRPr lang="en-US"/>
+          </a:p>
+        </p:txBody>
+      </p:sp>
+      <p:pic>
+        <p:nvPicPr>
+          <p:cNvPr id="2" name="Picture 1" descr="A black background with a black square&#10;&#10;Description automatically generated">
+            <a:extLst>
+              <a:ext uri="{FF2B5EF4-FFF2-40B4-BE49-F238E27FC236}">
+                <a16:creationId xmlns:a16="http://schemas.microsoft.com/office/drawing/2014/main" id="{4A6E8B57-3EC5-1E62-783E-520912494540}"/>
+              </a:ext>
+            </a:extLst>
+          </p:cNvPr>
+          <p:cNvPicPr>
+            <a:picLocks noChangeAspect="1"/>
+          </p:cNvPicPr>
+          <p:nvPr/>
+        </p:nvPicPr>
+        <p:blipFill>
+          <a:blip r:embed="rId2">
+            <a:extLst>
+              <a:ext uri="{28A0092B-C50C-407E-A947-70E740481C1C}">
+                <a14:useLocalDpi xmlns:a14="http://schemas.microsoft.com/office/drawing/2010/main" val="0"/>
+              </a:ext>
+            </a:extLst>
+          </a:blip>
+          <a:stretch>
+            <a:fillRect/>
+          </a:stretch>
+        </p:blipFill>
+        <p:spPr>
+          <a:xfrm>
+            <a:off x="11513322" y="6210300"/>
+            <a:ext cx="657832" cy="626434"/>
+          </a:xfrm>
+          <a:prstGeom prst="rect">
+            <a:avLst/>
+          </a:prstGeom>
+        </p:spPr>
+      </p:pic>
+      <p:sp>
+        <p:nvSpPr>
+          <p:cNvPr id="56" name="TextBox 55">
+            <a:extLst>
+              <a:ext uri="{FF2B5EF4-FFF2-40B4-BE49-F238E27FC236}">
+                <a16:creationId xmlns:a16="http://schemas.microsoft.com/office/drawing/2014/main" id="{175D15B2-5916-E8CD-EF85-3524CA37ACF4}"/>
+              </a:ext>
+            </a:extLst>
+          </p:cNvPr>
+          <p:cNvSpPr txBox="1"/>
+          <p:nvPr/>
+        </p:nvSpPr>
+        <p:spPr>
+          <a:xfrm>
+            <a:off x="20846" y="6430514"/>
+            <a:ext cx="8130752" cy="553998"/>
+          </a:xfrm>
+          <a:prstGeom prst="rect">
+            <a:avLst/>
+          </a:prstGeom>
+          <a:noFill/>
+        </p:spPr>
+        <p:txBody>
+          <a:bodyPr wrap="none" rtlCol="0">
+            <a:spAutoFit/>
+          </a:bodyPr>
+          <a:lstStyle/>
+          <a:p>
+            <a:r>
+              <a:rPr lang="en-GB" sz="1000" dirty="0"/>
+              <a:t>Image Source: </a:t>
+            </a:r>
+            <a:r>
+              <a:rPr lang="en-GB" sz="1000" dirty="0">
+                <a:hlinkClick r:id="rId3">
+                  <a:extLst>
+                    <a:ext uri="{A12FA001-AC4F-418D-AE19-62706E023703}">
+                      <ahyp:hlinkClr xmlns:ahyp="http://schemas.microsoft.com/office/drawing/2018/hyperlinkcolor" val="tx"/>
+                    </a:ext>
+                  </a:extLst>
+                </a:hlinkClick>
+              </a:rPr>
+              <a:t>https://www.researchgate.net/figure/The-main-types-of-machine-learning-Main-approaches-include-classification-and_fig1_354960266</a:t>
+            </a:r>
+            <a:r>
+              <a:rPr lang="en-GB" sz="1000" dirty="0"/>
+              <a:t>, </a:t>
+            </a:r>
+          </a:p>
+          <a:p>
+            <a:r>
+              <a:rPr lang="en-GB" sz="1000" dirty="0">
+                <a:hlinkClick r:id="rId4">
+                  <a:extLst>
+                    <a:ext uri="{A12FA001-AC4F-418D-AE19-62706E023703}">
+                      <ahyp:hlinkClr xmlns:ahyp="http://schemas.microsoft.com/office/drawing/2018/hyperlinkcolor" val="tx"/>
+                    </a:ext>
+                  </a:extLst>
+                </a:hlinkClick>
+              </a:rPr>
+              <a:t>https://bootcamp.pe.gatech.edu/blog/introduction-to-machine-learning-and-three-common-algorithms/</a:t>
+            </a:r>
+            <a:endParaRPr lang="en-GB" sz="1000" dirty="0"/>
+          </a:p>
+          <a:p>
+            <a:endParaRPr lang="en-GB" sz="1000" dirty="0"/>
+          </a:p>
+        </p:txBody>
+      </p:sp>
+      <p:sp>
+        <p:nvSpPr>
+          <p:cNvPr id="57" name="Rectangle 56">
+            <a:extLst>
+              <a:ext uri="{FF2B5EF4-FFF2-40B4-BE49-F238E27FC236}">
+                <a16:creationId xmlns:a16="http://schemas.microsoft.com/office/drawing/2014/main" id="{AC4B6CBB-6DDC-D6B0-6D4D-7810E98AC6FC}"/>
+              </a:ext>
+            </a:extLst>
+          </p:cNvPr>
+          <p:cNvSpPr/>
+          <p:nvPr/>
+        </p:nvSpPr>
+        <p:spPr>
+          <a:xfrm>
+            <a:off x="271460" y="295497"/>
+            <a:ext cx="3205888" cy="5914804"/>
+          </a:xfrm>
+          <a:prstGeom prst="rect">
+            <a:avLst/>
+          </a:prstGeom>
+          <a:solidFill>
+            <a:schemeClr val="bg1">
+              <a:lumMod val="95000"/>
+            </a:schemeClr>
+          </a:solidFill>
+          <a:ln>
+            <a:noFill/>
+          </a:ln>
+        </p:spPr>
+        <p:style>
+          <a:lnRef idx="2">
+            <a:schemeClr val="accent1">
+              <a:shade val="15000"/>
+            </a:schemeClr>
+          </a:lnRef>
+          <a:fillRef idx="1">
+            <a:schemeClr val="accent1"/>
+          </a:fillRef>
+          <a:effectRef idx="0">
+            <a:schemeClr val="accent1"/>
+          </a:effectRef>
+          <a:fontRef idx="minor">
+            <a:schemeClr val="lt1"/>
+          </a:fontRef>
+        </p:style>
+        <p:txBody>
+          <a:bodyPr rtlCol="0" anchor="ctr"/>
+          <a:lstStyle/>
+          <a:p>
+            <a:pPr algn="ctr"/>
+            <a:endParaRPr lang="en-GB"/>
+          </a:p>
+        </p:txBody>
+      </p:sp>
+      <p:grpSp>
+        <p:nvGrpSpPr>
+          <p:cNvPr id="55" name="Group 54">
+            <a:extLst>
+              <a:ext uri="{FF2B5EF4-FFF2-40B4-BE49-F238E27FC236}">
+                <a16:creationId xmlns:a16="http://schemas.microsoft.com/office/drawing/2014/main" id="{C748CA98-DC5A-0882-A21E-95CDEE5F43C2}"/>
+              </a:ext>
+            </a:extLst>
+          </p:cNvPr>
+          <p:cNvGrpSpPr/>
+          <p:nvPr/>
+        </p:nvGrpSpPr>
+        <p:grpSpPr>
+          <a:xfrm>
+            <a:off x="3938986" y="131534"/>
+            <a:ext cx="7094737" cy="5711011"/>
+            <a:chOff x="3817066" y="209550"/>
+            <a:chExt cx="7094737" cy="5711011"/>
+          </a:xfrm>
+        </p:grpSpPr>
+        <p:pic>
+          <p:nvPicPr>
+            <p:cNvPr id="1028" name="Picture 4" descr="Introduction to Machine Learning and Three Common Algorithms - Georgia Tech  Boot Camps">
+              <a:extLst>
+                <a:ext uri="{FF2B5EF4-FFF2-40B4-BE49-F238E27FC236}">
+                  <a16:creationId xmlns:a16="http://schemas.microsoft.com/office/drawing/2014/main" id="{45D5ACB2-CEEB-7DCC-3D09-0432C5182A6C}"/>
+                </a:ext>
+              </a:extLst>
+            </p:cNvPr>
+            <p:cNvPicPr>
+              <a:picLocks noChangeAspect="1" noChangeArrowheads="1"/>
+            </p:cNvPicPr>
+            <p:nvPr/>
+          </p:nvPicPr>
+          <p:blipFill rotWithShape="1">
+            <a:blip r:embed="rId5">
+              <a:extLst>
+                <a:ext uri="{28A0092B-C50C-407E-A947-70E740481C1C}">
+                  <a14:useLocalDpi xmlns:a14="http://schemas.microsoft.com/office/drawing/2010/main" val="0"/>
+                </a:ext>
+              </a:extLst>
+            </a:blip>
+            <a:srcRect t="18889"/>
+            <a:stretch/>
+          </p:blipFill>
+          <p:spPr bwMode="auto">
+            <a:xfrm>
+              <a:off x="4773893" y="209550"/>
+              <a:ext cx="6137910" cy="3913253"/>
+            </a:xfrm>
+            <a:prstGeom prst="rect">
+              <a:avLst/>
+            </a:prstGeom>
+            <a:noFill/>
+            <a:extLst>
+              <a:ext uri="{909E8E84-426E-40DD-AFC4-6F175D3DCCD1}">
+                <a14:hiddenFill xmlns:a14="http://schemas.microsoft.com/office/drawing/2010/main">
+                  <a:solidFill>
+                    <a:srgbClr val="FFFFFF"/>
+                  </a:solidFill>
+                </a14:hiddenFill>
+              </a:ext>
+            </a:extLst>
+          </p:spPr>
+        </p:pic>
+        <p:pic>
+          <p:nvPicPr>
+            <p:cNvPr id="1030" name="Picture 6" descr="The main types of machine learning. Main approaches include... | Download  Scientific Diagram">
+              <a:extLst>
+                <a:ext uri="{FF2B5EF4-FFF2-40B4-BE49-F238E27FC236}">
+                  <a16:creationId xmlns:a16="http://schemas.microsoft.com/office/drawing/2014/main" id="{DFB6D675-C602-8178-916E-337F161BB7AF}"/>
+                </a:ext>
+              </a:extLst>
+            </p:cNvPr>
+            <p:cNvPicPr>
+              <a:picLocks noChangeAspect="1" noChangeArrowheads="1"/>
+            </p:cNvPicPr>
+            <p:nvPr/>
+          </p:nvPicPr>
+          <p:blipFill rotWithShape="1">
+            <a:blip r:embed="rId6">
+              <a:extLst>
+                <a:ext uri="{28A0092B-C50C-407E-A947-70E740481C1C}">
+                  <a14:useLocalDpi xmlns:a14="http://schemas.microsoft.com/office/drawing/2010/main" val="0"/>
+                </a:ext>
+              </a:extLst>
+            </a:blip>
+            <a:srcRect l="1341" t="54891" r="1152"/>
+            <a:stretch/>
+          </p:blipFill>
+          <p:spPr bwMode="auto">
+            <a:xfrm>
+              <a:off x="3817066" y="4007791"/>
+              <a:ext cx="6979920" cy="1739927"/>
+            </a:xfrm>
+            <a:prstGeom prst="rect">
+              <a:avLst/>
+            </a:prstGeom>
+            <a:noFill/>
+            <a:extLst>
+              <a:ext uri="{909E8E84-426E-40DD-AFC4-6F175D3DCCD1}">
+                <a14:hiddenFill xmlns:a14="http://schemas.microsoft.com/office/drawing/2010/main">
+                  <a:solidFill>
+                    <a:srgbClr val="FFFFFF"/>
+                  </a:solidFill>
+                </a14:hiddenFill>
+              </a:ext>
+            </a:extLst>
+          </p:spPr>
+        </p:pic>
+        <p:cxnSp>
+          <p:nvCxnSpPr>
+            <p:cNvPr id="7" name="Straight Arrow Connector 6">
+              <a:extLst>
+                <a:ext uri="{FF2B5EF4-FFF2-40B4-BE49-F238E27FC236}">
+                  <a16:creationId xmlns:a16="http://schemas.microsoft.com/office/drawing/2014/main" id="{D98F8065-FDF3-A8F3-3329-58A525129E06}"/>
+                </a:ext>
+              </a:extLst>
+            </p:cNvPr>
+            <p:cNvCxnSpPr>
+              <a:cxnSpLocks/>
+            </p:cNvCxnSpPr>
+            <p:nvPr/>
+          </p:nvCxnSpPr>
+          <p:spPr>
+            <a:xfrm flipH="1">
+              <a:off x="4691167" y="3406140"/>
+              <a:ext cx="871396" cy="585860"/>
+            </a:xfrm>
+            <a:prstGeom prst="straightConnector1">
+              <a:avLst/>
+            </a:prstGeom>
+            <a:ln>
+              <a:tailEnd type="triangle"/>
+            </a:ln>
+          </p:spPr>
+          <p:style>
+            <a:lnRef idx="1">
+              <a:schemeClr val="dk1"/>
+            </a:lnRef>
+            <a:fillRef idx="0">
+              <a:schemeClr val="dk1"/>
+            </a:fillRef>
+            <a:effectRef idx="0">
+              <a:schemeClr val="dk1"/>
+            </a:effectRef>
+            <a:fontRef idx="minor">
+              <a:schemeClr val="tx1"/>
+            </a:fontRef>
+          </p:style>
+        </p:cxnSp>
+        <p:cxnSp>
+          <p:nvCxnSpPr>
+            <p:cNvPr id="14" name="Straight Arrow Connector 13">
+              <a:extLst>
+                <a:ext uri="{FF2B5EF4-FFF2-40B4-BE49-F238E27FC236}">
+                  <a16:creationId xmlns:a16="http://schemas.microsoft.com/office/drawing/2014/main" id="{78D09C52-BDCE-3D45-6CBF-2D12E03A51CC}"/>
+                </a:ext>
+              </a:extLst>
+            </p:cNvPr>
+            <p:cNvCxnSpPr>
+              <a:cxnSpLocks/>
+            </p:cNvCxnSpPr>
+            <p:nvPr/>
+          </p:nvCxnSpPr>
+          <p:spPr>
+            <a:xfrm>
+              <a:off x="5650193" y="3406140"/>
+              <a:ext cx="712470" cy="585860"/>
+            </a:xfrm>
+            <a:prstGeom prst="straightConnector1">
+              <a:avLst/>
+            </a:prstGeom>
+            <a:ln>
+              <a:tailEnd type="triangle"/>
+            </a:ln>
+          </p:spPr>
+          <p:style>
+            <a:lnRef idx="1">
+              <a:schemeClr val="dk1"/>
+            </a:lnRef>
+            <a:fillRef idx="0">
+              <a:schemeClr val="dk1"/>
+            </a:fillRef>
+            <a:effectRef idx="0">
+              <a:schemeClr val="dk1"/>
+            </a:effectRef>
+            <a:fontRef idx="minor">
+              <a:schemeClr val="tx1"/>
+            </a:fontRef>
+          </p:style>
+        </p:cxnSp>
+        <p:cxnSp>
+          <p:nvCxnSpPr>
+            <p:cNvPr id="19" name="Straight Arrow Connector 18">
+              <a:extLst>
+                <a:ext uri="{FF2B5EF4-FFF2-40B4-BE49-F238E27FC236}">
+                  <a16:creationId xmlns:a16="http://schemas.microsoft.com/office/drawing/2014/main" id="{257B2D95-0668-A578-B20E-0A20C5FB5ADB}"/>
+                </a:ext>
+              </a:extLst>
+            </p:cNvPr>
+            <p:cNvCxnSpPr>
+              <a:cxnSpLocks/>
+            </p:cNvCxnSpPr>
+            <p:nvPr/>
+          </p:nvCxnSpPr>
+          <p:spPr>
+            <a:xfrm>
+              <a:off x="7126851" y="3405757"/>
+              <a:ext cx="600135" cy="602034"/>
+            </a:xfrm>
+            <a:prstGeom prst="straightConnector1">
+              <a:avLst/>
+            </a:prstGeom>
+            <a:ln>
+              <a:tailEnd type="triangle"/>
+            </a:ln>
+          </p:spPr>
+          <p:style>
+            <a:lnRef idx="1">
+              <a:schemeClr val="dk1"/>
+            </a:lnRef>
+            <a:fillRef idx="0">
+              <a:schemeClr val="dk1"/>
+            </a:fillRef>
+            <a:effectRef idx="0">
+              <a:schemeClr val="dk1"/>
+            </a:effectRef>
+            <a:fontRef idx="minor">
+              <a:schemeClr val="tx1"/>
+            </a:fontRef>
+          </p:style>
+        </p:cxnSp>
+        <p:cxnSp>
+          <p:nvCxnSpPr>
+            <p:cNvPr id="20" name="Straight Arrow Connector 19">
+              <a:extLst>
+                <a:ext uri="{FF2B5EF4-FFF2-40B4-BE49-F238E27FC236}">
+                  <a16:creationId xmlns:a16="http://schemas.microsoft.com/office/drawing/2014/main" id="{BCD2DB1D-C1EE-5B57-D8AF-BD10F8F8A049}"/>
+                </a:ext>
+              </a:extLst>
+            </p:cNvPr>
+            <p:cNvCxnSpPr>
+              <a:cxnSpLocks/>
+            </p:cNvCxnSpPr>
+            <p:nvPr/>
+          </p:nvCxnSpPr>
+          <p:spPr>
+            <a:xfrm>
+              <a:off x="9902153" y="3405757"/>
+              <a:ext cx="0" cy="614365"/>
+            </a:xfrm>
+            <a:prstGeom prst="straightConnector1">
+              <a:avLst/>
+            </a:prstGeom>
+            <a:ln>
+              <a:tailEnd type="triangle"/>
+            </a:ln>
+          </p:spPr>
+          <p:style>
+            <a:lnRef idx="1">
+              <a:schemeClr val="dk1"/>
+            </a:lnRef>
+            <a:fillRef idx="0">
+              <a:schemeClr val="dk1"/>
+            </a:fillRef>
+            <a:effectRef idx="0">
+              <a:schemeClr val="dk1"/>
+            </a:effectRef>
+            <a:fontRef idx="minor">
+              <a:schemeClr val="tx1"/>
+            </a:fontRef>
+          </p:style>
+        </p:cxnSp>
+        <p:sp>
+          <p:nvSpPr>
+            <p:cNvPr id="22" name="TextBox 21">
+              <a:extLst>
+                <a:ext uri="{FF2B5EF4-FFF2-40B4-BE49-F238E27FC236}">
+                  <a16:creationId xmlns:a16="http://schemas.microsoft.com/office/drawing/2014/main" id="{80C12FD2-B11D-FABA-548C-A6B5C3986751}"/>
+                </a:ext>
+              </a:extLst>
+            </p:cNvPr>
+            <p:cNvSpPr txBox="1"/>
+            <p:nvPr/>
+          </p:nvSpPr>
+          <p:spPr>
+            <a:xfrm>
+              <a:off x="4274141" y="5630794"/>
+              <a:ext cx="999504" cy="276999"/>
+            </a:xfrm>
+            <a:prstGeom prst="rect">
+              <a:avLst/>
+            </a:prstGeom>
+            <a:noFill/>
+          </p:spPr>
+          <p:txBody>
+            <a:bodyPr wrap="none" rtlCol="0">
+              <a:spAutoFit/>
+            </a:bodyPr>
+            <a:lstStyle/>
+            <a:p>
+              <a:r>
+                <a:rPr lang="en-GB" sz="1200" dirty="0"/>
+                <a:t>Classification</a:t>
+              </a:r>
+            </a:p>
+          </p:txBody>
+        </p:sp>
+        <p:cxnSp>
+          <p:nvCxnSpPr>
+            <p:cNvPr id="25" name="Straight Arrow Connector 24">
+              <a:extLst>
+                <a:ext uri="{FF2B5EF4-FFF2-40B4-BE49-F238E27FC236}">
+                  <a16:creationId xmlns:a16="http://schemas.microsoft.com/office/drawing/2014/main" id="{06C6EC4B-1FFC-4C09-2A73-FE0F72288233}"/>
+                </a:ext>
+              </a:extLst>
+            </p:cNvPr>
+            <p:cNvCxnSpPr>
+              <a:cxnSpLocks/>
+            </p:cNvCxnSpPr>
+            <p:nvPr/>
+          </p:nvCxnSpPr>
+          <p:spPr>
+            <a:xfrm flipH="1">
+              <a:off x="8397203" y="3425190"/>
+              <a:ext cx="11430" cy="582601"/>
+            </a:xfrm>
+            <a:prstGeom prst="straightConnector1">
+              <a:avLst/>
+            </a:prstGeom>
+            <a:ln>
+              <a:tailEnd type="triangle"/>
+            </a:ln>
+          </p:spPr>
+          <p:style>
+            <a:lnRef idx="1">
+              <a:schemeClr val="dk1"/>
+            </a:lnRef>
+            <a:fillRef idx="0">
+              <a:schemeClr val="dk1"/>
+            </a:fillRef>
+            <a:effectRef idx="0">
+              <a:schemeClr val="dk1"/>
+            </a:effectRef>
+            <a:fontRef idx="minor">
+              <a:schemeClr val="tx1"/>
+            </a:fontRef>
+          </p:style>
+        </p:cxnSp>
+        <p:cxnSp>
+          <p:nvCxnSpPr>
+            <p:cNvPr id="28" name="Straight Arrow Connector 27">
+              <a:extLst>
+                <a:ext uri="{FF2B5EF4-FFF2-40B4-BE49-F238E27FC236}">
+                  <a16:creationId xmlns:a16="http://schemas.microsoft.com/office/drawing/2014/main" id="{6996B5E5-4803-7A7D-49D3-2A70BECE7C97}"/>
+                </a:ext>
+              </a:extLst>
+            </p:cNvPr>
+            <p:cNvCxnSpPr>
+              <a:cxnSpLocks/>
+            </p:cNvCxnSpPr>
+            <p:nvPr/>
+          </p:nvCxnSpPr>
+          <p:spPr>
+            <a:xfrm flipH="1">
+              <a:off x="6912950" y="3417187"/>
+              <a:ext cx="1484253" cy="579174"/>
+            </a:xfrm>
+            <a:prstGeom prst="straightConnector1">
+              <a:avLst/>
+            </a:prstGeom>
+            <a:ln>
+              <a:tailEnd type="triangle"/>
+            </a:ln>
+          </p:spPr>
+          <p:style>
+            <a:lnRef idx="1">
+              <a:schemeClr val="dk1"/>
+            </a:lnRef>
+            <a:fillRef idx="0">
+              <a:schemeClr val="dk1"/>
+            </a:fillRef>
+            <a:effectRef idx="0">
+              <a:schemeClr val="dk1"/>
+            </a:effectRef>
+            <a:fontRef idx="minor">
+              <a:schemeClr val="tx1"/>
+            </a:fontRef>
+          </p:style>
+        </p:cxnSp>
+        <p:cxnSp>
+          <p:nvCxnSpPr>
+            <p:cNvPr id="31" name="Straight Arrow Connector 30">
+              <a:extLst>
+                <a:ext uri="{FF2B5EF4-FFF2-40B4-BE49-F238E27FC236}">
+                  <a16:creationId xmlns:a16="http://schemas.microsoft.com/office/drawing/2014/main" id="{D0614929-8628-3F1C-7EBF-96811DB9F798}"/>
+                </a:ext>
+              </a:extLst>
+            </p:cNvPr>
+            <p:cNvCxnSpPr>
+              <a:cxnSpLocks/>
+            </p:cNvCxnSpPr>
+            <p:nvPr/>
+          </p:nvCxnSpPr>
+          <p:spPr>
+            <a:xfrm flipH="1">
+              <a:off x="5013386" y="3405757"/>
+              <a:ext cx="3383817" cy="586243"/>
+            </a:xfrm>
+            <a:prstGeom prst="straightConnector1">
+              <a:avLst/>
+            </a:prstGeom>
+            <a:ln>
+              <a:tailEnd type="triangle"/>
+            </a:ln>
+          </p:spPr>
+          <p:style>
+            <a:lnRef idx="1">
+              <a:schemeClr val="dk1"/>
+            </a:lnRef>
+            <a:fillRef idx="0">
+              <a:schemeClr val="dk1"/>
+            </a:fillRef>
+            <a:effectRef idx="0">
+              <a:schemeClr val="dk1"/>
+            </a:effectRef>
+            <a:fontRef idx="minor">
+              <a:schemeClr val="tx1"/>
+            </a:fontRef>
+          </p:style>
+        </p:cxnSp>
+        <p:sp>
+          <p:nvSpPr>
+            <p:cNvPr id="34" name="TextBox 33">
+              <a:extLst>
+                <a:ext uri="{FF2B5EF4-FFF2-40B4-BE49-F238E27FC236}">
+                  <a16:creationId xmlns:a16="http://schemas.microsoft.com/office/drawing/2014/main" id="{31370B71-D076-1456-035D-56CECAEB0AF6}"/>
+                </a:ext>
+              </a:extLst>
+            </p:cNvPr>
+            <p:cNvSpPr txBox="1"/>
+            <p:nvPr/>
+          </p:nvSpPr>
+          <p:spPr>
+            <a:xfrm>
+              <a:off x="6056957" y="5643562"/>
+              <a:ext cx="861198" cy="276999"/>
+            </a:xfrm>
+            <a:prstGeom prst="rect">
+              <a:avLst/>
+            </a:prstGeom>
+            <a:noFill/>
+          </p:spPr>
+          <p:txBody>
+            <a:bodyPr wrap="none" rtlCol="0">
+              <a:spAutoFit/>
+            </a:bodyPr>
+            <a:lstStyle/>
+            <a:p>
+              <a:r>
+                <a:rPr lang="en-GB" sz="1200" dirty="0"/>
+                <a:t>Regression</a:t>
+              </a:r>
+            </a:p>
+          </p:txBody>
+        </p:sp>
+        <p:sp>
+          <p:nvSpPr>
+            <p:cNvPr id="37" name="TextBox 36">
+              <a:extLst>
+                <a:ext uri="{FF2B5EF4-FFF2-40B4-BE49-F238E27FC236}">
+                  <a16:creationId xmlns:a16="http://schemas.microsoft.com/office/drawing/2014/main" id="{28944CEC-6DC5-326B-A7CD-895969B2012C}"/>
+                </a:ext>
+              </a:extLst>
+            </p:cNvPr>
+            <p:cNvSpPr txBox="1"/>
+            <p:nvPr/>
+          </p:nvSpPr>
+          <p:spPr>
+            <a:xfrm>
+              <a:off x="7701468" y="5630794"/>
+              <a:ext cx="808042" cy="276999"/>
+            </a:xfrm>
+            <a:prstGeom prst="rect">
+              <a:avLst/>
+            </a:prstGeom>
+            <a:noFill/>
+          </p:spPr>
+          <p:txBody>
+            <a:bodyPr wrap="none" rtlCol="0">
+              <a:spAutoFit/>
+            </a:bodyPr>
+            <a:lstStyle/>
+            <a:p>
+              <a:r>
+                <a:rPr lang="en-GB" sz="1200" dirty="0"/>
+                <a:t>Clustering</a:t>
+              </a:r>
+            </a:p>
+          </p:txBody>
+        </p:sp>
+      </p:grpSp>
+      <p:sp>
+        <p:nvSpPr>
+          <p:cNvPr id="3" name="TextBox 2">
+            <a:extLst>
+              <a:ext uri="{FF2B5EF4-FFF2-40B4-BE49-F238E27FC236}">
+                <a16:creationId xmlns:a16="http://schemas.microsoft.com/office/drawing/2014/main" id="{3F645782-D999-492F-9C4C-8895E41FE101}"/>
+              </a:ext>
+            </a:extLst>
+          </p:cNvPr>
+          <p:cNvSpPr txBox="1"/>
+          <p:nvPr/>
+        </p:nvSpPr>
+        <p:spPr>
+          <a:xfrm>
+            <a:off x="393667" y="1463041"/>
+            <a:ext cx="2517173" cy="2479066"/>
+          </a:xfrm>
+          <a:prstGeom prst="rect">
+            <a:avLst/>
+          </a:prstGeom>
+        </p:spPr>
+        <p:txBody>
+          <a:bodyPr vert="horz" lIns="91440" tIns="45720" rIns="91440" bIns="45720" rtlCol="0" anchor="ctr">
+            <a:noAutofit/>
+          </a:bodyPr>
+          <a:lstStyle/>
+          <a:p>
+            <a:pPr>
+              <a:lnSpc>
+                <a:spcPct val="90000"/>
+              </a:lnSpc>
+              <a:spcBef>
+                <a:spcPct val="0"/>
+              </a:spcBef>
+              <a:spcAft>
+                <a:spcPts val="600"/>
+              </a:spcAft>
+            </a:pPr>
+            <a:r>
+              <a:rPr lang="en-US" sz="4000" b="1" kern="1200" dirty="0">
+                <a:latin typeface="+mj-lt"/>
+                <a:ea typeface="+mj-ea"/>
+                <a:cs typeface="+mj-cs"/>
+              </a:rPr>
+              <a:t>TYPES </a:t>
+            </a:r>
+          </a:p>
+          <a:p>
+            <a:pPr>
+              <a:lnSpc>
+                <a:spcPct val="90000"/>
+              </a:lnSpc>
+              <a:spcBef>
+                <a:spcPct val="0"/>
+              </a:spcBef>
+              <a:spcAft>
+                <a:spcPts val="600"/>
+              </a:spcAft>
+            </a:pPr>
+            <a:r>
+              <a:rPr lang="en-US" sz="4000" b="1" kern="1200" dirty="0">
+                <a:latin typeface="+mj-lt"/>
+                <a:ea typeface="+mj-ea"/>
+                <a:cs typeface="+mj-cs"/>
+              </a:rPr>
+              <a:t>OF MACHINE LEARNING</a:t>
+            </a:r>
+          </a:p>
+        </p:txBody>
+      </p:sp>
+      <p:sp>
+        <p:nvSpPr>
+          <p:cNvPr id="54" name="Rectangle 53">
+            <a:extLst>
+              <a:ext uri="{FF2B5EF4-FFF2-40B4-BE49-F238E27FC236}">
+                <a16:creationId xmlns:a16="http://schemas.microsoft.com/office/drawing/2014/main" id="{3AB10280-41A5-1ECF-1FDF-79B683D45D97}"/>
+              </a:ext>
+            </a:extLst>
+          </p:cNvPr>
+          <p:cNvSpPr/>
+          <p:nvPr/>
+        </p:nvSpPr>
+        <p:spPr>
+          <a:xfrm>
+            <a:off x="512998" y="4336163"/>
+            <a:ext cx="2026920" cy="60577"/>
+          </a:xfrm>
+          <a:prstGeom prst="rect">
+            <a:avLst/>
+          </a:prstGeom>
+          <a:solidFill>
+            <a:srgbClr val="FFC100"/>
+          </a:solidFill>
+          <a:ln>
+            <a:noFill/>
+          </a:ln>
+        </p:spPr>
+        <p:style>
+          <a:lnRef idx="2">
+            <a:schemeClr val="accent1">
+              <a:shade val="15000"/>
+            </a:schemeClr>
+          </a:lnRef>
+          <a:fillRef idx="1">
+            <a:schemeClr val="accent1"/>
+          </a:fillRef>
+          <a:effectRef idx="0">
+            <a:schemeClr val="accent1"/>
+          </a:effectRef>
+          <a:fontRef idx="minor">
+            <a:schemeClr val="lt1"/>
+          </a:fontRef>
+        </p:style>
+        <p:txBody>
+          <a:bodyPr rtlCol="0" anchor="ctr"/>
+          <a:lstStyle/>
+          <a:p>
+            <a:pPr algn="ctr"/>
+            <a:endParaRPr lang="en-GB"/>
+          </a:p>
+        </p:txBody>
+      </p:sp>
+    </p:spTree>
+    <p:extLst>
+      <p:ext uri="{BB962C8B-B14F-4D97-AF65-F5344CB8AC3E}">
+        <p14:creationId xmlns:p14="http://schemas.microsoft.com/office/powerpoint/2010/main" val="2222064853"/>
+      </p:ext>
+    </p:extLst>
+  </p:cSld>
+  <p:clrMapOvr>
+    <a:masterClrMapping/>
+  </p:clrMapOvr>
+</p:sld>
+</file>
+
+<file path=ppt/slides/slide12.xml><?xml version="1.0" encoding="utf-8"?>
+<p:sld xmlns:a="http://schemas.openxmlformats.org/drawingml/2006/main" xmlns:r="http://schemas.openxmlformats.org/officeDocument/2006/relationships" xmlns:p="http://schemas.openxmlformats.org/presentationml/2006/main">
+  <p:cSld>
+    <p:spTree>
+      <p:nvGrpSpPr>
+        <p:cNvPr id="1" name=""/>
+        <p:cNvGrpSpPr/>
+        <p:nvPr/>
+      </p:nvGrpSpPr>
+      <p:grpSpPr>
+        <a:xfrm>
+          <a:off x="0" y="0"/>
+          <a:ext cx="0" cy="0"/>
+          <a:chOff x="0" y="0"/>
+          <a:chExt cx="0" cy="0"/>
+        </a:xfrm>
+      </p:grpSpPr>
+      <p:sp>
+        <p:nvSpPr>
+          <p:cNvPr id="4" name="Rectangle 3">
+            <a:extLst>
+              <a:ext uri="{FF2B5EF4-FFF2-40B4-BE49-F238E27FC236}">
+                <a16:creationId xmlns:a16="http://schemas.microsoft.com/office/drawing/2014/main" id="{D0F69591-30F5-C640-61E5-1EC01850F1D5}"/>
+              </a:ext>
+            </a:extLst>
+          </p:cNvPr>
+          <p:cNvSpPr/>
+          <p:nvPr/>
+        </p:nvSpPr>
+        <p:spPr>
+          <a:xfrm>
+            <a:off x="1" y="1126347"/>
+            <a:ext cx="12192000" cy="4959408"/>
+          </a:xfrm>
+          <a:prstGeom prst="rect">
+            <a:avLst/>
+          </a:prstGeom>
+          <a:solidFill>
+            <a:schemeClr val="bg1">
+              <a:lumMod val="95000"/>
+            </a:schemeClr>
+          </a:solidFill>
+          <a:ln>
+            <a:noFill/>
+          </a:ln>
+        </p:spPr>
+        <p:style>
+          <a:lnRef idx="2">
+            <a:schemeClr val="accent1">
+              <a:shade val="15000"/>
+            </a:schemeClr>
+          </a:lnRef>
+          <a:fillRef idx="1">
+            <a:schemeClr val="accent1"/>
+          </a:fillRef>
+          <a:effectRef idx="0">
+            <a:schemeClr val="accent1"/>
+          </a:effectRef>
+          <a:fontRef idx="minor">
+            <a:schemeClr val="lt1"/>
+          </a:fontRef>
+        </p:style>
+        <p:txBody>
+          <a:bodyPr rtlCol="0" anchor="ctr"/>
+          <a:lstStyle/>
+          <a:p>
+            <a:pPr algn="ctr"/>
+            <a:endParaRPr lang="en-GB"/>
+          </a:p>
+        </p:txBody>
+      </p:sp>
+      <p:pic>
+        <p:nvPicPr>
+          <p:cNvPr id="8194" name="Picture 2" descr="Which Machine Learning Algorithm Should You Use By Problem Type? | by  Sukanya Bag | Analytics Vidhya | Medium">
+            <a:extLst>
+              <a:ext uri="{FF2B5EF4-FFF2-40B4-BE49-F238E27FC236}">
+                <a16:creationId xmlns:a16="http://schemas.microsoft.com/office/drawing/2014/main" id="{45179DDD-7F78-B545-1B8E-FC02B322091A}"/>
+              </a:ext>
+            </a:extLst>
+          </p:cNvPr>
+          <p:cNvPicPr>
+            <a:picLocks noChangeAspect="1" noChangeArrowheads="1"/>
+          </p:cNvPicPr>
+          <p:nvPr/>
+        </p:nvPicPr>
+        <p:blipFill rotWithShape="1">
+          <a:blip r:embed="rId2">
+            <a:clrChange>
+              <a:clrFrom>
+                <a:srgbClr val="EDEEED"/>
+              </a:clrFrom>
+              <a:clrTo>
+                <a:srgbClr val="EDEEED">
+                  <a:alpha val="0"/>
+                </a:srgbClr>
+              </a:clrTo>
+            </a:clrChange>
+            <a:extLst>
+              <a:ext uri="{28A0092B-C50C-407E-A947-70E740481C1C}">
+                <a14:useLocalDpi xmlns:a14="http://schemas.microsoft.com/office/drawing/2010/main" val="0"/>
+              </a:ext>
+            </a:extLst>
+          </a:blip>
+          <a:srcRect t="2376" r="1832" b="2529"/>
+          <a:stretch/>
+        </p:blipFill>
+        <p:spPr bwMode="auto">
+          <a:xfrm>
+            <a:off x="1336846" y="1438153"/>
+            <a:ext cx="9343962" cy="4757520"/>
+          </a:xfrm>
+          <a:prstGeom prst="rect">
+            <a:avLst/>
+          </a:prstGeom>
+          <a:noFill/>
+          <a:extLst>
+            <a:ext uri="{909E8E84-426E-40DD-AFC4-6F175D3DCCD1}">
+              <a14:hiddenFill xmlns:a14="http://schemas.microsoft.com/office/drawing/2010/main">
+                <a:solidFill>
+                  <a:srgbClr val="FFFFFF"/>
+                </a:solidFill>
+              </a14:hiddenFill>
+            </a:ext>
+          </a:extLst>
+        </p:spPr>
+      </p:pic>
+      <p:sp>
+        <p:nvSpPr>
+          <p:cNvPr id="2" name="TextBox 1">
+            <a:extLst>
+              <a:ext uri="{FF2B5EF4-FFF2-40B4-BE49-F238E27FC236}">
+                <a16:creationId xmlns:a16="http://schemas.microsoft.com/office/drawing/2014/main" id="{5B7CCCFA-057D-277B-3133-F1EDCCDBC096}"/>
+              </a:ext>
+            </a:extLst>
+          </p:cNvPr>
+          <p:cNvSpPr txBox="1"/>
+          <p:nvPr/>
+        </p:nvSpPr>
+        <p:spPr>
+          <a:xfrm>
+            <a:off x="2286000" y="6507480"/>
+            <a:ext cx="8061822" cy="261610"/>
+          </a:xfrm>
+          <a:prstGeom prst="rect">
+            <a:avLst/>
+          </a:prstGeom>
+          <a:noFill/>
+        </p:spPr>
+        <p:txBody>
+          <a:bodyPr wrap="none" rtlCol="0">
+            <a:spAutoFit/>
+          </a:bodyPr>
+          <a:lstStyle/>
+          <a:p>
+            <a:r>
+              <a:rPr lang="en-GB" sz="1100" dirty="0"/>
+              <a:t>Image Source: https://medium.com/analytics-vidhya/which-machine-learning-algorithm-should-you-use-by-problem-type-a53967326566</a:t>
+            </a:r>
+          </a:p>
+        </p:txBody>
+      </p:sp>
+      <p:sp>
+        <p:nvSpPr>
+          <p:cNvPr id="3" name="TextBox 2">
+            <a:extLst>
+              <a:ext uri="{FF2B5EF4-FFF2-40B4-BE49-F238E27FC236}">
+                <a16:creationId xmlns:a16="http://schemas.microsoft.com/office/drawing/2014/main" id="{F1370BD1-F6D3-5774-B1E2-04AD27866484}"/>
+              </a:ext>
+            </a:extLst>
+          </p:cNvPr>
+          <p:cNvSpPr txBox="1"/>
+          <p:nvPr/>
+        </p:nvSpPr>
+        <p:spPr>
+          <a:xfrm>
+            <a:off x="2946367" y="251971"/>
+            <a:ext cx="8011193" cy="874375"/>
+          </a:xfrm>
+          <a:prstGeom prst="rect">
+            <a:avLst/>
+          </a:prstGeom>
+        </p:spPr>
+        <p:txBody>
+          <a:bodyPr vert="horz" lIns="91440" tIns="45720" rIns="91440" bIns="45720" rtlCol="0" anchor="ctr">
+            <a:noAutofit/>
+          </a:bodyPr>
+          <a:lstStyle/>
+          <a:p>
+            <a:pPr>
+              <a:lnSpc>
+                <a:spcPct val="90000"/>
+              </a:lnSpc>
+              <a:spcBef>
+                <a:spcPct val="0"/>
+              </a:spcBef>
+              <a:spcAft>
+                <a:spcPts val="600"/>
+              </a:spcAft>
+            </a:pPr>
+            <a:r>
+              <a:rPr lang="en-US" sz="4000" b="1" kern="1200" dirty="0">
+                <a:latin typeface="+mj-lt"/>
+                <a:ea typeface="+mj-ea"/>
+                <a:cs typeface="+mj-cs"/>
+              </a:rPr>
+              <a:t>VAST RANGE OF APPLICATIONS</a:t>
+            </a:r>
+          </a:p>
+        </p:txBody>
+      </p:sp>
+      <p:pic>
+        <p:nvPicPr>
+          <p:cNvPr id="5" name="Picture 4" descr="A black background with a black square&#10;&#10;Description automatically generated">
+            <a:extLst>
+              <a:ext uri="{FF2B5EF4-FFF2-40B4-BE49-F238E27FC236}">
+                <a16:creationId xmlns:a16="http://schemas.microsoft.com/office/drawing/2014/main" id="{DC4F9187-FD38-16F4-CBA3-D29764BDC778}"/>
+              </a:ext>
+            </a:extLst>
+          </p:cNvPr>
+          <p:cNvPicPr>
+            <a:picLocks noChangeAspect="1"/>
+          </p:cNvPicPr>
+          <p:nvPr/>
+        </p:nvPicPr>
+        <p:blipFill>
+          <a:blip r:embed="rId3">
+            <a:extLst>
+              <a:ext uri="{28A0092B-C50C-407E-A947-70E740481C1C}">
+                <a14:useLocalDpi xmlns:a14="http://schemas.microsoft.com/office/drawing/2010/main" val="0"/>
+              </a:ext>
+            </a:extLst>
+          </a:blip>
+          <a:stretch>
+            <a:fillRect/>
+          </a:stretch>
+        </p:blipFill>
+        <p:spPr>
+          <a:xfrm>
+            <a:off x="11513322" y="6210300"/>
+            <a:ext cx="657832" cy="626434"/>
+          </a:xfrm>
+          <a:prstGeom prst="rect">
+            <a:avLst/>
+          </a:prstGeom>
+        </p:spPr>
+      </p:pic>
+    </p:spTree>
+    <p:extLst>
+      <p:ext uri="{BB962C8B-B14F-4D97-AF65-F5344CB8AC3E}">
+        <p14:creationId xmlns:p14="http://schemas.microsoft.com/office/powerpoint/2010/main" val="1713220103"/>
+      </p:ext>
+    </p:extLst>
+  </p:cSld>
+  <p:clrMapOvr>
+    <a:masterClrMapping/>
+  </p:clrMapOvr>
+</p:sld>
+</file>
+
+<file path=ppt/slides/slide13.xml><?xml version="1.0" encoding="utf-8"?>
+<p:sld xmlns:a="http://schemas.openxmlformats.org/drawingml/2006/main" xmlns:r="http://schemas.openxmlformats.org/officeDocument/2006/relationships" xmlns:p="http://schemas.openxmlformats.org/presentationml/2006/main">
+  <p:cSld>
+    <p:spTree>
+      <p:nvGrpSpPr>
+        <p:cNvPr id="1" name=""/>
+        <p:cNvGrpSpPr/>
+        <p:nvPr/>
+      </p:nvGrpSpPr>
+      <p:grpSpPr>
+        <a:xfrm>
+          <a:off x="0" y="0"/>
+          <a:ext cx="0" cy="0"/>
+          <a:chOff x="0" y="0"/>
+          <a:chExt cx="0" cy="0"/>
+        </a:xfrm>
+      </p:grpSpPr>
+      <p:sp>
+        <p:nvSpPr>
+          <p:cNvPr id="4" name="Rectangle 3">
+            <a:extLst>
+              <a:ext uri="{FF2B5EF4-FFF2-40B4-BE49-F238E27FC236}">
+                <a16:creationId xmlns:a16="http://schemas.microsoft.com/office/drawing/2014/main" id="{D0F69591-30F5-C640-61E5-1EC01850F1D5}"/>
+              </a:ext>
+            </a:extLst>
+          </p:cNvPr>
+          <p:cNvSpPr/>
+          <p:nvPr/>
+        </p:nvSpPr>
+        <p:spPr>
+          <a:xfrm>
+            <a:off x="1" y="1126347"/>
+            <a:ext cx="12192000" cy="4959408"/>
+          </a:xfrm>
+          <a:prstGeom prst="rect">
+            <a:avLst/>
+          </a:prstGeom>
+          <a:solidFill>
+            <a:schemeClr val="bg1">
+              <a:lumMod val="95000"/>
+            </a:schemeClr>
+          </a:solidFill>
+          <a:ln>
+            <a:noFill/>
+          </a:ln>
+        </p:spPr>
+        <p:style>
+          <a:lnRef idx="2">
+            <a:schemeClr val="accent1">
+              <a:shade val="15000"/>
+            </a:schemeClr>
+          </a:lnRef>
+          <a:fillRef idx="1">
+            <a:schemeClr val="accent1"/>
+          </a:fillRef>
+          <a:effectRef idx="0">
+            <a:schemeClr val="accent1"/>
+          </a:effectRef>
+          <a:fontRef idx="minor">
+            <a:schemeClr val="lt1"/>
+          </a:fontRef>
+        </p:style>
+        <p:txBody>
+          <a:bodyPr rtlCol="0" anchor="ctr"/>
+          <a:lstStyle/>
+          <a:p>
+            <a:pPr algn="ctr"/>
+            <a:endParaRPr lang="en-GB"/>
+          </a:p>
+        </p:txBody>
+      </p:sp>
+      <p:sp>
+        <p:nvSpPr>
+          <p:cNvPr id="2" name="TextBox 1">
+            <a:extLst>
+              <a:ext uri="{FF2B5EF4-FFF2-40B4-BE49-F238E27FC236}">
+                <a16:creationId xmlns:a16="http://schemas.microsoft.com/office/drawing/2014/main" id="{5B7CCCFA-057D-277B-3133-F1EDCCDBC096}"/>
+              </a:ext>
+            </a:extLst>
+          </p:cNvPr>
+          <p:cNvSpPr txBox="1"/>
+          <p:nvPr/>
+        </p:nvSpPr>
+        <p:spPr>
+          <a:xfrm>
+            <a:off x="142155" y="6523517"/>
+            <a:ext cx="7596951" cy="261610"/>
+          </a:xfrm>
+          <a:prstGeom prst="rect">
+            <a:avLst/>
+          </a:prstGeom>
+          <a:noFill/>
+        </p:spPr>
+        <p:txBody>
+          <a:bodyPr wrap="none" rtlCol="0">
+            <a:spAutoFit/>
+          </a:bodyPr>
+          <a:lstStyle/>
+          <a:p>
+            <a:r>
+              <a:rPr lang="en-GB" sz="1100" dirty="0"/>
+              <a:t>Image Source: https://www.forbes.com/sites/louiscolumbus/2016/06/04/machine-learning-is-redefining-the-enterprise-in-2016/</a:t>
+            </a:r>
+          </a:p>
+        </p:txBody>
+      </p:sp>
+      <p:sp>
+        <p:nvSpPr>
+          <p:cNvPr id="3" name="TextBox 2">
+            <a:extLst>
+              <a:ext uri="{FF2B5EF4-FFF2-40B4-BE49-F238E27FC236}">
+                <a16:creationId xmlns:a16="http://schemas.microsoft.com/office/drawing/2014/main" id="{F1370BD1-F6D3-5774-B1E2-04AD27866484}"/>
+              </a:ext>
+            </a:extLst>
+          </p:cNvPr>
+          <p:cNvSpPr txBox="1"/>
+          <p:nvPr/>
+        </p:nvSpPr>
+        <p:spPr>
+          <a:xfrm>
+            <a:off x="1158709" y="100408"/>
+            <a:ext cx="9706515" cy="874375"/>
+          </a:xfrm>
+          <a:prstGeom prst="rect">
+            <a:avLst/>
+          </a:prstGeom>
+        </p:spPr>
+        <p:txBody>
+          <a:bodyPr vert="horz" lIns="91440" tIns="45720" rIns="91440" bIns="45720" rtlCol="0" anchor="ctr">
+            <a:noAutofit/>
+          </a:bodyPr>
+          <a:lstStyle/>
+          <a:p>
+            <a:pPr algn="ctr">
+              <a:lnSpc>
+                <a:spcPct val="90000"/>
+              </a:lnSpc>
+              <a:spcBef>
+                <a:spcPct val="0"/>
+              </a:spcBef>
+              <a:spcAft>
+                <a:spcPts val="600"/>
+              </a:spcAft>
+            </a:pPr>
+            <a:r>
+              <a:rPr lang="en-US" sz="4000" b="1" dirty="0">
+                <a:latin typeface="+mj-lt"/>
+                <a:ea typeface="+mj-ea"/>
+                <a:cs typeface="+mj-cs"/>
+              </a:rPr>
+              <a:t>ML Revolutionizing Industries Across the World</a:t>
+            </a:r>
+            <a:endParaRPr lang="en-US" sz="4000" b="1" kern="1200" dirty="0">
+              <a:latin typeface="+mj-lt"/>
+              <a:ea typeface="+mj-ea"/>
+              <a:cs typeface="+mj-cs"/>
+            </a:endParaRPr>
+          </a:p>
+        </p:txBody>
+      </p:sp>
+      <p:pic>
+        <p:nvPicPr>
+          <p:cNvPr id="5" name="Picture 4" descr="A black background with a black square&#10;&#10;Description automatically generated">
+            <a:extLst>
+              <a:ext uri="{FF2B5EF4-FFF2-40B4-BE49-F238E27FC236}">
+                <a16:creationId xmlns:a16="http://schemas.microsoft.com/office/drawing/2014/main" id="{DC4F9187-FD38-16F4-CBA3-D29764BDC778}"/>
+              </a:ext>
+            </a:extLst>
+          </p:cNvPr>
+          <p:cNvPicPr>
+            <a:picLocks noChangeAspect="1"/>
+          </p:cNvPicPr>
+          <p:nvPr/>
+        </p:nvPicPr>
+        <p:blipFill>
+          <a:blip r:embed="rId2">
+            <a:extLst>
+              <a:ext uri="{28A0092B-C50C-407E-A947-70E740481C1C}">
+                <a14:useLocalDpi xmlns:a14="http://schemas.microsoft.com/office/drawing/2010/main" val="0"/>
+              </a:ext>
+            </a:extLst>
+          </a:blip>
+          <a:stretch>
+            <a:fillRect/>
+          </a:stretch>
+        </p:blipFill>
+        <p:spPr>
+          <a:xfrm>
+            <a:off x="11513322" y="6210300"/>
+            <a:ext cx="657832" cy="626434"/>
+          </a:xfrm>
+          <a:prstGeom prst="rect">
+            <a:avLst/>
+          </a:prstGeom>
+        </p:spPr>
+      </p:pic>
+      <p:pic>
+        <p:nvPicPr>
+          <p:cNvPr id="10242" name="Picture 2" descr="Machine Learning Is Redefining The Enterprise In 2016">
+            <a:extLst>
+              <a:ext uri="{FF2B5EF4-FFF2-40B4-BE49-F238E27FC236}">
+                <a16:creationId xmlns:a16="http://schemas.microsoft.com/office/drawing/2014/main" id="{62B59BDD-40C6-F43F-B4B5-ACDC1FC54812}"/>
+              </a:ext>
+            </a:extLst>
+          </p:cNvPr>
+          <p:cNvPicPr>
+            <a:picLocks noChangeAspect="1" noChangeArrowheads="1"/>
+          </p:cNvPicPr>
+          <p:nvPr/>
+        </p:nvPicPr>
+        <p:blipFill rotWithShape="1">
+          <a:blip r:embed="rId3">
+            <a:extLst>
+              <a:ext uri="{28A0092B-C50C-407E-A947-70E740481C1C}">
+                <a14:useLocalDpi xmlns:a14="http://schemas.microsoft.com/office/drawing/2010/main" val="0"/>
+              </a:ext>
+            </a:extLst>
+          </a:blip>
+          <a:srcRect b="6547"/>
+          <a:stretch/>
+        </p:blipFill>
+        <p:spPr bwMode="auto">
+          <a:xfrm>
+            <a:off x="2557818" y="1119793"/>
+            <a:ext cx="7518186" cy="4965962"/>
+          </a:xfrm>
+          <a:prstGeom prst="rect">
+            <a:avLst/>
+          </a:prstGeom>
+          <a:noFill/>
+          <a:extLst>
+            <a:ext uri="{909E8E84-426E-40DD-AFC4-6F175D3DCCD1}">
+              <a14:hiddenFill xmlns:a14="http://schemas.microsoft.com/office/drawing/2010/main">
+                <a:solidFill>
+                  <a:srgbClr val="FFFFFF"/>
+                </a:solidFill>
+              </a14:hiddenFill>
+            </a:ext>
+          </a:extLst>
+        </p:spPr>
+      </p:pic>
+    </p:spTree>
+    <p:extLst>
+      <p:ext uri="{BB962C8B-B14F-4D97-AF65-F5344CB8AC3E}">
+        <p14:creationId xmlns:p14="http://schemas.microsoft.com/office/powerpoint/2010/main" val="4051431349"/>
+      </p:ext>
+    </p:extLst>
+  </p:cSld>
+  <p:clrMapOvr>
+    <a:masterClrMapping/>
+  </p:clrMapOvr>
+</p:sld>
+</file>
+
+<file path=ppt/slides/slide14.xml><?xml version="1.0" encoding="utf-8"?>
+<p:sld xmlns:a="http://schemas.openxmlformats.org/drawingml/2006/main" xmlns:r="http://schemas.openxmlformats.org/officeDocument/2006/relationships" xmlns:p="http://schemas.openxmlformats.org/presentationml/2006/main">
+  <p:cSld>
+    <p:bg>
+      <p:bgPr>
+        <a:solidFill>
+          <a:schemeClr val="bg1"/>
+        </a:solidFill>
+        <a:effectLst/>
+      </p:bgPr>
+    </p:bg>
+    <p:spTree>
+      <p:nvGrpSpPr>
+        <p:cNvPr id="1" name=""/>
+        <p:cNvGrpSpPr/>
+        <p:nvPr/>
+      </p:nvGrpSpPr>
+      <p:grpSpPr>
+        <a:xfrm>
+          <a:off x="0" y="0"/>
+          <a:ext cx="0" cy="0"/>
+          <a:chOff x="0" y="0"/>
+          <a:chExt cx="0" cy="0"/>
+        </a:xfrm>
+      </p:grpSpPr>
+      <p:sp useBgFill="1">
+        <p:nvSpPr>
+          <p:cNvPr id="21" name="Rectangle 20">
+            <a:extLst>
+              <a:ext uri="{FF2B5EF4-FFF2-40B4-BE49-F238E27FC236}">
+                <a16:creationId xmlns:a16="http://schemas.microsoft.com/office/drawing/2014/main" id="{327D73B4-9F5C-4A64-A179-51B9500CB8B5}"/>
+              </a:ext>
+              <a:ext uri="{C183D7F6-B498-43B3-948B-1728B52AA6E4}">
+                <adec:decorative xmlns:adec="http://schemas.microsoft.com/office/drawing/2017/decorative" val="1"/>
+              </a:ext>
+            </a:extLst>
+          </p:cNvPr>
+          <p:cNvSpPr>
+            <a:spLocks noGrp="1" noRot="1" noChangeAspect="1" noMove="1" noResize="1" noEditPoints="1" noAdjustHandles="1" noChangeArrowheads="1" noChangeShapeType="1" noTextEdit="1"/>
+          </p:cNvSpPr>
+          <p:nvPr>
+            <p:extLst>
+              <p:ext uri="{386F3935-93C4-4BCD-93E2-E3B085C9AB24}">
+                <p16:designElem xmlns:p16="http://schemas.microsoft.com/office/powerpoint/2015/main" val="1"/>
+              </p:ext>
+            </p:extLst>
+          </p:nvPr>
+        </p:nvSpPr>
+        <p:spPr>
+          <a:xfrm>
+            <a:off x="0" y="0"/>
+            <a:ext cx="12192000" cy="6858000"/>
+          </a:xfrm>
+          <a:prstGeom prst="rect">
+            <a:avLst/>
+          </a:prstGeom>
+          <a:ln>
+            <a:noFill/>
+          </a:ln>
+        </p:spPr>
+        <p:style>
+          <a:lnRef idx="2">
+            <a:schemeClr val="accent1">
+              <a:shade val="50000"/>
+            </a:schemeClr>
+          </a:lnRef>
+          <a:fillRef idx="1">
+            <a:schemeClr val="accent1"/>
+          </a:fillRef>
+          <a:effectRef idx="0">
+            <a:schemeClr val="accent1"/>
+          </a:effectRef>
+          <a:fontRef idx="minor">
+            <a:schemeClr val="lt1"/>
+          </a:fontRef>
+        </p:style>
+        <p:txBody>
+          <a:bodyPr rtlCol="0" anchor="ctr"/>
+          <a:lstStyle/>
+          <a:p>
+            <a:pPr algn="ctr"/>
+            <a:endParaRPr lang="en-US" dirty="0"/>
+          </a:p>
+        </p:txBody>
+      </p:sp>
+      <p:sp>
+        <p:nvSpPr>
+          <p:cNvPr id="23" name="Oval 22">
+            <a:extLst>
+              <a:ext uri="{FF2B5EF4-FFF2-40B4-BE49-F238E27FC236}">
+                <a16:creationId xmlns:a16="http://schemas.microsoft.com/office/drawing/2014/main" id="{C1F06963-6374-4B48-844F-071A9BAAAE02}"/>
+              </a:ext>
+              <a:ext uri="{C183D7F6-B498-43B3-948B-1728B52AA6E4}">
+                <adec:decorative xmlns:adec="http://schemas.microsoft.com/office/drawing/2017/decorative" val="1"/>
+              </a:ext>
+            </a:extLst>
+          </p:cNvPr>
+          <p:cNvSpPr>
+            <a:spLocks noGrp="1" noRot="1" noChangeAspect="1" noMove="1" noResize="1" noEditPoints="1" noAdjustHandles="1" noChangeArrowheads="1" noChangeShapeType="1" noTextEdit="1"/>
+          </p:cNvSpPr>
+          <p:nvPr>
+            <p:extLst>
+              <p:ext uri="{386F3935-93C4-4BCD-93E2-E3B085C9AB24}">
+                <p16:designElem xmlns:p16="http://schemas.microsoft.com/office/powerpoint/2015/main" val="1"/>
+              </p:ext>
+            </p:extLst>
+          </p:nvPr>
+        </p:nvSpPr>
+        <p:spPr>
+          <a:xfrm>
+            <a:off x="322965" y="554152"/>
+            <a:ext cx="5742189" cy="5742189"/>
+          </a:xfrm>
+          <a:prstGeom prst="ellipse">
+            <a:avLst/>
+          </a:prstGeom>
+          <a:gradFill flip="none" rotWithShape="1">
+            <a:gsLst>
+              <a:gs pos="0">
+                <a:schemeClr val="accent1"/>
+              </a:gs>
+              <a:gs pos="100000">
+                <a:schemeClr val="accent2"/>
+              </a:gs>
+            </a:gsLst>
+            <a:lin ang="2700000" scaled="1"/>
+            <a:tileRect/>
+          </a:gradFill>
+          <a:ln>
+            <a:noFill/>
+          </a:ln>
+        </p:spPr>
+        <p:style>
+          <a:lnRef idx="2">
+            <a:schemeClr val="accent1">
+              <a:shade val="50000"/>
+            </a:schemeClr>
+          </a:lnRef>
+          <a:fillRef idx="1">
+            <a:schemeClr val="accent1"/>
+          </a:fillRef>
+          <a:effectRef idx="0">
+            <a:schemeClr val="accent1"/>
+          </a:effectRef>
+          <a:fontRef idx="minor">
+            <a:schemeClr val="lt1"/>
+          </a:fontRef>
+        </p:style>
+        <p:txBody>
+          <a:bodyPr rtlCol="0" anchor="ctr"/>
+          <a:lstStyle/>
+          <a:p>
+            <a:pPr algn="ctr"/>
+            <a:endParaRPr lang="en-US"/>
+          </a:p>
+        </p:txBody>
+      </p:sp>
+      <p:grpSp>
+        <p:nvGrpSpPr>
+          <p:cNvPr id="25" name="Group 24">
+            <a:extLst>
+              <a:ext uri="{FF2B5EF4-FFF2-40B4-BE49-F238E27FC236}">
+                <a16:creationId xmlns:a16="http://schemas.microsoft.com/office/drawing/2014/main" id="{5614C7C0-FA1D-4105-8345-1DF76F9870A8}"/>
+              </a:ext>
+              <a:ext uri="{C183D7F6-B498-43B3-948B-1728B52AA6E4}">
+                <adec:decorative xmlns:adec="http://schemas.microsoft.com/office/drawing/2017/decorative" val="1"/>
+              </a:ext>
+            </a:extLst>
+          </p:cNvPr>
+          <p:cNvGrpSpPr>
+            <a:grpSpLocks noGrp="1" noUngrp="1" noRot="1" noChangeAspect="1" noMove="1" noResize="1"/>
+          </p:cNvGrpSpPr>
+          <p:nvPr>
+            <p:extLst>
+              <p:ext uri="{386F3935-93C4-4BCD-93E2-E3B085C9AB24}">
+                <p16:designElem xmlns:p16="http://schemas.microsoft.com/office/powerpoint/2015/main" val="1"/>
+              </p:ext>
+            </p:extLst>
+          </p:nvPr>
+        </p:nvGrpSpPr>
+        <p:grpSpPr>
+          <a:xfrm>
+            <a:off x="422753" y="703679"/>
+            <a:ext cx="753718" cy="1016562"/>
+            <a:chOff x="422753" y="703679"/>
+            <a:chExt cx="753718" cy="1016562"/>
+          </a:xfrm>
+        </p:grpSpPr>
+        <p:sp>
+          <p:nvSpPr>
+            <p:cNvPr id="26" name="Graphic 11">
+              <a:extLst>
+                <a:ext uri="{FF2B5EF4-FFF2-40B4-BE49-F238E27FC236}">
+                  <a16:creationId xmlns:a16="http://schemas.microsoft.com/office/drawing/2014/main" id="{6CB927A4-E432-4310-9CD5-E89FF5063179}"/>
+                </a:ext>
+                <a:ext uri="{C183D7F6-B498-43B3-948B-1728B52AA6E4}">
+                  <adec:decorative xmlns:adec="http://schemas.microsoft.com/office/drawing/2017/decorative" val="1"/>
+                </a:ext>
+              </a:extLst>
+            </p:cNvPr>
+            <p:cNvSpPr/>
+            <p:nvPr>
+              <p:extLst>
+                <p:ext uri="{386F3935-93C4-4BCD-93E2-E3B085C9AB24}">
+                  <p16:designElem xmlns:p16="http://schemas.microsoft.com/office/powerpoint/2015/main" val="1"/>
+                </p:ext>
+              </p:extLst>
+            </p:nvPr>
+          </p:nvSpPr>
+          <p:spPr>
+            <a:xfrm>
+              <a:off x="1004956" y="703679"/>
+              <a:ext cx="171515" cy="171515"/>
+            </a:xfrm>
+            <a:custGeom>
+              <a:avLst/>
+              <a:gdLst>
+                <a:gd name="connsiteX0" fmla="*/ 159874 w 171515"/>
+                <a:gd name="connsiteY0" fmla="*/ 74116 h 171515"/>
+                <a:gd name="connsiteX1" fmla="*/ 97399 w 171515"/>
+                <a:gd name="connsiteY1" fmla="*/ 74116 h 171515"/>
+                <a:gd name="connsiteX2" fmla="*/ 97399 w 171515"/>
+                <a:gd name="connsiteY2" fmla="*/ 11641 h 171515"/>
+                <a:gd name="connsiteX3" fmla="*/ 85758 w 171515"/>
+                <a:gd name="connsiteY3" fmla="*/ 0 h 171515"/>
+                <a:gd name="connsiteX4" fmla="*/ 74116 w 171515"/>
+                <a:gd name="connsiteY4" fmla="*/ 11641 h 171515"/>
+                <a:gd name="connsiteX5" fmla="*/ 74116 w 171515"/>
+                <a:gd name="connsiteY5" fmla="*/ 74116 h 171515"/>
+                <a:gd name="connsiteX6" fmla="*/ 11641 w 171515"/>
+                <a:gd name="connsiteY6" fmla="*/ 74116 h 171515"/>
+                <a:gd name="connsiteX7" fmla="*/ 0 w 171515"/>
+                <a:gd name="connsiteY7" fmla="*/ 85758 h 171515"/>
+                <a:gd name="connsiteX8" fmla="*/ 11641 w 171515"/>
+                <a:gd name="connsiteY8" fmla="*/ 97399 h 171515"/>
+                <a:gd name="connsiteX9" fmla="*/ 74116 w 171515"/>
+                <a:gd name="connsiteY9" fmla="*/ 97399 h 171515"/>
+                <a:gd name="connsiteX10" fmla="*/ 74116 w 171515"/>
+                <a:gd name="connsiteY10" fmla="*/ 159874 h 171515"/>
+                <a:gd name="connsiteX11" fmla="*/ 85758 w 171515"/>
+                <a:gd name="connsiteY11" fmla="*/ 171515 h 171515"/>
+                <a:gd name="connsiteX12" fmla="*/ 97399 w 171515"/>
+                <a:gd name="connsiteY12" fmla="*/ 159874 h 171515"/>
+                <a:gd name="connsiteX13" fmla="*/ 97399 w 171515"/>
+                <a:gd name="connsiteY13" fmla="*/ 97399 h 171515"/>
+                <a:gd name="connsiteX14" fmla="*/ 159874 w 171515"/>
+                <a:gd name="connsiteY14" fmla="*/ 97399 h 171515"/>
+                <a:gd name="connsiteX15" fmla="*/ 171515 w 171515"/>
+                <a:gd name="connsiteY15" fmla="*/ 85758 h 171515"/>
+                <a:gd name="connsiteX16" fmla="*/ 159874 w 171515"/>
+                <a:gd name="connsiteY16" fmla="*/ 74116 h 171515"/>
+              </a:gdLst>
+              <a:ahLst/>
+              <a:cxnLst>
+                <a:cxn ang="0">
+                  <a:pos x="connsiteX0" y="connsiteY0"/>
+                </a:cxn>
+                <a:cxn ang="0">
+                  <a:pos x="connsiteX1" y="connsiteY1"/>
+                </a:cxn>
+                <a:cxn ang="0">
+                  <a:pos x="connsiteX2" y="connsiteY2"/>
+                </a:cxn>
+                <a:cxn ang="0">
+                  <a:pos x="connsiteX3" y="connsiteY3"/>
+                </a:cxn>
+                <a:cxn ang="0">
+                  <a:pos x="connsiteX4" y="connsiteY4"/>
+                </a:cxn>
+                <a:cxn ang="0">
+                  <a:pos x="connsiteX5" y="connsiteY5"/>
+                </a:cxn>
+                <a:cxn ang="0">
+                  <a:pos x="connsiteX6" y="connsiteY6"/>
+                </a:cxn>
+                <a:cxn ang="0">
+                  <a:pos x="connsiteX7" y="connsiteY7"/>
+                </a:cxn>
+                <a:cxn ang="0">
+                  <a:pos x="connsiteX8" y="connsiteY8"/>
+                </a:cxn>
+                <a:cxn ang="0">
+                  <a:pos x="connsiteX9" y="connsiteY9"/>
+                </a:cxn>
+                <a:cxn ang="0">
+                  <a:pos x="connsiteX10" y="connsiteY10"/>
+                </a:cxn>
+                <a:cxn ang="0">
+                  <a:pos x="connsiteX11" y="connsiteY11"/>
+                </a:cxn>
+                <a:cxn ang="0">
+                  <a:pos x="connsiteX12" y="connsiteY12"/>
+                </a:cxn>
+                <a:cxn ang="0">
+                  <a:pos x="connsiteX13" y="connsiteY13"/>
+                </a:cxn>
+                <a:cxn ang="0">
+                  <a:pos x="connsiteX14" y="connsiteY14"/>
+                </a:cxn>
+                <a:cxn ang="0">
+                  <a:pos x="connsiteX15" y="connsiteY15"/>
+                </a:cxn>
+                <a:cxn ang="0">
+                  <a:pos x="connsiteX16" y="connsiteY16"/>
+                </a:cxn>
+              </a:cxnLst>
+              <a:rect l="l" t="t" r="r" b="b"/>
+              <a:pathLst>
+                <a:path w="171515" h="171515">
+                  <a:moveTo>
+                    <a:pt x="159874" y="74116"/>
+                  </a:moveTo>
+                  <a:lnTo>
+                    <a:pt x="97399" y="74116"/>
+                  </a:lnTo>
+                  <a:lnTo>
+                    <a:pt x="97399" y="11641"/>
+                  </a:lnTo>
+                  <a:cubicBezTo>
+                    <a:pt x="97399" y="5212"/>
+                    <a:pt x="92187" y="0"/>
+                    <a:pt x="85758" y="0"/>
+                  </a:cubicBezTo>
+                  <a:cubicBezTo>
+                    <a:pt x="79328" y="0"/>
+                    <a:pt x="74116" y="5212"/>
+                    <a:pt x="74116" y="11641"/>
+                  </a:cubicBezTo>
+                  <a:lnTo>
+                    <a:pt x="74116" y="74116"/>
+                  </a:lnTo>
+                  <a:lnTo>
+                    <a:pt x="11641" y="74116"/>
+                  </a:lnTo>
+                  <a:cubicBezTo>
+                    <a:pt x="5212" y="74116"/>
+                    <a:pt x="0" y="79328"/>
+                    <a:pt x="0" y="85758"/>
+                  </a:cubicBezTo>
+                  <a:cubicBezTo>
+                    <a:pt x="0" y="92187"/>
+                    <a:pt x="5212" y="97399"/>
+                    <a:pt x="11641" y="97399"/>
+                  </a:cubicBezTo>
+                  <a:lnTo>
+                    <a:pt x="74116" y="97399"/>
+                  </a:lnTo>
+                  <a:lnTo>
+                    <a:pt x="74116" y="159874"/>
+                  </a:lnTo>
+                  <a:cubicBezTo>
+                    <a:pt x="74116" y="166303"/>
+                    <a:pt x="79328" y="171515"/>
+                    <a:pt x="85758" y="171515"/>
+                  </a:cubicBezTo>
+                  <a:cubicBezTo>
+                    <a:pt x="92187" y="171515"/>
+                    <a:pt x="97399" y="166303"/>
+                    <a:pt x="97399" y="159874"/>
+                  </a:cubicBezTo>
+                  <a:lnTo>
+                    <a:pt x="97399" y="97399"/>
+                  </a:lnTo>
+                  <a:lnTo>
+                    <a:pt x="159874" y="97399"/>
+                  </a:lnTo>
+                  <a:cubicBezTo>
+                    <a:pt x="166303" y="97399"/>
+                    <a:pt x="171515" y="92187"/>
+                    <a:pt x="171515" y="85758"/>
+                  </a:cubicBezTo>
+                  <a:cubicBezTo>
+                    <a:pt x="171515" y="79328"/>
+                    <a:pt x="166303" y="74116"/>
+                    <a:pt x="159874" y="74116"/>
+                  </a:cubicBezTo>
+                  <a:close/>
+                </a:path>
+              </a:pathLst>
+            </a:custGeom>
+            <a:solidFill>
+              <a:schemeClr val="accent1"/>
+            </a:solidFill>
+            <a:ln w="776" cap="flat">
+              <a:noFill/>
+              <a:prstDash val="solid"/>
+              <a:miter/>
+            </a:ln>
+          </p:spPr>
+          <p:txBody>
+            <a:bodyPr rtlCol="0" anchor="ctr"/>
+            <a:lstStyle/>
+            <a:p>
+              <a:endParaRPr lang="en-US"/>
+            </a:p>
+          </p:txBody>
+        </p:sp>
+        <p:sp>
+          <p:nvSpPr>
+            <p:cNvPr id="27" name="Graphic 12">
+              <a:extLst>
+                <a:ext uri="{FF2B5EF4-FFF2-40B4-BE49-F238E27FC236}">
+                  <a16:creationId xmlns:a16="http://schemas.microsoft.com/office/drawing/2014/main" id="{1453BF6C-B012-48B7-B4E8-6D7AC7C27D02}"/>
+                </a:ext>
+                <a:ext uri="{C183D7F6-B498-43B3-948B-1728B52AA6E4}">
+                  <adec:decorative xmlns:adec="http://schemas.microsoft.com/office/drawing/2017/decorative" val="1"/>
+                </a:ext>
+              </a:extLst>
+            </p:cNvPr>
+            <p:cNvSpPr/>
+            <p:nvPr>
+              <p:extLst>
+                <p:ext uri="{386F3935-93C4-4BCD-93E2-E3B085C9AB24}">
+                  <p16:designElem xmlns:p16="http://schemas.microsoft.com/office/powerpoint/2015/main" val="1"/>
+                </p:ext>
+              </p:extLst>
+            </p:nvPr>
+          </p:nvSpPr>
+          <p:spPr>
+            <a:xfrm>
+              <a:off x="422753" y="1562696"/>
+              <a:ext cx="157545" cy="157545"/>
+            </a:xfrm>
+            <a:custGeom>
+              <a:avLst/>
+              <a:gdLst>
+                <a:gd name="connsiteX0" fmla="*/ 78773 w 157545"/>
+                <a:gd name="connsiteY0" fmla="*/ 23283 h 157545"/>
+                <a:gd name="connsiteX1" fmla="*/ 134262 w 157545"/>
+                <a:gd name="connsiteY1" fmla="*/ 78773 h 157545"/>
+                <a:gd name="connsiteX2" fmla="*/ 78773 w 157545"/>
+                <a:gd name="connsiteY2" fmla="*/ 134262 h 157545"/>
+                <a:gd name="connsiteX3" fmla="*/ 23283 w 157545"/>
+                <a:gd name="connsiteY3" fmla="*/ 78773 h 157545"/>
+                <a:gd name="connsiteX4" fmla="*/ 78773 w 157545"/>
+                <a:gd name="connsiteY4" fmla="*/ 23283 h 157545"/>
+                <a:gd name="connsiteX5" fmla="*/ 78773 w 157545"/>
+                <a:gd name="connsiteY5" fmla="*/ 0 h 157545"/>
+                <a:gd name="connsiteX6" fmla="*/ 0 w 157545"/>
+                <a:gd name="connsiteY6" fmla="*/ 78773 h 157545"/>
+                <a:gd name="connsiteX7" fmla="*/ 78773 w 157545"/>
+                <a:gd name="connsiteY7" fmla="*/ 157545 h 157545"/>
+                <a:gd name="connsiteX8" fmla="*/ 157545 w 157545"/>
+                <a:gd name="connsiteY8" fmla="*/ 78773 h 157545"/>
+                <a:gd name="connsiteX9" fmla="*/ 78773 w 157545"/>
+                <a:gd name="connsiteY9" fmla="*/ 0 h 157545"/>
+              </a:gdLst>
+              <a:ahLst/>
+              <a:cxnLst>
+                <a:cxn ang="0">
+                  <a:pos x="connsiteX0" y="connsiteY0"/>
+                </a:cxn>
+                <a:cxn ang="0">
+                  <a:pos x="connsiteX1" y="connsiteY1"/>
+                </a:cxn>
+                <a:cxn ang="0">
+                  <a:pos x="connsiteX2" y="connsiteY2"/>
+                </a:cxn>
+                <a:cxn ang="0">
+                  <a:pos x="connsiteX3" y="connsiteY3"/>
+                </a:cxn>
+                <a:cxn ang="0">
+                  <a:pos x="connsiteX4" y="connsiteY4"/>
+                </a:cxn>
+                <a:cxn ang="0">
+                  <a:pos x="connsiteX5" y="connsiteY5"/>
+                </a:cxn>
+                <a:cxn ang="0">
+                  <a:pos x="connsiteX6" y="connsiteY6"/>
+                </a:cxn>
+                <a:cxn ang="0">
+                  <a:pos x="connsiteX7" y="connsiteY7"/>
+                </a:cxn>
+                <a:cxn ang="0">
+                  <a:pos x="connsiteX8" y="connsiteY8"/>
+                </a:cxn>
+                <a:cxn ang="0">
+                  <a:pos x="connsiteX9" y="connsiteY9"/>
+                </a:cxn>
+              </a:cxnLst>
+              <a:rect l="l" t="t" r="r" b="b"/>
+              <a:pathLst>
+                <a:path w="157545" h="157545">
+                  <a:moveTo>
+                    <a:pt x="78773" y="23283"/>
+                  </a:moveTo>
+                  <a:cubicBezTo>
+                    <a:pt x="109419" y="23283"/>
+                    <a:pt x="134262" y="48126"/>
+                    <a:pt x="134262" y="78773"/>
+                  </a:cubicBezTo>
+                  <a:cubicBezTo>
+                    <a:pt x="134262" y="109419"/>
+                    <a:pt x="109419" y="134262"/>
+                    <a:pt x="78773" y="134262"/>
+                  </a:cubicBezTo>
+                  <a:cubicBezTo>
+                    <a:pt x="48126" y="134262"/>
+                    <a:pt x="23283" y="109419"/>
+                    <a:pt x="23283" y="78773"/>
+                  </a:cubicBezTo>
+                  <a:cubicBezTo>
+                    <a:pt x="23312" y="48139"/>
+                    <a:pt x="48139" y="23312"/>
+                    <a:pt x="78773" y="23283"/>
+                  </a:cubicBezTo>
+                  <a:moveTo>
+                    <a:pt x="78773" y="0"/>
+                  </a:moveTo>
+                  <a:cubicBezTo>
+                    <a:pt x="35268" y="0"/>
+                    <a:pt x="0" y="35268"/>
+                    <a:pt x="0" y="78773"/>
+                  </a:cubicBezTo>
+                  <a:cubicBezTo>
+                    <a:pt x="0" y="122277"/>
+                    <a:pt x="35268" y="157545"/>
+                    <a:pt x="78773" y="157545"/>
+                  </a:cubicBezTo>
+                  <a:cubicBezTo>
+                    <a:pt x="122277" y="157545"/>
+                    <a:pt x="157545" y="122277"/>
+                    <a:pt x="157545" y="78773"/>
+                  </a:cubicBezTo>
+                  <a:cubicBezTo>
+                    <a:pt x="157545" y="35268"/>
+                    <a:pt x="122277" y="0"/>
+                    <a:pt x="78773" y="0"/>
+                  </a:cubicBezTo>
+                  <a:close/>
+                </a:path>
+              </a:pathLst>
+            </a:custGeom>
+            <a:solidFill>
+              <a:schemeClr val="accent1"/>
+            </a:solidFill>
+            <a:ln w="751" cap="flat">
+              <a:noFill/>
+              <a:prstDash val="solid"/>
+              <a:miter/>
+            </a:ln>
+          </p:spPr>
+          <p:txBody>
+            <a:bodyPr rtlCol="0" anchor="ctr"/>
+            <a:lstStyle/>
+            <a:p>
+              <a:endParaRPr lang="en-US"/>
+            </a:p>
+          </p:txBody>
+        </p:sp>
+      </p:grpSp>
+      <p:pic>
+        <p:nvPicPr>
+          <p:cNvPr id="6" name="Graphic 5" descr="Help">
+            <a:extLst>
+              <a:ext uri="{FF2B5EF4-FFF2-40B4-BE49-F238E27FC236}">
+                <a16:creationId xmlns:a16="http://schemas.microsoft.com/office/drawing/2014/main" id="{3BBF118F-B366-682E-6317-1805B8427091}"/>
+              </a:ext>
+            </a:extLst>
+          </p:cNvPr>
+          <p:cNvPicPr>
+            <a:picLocks noChangeAspect="1"/>
+          </p:cNvPicPr>
+          <p:nvPr/>
+        </p:nvPicPr>
+        <p:blipFill>
+          <a:blip r:embed="rId2">
+            <a:extLst>
+              <a:ext uri="{28A0092B-C50C-407E-A947-70E740481C1C}">
+                <a14:useLocalDpi xmlns:a14="http://schemas.microsoft.com/office/drawing/2010/main" val="0"/>
+              </a:ext>
+              <a:ext uri="{96DAC541-7B7A-43D3-8B79-37D633B846F1}">
+                <asvg:svgBlip xmlns:asvg="http://schemas.microsoft.com/office/drawing/2016/SVG/main" r:embed="rId3"/>
+              </a:ext>
+            </a:extLst>
+          </a:blip>
+          <a:stretch>
+            <a:fillRect/>
+          </a:stretch>
+        </p:blipFill>
+        <p:spPr>
+          <a:xfrm>
+            <a:off x="1217770" y="1448957"/>
+            <a:ext cx="3952579" cy="3952579"/>
+          </a:xfrm>
+          <a:prstGeom prst="rect">
+            <a:avLst/>
+          </a:prstGeom>
+        </p:spPr>
+      </p:pic>
+      <p:sp>
+        <p:nvSpPr>
+          <p:cNvPr id="2" name="TextBox 1">
+            <a:extLst>
+              <a:ext uri="{FF2B5EF4-FFF2-40B4-BE49-F238E27FC236}">
+                <a16:creationId xmlns:a16="http://schemas.microsoft.com/office/drawing/2014/main" id="{42A662CE-C8ED-0192-F132-B7A6E8024F7C}"/>
+              </a:ext>
+            </a:extLst>
+          </p:cNvPr>
+          <p:cNvSpPr txBox="1"/>
+          <p:nvPr/>
+        </p:nvSpPr>
+        <p:spPr>
+          <a:xfrm>
+            <a:off x="6702626" y="2487664"/>
+            <a:ext cx="4158031" cy="2913872"/>
+          </a:xfrm>
+          <a:prstGeom prst="rect">
+            <a:avLst/>
+          </a:prstGeom>
+        </p:spPr>
+        <p:txBody>
+          <a:bodyPr vert="horz" lIns="91440" tIns="45720" rIns="91440" bIns="45720" rtlCol="0" anchor="t">
+            <a:normAutofit/>
+          </a:bodyPr>
+          <a:lstStyle/>
+          <a:p>
+            <a:pPr>
+              <a:lnSpc>
+                <a:spcPct val="90000"/>
+              </a:lnSpc>
+              <a:spcAft>
+                <a:spcPts val="600"/>
+              </a:spcAft>
+            </a:pPr>
+            <a:r>
+              <a:rPr lang="en-US" sz="6000" dirty="0">
+                <a:solidFill>
+                  <a:schemeClr val="tx1">
+                    <a:alpha val="80000"/>
+                  </a:schemeClr>
                 </a:solidFill>
               </a:rPr>
+              <a:t>Any Questions?</a:t>
+            </a:r>
+          </a:p>
+        </p:txBody>
+      </p:sp>
+      <p:sp>
+        <p:nvSpPr>
+          <p:cNvPr id="29" name="Graphic 10">
+            <a:extLst>
+              <a:ext uri="{FF2B5EF4-FFF2-40B4-BE49-F238E27FC236}">
+                <a16:creationId xmlns:a16="http://schemas.microsoft.com/office/drawing/2014/main" id="{E3020543-B24B-4EC4-8FFC-8DD88EEA91A8}"/>
+              </a:ext>
+              <a:ext uri="{C183D7F6-B498-43B3-948B-1728B52AA6E4}">
+                <adec:decorative xmlns:adec="http://schemas.microsoft.com/office/drawing/2017/decorative" val="1"/>
+              </a:ext>
+            </a:extLst>
+          </p:cNvPr>
+          <p:cNvSpPr>
+            <a:spLocks noGrp="1" noRot="1" noChangeAspect="1" noMove="1" noResize="1" noEditPoints="1" noAdjustHandles="1" noChangeArrowheads="1" noChangeShapeType="1" noTextEdit="1"/>
+          </p:cNvSpPr>
+          <p:nvPr>
+            <p:extLst>
+              <p:ext uri="{386F3935-93C4-4BCD-93E2-E3B085C9AB24}">
+                <p16:designElem xmlns:p16="http://schemas.microsoft.com/office/powerpoint/2015/main" val="1"/>
+              </p:ext>
+            </p:extLst>
+          </p:nvPr>
+        </p:nvSpPr>
+        <p:spPr>
+          <a:xfrm>
+            <a:off x="5454149" y="5775082"/>
+            <a:ext cx="112426" cy="112426"/>
+          </a:xfrm>
+          <a:custGeom>
+            <a:avLst/>
+            <a:gdLst>
+              <a:gd name="connsiteX0" fmla="*/ 112426 w 112426"/>
+              <a:gd name="connsiteY0" fmla="*/ 56213 h 112426"/>
+              <a:gd name="connsiteX1" fmla="*/ 56213 w 112426"/>
+              <a:gd name="connsiteY1" fmla="*/ 112426 h 112426"/>
+              <a:gd name="connsiteX2" fmla="*/ 0 w 112426"/>
+              <a:gd name="connsiteY2" fmla="*/ 56213 h 112426"/>
+              <a:gd name="connsiteX3" fmla="*/ 56213 w 112426"/>
+              <a:gd name="connsiteY3" fmla="*/ 0 h 112426"/>
+              <a:gd name="connsiteX4" fmla="*/ 112426 w 112426"/>
+              <a:gd name="connsiteY4" fmla="*/ 56213 h 112426"/>
+            </a:gdLst>
+            <a:ahLst/>
+            <a:cxnLst>
+              <a:cxn ang="0">
+                <a:pos x="connsiteX0" y="connsiteY0"/>
+              </a:cxn>
+              <a:cxn ang="0">
+                <a:pos x="connsiteX1" y="connsiteY1"/>
+              </a:cxn>
+              <a:cxn ang="0">
+                <a:pos x="connsiteX2" y="connsiteY2"/>
+              </a:cxn>
+              <a:cxn ang="0">
+                <a:pos x="connsiteX3" y="connsiteY3"/>
+              </a:cxn>
+              <a:cxn ang="0">
+                <a:pos x="connsiteX4" y="connsiteY4"/>
+              </a:cxn>
+            </a:cxnLst>
+            <a:rect l="l" t="t" r="r" b="b"/>
+            <a:pathLst>
+              <a:path w="112426" h="112426">
+                <a:moveTo>
+                  <a:pt x="112426" y="56213"/>
+                </a:moveTo>
+                <a:cubicBezTo>
+                  <a:pt x="112426" y="87259"/>
+                  <a:pt x="87259" y="112426"/>
+                  <a:pt x="56213" y="112426"/>
+                </a:cubicBezTo>
+                <a:cubicBezTo>
+                  <a:pt x="25167" y="112426"/>
+                  <a:pt x="0" y="87259"/>
+                  <a:pt x="0" y="56213"/>
+                </a:cubicBezTo>
+                <a:cubicBezTo>
+                  <a:pt x="0" y="25167"/>
+                  <a:pt x="25167" y="0"/>
+                  <a:pt x="56213" y="0"/>
+                </a:cubicBezTo>
+                <a:cubicBezTo>
+                  <a:pt x="87259" y="0"/>
+                  <a:pt x="112426" y="25167"/>
+                  <a:pt x="112426" y="56213"/>
+                </a:cubicBezTo>
+                <a:close/>
+              </a:path>
+            </a:pathLst>
+          </a:custGeom>
+          <a:solidFill>
+            <a:schemeClr val="accent1"/>
+          </a:solidFill>
+          <a:ln w="516" cap="flat">
+            <a:noFill/>
+            <a:prstDash val="solid"/>
+            <a:miter/>
+          </a:ln>
+        </p:spPr>
+        <p:txBody>
+          <a:bodyPr rtlCol="0" anchor="ctr"/>
+          <a:lstStyle/>
+          <a:p>
+            <a:endParaRPr lang="en-US"/>
+          </a:p>
+        </p:txBody>
+      </p:sp>
+      <p:cxnSp>
+        <p:nvCxnSpPr>
+          <p:cNvPr id="31" name="Straight Connector 30">
+            <a:extLst>
+              <a:ext uri="{FF2B5EF4-FFF2-40B4-BE49-F238E27FC236}">
+                <a16:creationId xmlns:a16="http://schemas.microsoft.com/office/drawing/2014/main" id="{C49DA8F6-BCC1-4447-B54C-57856834B94B}"/>
+              </a:ext>
+              <a:ext uri="{C183D7F6-B498-43B3-948B-1728B52AA6E4}">
+                <adec:decorative xmlns:adec="http://schemas.microsoft.com/office/drawing/2017/decorative" val="1"/>
+              </a:ext>
+            </a:extLst>
+          </p:cNvPr>
+          <p:cNvCxnSpPr>
+            <a:cxnSpLocks noGrp="1" noRot="1" noChangeAspect="1" noMove="1" noResize="1" noEditPoints="1" noAdjustHandles="1" noChangeArrowheads="1" noChangeShapeType="1"/>
+          </p:cNvCxnSpPr>
+          <p:nvPr>
+            <p:extLst>
+              <p:ext uri="{386F3935-93C4-4BCD-93E2-E3B085C9AB24}">
+                <p16:designElem xmlns:p16="http://schemas.microsoft.com/office/powerpoint/2015/main" val="1"/>
+              </p:ext>
+            </p:extLst>
+          </p:nvPr>
+        </p:nvCxnSpPr>
+        <p:spPr>
+          <a:xfrm>
+            <a:off x="11586162" y="3610394"/>
+            <a:ext cx="0" cy="3238728"/>
+          </a:xfrm>
+          <a:prstGeom prst="line">
+            <a:avLst/>
+          </a:prstGeom>
+          <a:ln w="25400" cap="sq">
+            <a:gradFill flip="none" rotWithShape="1">
+              <a:gsLst>
+                <a:gs pos="0">
+                  <a:schemeClr val="accent1"/>
+                </a:gs>
+                <a:gs pos="100000">
+                  <a:schemeClr val="accent2"/>
+                </a:gs>
+              </a:gsLst>
+              <a:lin ang="16200000" scaled="1"/>
+              <a:tileRect/>
+            </a:gradFill>
+            <a:bevel/>
+          </a:ln>
+        </p:spPr>
+        <p:style>
+          <a:lnRef idx="1">
+            <a:schemeClr val="accent1"/>
+          </a:lnRef>
+          <a:fillRef idx="0">
+            <a:schemeClr val="accent1"/>
+          </a:fillRef>
+          <a:effectRef idx="0">
+            <a:schemeClr val="accent1"/>
+          </a:effectRef>
+          <a:fontRef idx="minor">
+            <a:schemeClr val="tx1"/>
+          </a:fontRef>
+        </p:style>
+      </p:cxnSp>
+    </p:spTree>
+    <p:extLst>
+      <p:ext uri="{BB962C8B-B14F-4D97-AF65-F5344CB8AC3E}">
+        <p14:creationId xmlns:p14="http://schemas.microsoft.com/office/powerpoint/2010/main" val="1433472500"/>
+      </p:ext>
+    </p:extLst>
+  </p:cSld>
+  <p:clrMapOvr>
+    <a:masterClrMapping/>
+  </p:clrMapOvr>
+</p:sld>
+</file>
+
+<file path=ppt/slides/slide2.xml><?xml version="1.0" encoding="utf-8"?>
+<p:sld xmlns:a="http://schemas.openxmlformats.org/drawingml/2006/main" xmlns:r="http://schemas.openxmlformats.org/officeDocument/2006/relationships" xmlns:p="http://schemas.openxmlformats.org/presentationml/2006/main">
+  <p:cSld>
+    <p:bg>
+      <p:bgPr>
+        <a:solidFill>
+          <a:schemeClr val="bg1"/>
+        </a:solidFill>
+        <a:effectLst/>
+      </p:bgPr>
+    </p:bg>
+    <p:spTree>
+      <p:nvGrpSpPr>
+        <p:cNvPr id="1" name=""/>
+        <p:cNvGrpSpPr/>
+        <p:nvPr/>
+      </p:nvGrpSpPr>
+      <p:grpSpPr>
+        <a:xfrm>
+          <a:off x="0" y="0"/>
+          <a:ext cx="0" cy="0"/>
+          <a:chOff x="0" y="0"/>
+          <a:chExt cx="0" cy="0"/>
+        </a:xfrm>
+      </p:grpSpPr>
+      <p:sp useBgFill="1">
+        <p:nvSpPr>
+          <p:cNvPr id="27" name="Rectangle 20">
+            <a:extLst>
+              <a:ext uri="{FF2B5EF4-FFF2-40B4-BE49-F238E27FC236}">
+                <a16:creationId xmlns:a16="http://schemas.microsoft.com/office/drawing/2014/main" id="{B47A3059-69F2-4E12-ACD8-A5FE28191966}"/>
+              </a:ext>
+              <a:ext uri="{C183D7F6-B498-43B3-948B-1728B52AA6E4}">
+                <adec:decorative xmlns:adec="http://schemas.microsoft.com/office/drawing/2017/decorative" val="1"/>
+              </a:ext>
+            </a:extLst>
+          </p:cNvPr>
+          <p:cNvSpPr>
+            <a:spLocks noGrp="1" noRot="1" noChangeAspect="1" noMove="1" noResize="1" noEditPoints="1" noAdjustHandles="1" noChangeArrowheads="1" noChangeShapeType="1" noTextEdit="1"/>
+          </p:cNvSpPr>
+          <p:nvPr>
+            <p:extLst>
+              <p:ext uri="{386F3935-93C4-4BCD-93E2-E3B085C9AB24}">
+                <p16:designElem xmlns:p16="http://schemas.microsoft.com/office/powerpoint/2015/main" val="1"/>
+              </p:ext>
+            </p:extLst>
+          </p:nvPr>
+        </p:nvSpPr>
+        <p:spPr>
+          <a:xfrm>
+            <a:off x="0" y="0"/>
+            <a:ext cx="12192000" cy="6858000"/>
+          </a:xfrm>
+          <a:prstGeom prst="rect">
+            <a:avLst/>
+          </a:prstGeom>
+          <a:ln>
+            <a:noFill/>
+          </a:ln>
+        </p:spPr>
+        <p:style>
+          <a:lnRef idx="2">
+            <a:schemeClr val="accent1">
+              <a:shade val="50000"/>
+            </a:schemeClr>
+          </a:lnRef>
+          <a:fillRef idx="1">
+            <a:schemeClr val="accent1"/>
+          </a:fillRef>
+          <a:effectRef idx="0">
+            <a:schemeClr val="accent1"/>
+          </a:effectRef>
+          <a:fontRef idx="minor">
+            <a:schemeClr val="lt1"/>
+          </a:fontRef>
+        </p:style>
+        <p:txBody>
+          <a:bodyPr rtlCol="0" anchor="ctr"/>
+          <a:lstStyle/>
+          <a:p>
+            <a:pPr algn="ctr"/>
+            <a:endParaRPr lang="en-US"/>
+          </a:p>
+        </p:txBody>
+      </p:sp>
+      <p:sp>
+        <p:nvSpPr>
+          <p:cNvPr id="7" name="TextBox 6">
+            <a:extLst>
+              <a:ext uri="{FF2B5EF4-FFF2-40B4-BE49-F238E27FC236}">
+                <a16:creationId xmlns:a16="http://schemas.microsoft.com/office/drawing/2014/main" id="{DAA64816-8A4B-071B-C4A5-448CACCD23FD}"/>
+              </a:ext>
+            </a:extLst>
+          </p:cNvPr>
+          <p:cNvSpPr txBox="1"/>
+          <p:nvPr/>
+        </p:nvSpPr>
+        <p:spPr>
+          <a:xfrm>
+            <a:off x="7145654" y="991443"/>
+            <a:ext cx="4603001" cy="1087819"/>
+          </a:xfrm>
+          <a:prstGeom prst="rect">
+            <a:avLst/>
+          </a:prstGeom>
+        </p:spPr>
+        <p:txBody>
+          <a:bodyPr vert="horz" lIns="91440" tIns="45720" rIns="91440" bIns="45720" rtlCol="0" anchor="b">
+            <a:normAutofit/>
+          </a:bodyPr>
+          <a:lstStyle/>
+          <a:p>
+            <a:pPr>
+              <a:lnSpc>
+                <a:spcPct val="90000"/>
+              </a:lnSpc>
+              <a:spcBef>
+                <a:spcPct val="0"/>
+              </a:spcBef>
+              <a:spcAft>
+                <a:spcPts val="600"/>
+              </a:spcAft>
+            </a:pPr>
+            <a:r>
+              <a:rPr lang="en-US" sz="3400" b="1" kern="1200" dirty="0">
+                <a:solidFill>
+                  <a:schemeClr val="tx1"/>
+                </a:solidFill>
+                <a:latin typeface="+mj-lt"/>
+                <a:ea typeface="+mj-ea"/>
+                <a:cs typeface="+mj-cs"/>
+              </a:rPr>
               <a:t>Agenda</a:t>
             </a:r>
           </a:p>
-          <a:p>
-            <a:endParaRPr lang="en-GB" dirty="0">
+        </p:txBody>
+      </p:sp>
+      <p:pic>
+        <p:nvPicPr>
+          <p:cNvPr id="16" name="Picture 2" descr="EuroPython - DEV Community">
+            <a:extLst>
+              <a:ext uri="{FF2B5EF4-FFF2-40B4-BE49-F238E27FC236}">
+                <a16:creationId xmlns:a16="http://schemas.microsoft.com/office/drawing/2014/main" id="{EA72AEF5-4CD9-0D0E-F19A-A80A3812C494}"/>
+              </a:ext>
+            </a:extLst>
+          </p:cNvPr>
+          <p:cNvPicPr>
+            <a:picLocks noChangeAspect="1" noChangeArrowheads="1"/>
+          </p:cNvPicPr>
+          <p:nvPr/>
+        </p:nvPicPr>
+        <p:blipFill>
+          <a:blip r:embed="rId2">
+            <a:extLst>
+              <a:ext uri="{28A0092B-C50C-407E-A947-70E740481C1C}">
+                <a14:useLocalDpi xmlns:a14="http://schemas.microsoft.com/office/drawing/2010/main" val="0"/>
+              </a:ext>
+            </a:extLst>
+          </a:blip>
+          <a:stretch>
+            <a:fillRect/>
+          </a:stretch>
+        </p:blipFill>
+        <p:spPr bwMode="auto">
+          <a:xfrm>
+            <a:off x="792736" y="625683"/>
+            <a:ext cx="5551280" cy="5551280"/>
+          </a:xfrm>
+          <a:prstGeom prst="rect">
+            <a:avLst/>
+          </a:prstGeom>
+          <a:noFill/>
+          <a:extLst>
+            <a:ext uri="{909E8E84-426E-40DD-AFC4-6F175D3DCCD1}">
+              <a14:hiddenFill xmlns:a14="http://schemas.microsoft.com/office/drawing/2010/main">
+                <a:solidFill>
+                  <a:srgbClr val="FFFFFF"/>
+                </a:solidFill>
+              </a14:hiddenFill>
+            </a:ext>
+          </a:extLst>
+        </p:spPr>
+      </p:pic>
+      <p:sp>
+        <p:nvSpPr>
+          <p:cNvPr id="28" name="Rectangle 22">
+            <a:extLst>
+              <a:ext uri="{FF2B5EF4-FFF2-40B4-BE49-F238E27FC236}">
+                <a16:creationId xmlns:a16="http://schemas.microsoft.com/office/drawing/2014/main" id="{33AE4636-AEEC-45D6-84D4-7AC2DA48ECF8}"/>
+              </a:ext>
+              <a:ext uri="{C183D7F6-B498-43B3-948B-1728B52AA6E4}">
+                <adec:decorative xmlns:adec="http://schemas.microsoft.com/office/drawing/2017/decorative" val="1"/>
+              </a:ext>
+            </a:extLst>
+          </p:cNvPr>
+          <p:cNvSpPr>
+            <a:spLocks noGrp="1" noRot="1" noChangeAspect="1" noMove="1" noResize="1" noEditPoints="1" noAdjustHandles="1" noChangeArrowheads="1" noChangeShapeType="1" noTextEdit="1"/>
+          </p:cNvSpPr>
+          <p:nvPr>
+            <p:extLst>
+              <p:ext uri="{386F3935-93C4-4BCD-93E2-E3B085C9AB24}">
+                <p16:designElem xmlns:p16="http://schemas.microsoft.com/office/powerpoint/2015/main" val="1"/>
+              </p:ext>
+            </p:extLst>
+          </p:nvPr>
+        </p:nvSpPr>
+        <p:spPr>
+          <a:xfrm rot="5400000">
+            <a:off x="7383398" y="387939"/>
+            <a:ext cx="73152" cy="548640"/>
+          </a:xfrm>
+          <a:prstGeom prst="rect">
+            <a:avLst/>
+          </a:prstGeom>
+          <a:solidFill>
+            <a:schemeClr val="accent2"/>
+          </a:solidFill>
+          <a:ln>
+            <a:noFill/>
+          </a:ln>
+        </p:spPr>
+        <p:style>
+          <a:lnRef idx="2">
+            <a:schemeClr val="accent1">
+              <a:shade val="50000"/>
+            </a:schemeClr>
+          </a:lnRef>
+          <a:fillRef idx="1">
+            <a:schemeClr val="accent1"/>
+          </a:fillRef>
+          <a:effectRef idx="0">
+            <a:schemeClr val="accent1"/>
+          </a:effectRef>
+          <a:fontRef idx="minor">
+            <a:schemeClr val="lt1"/>
+          </a:fontRef>
+        </p:style>
+        <p:txBody>
+          <a:bodyPr rtlCol="0" anchor="ctr"/>
+          <a:lstStyle/>
+          <a:p>
+            <a:pPr algn="ctr"/>
+            <a:endParaRPr lang="en-US">
               <a:solidFill>
-                <a:schemeClr val="bg1"/>
+                <a:prstClr val="white"/>
               </a:solidFill>
+              <a:latin typeface="Calibri" panose="020F0502020204030204"/>
             </a:endParaRPr>
           </a:p>
-          <a:p>
-            <a:pPr marL="342900" indent="-342900">
-              <a:buAutoNum type="arabicPeriod"/>
+        </p:txBody>
+      </p:sp>
+      <p:sp>
+        <p:nvSpPr>
+          <p:cNvPr id="29" name="Rectangle 24">
+            <a:extLst>
+              <a:ext uri="{FF2B5EF4-FFF2-40B4-BE49-F238E27FC236}">
+                <a16:creationId xmlns:a16="http://schemas.microsoft.com/office/drawing/2014/main" id="{8D9CE0F4-2EB2-4F1F-8AAC-DB3571D9FE10}"/>
+              </a:ext>
+              <a:ext uri="{C183D7F6-B498-43B3-948B-1728B52AA6E4}">
+                <adec:decorative xmlns:adec="http://schemas.microsoft.com/office/drawing/2017/decorative" val="1"/>
+              </a:ext>
+            </a:extLst>
+          </p:cNvPr>
+          <p:cNvSpPr>
+            <a:spLocks noGrp="1" noRot="1" noChangeAspect="1" noMove="1" noResize="1" noEditPoints="1" noAdjustHandles="1" noChangeArrowheads="1" noChangeShapeType="1" noTextEdit="1"/>
+          </p:cNvSpPr>
+          <p:nvPr>
+            <p:extLst>
+              <p:ext uri="{386F3935-93C4-4BCD-93E2-E3B085C9AB24}">
+                <p16:designElem xmlns:p16="http://schemas.microsoft.com/office/powerpoint/2015/main" val="1"/>
+              </p:ext>
+            </p:extLst>
+          </p:nvPr>
+        </p:nvSpPr>
+        <p:spPr>
+          <a:xfrm>
+            <a:off x="7145655" y="2285541"/>
+            <a:ext cx="4526280" cy="18288"/>
+          </a:xfrm>
+          <a:prstGeom prst="rect">
+            <a:avLst/>
+          </a:prstGeom>
+          <a:solidFill>
+            <a:srgbClr val="D5D5D5"/>
+          </a:solidFill>
+          <a:ln w="3175">
+            <a:noFill/>
+          </a:ln>
+          <a:effectLst/>
+        </p:spPr>
+        <p:style>
+          <a:lnRef idx="2">
+            <a:schemeClr val="accent1">
+              <a:shade val="50000"/>
+            </a:schemeClr>
+          </a:lnRef>
+          <a:fillRef idx="1">
+            <a:schemeClr val="accent1"/>
+          </a:fillRef>
+          <a:effectRef idx="0">
+            <a:schemeClr val="accent1"/>
+          </a:effectRef>
+          <a:fontRef idx="minor">
+            <a:schemeClr val="lt1"/>
+          </a:fontRef>
+        </p:style>
+        <p:txBody>
+          <a:bodyPr rtlCol="0" anchor="ctr"/>
+          <a:lstStyle/>
+          <a:p>
+            <a:pPr algn="ctr"/>
+            <a:endParaRPr lang="en-US">
+              <a:solidFill>
+                <a:prstClr val="white"/>
+              </a:solidFill>
+              <a:latin typeface="Calibri" panose="020F0502020204030204"/>
+            </a:endParaRPr>
+          </a:p>
+        </p:txBody>
+      </p:sp>
+      <p:sp>
+        <p:nvSpPr>
+          <p:cNvPr id="15" name="TextBox 2">
+            <a:extLst>
+              <a:ext uri="{FF2B5EF4-FFF2-40B4-BE49-F238E27FC236}">
+                <a16:creationId xmlns:a16="http://schemas.microsoft.com/office/drawing/2014/main" id="{63300B2F-7246-F08E-3F24-3F9FABD9A6F9}"/>
+              </a:ext>
+            </a:extLst>
+          </p:cNvPr>
+          <p:cNvSpPr txBox="1"/>
+          <p:nvPr/>
+        </p:nvSpPr>
+        <p:spPr>
+          <a:xfrm>
+            <a:off x="7145654" y="2684095"/>
+            <a:ext cx="4603001" cy="3492868"/>
+          </a:xfrm>
+          <a:prstGeom prst="rect">
+            <a:avLst/>
+          </a:prstGeom>
+        </p:spPr>
+        <p:txBody>
+          <a:bodyPr vert="horz" lIns="91440" tIns="45720" rIns="91440" bIns="45720" rtlCol="0">
+            <a:normAutofit/>
+          </a:bodyPr>
+          <a:lstStyle/>
+          <a:p>
+            <a:pPr marL="114300" indent="-228600">
+              <a:lnSpc>
+                <a:spcPct val="90000"/>
+              </a:lnSpc>
+              <a:spcAft>
+                <a:spcPts val="600"/>
+              </a:spcAft>
+              <a:buFont typeface="Arial" panose="020B0604020202020204" pitchFamily="34" charset="0"/>
+              <a:buChar char="•"/>
             </a:pPr>
-            <a:r>
-              <a:rPr lang="en-GB" dirty="0">
-                <a:solidFill>
-                  <a:schemeClr val="bg1"/>
-                </a:solidFill>
-              </a:rPr>
+            <a:endParaRPr lang="en-US"/>
+          </a:p>
+          <a:p>
+            <a:pPr marL="342900" indent="-228600">
+              <a:lnSpc>
+                <a:spcPct val="90000"/>
+              </a:lnSpc>
+              <a:spcAft>
+                <a:spcPts val="600"/>
+              </a:spcAft>
+              <a:buFont typeface="Arial" panose="020B0604020202020204" pitchFamily="34" charset="0"/>
+              <a:buChar char="•"/>
+            </a:pPr>
+            <a:r>
+              <a:rPr lang="en-US"/>
               <a:t>Introduction to Machine learning</a:t>
             </a:r>
           </a:p>
           <a:p>
-            <a:pPr marL="342900" indent="-342900">
-              <a:buAutoNum type="arabicPeriod"/>
+            <a:pPr marL="342900" indent="-228600">
+              <a:lnSpc>
+                <a:spcPct val="90000"/>
+              </a:lnSpc>
+              <a:spcAft>
+                <a:spcPts val="600"/>
+              </a:spcAft>
+              <a:buFont typeface="Arial" panose="020B0604020202020204" pitchFamily="34" charset="0"/>
+              <a:buChar char="•"/>
             </a:pPr>
             <a:r>
-              <a:rPr lang="en-GB" dirty="0">
-                <a:solidFill>
-                  <a:schemeClr val="bg1"/>
-                </a:solidFill>
-              </a:rPr>
+              <a:rPr lang="en-US"/>
+              <a:t>Machine Learning Concepts</a:t>
+            </a:r>
+          </a:p>
+          <a:p>
+            <a:pPr marL="342900" indent="-228600">
+              <a:lnSpc>
+                <a:spcPct val="90000"/>
+              </a:lnSpc>
+              <a:spcAft>
+                <a:spcPts val="600"/>
+              </a:spcAft>
+              <a:buFont typeface="Arial" panose="020B0604020202020204" pitchFamily="34" charset="0"/>
+              <a:buChar char="•"/>
+            </a:pPr>
+            <a:r>
+              <a:rPr lang="en-US"/>
               <a:t>Machine Learning Process Flow</a:t>
             </a:r>
           </a:p>
           <a:p>
-            <a:pPr marL="342900" indent="-342900">
-              <a:buAutoNum type="arabicPeriod"/>
+            <a:pPr marL="342900" indent="-228600">
+              <a:lnSpc>
+                <a:spcPct val="90000"/>
+              </a:lnSpc>
+              <a:spcAft>
+                <a:spcPts val="600"/>
+              </a:spcAft>
+              <a:buFont typeface="Arial" panose="020B0604020202020204" pitchFamily="34" charset="0"/>
+              <a:buChar char="•"/>
             </a:pPr>
             <a:r>
-              <a:rPr lang="en-GB" dirty="0">
-                <a:solidFill>
-                  <a:schemeClr val="bg1"/>
-                </a:solidFill>
-              </a:rPr>
-              <a:t>Linear Regression in Details</a:t>
-            </a:r>
-          </a:p>
-          <a:p>
-            <a:pPr marL="342900" indent="-342900">
-              <a:buAutoNum type="arabicPeriod"/>
+              <a:rPr lang="en-US"/>
+              <a:t>Linear Regression and Gradient Descent</a:t>
+            </a:r>
+          </a:p>
+          <a:p>
+            <a:pPr marL="342900" indent="-228600">
+              <a:lnSpc>
+                <a:spcPct val="90000"/>
+              </a:lnSpc>
+              <a:spcAft>
+                <a:spcPts val="600"/>
+              </a:spcAft>
+              <a:buFont typeface="Arial" panose="020B0604020202020204" pitchFamily="34" charset="0"/>
+              <a:buChar char="•"/>
             </a:pPr>
             <a:r>
-              <a:rPr lang="en-GB" dirty="0">
-                <a:solidFill>
-                  <a:schemeClr val="bg1"/>
-                </a:solidFill>
-              </a:rPr>
-              <a:t>Classification Techniques in Detail</a:t>
-            </a:r>
-          </a:p>
-          <a:p>
-            <a:pPr marL="342900" indent="-342900">
-              <a:buAutoNum type="arabicPeriod"/>
+              <a:rPr lang="en-US"/>
+              <a:t>Classification Algorithms and Evaluation Techniques</a:t>
+            </a:r>
+          </a:p>
+          <a:p>
+            <a:pPr marL="342900" indent="-228600">
+              <a:lnSpc>
+                <a:spcPct val="90000"/>
+              </a:lnSpc>
+              <a:spcAft>
+                <a:spcPts val="600"/>
+              </a:spcAft>
+              <a:buFont typeface="Arial" panose="020B0604020202020204" pitchFamily="34" charset="0"/>
+              <a:buChar char="•"/>
             </a:pPr>
             <a:r>
-              <a:rPr lang="en-GB" dirty="0">
-                <a:solidFill>
-                  <a:schemeClr val="bg1"/>
-                </a:solidFill>
-              </a:rPr>
-              <a:t>Pick a Dataset and try yourself!</a:t>
-            </a:r>
-          </a:p>
-        </p:txBody>
-      </p:sp>
+              <a:rPr lang="en-US"/>
+              <a:t>Try yourself!</a:t>
+            </a:r>
+          </a:p>
+        </p:txBody>
+      </p:sp>
+      <p:pic>
+        <p:nvPicPr>
+          <p:cNvPr id="2" name="Picture 1" descr="A white logo with dots and lines&#10;&#10;Description automatically generated">
+            <a:extLst>
+              <a:ext uri="{FF2B5EF4-FFF2-40B4-BE49-F238E27FC236}">
+                <a16:creationId xmlns:a16="http://schemas.microsoft.com/office/drawing/2014/main" id="{F768AF78-8A41-7D71-87C0-39922AFCF0F8}"/>
+              </a:ext>
+            </a:extLst>
+          </p:cNvPr>
+          <p:cNvPicPr>
+            <a:picLocks noChangeAspect="1"/>
+          </p:cNvPicPr>
+          <p:nvPr/>
+        </p:nvPicPr>
+        <p:blipFill>
+          <a:blip r:embed="rId3">
+            <a:extLst>
+              <a:ext uri="{28A0092B-C50C-407E-A947-70E740481C1C}">
+                <a14:useLocalDpi xmlns:a14="http://schemas.microsoft.com/office/drawing/2010/main" val="0"/>
+              </a:ext>
+            </a:extLst>
+          </a:blip>
+          <a:stretch>
+            <a:fillRect/>
+          </a:stretch>
+        </p:blipFill>
+        <p:spPr>
+          <a:xfrm>
+            <a:off x="11115483" y="143902"/>
+            <a:ext cx="896410" cy="853625"/>
+          </a:xfrm>
+          <a:prstGeom prst="rect">
+            <a:avLst/>
+          </a:prstGeom>
+        </p:spPr>
+      </p:pic>
+      <p:pic>
+        <p:nvPicPr>
+          <p:cNvPr id="11" name="Picture 10" descr="A black background with a black square&#10;&#10;Description automatically generated">
+            <a:extLst>
+              <a:ext uri="{FF2B5EF4-FFF2-40B4-BE49-F238E27FC236}">
+                <a16:creationId xmlns:a16="http://schemas.microsoft.com/office/drawing/2014/main" id="{40401A80-C638-AAB0-A461-A9FB63D8AEFC}"/>
+              </a:ext>
+            </a:extLst>
+          </p:cNvPr>
+          <p:cNvPicPr>
+            <a:picLocks noChangeAspect="1"/>
+          </p:cNvPicPr>
+          <p:nvPr/>
+        </p:nvPicPr>
+        <p:blipFill>
+          <a:blip r:embed="rId4">
+            <a:extLst>
+              <a:ext uri="{28A0092B-C50C-407E-A947-70E740481C1C}">
+                <a14:useLocalDpi xmlns:a14="http://schemas.microsoft.com/office/drawing/2010/main" val="0"/>
+              </a:ext>
+            </a:extLst>
+          </a:blip>
+          <a:stretch>
+            <a:fillRect/>
+          </a:stretch>
+        </p:blipFill>
+        <p:spPr>
+          <a:xfrm>
+            <a:off x="11283696" y="5993050"/>
+            <a:ext cx="908303" cy="864950"/>
+          </a:xfrm>
+          <a:prstGeom prst="rect">
+            <a:avLst/>
+          </a:prstGeom>
+        </p:spPr>
+      </p:pic>
     </p:spTree>
     <p:extLst>
       <p:ext uri="{BB962C8B-B14F-4D97-AF65-F5344CB8AC3E}">
@@ -3855,6 +7364,14 @@
 <file path=ppt/slides/slide3.xml><?xml version="1.0" encoding="utf-8"?>
 <p:sld xmlns:a="http://schemas.openxmlformats.org/drawingml/2006/main" xmlns:r="http://schemas.openxmlformats.org/officeDocument/2006/relationships" xmlns:p="http://schemas.openxmlformats.org/presentationml/2006/main">
   <p:cSld>
+    <p:bg>
+      <p:bgPr>
+        <a:solidFill>
+          <a:schemeClr val="bg1"/>
+        </a:solidFill>
+        <a:effectLst/>
+      </p:bgPr>
+    </p:bg>
     <p:spTree>
       <p:nvGrpSpPr>
         <p:cNvPr id="1" name=""/>
@@ -3869,1288 +7386,205 @@
           <a:chExt cx="0" cy="0"/>
         </a:xfrm>
       </p:grpSpPr>
-      <p:sp>
-        <p:nvSpPr>
-          <p:cNvPr id="2" name="Oval 1">
-            <a:extLst>
-              <a:ext uri="{FF2B5EF4-FFF2-40B4-BE49-F238E27FC236}">
-                <a16:creationId xmlns:a16="http://schemas.microsoft.com/office/drawing/2014/main" id="{FBF9219C-B2F1-412F-9236-10F1E2AED2AD}"/>
+      <p:sp useBgFill="1">
+        <p:nvSpPr>
+          <p:cNvPr id="8" name="Rectangle 7">
+            <a:extLst>
+              <a:ext uri="{FF2B5EF4-FFF2-40B4-BE49-F238E27FC236}">
+                <a16:creationId xmlns:a16="http://schemas.microsoft.com/office/drawing/2014/main" id="{3DAD86CA-8235-409B-982B-5E7A033E2392}"/>
+              </a:ext>
+              <a:ext uri="{C183D7F6-B498-43B3-948B-1728B52AA6E4}">
+                <adec:decorative xmlns:adec="http://schemas.microsoft.com/office/drawing/2017/decorative" val="1"/>
               </a:ext>
             </a:extLst>
           </p:cNvPr>
           <p:cNvSpPr>
-            <a:spLocks noChangeArrowheads="1"/>
+            <a:spLocks noGrp="1" noRot="1" noChangeAspect="1" noMove="1" noResize="1" noEditPoints="1" noAdjustHandles="1" noChangeArrowheads="1" noChangeShapeType="1" noTextEdit="1"/>
           </p:cNvSpPr>
-          <p:nvPr/>
-        </p:nvSpPr>
-        <p:spPr bwMode="auto">
-          <a:xfrm>
-            <a:off x="1709507" y="1429770"/>
-            <a:ext cx="4299889" cy="4303258"/>
-          </a:xfrm>
-          <a:prstGeom prst="ellipse">
+          <p:nvPr>
+            <p:extLst>
+              <p:ext uri="{386F3935-93C4-4BCD-93E2-E3B085C9AB24}">
+                <p16:designElem xmlns:p16="http://schemas.microsoft.com/office/powerpoint/2015/main" val="1"/>
+              </p:ext>
+            </p:extLst>
+          </p:nvPr>
+        </p:nvSpPr>
+        <p:spPr>
+          <a:xfrm>
+            <a:off x="0" y="0"/>
+            <a:ext cx="12191999" cy="6857365"/>
+          </a:xfrm>
+          <a:prstGeom prst="rect">
+            <a:avLst/>
+          </a:prstGeom>
+          <a:ln>
+            <a:noFill/>
+          </a:ln>
+        </p:spPr>
+        <p:style>
+          <a:lnRef idx="2">
+            <a:schemeClr val="accent1">
+              <a:shade val="50000"/>
+            </a:schemeClr>
+          </a:lnRef>
+          <a:fillRef idx="1">
+            <a:schemeClr val="accent1"/>
+          </a:fillRef>
+          <a:effectRef idx="0">
+            <a:schemeClr val="accent1"/>
+          </a:effectRef>
+          <a:fontRef idx="minor">
+            <a:schemeClr val="lt1"/>
+          </a:fontRef>
+        </p:style>
+        <p:txBody>
+          <a:bodyPr rtlCol="0" anchor="ctr"/>
+          <a:lstStyle/>
+          <a:p>
+            <a:pPr algn="ctr"/>
+            <a:endParaRPr lang="en-US"/>
+          </a:p>
+        </p:txBody>
+      </p:sp>
+      <p:sp>
+        <p:nvSpPr>
+          <p:cNvPr id="10" name="Rectangle 9">
+            <a:extLst>
+              <a:ext uri="{FF2B5EF4-FFF2-40B4-BE49-F238E27FC236}">
+                <a16:creationId xmlns:a16="http://schemas.microsoft.com/office/drawing/2014/main" id="{9F234FBA-3501-47B4-AE0C-AA4AFBC8F603}"/>
+              </a:ext>
+              <a:ext uri="{C183D7F6-B498-43B3-948B-1728B52AA6E4}">
+                <adec:decorative xmlns:adec="http://schemas.microsoft.com/office/drawing/2017/decorative" val="1"/>
+              </a:ext>
+            </a:extLst>
+          </p:cNvPr>
+          <p:cNvSpPr>
+            <a:spLocks noGrp="1" noRot="1" noChangeAspect="1" noMove="1" noResize="1" noEditPoints="1" noAdjustHandles="1" noChangeArrowheads="1" noChangeShapeType="1" noTextEdit="1"/>
+          </p:cNvSpPr>
+          <p:nvPr>
+            <p:extLst>
+              <p:ext uri="{386F3935-93C4-4BCD-93E2-E3B085C9AB24}">
+                <p16:designElem xmlns:p16="http://schemas.microsoft.com/office/powerpoint/2015/main" val="1"/>
+              </p:ext>
+            </p:extLst>
+          </p:nvPr>
+        </p:nvSpPr>
+        <p:spPr>
+          <a:xfrm>
+            <a:off x="0" y="1"/>
+            <a:ext cx="12192000" cy="5187142"/>
+          </a:xfrm>
+          <a:prstGeom prst="rect">
             <a:avLst/>
           </a:prstGeom>
           <a:solidFill>
-            <a:schemeClr val="tx2">
-              <a:lumMod val="20000"/>
-              <a:lumOff val="80000"/>
-            </a:schemeClr>
+            <a:schemeClr val="accent4"/>
           </a:solidFill>
           <a:ln>
             <a:noFill/>
           </a:ln>
         </p:spPr>
-        <p:txBody>
-          <a:bodyPr vert="horz" wrap="square" lIns="91440" tIns="45720" rIns="91440" bIns="45720" numCol="1" anchor="t" anchorCtr="0" compatLnSpc="1">
-            <a:prstTxWarp prst="textNoShape">
-              <a:avLst/>
-            </a:prstTxWarp>
-          </a:bodyPr>
-          <a:lstStyle>
-            <a:defPPr>
-              <a:defRPr lang="de-DE"/>
-            </a:defPPr>
-            <a:lvl1pPr marL="0" algn="l" defTabSz="914400" rtl="0" eaLnBrk="1" latinLnBrk="0" hangingPunct="1">
-              <a:defRPr sz="1800" kern="1200">
-                <a:solidFill>
-                  <a:schemeClr val="tx1"/>
-                </a:solidFill>
-                <a:latin typeface="+mn-lt"/>
-                <a:ea typeface="+mn-ea"/>
-                <a:cs typeface="+mn-cs"/>
-              </a:defRPr>
-            </a:lvl1pPr>
-            <a:lvl2pPr marL="457200" algn="l" defTabSz="914400" rtl="0" eaLnBrk="1" latinLnBrk="0" hangingPunct="1">
-              <a:defRPr sz="1800" kern="1200">
-                <a:solidFill>
-                  <a:schemeClr val="tx1"/>
-                </a:solidFill>
-                <a:latin typeface="+mn-lt"/>
-                <a:ea typeface="+mn-ea"/>
-                <a:cs typeface="+mn-cs"/>
-              </a:defRPr>
-            </a:lvl2pPr>
-            <a:lvl3pPr marL="914400" algn="l" defTabSz="914400" rtl="0" eaLnBrk="1" latinLnBrk="0" hangingPunct="1">
-              <a:defRPr sz="1800" kern="1200">
-                <a:solidFill>
-                  <a:schemeClr val="tx1"/>
-                </a:solidFill>
-                <a:latin typeface="+mn-lt"/>
-                <a:ea typeface="+mn-ea"/>
-                <a:cs typeface="+mn-cs"/>
-              </a:defRPr>
-            </a:lvl3pPr>
-            <a:lvl4pPr marL="1371600" algn="l" defTabSz="914400" rtl="0" eaLnBrk="1" latinLnBrk="0" hangingPunct="1">
-              <a:defRPr sz="1800" kern="1200">
-                <a:solidFill>
-                  <a:schemeClr val="tx1"/>
-                </a:solidFill>
-                <a:latin typeface="+mn-lt"/>
-                <a:ea typeface="+mn-ea"/>
-                <a:cs typeface="+mn-cs"/>
-              </a:defRPr>
-            </a:lvl4pPr>
-            <a:lvl5pPr marL="1828800" algn="l" defTabSz="914400" rtl="0" eaLnBrk="1" latinLnBrk="0" hangingPunct="1">
-              <a:defRPr sz="1800" kern="1200">
-                <a:solidFill>
-                  <a:schemeClr val="tx1"/>
-                </a:solidFill>
-                <a:latin typeface="+mn-lt"/>
-                <a:ea typeface="+mn-ea"/>
-                <a:cs typeface="+mn-cs"/>
-              </a:defRPr>
-            </a:lvl5pPr>
-            <a:lvl6pPr marL="2286000" algn="l" defTabSz="914400" rtl="0" eaLnBrk="1" latinLnBrk="0" hangingPunct="1">
-              <a:defRPr sz="1800" kern="1200">
-                <a:solidFill>
-                  <a:schemeClr val="tx1"/>
-                </a:solidFill>
-                <a:latin typeface="+mn-lt"/>
-                <a:ea typeface="+mn-ea"/>
-                <a:cs typeface="+mn-cs"/>
-              </a:defRPr>
-            </a:lvl6pPr>
-            <a:lvl7pPr marL="2743200" algn="l" defTabSz="914400" rtl="0" eaLnBrk="1" latinLnBrk="0" hangingPunct="1">
-              <a:defRPr sz="1800" kern="1200">
-                <a:solidFill>
-                  <a:schemeClr val="tx1"/>
-                </a:solidFill>
-                <a:latin typeface="+mn-lt"/>
-                <a:ea typeface="+mn-ea"/>
-                <a:cs typeface="+mn-cs"/>
-              </a:defRPr>
-            </a:lvl7pPr>
-            <a:lvl8pPr marL="3200400" algn="l" defTabSz="914400" rtl="0" eaLnBrk="1" latinLnBrk="0" hangingPunct="1">
-              <a:defRPr sz="1800" kern="1200">
-                <a:solidFill>
-                  <a:schemeClr val="tx1"/>
-                </a:solidFill>
-                <a:latin typeface="+mn-lt"/>
-                <a:ea typeface="+mn-ea"/>
-                <a:cs typeface="+mn-cs"/>
-              </a:defRPr>
-            </a:lvl8pPr>
-            <a:lvl9pPr marL="3657600" algn="l" defTabSz="914400" rtl="0" eaLnBrk="1" latinLnBrk="0" hangingPunct="1">
-              <a:defRPr sz="1800" kern="1200">
-                <a:solidFill>
-                  <a:schemeClr val="tx1"/>
-                </a:solidFill>
-                <a:latin typeface="+mn-lt"/>
-                <a:ea typeface="+mn-ea"/>
-                <a:cs typeface="+mn-cs"/>
-              </a:defRPr>
-            </a:lvl9pPr>
-          </a:lstStyle>
-          <a:p>
-            <a:endParaRPr lang="en-US"/>
-          </a:p>
-        </p:txBody>
-      </p:sp>
-      <p:sp>
-        <p:nvSpPr>
-          <p:cNvPr id="3" name="Oval 2">
-            <a:extLst>
-              <a:ext uri="{FF2B5EF4-FFF2-40B4-BE49-F238E27FC236}">
-                <a16:creationId xmlns:a16="http://schemas.microsoft.com/office/drawing/2014/main" id="{55CB9C1B-5147-490C-A25A-69158D44FF78}"/>
+        <p:style>
+          <a:lnRef idx="2">
+            <a:schemeClr val="accent1">
+              <a:shade val="50000"/>
+            </a:schemeClr>
+          </a:lnRef>
+          <a:fillRef idx="1">
+            <a:schemeClr val="accent1"/>
+          </a:fillRef>
+          <a:effectRef idx="0">
+            <a:schemeClr val="accent1"/>
+          </a:effectRef>
+          <a:fontRef idx="minor">
+            <a:schemeClr val="lt1"/>
+          </a:fontRef>
+        </p:style>
+        <p:txBody>
+          <a:bodyPr rtlCol="0" anchor="ctr"/>
+          <a:lstStyle/>
+          <a:p>
+            <a:pPr algn="ctr"/>
+            <a:endParaRPr lang="en-US" dirty="0"/>
+          </a:p>
+        </p:txBody>
+      </p:sp>
+      <p:sp>
+        <p:nvSpPr>
+          <p:cNvPr id="12" name="Rectangle 11">
+            <a:extLst>
+              <a:ext uri="{FF2B5EF4-FFF2-40B4-BE49-F238E27FC236}">
+                <a16:creationId xmlns:a16="http://schemas.microsoft.com/office/drawing/2014/main" id="{B5EF893B-0491-416E-9D33-BADE9600792A}"/>
+              </a:ext>
+              <a:ext uri="{C183D7F6-B498-43B3-948B-1728B52AA6E4}">
+                <adec:decorative xmlns:adec="http://schemas.microsoft.com/office/drawing/2017/decorative" val="1"/>
               </a:ext>
             </a:extLst>
           </p:cNvPr>
           <p:cNvSpPr>
-            <a:spLocks noChangeArrowheads="1"/>
+            <a:spLocks noGrp="1" noRot="1" noChangeAspect="1" noMove="1" noResize="1" noEditPoints="1" noAdjustHandles="1" noChangeArrowheads="1" noChangeShapeType="1" noTextEdit="1"/>
           </p:cNvSpPr>
-          <p:nvPr/>
-        </p:nvSpPr>
-        <p:spPr bwMode="auto">
-          <a:xfrm>
-            <a:off x="2145899" y="2300869"/>
-            <a:ext cx="3428791" cy="3432160"/>
-          </a:xfrm>
-          <a:prstGeom prst="ellipse">
+          <p:nvPr>
+            <p:extLst>
+              <p:ext uri="{386F3935-93C4-4BCD-93E2-E3B085C9AB24}">
+                <p16:designElem xmlns:p16="http://schemas.microsoft.com/office/powerpoint/2015/main" val="1"/>
+              </p:ext>
+            </p:extLst>
+          </p:nvPr>
+        </p:nvSpPr>
+        <p:spPr>
+          <a:xfrm>
+            <a:off x="596464" y="551961"/>
+            <a:ext cx="10999072" cy="5399950"/>
+          </a:xfrm>
+          <a:prstGeom prst="rect">
             <a:avLst/>
           </a:prstGeom>
           <a:solidFill>
-            <a:schemeClr val="tx2">
-              <a:lumMod val="40000"/>
-              <a:lumOff val="60000"/>
-            </a:schemeClr>
+            <a:schemeClr val="bg1"/>
           </a:solidFill>
           <a:ln>
             <a:noFill/>
           </a:ln>
-        </p:spPr>
-        <p:txBody>
-          <a:bodyPr vert="horz" wrap="square" lIns="91440" tIns="45720" rIns="91440" bIns="45720" numCol="1" anchor="t" anchorCtr="0" compatLnSpc="1">
-            <a:prstTxWarp prst="textNoShape">
-              <a:avLst/>
-            </a:prstTxWarp>
-          </a:bodyPr>
-          <a:lstStyle>
-            <a:defPPr>
-              <a:defRPr lang="de-DE"/>
-            </a:defPPr>
-            <a:lvl1pPr marL="0" algn="l" defTabSz="914400" rtl="0" eaLnBrk="1" latinLnBrk="0" hangingPunct="1">
-              <a:defRPr sz="1800" kern="1200">
-                <a:solidFill>
-                  <a:schemeClr val="tx1"/>
-                </a:solidFill>
-                <a:latin typeface="+mn-lt"/>
-                <a:ea typeface="+mn-ea"/>
-                <a:cs typeface="+mn-cs"/>
-              </a:defRPr>
-            </a:lvl1pPr>
-            <a:lvl2pPr marL="457200" algn="l" defTabSz="914400" rtl="0" eaLnBrk="1" latinLnBrk="0" hangingPunct="1">
-              <a:defRPr sz="1800" kern="1200">
-                <a:solidFill>
-                  <a:schemeClr val="tx1"/>
-                </a:solidFill>
-                <a:latin typeface="+mn-lt"/>
-                <a:ea typeface="+mn-ea"/>
-                <a:cs typeface="+mn-cs"/>
-              </a:defRPr>
-            </a:lvl2pPr>
-            <a:lvl3pPr marL="914400" algn="l" defTabSz="914400" rtl="0" eaLnBrk="1" latinLnBrk="0" hangingPunct="1">
-              <a:defRPr sz="1800" kern="1200">
-                <a:solidFill>
-                  <a:schemeClr val="tx1"/>
-                </a:solidFill>
-                <a:latin typeface="+mn-lt"/>
-                <a:ea typeface="+mn-ea"/>
-                <a:cs typeface="+mn-cs"/>
-              </a:defRPr>
-            </a:lvl3pPr>
-            <a:lvl4pPr marL="1371600" algn="l" defTabSz="914400" rtl="0" eaLnBrk="1" latinLnBrk="0" hangingPunct="1">
-              <a:defRPr sz="1800" kern="1200">
-                <a:solidFill>
-                  <a:schemeClr val="tx1"/>
-                </a:solidFill>
-                <a:latin typeface="+mn-lt"/>
-                <a:ea typeface="+mn-ea"/>
-                <a:cs typeface="+mn-cs"/>
-              </a:defRPr>
-            </a:lvl4pPr>
-            <a:lvl5pPr marL="1828800" algn="l" defTabSz="914400" rtl="0" eaLnBrk="1" latinLnBrk="0" hangingPunct="1">
-              <a:defRPr sz="1800" kern="1200">
-                <a:solidFill>
-                  <a:schemeClr val="tx1"/>
-                </a:solidFill>
-                <a:latin typeface="+mn-lt"/>
-                <a:ea typeface="+mn-ea"/>
-                <a:cs typeface="+mn-cs"/>
-              </a:defRPr>
-            </a:lvl5pPr>
-            <a:lvl6pPr marL="2286000" algn="l" defTabSz="914400" rtl="0" eaLnBrk="1" latinLnBrk="0" hangingPunct="1">
-              <a:defRPr sz="1800" kern="1200">
-                <a:solidFill>
-                  <a:schemeClr val="tx1"/>
-                </a:solidFill>
-                <a:latin typeface="+mn-lt"/>
-                <a:ea typeface="+mn-ea"/>
-                <a:cs typeface="+mn-cs"/>
-              </a:defRPr>
-            </a:lvl6pPr>
-            <a:lvl7pPr marL="2743200" algn="l" defTabSz="914400" rtl="0" eaLnBrk="1" latinLnBrk="0" hangingPunct="1">
-              <a:defRPr sz="1800" kern="1200">
-                <a:solidFill>
-                  <a:schemeClr val="tx1"/>
-                </a:solidFill>
-                <a:latin typeface="+mn-lt"/>
-                <a:ea typeface="+mn-ea"/>
-                <a:cs typeface="+mn-cs"/>
-              </a:defRPr>
-            </a:lvl7pPr>
-            <a:lvl8pPr marL="3200400" algn="l" defTabSz="914400" rtl="0" eaLnBrk="1" latinLnBrk="0" hangingPunct="1">
-              <a:defRPr sz="1800" kern="1200">
-                <a:solidFill>
-                  <a:schemeClr val="tx1"/>
-                </a:solidFill>
-                <a:latin typeface="+mn-lt"/>
-                <a:ea typeface="+mn-ea"/>
-                <a:cs typeface="+mn-cs"/>
-              </a:defRPr>
-            </a:lvl8pPr>
-            <a:lvl9pPr marL="3657600" algn="l" defTabSz="914400" rtl="0" eaLnBrk="1" latinLnBrk="0" hangingPunct="1">
-              <a:defRPr sz="1800" kern="1200">
-                <a:solidFill>
-                  <a:schemeClr val="tx1"/>
-                </a:solidFill>
-                <a:latin typeface="+mn-lt"/>
-                <a:ea typeface="+mn-ea"/>
-                <a:cs typeface="+mn-cs"/>
-              </a:defRPr>
-            </a:lvl9pPr>
-          </a:lstStyle>
-          <a:p>
+          <a:effectLst>
+            <a:outerShdw blurRad="139700" dist="127000" dir="5400000" algn="t" rotWithShape="0">
+              <a:prstClr val="black">
+                <a:alpha val="15000"/>
+              </a:prstClr>
+            </a:outerShdw>
+          </a:effectLst>
+        </p:spPr>
+        <p:style>
+          <a:lnRef idx="2">
+            <a:schemeClr val="accent1">
+              <a:shade val="50000"/>
+            </a:schemeClr>
+          </a:lnRef>
+          <a:fillRef idx="1">
+            <a:schemeClr val="accent1"/>
+          </a:fillRef>
+          <a:effectRef idx="0">
+            <a:schemeClr val="accent1"/>
+          </a:effectRef>
+          <a:fontRef idx="minor">
+            <a:schemeClr val="lt1"/>
+          </a:fontRef>
+        </p:style>
+        <p:txBody>
+          <a:bodyPr rtlCol="0" anchor="ctr"/>
+          <a:lstStyle/>
+          <a:p>
+            <a:pPr algn="ctr"/>
             <a:endParaRPr lang="en-US"/>
-          </a:p>
-        </p:txBody>
-      </p:sp>
-      <p:sp>
-        <p:nvSpPr>
-          <p:cNvPr id="4" name="Oval 3">
-            <a:extLst>
-              <a:ext uri="{FF2B5EF4-FFF2-40B4-BE49-F238E27FC236}">
-                <a16:creationId xmlns:a16="http://schemas.microsoft.com/office/drawing/2014/main" id="{81049193-15C0-42FD-9E18-37549ABE5CB9}"/>
-              </a:ext>
-            </a:extLst>
-          </p:cNvPr>
-          <p:cNvSpPr>
-            <a:spLocks noChangeArrowheads="1"/>
-          </p:cNvSpPr>
-          <p:nvPr/>
-        </p:nvSpPr>
-        <p:spPr bwMode="auto">
-          <a:xfrm>
-            <a:off x="2570496" y="3148377"/>
-            <a:ext cx="2581281" cy="2584651"/>
-          </a:xfrm>
-          <a:prstGeom prst="ellipse">
-            <a:avLst/>
-          </a:prstGeom>
-          <a:solidFill>
-            <a:schemeClr val="tx2">
-              <a:lumMod val="60000"/>
-              <a:lumOff val="40000"/>
-            </a:schemeClr>
-          </a:solidFill>
-          <a:ln>
-            <a:noFill/>
-          </a:ln>
-        </p:spPr>
-        <p:txBody>
-          <a:bodyPr vert="horz" wrap="square" lIns="91440" tIns="45720" rIns="91440" bIns="45720" numCol="1" anchor="t" anchorCtr="0" compatLnSpc="1">
-            <a:prstTxWarp prst="textNoShape">
-              <a:avLst/>
-            </a:prstTxWarp>
-          </a:bodyPr>
-          <a:lstStyle>
-            <a:defPPr>
-              <a:defRPr lang="de-DE"/>
-            </a:defPPr>
-            <a:lvl1pPr marL="0" algn="l" defTabSz="914400" rtl="0" eaLnBrk="1" latinLnBrk="0" hangingPunct="1">
-              <a:defRPr sz="1800" kern="1200">
-                <a:solidFill>
-                  <a:schemeClr val="tx1"/>
-                </a:solidFill>
-                <a:latin typeface="+mn-lt"/>
-                <a:ea typeface="+mn-ea"/>
-                <a:cs typeface="+mn-cs"/>
-              </a:defRPr>
-            </a:lvl1pPr>
-            <a:lvl2pPr marL="457200" algn="l" defTabSz="914400" rtl="0" eaLnBrk="1" latinLnBrk="0" hangingPunct="1">
-              <a:defRPr sz="1800" kern="1200">
-                <a:solidFill>
-                  <a:schemeClr val="tx1"/>
-                </a:solidFill>
-                <a:latin typeface="+mn-lt"/>
-                <a:ea typeface="+mn-ea"/>
-                <a:cs typeface="+mn-cs"/>
-              </a:defRPr>
-            </a:lvl2pPr>
-            <a:lvl3pPr marL="914400" algn="l" defTabSz="914400" rtl="0" eaLnBrk="1" latinLnBrk="0" hangingPunct="1">
-              <a:defRPr sz="1800" kern="1200">
-                <a:solidFill>
-                  <a:schemeClr val="tx1"/>
-                </a:solidFill>
-                <a:latin typeface="+mn-lt"/>
-                <a:ea typeface="+mn-ea"/>
-                <a:cs typeface="+mn-cs"/>
-              </a:defRPr>
-            </a:lvl3pPr>
-            <a:lvl4pPr marL="1371600" algn="l" defTabSz="914400" rtl="0" eaLnBrk="1" latinLnBrk="0" hangingPunct="1">
-              <a:defRPr sz="1800" kern="1200">
-                <a:solidFill>
-                  <a:schemeClr val="tx1"/>
-                </a:solidFill>
-                <a:latin typeface="+mn-lt"/>
-                <a:ea typeface="+mn-ea"/>
-                <a:cs typeface="+mn-cs"/>
-              </a:defRPr>
-            </a:lvl4pPr>
-            <a:lvl5pPr marL="1828800" algn="l" defTabSz="914400" rtl="0" eaLnBrk="1" latinLnBrk="0" hangingPunct="1">
-              <a:defRPr sz="1800" kern="1200">
-                <a:solidFill>
-                  <a:schemeClr val="tx1"/>
-                </a:solidFill>
-                <a:latin typeface="+mn-lt"/>
-                <a:ea typeface="+mn-ea"/>
-                <a:cs typeface="+mn-cs"/>
-              </a:defRPr>
-            </a:lvl5pPr>
-            <a:lvl6pPr marL="2286000" algn="l" defTabSz="914400" rtl="0" eaLnBrk="1" latinLnBrk="0" hangingPunct="1">
-              <a:defRPr sz="1800" kern="1200">
-                <a:solidFill>
-                  <a:schemeClr val="tx1"/>
-                </a:solidFill>
-                <a:latin typeface="+mn-lt"/>
-                <a:ea typeface="+mn-ea"/>
-                <a:cs typeface="+mn-cs"/>
-              </a:defRPr>
-            </a:lvl6pPr>
-            <a:lvl7pPr marL="2743200" algn="l" defTabSz="914400" rtl="0" eaLnBrk="1" latinLnBrk="0" hangingPunct="1">
-              <a:defRPr sz="1800" kern="1200">
-                <a:solidFill>
-                  <a:schemeClr val="tx1"/>
-                </a:solidFill>
-                <a:latin typeface="+mn-lt"/>
-                <a:ea typeface="+mn-ea"/>
-                <a:cs typeface="+mn-cs"/>
-              </a:defRPr>
-            </a:lvl7pPr>
-            <a:lvl8pPr marL="3200400" algn="l" defTabSz="914400" rtl="0" eaLnBrk="1" latinLnBrk="0" hangingPunct="1">
-              <a:defRPr sz="1800" kern="1200">
-                <a:solidFill>
-                  <a:schemeClr val="tx1"/>
-                </a:solidFill>
-                <a:latin typeface="+mn-lt"/>
-                <a:ea typeface="+mn-ea"/>
-                <a:cs typeface="+mn-cs"/>
-              </a:defRPr>
-            </a:lvl8pPr>
-            <a:lvl9pPr marL="3657600" algn="l" defTabSz="914400" rtl="0" eaLnBrk="1" latinLnBrk="0" hangingPunct="1">
-              <a:defRPr sz="1800" kern="1200">
-                <a:solidFill>
-                  <a:schemeClr val="tx1"/>
-                </a:solidFill>
-                <a:latin typeface="+mn-lt"/>
-                <a:ea typeface="+mn-ea"/>
-                <a:cs typeface="+mn-cs"/>
-              </a:defRPr>
-            </a:lvl9pPr>
-          </a:lstStyle>
-          <a:p>
-            <a:endParaRPr lang="en-US">
-              <a:solidFill>
-                <a:schemeClr val="bg1"/>
-              </a:solidFill>
-            </a:endParaRPr>
-          </a:p>
-        </p:txBody>
-      </p:sp>
-      <p:sp>
-        <p:nvSpPr>
-          <p:cNvPr id="5" name="Oval 4">
-            <a:extLst>
-              <a:ext uri="{FF2B5EF4-FFF2-40B4-BE49-F238E27FC236}">
-                <a16:creationId xmlns:a16="http://schemas.microsoft.com/office/drawing/2014/main" id="{991468A1-ABEE-4AEC-816A-CE04A5260ECB}"/>
-              </a:ext>
-            </a:extLst>
-          </p:cNvPr>
-          <p:cNvSpPr>
-            <a:spLocks noChangeArrowheads="1"/>
-          </p:cNvSpPr>
-          <p:nvPr/>
-        </p:nvSpPr>
-        <p:spPr bwMode="auto">
-          <a:xfrm>
-            <a:off x="3000148" y="4011051"/>
-            <a:ext cx="1718607" cy="1721977"/>
-          </a:xfrm>
-          <a:prstGeom prst="ellipse">
-            <a:avLst/>
-          </a:prstGeom>
-          <a:solidFill>
-            <a:schemeClr val="tx2">
-              <a:lumMod val="75000"/>
-            </a:schemeClr>
-          </a:solidFill>
-          <a:ln>
-            <a:noFill/>
-          </a:ln>
-        </p:spPr>
-        <p:txBody>
-          <a:bodyPr vert="horz" wrap="square" lIns="91440" tIns="45720" rIns="91440" bIns="45720" numCol="1" anchor="t" anchorCtr="0" compatLnSpc="1">
-            <a:prstTxWarp prst="textNoShape">
-              <a:avLst/>
-            </a:prstTxWarp>
-          </a:bodyPr>
-          <a:lstStyle>
-            <a:defPPr>
-              <a:defRPr lang="de-DE"/>
-            </a:defPPr>
-            <a:lvl1pPr marL="0" algn="l" defTabSz="914400" rtl="0" eaLnBrk="1" latinLnBrk="0" hangingPunct="1">
-              <a:defRPr sz="1800" kern="1200">
-                <a:solidFill>
-                  <a:schemeClr val="tx1"/>
-                </a:solidFill>
-                <a:latin typeface="+mn-lt"/>
-                <a:ea typeface="+mn-ea"/>
-                <a:cs typeface="+mn-cs"/>
-              </a:defRPr>
-            </a:lvl1pPr>
-            <a:lvl2pPr marL="457200" algn="l" defTabSz="914400" rtl="0" eaLnBrk="1" latinLnBrk="0" hangingPunct="1">
-              <a:defRPr sz="1800" kern="1200">
-                <a:solidFill>
-                  <a:schemeClr val="tx1"/>
-                </a:solidFill>
-                <a:latin typeface="+mn-lt"/>
-                <a:ea typeface="+mn-ea"/>
-                <a:cs typeface="+mn-cs"/>
-              </a:defRPr>
-            </a:lvl2pPr>
-            <a:lvl3pPr marL="914400" algn="l" defTabSz="914400" rtl="0" eaLnBrk="1" latinLnBrk="0" hangingPunct="1">
-              <a:defRPr sz="1800" kern="1200">
-                <a:solidFill>
-                  <a:schemeClr val="tx1"/>
-                </a:solidFill>
-                <a:latin typeface="+mn-lt"/>
-                <a:ea typeface="+mn-ea"/>
-                <a:cs typeface="+mn-cs"/>
-              </a:defRPr>
-            </a:lvl3pPr>
-            <a:lvl4pPr marL="1371600" algn="l" defTabSz="914400" rtl="0" eaLnBrk="1" latinLnBrk="0" hangingPunct="1">
-              <a:defRPr sz="1800" kern="1200">
-                <a:solidFill>
-                  <a:schemeClr val="tx1"/>
-                </a:solidFill>
-                <a:latin typeface="+mn-lt"/>
-                <a:ea typeface="+mn-ea"/>
-                <a:cs typeface="+mn-cs"/>
-              </a:defRPr>
-            </a:lvl4pPr>
-            <a:lvl5pPr marL="1828800" algn="l" defTabSz="914400" rtl="0" eaLnBrk="1" latinLnBrk="0" hangingPunct="1">
-              <a:defRPr sz="1800" kern="1200">
-                <a:solidFill>
-                  <a:schemeClr val="tx1"/>
-                </a:solidFill>
-                <a:latin typeface="+mn-lt"/>
-                <a:ea typeface="+mn-ea"/>
-                <a:cs typeface="+mn-cs"/>
-              </a:defRPr>
-            </a:lvl5pPr>
-            <a:lvl6pPr marL="2286000" algn="l" defTabSz="914400" rtl="0" eaLnBrk="1" latinLnBrk="0" hangingPunct="1">
-              <a:defRPr sz="1800" kern="1200">
-                <a:solidFill>
-                  <a:schemeClr val="tx1"/>
-                </a:solidFill>
-                <a:latin typeface="+mn-lt"/>
-                <a:ea typeface="+mn-ea"/>
-                <a:cs typeface="+mn-cs"/>
-              </a:defRPr>
-            </a:lvl6pPr>
-            <a:lvl7pPr marL="2743200" algn="l" defTabSz="914400" rtl="0" eaLnBrk="1" latinLnBrk="0" hangingPunct="1">
-              <a:defRPr sz="1800" kern="1200">
-                <a:solidFill>
-                  <a:schemeClr val="tx1"/>
-                </a:solidFill>
-                <a:latin typeface="+mn-lt"/>
-                <a:ea typeface="+mn-ea"/>
-                <a:cs typeface="+mn-cs"/>
-              </a:defRPr>
-            </a:lvl7pPr>
-            <a:lvl8pPr marL="3200400" algn="l" defTabSz="914400" rtl="0" eaLnBrk="1" latinLnBrk="0" hangingPunct="1">
-              <a:defRPr sz="1800" kern="1200">
-                <a:solidFill>
-                  <a:schemeClr val="tx1"/>
-                </a:solidFill>
-                <a:latin typeface="+mn-lt"/>
-                <a:ea typeface="+mn-ea"/>
-                <a:cs typeface="+mn-cs"/>
-              </a:defRPr>
-            </a:lvl8pPr>
-            <a:lvl9pPr marL="3657600" algn="l" defTabSz="914400" rtl="0" eaLnBrk="1" latinLnBrk="0" hangingPunct="1">
-              <a:defRPr sz="1800" kern="1200">
-                <a:solidFill>
-                  <a:schemeClr val="tx1"/>
-                </a:solidFill>
-                <a:latin typeface="+mn-lt"/>
-                <a:ea typeface="+mn-ea"/>
-                <a:cs typeface="+mn-cs"/>
-              </a:defRPr>
-            </a:lvl9pPr>
-          </a:lstStyle>
-          <a:p>
-            <a:endParaRPr lang="en-US">
-              <a:solidFill>
-                <a:schemeClr val="bg1"/>
-              </a:solidFill>
-            </a:endParaRPr>
-          </a:p>
-        </p:txBody>
-      </p:sp>
-      <p:sp>
-        <p:nvSpPr>
-          <p:cNvPr id="18" name="Rectangle 17">
-            <a:extLst>
-              <a:ext uri="{FF2B5EF4-FFF2-40B4-BE49-F238E27FC236}">
-                <a16:creationId xmlns:a16="http://schemas.microsoft.com/office/drawing/2014/main" id="{BD22E483-1FF8-4358-8C8A-317B64A8EEDC}"/>
-              </a:ext>
-            </a:extLst>
-          </p:cNvPr>
-          <p:cNvSpPr>
-            <a:spLocks noChangeArrowheads="1"/>
-          </p:cNvSpPr>
-          <p:nvPr/>
-        </p:nvSpPr>
-        <p:spPr bwMode="auto">
-          <a:xfrm>
-            <a:off x="2817215" y="1783531"/>
-            <a:ext cx="2084472" cy="310213"/>
-          </a:xfrm>
-          <a:prstGeom prst="rect">
-            <a:avLst/>
-          </a:prstGeom>
-          <a:noFill/>
-          <a:ln>
-            <a:noFill/>
-          </a:ln>
-          <a:extLst>
-            <a:ext uri="{909E8E84-426E-40DD-AFC4-6F175D3DCCD1}">
-              <a14:hiddenFill xmlns:a14="http://schemas.microsoft.com/office/drawing/2010/main">
-                <a:solidFill>
-                  <a:srgbClr val="FFFFFF"/>
-                </a:solidFill>
-              </a14:hiddenFill>
-            </a:ext>
-            <a:ext uri="{91240B29-F687-4F45-9708-019B960494DF}">
-              <a14:hiddenLine xmlns:a14="http://schemas.microsoft.com/office/drawing/2010/main" w="9525">
-                <a:solidFill>
-                  <a:srgbClr val="000000"/>
-                </a:solidFill>
-                <a:miter lim="800000"/>
-                <a:headEnd/>
-                <a:tailEnd/>
-              </a14:hiddenLine>
-            </a:ext>
-          </a:extLst>
-        </p:spPr>
-        <p:txBody>
-          <a:bodyPr vert="horz" wrap="square" lIns="0" tIns="0" rIns="0" bIns="0" numCol="1" anchor="t" anchorCtr="0" compatLnSpc="1">
-            <a:prstTxWarp prst="textNoShape">
-              <a:avLst/>
-            </a:prstTxWarp>
-            <a:spAutoFit/>
-          </a:bodyPr>
-          <a:lstStyle>
-            <a:defPPr>
-              <a:defRPr lang="de-DE"/>
-            </a:defPPr>
-            <a:lvl1pPr marL="0" algn="l" defTabSz="914400" rtl="0" eaLnBrk="1" latinLnBrk="0" hangingPunct="1">
-              <a:defRPr sz="1800" kern="1200">
-                <a:solidFill>
-                  <a:schemeClr val="tx1"/>
-                </a:solidFill>
-                <a:latin typeface="+mn-lt"/>
-                <a:ea typeface="+mn-ea"/>
-                <a:cs typeface="+mn-cs"/>
-              </a:defRPr>
-            </a:lvl1pPr>
-            <a:lvl2pPr marL="457200" algn="l" defTabSz="914400" rtl="0" eaLnBrk="1" latinLnBrk="0" hangingPunct="1">
-              <a:defRPr sz="1800" kern="1200">
-                <a:solidFill>
-                  <a:schemeClr val="tx1"/>
-                </a:solidFill>
-                <a:latin typeface="+mn-lt"/>
-                <a:ea typeface="+mn-ea"/>
-                <a:cs typeface="+mn-cs"/>
-              </a:defRPr>
-            </a:lvl2pPr>
-            <a:lvl3pPr marL="914400" algn="l" defTabSz="914400" rtl="0" eaLnBrk="1" latinLnBrk="0" hangingPunct="1">
-              <a:defRPr sz="1800" kern="1200">
-                <a:solidFill>
-                  <a:schemeClr val="tx1"/>
-                </a:solidFill>
-                <a:latin typeface="+mn-lt"/>
-                <a:ea typeface="+mn-ea"/>
-                <a:cs typeface="+mn-cs"/>
-              </a:defRPr>
-            </a:lvl3pPr>
-            <a:lvl4pPr marL="1371600" algn="l" defTabSz="914400" rtl="0" eaLnBrk="1" latinLnBrk="0" hangingPunct="1">
-              <a:defRPr sz="1800" kern="1200">
-                <a:solidFill>
-                  <a:schemeClr val="tx1"/>
-                </a:solidFill>
-                <a:latin typeface="+mn-lt"/>
-                <a:ea typeface="+mn-ea"/>
-                <a:cs typeface="+mn-cs"/>
-              </a:defRPr>
-            </a:lvl4pPr>
-            <a:lvl5pPr marL="1828800" algn="l" defTabSz="914400" rtl="0" eaLnBrk="1" latinLnBrk="0" hangingPunct="1">
-              <a:defRPr sz="1800" kern="1200">
-                <a:solidFill>
-                  <a:schemeClr val="tx1"/>
-                </a:solidFill>
-                <a:latin typeface="+mn-lt"/>
-                <a:ea typeface="+mn-ea"/>
-                <a:cs typeface="+mn-cs"/>
-              </a:defRPr>
-            </a:lvl5pPr>
-            <a:lvl6pPr marL="2286000" algn="l" defTabSz="914400" rtl="0" eaLnBrk="1" latinLnBrk="0" hangingPunct="1">
-              <a:defRPr sz="1800" kern="1200">
-                <a:solidFill>
-                  <a:schemeClr val="tx1"/>
-                </a:solidFill>
-                <a:latin typeface="+mn-lt"/>
-                <a:ea typeface="+mn-ea"/>
-                <a:cs typeface="+mn-cs"/>
-              </a:defRPr>
-            </a:lvl6pPr>
-            <a:lvl7pPr marL="2743200" algn="l" defTabSz="914400" rtl="0" eaLnBrk="1" latinLnBrk="0" hangingPunct="1">
-              <a:defRPr sz="1800" kern="1200">
-                <a:solidFill>
-                  <a:schemeClr val="tx1"/>
-                </a:solidFill>
-                <a:latin typeface="+mn-lt"/>
-                <a:ea typeface="+mn-ea"/>
-                <a:cs typeface="+mn-cs"/>
-              </a:defRPr>
-            </a:lvl7pPr>
-            <a:lvl8pPr marL="3200400" algn="l" defTabSz="914400" rtl="0" eaLnBrk="1" latinLnBrk="0" hangingPunct="1">
-              <a:defRPr sz="1800" kern="1200">
-                <a:solidFill>
-                  <a:schemeClr val="tx1"/>
-                </a:solidFill>
-                <a:latin typeface="+mn-lt"/>
-                <a:ea typeface="+mn-ea"/>
-                <a:cs typeface="+mn-cs"/>
-              </a:defRPr>
-            </a:lvl8pPr>
-            <a:lvl9pPr marL="3657600" algn="l" defTabSz="914400" rtl="0" eaLnBrk="1" latinLnBrk="0" hangingPunct="1">
-              <a:defRPr sz="1800" kern="1200">
-                <a:solidFill>
-                  <a:schemeClr val="tx1"/>
-                </a:solidFill>
-                <a:latin typeface="+mn-lt"/>
-                <a:ea typeface="+mn-ea"/>
-                <a:cs typeface="+mn-cs"/>
-              </a:defRPr>
-            </a:lvl9pPr>
-          </a:lstStyle>
-          <a:p>
-            <a:pPr lvl="0" eaLnBrk="1" hangingPunct="1">
-              <a:lnSpc>
-                <a:spcPct val="120000"/>
-              </a:lnSpc>
-            </a:pPr>
-            <a:r>
-              <a:rPr lang="en-US" altLang="en-US" spc="50" dirty="0">
-                <a:solidFill>
-                  <a:schemeClr val="accent1">
-                    <a:lumMod val="50000"/>
-                  </a:schemeClr>
-                </a:solidFill>
-                <a:latin typeface="+mn-lt"/>
-              </a:rPr>
-              <a:t>Artificial Intelligence</a:t>
-            </a:r>
-          </a:p>
-        </p:txBody>
-      </p:sp>
-      <p:sp>
-        <p:nvSpPr>
-          <p:cNvPr id="19" name="Rectangle 18">
-            <a:extLst>
-              <a:ext uri="{FF2B5EF4-FFF2-40B4-BE49-F238E27FC236}">
-                <a16:creationId xmlns:a16="http://schemas.microsoft.com/office/drawing/2014/main" id="{D6C16A95-88B1-479D-AB4C-46DD36DDF3CD}"/>
-              </a:ext>
-            </a:extLst>
-          </p:cNvPr>
-          <p:cNvSpPr>
-            <a:spLocks noChangeArrowheads="1"/>
-          </p:cNvSpPr>
-          <p:nvPr/>
-        </p:nvSpPr>
-        <p:spPr bwMode="auto">
-          <a:xfrm>
-            <a:off x="2991781" y="2694261"/>
-            <a:ext cx="1775463" cy="310213"/>
-          </a:xfrm>
-          <a:prstGeom prst="rect">
-            <a:avLst/>
-          </a:prstGeom>
-          <a:noFill/>
-          <a:ln>
-            <a:noFill/>
-          </a:ln>
-          <a:extLst>
-            <a:ext uri="{909E8E84-426E-40DD-AFC4-6F175D3DCCD1}">
-              <a14:hiddenFill xmlns:a14="http://schemas.microsoft.com/office/drawing/2010/main">
-                <a:solidFill>
-                  <a:srgbClr val="FFFFFF"/>
-                </a:solidFill>
-              </a14:hiddenFill>
-            </a:ext>
-            <a:ext uri="{91240B29-F687-4F45-9708-019B960494DF}">
-              <a14:hiddenLine xmlns:a14="http://schemas.microsoft.com/office/drawing/2010/main" w="9525">
-                <a:solidFill>
-                  <a:srgbClr val="000000"/>
-                </a:solidFill>
-                <a:miter lim="800000"/>
-                <a:headEnd/>
-                <a:tailEnd/>
-              </a14:hiddenLine>
-            </a:ext>
-          </a:extLst>
-        </p:spPr>
-        <p:txBody>
-          <a:bodyPr vert="horz" wrap="square" lIns="0" tIns="0" rIns="0" bIns="0" numCol="1" anchor="t" anchorCtr="0" compatLnSpc="1">
-            <a:prstTxWarp prst="textNoShape">
-              <a:avLst/>
-            </a:prstTxWarp>
-            <a:spAutoFit/>
-          </a:bodyPr>
-          <a:lstStyle>
-            <a:defPPr>
-              <a:defRPr lang="de-DE"/>
-            </a:defPPr>
-            <a:lvl1pPr marL="0" algn="l" defTabSz="914400" rtl="0" eaLnBrk="1" latinLnBrk="0" hangingPunct="1">
-              <a:defRPr sz="1800" kern="1200">
-                <a:solidFill>
-                  <a:schemeClr val="tx1"/>
-                </a:solidFill>
-                <a:latin typeface="+mn-lt"/>
-                <a:ea typeface="+mn-ea"/>
-                <a:cs typeface="+mn-cs"/>
-              </a:defRPr>
-            </a:lvl1pPr>
-            <a:lvl2pPr marL="457200" algn="l" defTabSz="914400" rtl="0" eaLnBrk="1" latinLnBrk="0" hangingPunct="1">
-              <a:defRPr sz="1800" kern="1200">
-                <a:solidFill>
-                  <a:schemeClr val="tx1"/>
-                </a:solidFill>
-                <a:latin typeface="+mn-lt"/>
-                <a:ea typeface="+mn-ea"/>
-                <a:cs typeface="+mn-cs"/>
-              </a:defRPr>
-            </a:lvl2pPr>
-            <a:lvl3pPr marL="914400" algn="l" defTabSz="914400" rtl="0" eaLnBrk="1" latinLnBrk="0" hangingPunct="1">
-              <a:defRPr sz="1800" kern="1200">
-                <a:solidFill>
-                  <a:schemeClr val="tx1"/>
-                </a:solidFill>
-                <a:latin typeface="+mn-lt"/>
-                <a:ea typeface="+mn-ea"/>
-                <a:cs typeface="+mn-cs"/>
-              </a:defRPr>
-            </a:lvl3pPr>
-            <a:lvl4pPr marL="1371600" algn="l" defTabSz="914400" rtl="0" eaLnBrk="1" latinLnBrk="0" hangingPunct="1">
-              <a:defRPr sz="1800" kern="1200">
-                <a:solidFill>
-                  <a:schemeClr val="tx1"/>
-                </a:solidFill>
-                <a:latin typeface="+mn-lt"/>
-                <a:ea typeface="+mn-ea"/>
-                <a:cs typeface="+mn-cs"/>
-              </a:defRPr>
-            </a:lvl4pPr>
-            <a:lvl5pPr marL="1828800" algn="l" defTabSz="914400" rtl="0" eaLnBrk="1" latinLnBrk="0" hangingPunct="1">
-              <a:defRPr sz="1800" kern="1200">
-                <a:solidFill>
-                  <a:schemeClr val="tx1"/>
-                </a:solidFill>
-                <a:latin typeface="+mn-lt"/>
-                <a:ea typeface="+mn-ea"/>
-                <a:cs typeface="+mn-cs"/>
-              </a:defRPr>
-            </a:lvl5pPr>
-            <a:lvl6pPr marL="2286000" algn="l" defTabSz="914400" rtl="0" eaLnBrk="1" latinLnBrk="0" hangingPunct="1">
-              <a:defRPr sz="1800" kern="1200">
-                <a:solidFill>
-                  <a:schemeClr val="tx1"/>
-                </a:solidFill>
-                <a:latin typeface="+mn-lt"/>
-                <a:ea typeface="+mn-ea"/>
-                <a:cs typeface="+mn-cs"/>
-              </a:defRPr>
-            </a:lvl6pPr>
-            <a:lvl7pPr marL="2743200" algn="l" defTabSz="914400" rtl="0" eaLnBrk="1" latinLnBrk="0" hangingPunct="1">
-              <a:defRPr sz="1800" kern="1200">
-                <a:solidFill>
-                  <a:schemeClr val="tx1"/>
-                </a:solidFill>
-                <a:latin typeface="+mn-lt"/>
-                <a:ea typeface="+mn-ea"/>
-                <a:cs typeface="+mn-cs"/>
-              </a:defRPr>
-            </a:lvl7pPr>
-            <a:lvl8pPr marL="3200400" algn="l" defTabSz="914400" rtl="0" eaLnBrk="1" latinLnBrk="0" hangingPunct="1">
-              <a:defRPr sz="1800" kern="1200">
-                <a:solidFill>
-                  <a:schemeClr val="tx1"/>
-                </a:solidFill>
-                <a:latin typeface="+mn-lt"/>
-                <a:ea typeface="+mn-ea"/>
-                <a:cs typeface="+mn-cs"/>
-              </a:defRPr>
-            </a:lvl8pPr>
-            <a:lvl9pPr marL="3657600" algn="l" defTabSz="914400" rtl="0" eaLnBrk="1" latinLnBrk="0" hangingPunct="1">
-              <a:defRPr sz="1800" kern="1200">
-                <a:solidFill>
-                  <a:schemeClr val="tx1"/>
-                </a:solidFill>
-                <a:latin typeface="+mn-lt"/>
-                <a:ea typeface="+mn-ea"/>
-                <a:cs typeface="+mn-cs"/>
-              </a:defRPr>
-            </a:lvl9pPr>
-          </a:lstStyle>
-          <a:p>
-            <a:pPr lvl="0" eaLnBrk="1" hangingPunct="1">
-              <a:lnSpc>
-                <a:spcPct val="120000"/>
-              </a:lnSpc>
-            </a:pPr>
-            <a:r>
-              <a:rPr lang="en-US" altLang="en-US" spc="50" dirty="0">
-                <a:solidFill>
-                  <a:schemeClr val="accent1">
-                    <a:lumMod val="50000"/>
-                  </a:schemeClr>
-                </a:solidFill>
-                <a:latin typeface="+mn-lt"/>
-              </a:rPr>
-              <a:t>Machine Learning</a:t>
-            </a:r>
-          </a:p>
-        </p:txBody>
-      </p:sp>
-      <p:sp>
-        <p:nvSpPr>
-          <p:cNvPr id="20" name="Rectangle 19">
-            <a:extLst>
-              <a:ext uri="{FF2B5EF4-FFF2-40B4-BE49-F238E27FC236}">
-                <a16:creationId xmlns:a16="http://schemas.microsoft.com/office/drawing/2014/main" id="{4BDFF3EF-E88E-4398-9195-8014A2399137}"/>
-              </a:ext>
-            </a:extLst>
-          </p:cNvPr>
-          <p:cNvSpPr>
-            <a:spLocks noChangeArrowheads="1"/>
-          </p:cNvSpPr>
-          <p:nvPr/>
-        </p:nvSpPr>
-        <p:spPr bwMode="auto">
-          <a:xfrm>
-            <a:off x="3027856" y="3571416"/>
-            <a:ext cx="1775463" cy="310213"/>
-          </a:xfrm>
-          <a:prstGeom prst="rect">
-            <a:avLst/>
-          </a:prstGeom>
-          <a:noFill/>
-          <a:ln>
-            <a:noFill/>
-          </a:ln>
-          <a:extLst>
-            <a:ext uri="{909E8E84-426E-40DD-AFC4-6F175D3DCCD1}">
-              <a14:hiddenFill xmlns:a14="http://schemas.microsoft.com/office/drawing/2010/main">
-                <a:solidFill>
-                  <a:srgbClr val="FFFFFF"/>
-                </a:solidFill>
-              </a14:hiddenFill>
-            </a:ext>
-            <a:ext uri="{91240B29-F687-4F45-9708-019B960494DF}">
-              <a14:hiddenLine xmlns:a14="http://schemas.microsoft.com/office/drawing/2010/main" w="9525">
-                <a:solidFill>
-                  <a:srgbClr val="000000"/>
-                </a:solidFill>
-                <a:miter lim="800000"/>
-                <a:headEnd/>
-                <a:tailEnd/>
-              </a14:hiddenLine>
-            </a:ext>
-          </a:extLst>
-        </p:spPr>
-        <p:txBody>
-          <a:bodyPr vert="horz" wrap="square" lIns="0" tIns="0" rIns="0" bIns="0" numCol="1" anchor="t" anchorCtr="0" compatLnSpc="1">
-            <a:prstTxWarp prst="textNoShape">
-              <a:avLst/>
-            </a:prstTxWarp>
-            <a:spAutoFit/>
-          </a:bodyPr>
-          <a:lstStyle>
-            <a:defPPr>
-              <a:defRPr lang="de-DE"/>
-            </a:defPPr>
-            <a:lvl1pPr marL="0" algn="l" defTabSz="914400" rtl="0" eaLnBrk="1" latinLnBrk="0" hangingPunct="1">
-              <a:defRPr sz="1800" kern="1200">
-                <a:solidFill>
-                  <a:schemeClr val="tx1"/>
-                </a:solidFill>
-                <a:latin typeface="+mn-lt"/>
-                <a:ea typeface="+mn-ea"/>
-                <a:cs typeface="+mn-cs"/>
-              </a:defRPr>
-            </a:lvl1pPr>
-            <a:lvl2pPr marL="457200" algn="l" defTabSz="914400" rtl="0" eaLnBrk="1" latinLnBrk="0" hangingPunct="1">
-              <a:defRPr sz="1800" kern="1200">
-                <a:solidFill>
-                  <a:schemeClr val="tx1"/>
-                </a:solidFill>
-                <a:latin typeface="+mn-lt"/>
-                <a:ea typeface="+mn-ea"/>
-                <a:cs typeface="+mn-cs"/>
-              </a:defRPr>
-            </a:lvl2pPr>
-            <a:lvl3pPr marL="914400" algn="l" defTabSz="914400" rtl="0" eaLnBrk="1" latinLnBrk="0" hangingPunct="1">
-              <a:defRPr sz="1800" kern="1200">
-                <a:solidFill>
-                  <a:schemeClr val="tx1"/>
-                </a:solidFill>
-                <a:latin typeface="+mn-lt"/>
-                <a:ea typeface="+mn-ea"/>
-                <a:cs typeface="+mn-cs"/>
-              </a:defRPr>
-            </a:lvl3pPr>
-            <a:lvl4pPr marL="1371600" algn="l" defTabSz="914400" rtl="0" eaLnBrk="1" latinLnBrk="0" hangingPunct="1">
-              <a:defRPr sz="1800" kern="1200">
-                <a:solidFill>
-                  <a:schemeClr val="tx1"/>
-                </a:solidFill>
-                <a:latin typeface="+mn-lt"/>
-                <a:ea typeface="+mn-ea"/>
-                <a:cs typeface="+mn-cs"/>
-              </a:defRPr>
-            </a:lvl4pPr>
-            <a:lvl5pPr marL="1828800" algn="l" defTabSz="914400" rtl="0" eaLnBrk="1" latinLnBrk="0" hangingPunct="1">
-              <a:defRPr sz="1800" kern="1200">
-                <a:solidFill>
-                  <a:schemeClr val="tx1"/>
-                </a:solidFill>
-                <a:latin typeface="+mn-lt"/>
-                <a:ea typeface="+mn-ea"/>
-                <a:cs typeface="+mn-cs"/>
-              </a:defRPr>
-            </a:lvl5pPr>
-            <a:lvl6pPr marL="2286000" algn="l" defTabSz="914400" rtl="0" eaLnBrk="1" latinLnBrk="0" hangingPunct="1">
-              <a:defRPr sz="1800" kern="1200">
-                <a:solidFill>
-                  <a:schemeClr val="tx1"/>
-                </a:solidFill>
-                <a:latin typeface="+mn-lt"/>
-                <a:ea typeface="+mn-ea"/>
-                <a:cs typeface="+mn-cs"/>
-              </a:defRPr>
-            </a:lvl6pPr>
-            <a:lvl7pPr marL="2743200" algn="l" defTabSz="914400" rtl="0" eaLnBrk="1" latinLnBrk="0" hangingPunct="1">
-              <a:defRPr sz="1800" kern="1200">
-                <a:solidFill>
-                  <a:schemeClr val="tx1"/>
-                </a:solidFill>
-                <a:latin typeface="+mn-lt"/>
-                <a:ea typeface="+mn-ea"/>
-                <a:cs typeface="+mn-cs"/>
-              </a:defRPr>
-            </a:lvl7pPr>
-            <a:lvl8pPr marL="3200400" algn="l" defTabSz="914400" rtl="0" eaLnBrk="1" latinLnBrk="0" hangingPunct="1">
-              <a:defRPr sz="1800" kern="1200">
-                <a:solidFill>
-                  <a:schemeClr val="tx1"/>
-                </a:solidFill>
-                <a:latin typeface="+mn-lt"/>
-                <a:ea typeface="+mn-ea"/>
-                <a:cs typeface="+mn-cs"/>
-              </a:defRPr>
-            </a:lvl8pPr>
-            <a:lvl9pPr marL="3657600" algn="l" defTabSz="914400" rtl="0" eaLnBrk="1" latinLnBrk="0" hangingPunct="1">
-              <a:defRPr sz="1800" kern="1200">
-                <a:solidFill>
-                  <a:schemeClr val="tx1"/>
-                </a:solidFill>
-                <a:latin typeface="+mn-lt"/>
-                <a:ea typeface="+mn-ea"/>
-                <a:cs typeface="+mn-cs"/>
-              </a:defRPr>
-            </a:lvl9pPr>
-          </a:lstStyle>
-          <a:p>
-            <a:pPr lvl="0" eaLnBrk="1" hangingPunct="1">
-              <a:lnSpc>
-                <a:spcPct val="120000"/>
-              </a:lnSpc>
-            </a:pPr>
-            <a:r>
-              <a:rPr lang="en-US" altLang="en-US" spc="50" dirty="0">
-                <a:solidFill>
-                  <a:schemeClr val="bg1"/>
-                </a:solidFill>
-                <a:latin typeface="+mn-lt"/>
-              </a:rPr>
-              <a:t>Neural Networks</a:t>
-            </a:r>
-          </a:p>
-        </p:txBody>
-      </p:sp>
-      <p:sp>
-        <p:nvSpPr>
-          <p:cNvPr id="21" name="Rectangle 20">
-            <a:extLst>
-              <a:ext uri="{FF2B5EF4-FFF2-40B4-BE49-F238E27FC236}">
-                <a16:creationId xmlns:a16="http://schemas.microsoft.com/office/drawing/2014/main" id="{C3757FBB-2AF6-4B12-9630-C0320FD92583}"/>
-              </a:ext>
-            </a:extLst>
-          </p:cNvPr>
-          <p:cNvSpPr>
-            <a:spLocks noChangeArrowheads="1"/>
-          </p:cNvSpPr>
-          <p:nvPr/>
-        </p:nvSpPr>
-        <p:spPr bwMode="auto">
-          <a:xfrm>
-            <a:off x="3154748" y="4728096"/>
-            <a:ext cx="1775463" cy="310213"/>
-          </a:xfrm>
-          <a:prstGeom prst="rect">
-            <a:avLst/>
-          </a:prstGeom>
-          <a:noFill/>
-          <a:ln>
-            <a:noFill/>
-          </a:ln>
-          <a:extLst>
-            <a:ext uri="{909E8E84-426E-40DD-AFC4-6F175D3DCCD1}">
-              <a14:hiddenFill xmlns:a14="http://schemas.microsoft.com/office/drawing/2010/main">
-                <a:solidFill>
-                  <a:srgbClr val="FFFFFF"/>
-                </a:solidFill>
-              </a14:hiddenFill>
-            </a:ext>
-            <a:ext uri="{91240B29-F687-4F45-9708-019B960494DF}">
-              <a14:hiddenLine xmlns:a14="http://schemas.microsoft.com/office/drawing/2010/main" w="9525">
-                <a:solidFill>
-                  <a:srgbClr val="000000"/>
-                </a:solidFill>
-                <a:miter lim="800000"/>
-                <a:headEnd/>
-                <a:tailEnd/>
-              </a14:hiddenLine>
-            </a:ext>
-          </a:extLst>
-        </p:spPr>
-        <p:txBody>
-          <a:bodyPr vert="horz" wrap="square" lIns="0" tIns="0" rIns="0" bIns="0" numCol="1" anchor="t" anchorCtr="0" compatLnSpc="1">
-            <a:prstTxWarp prst="textNoShape">
-              <a:avLst/>
-            </a:prstTxWarp>
-            <a:spAutoFit/>
-          </a:bodyPr>
-          <a:lstStyle>
-            <a:defPPr>
-              <a:defRPr lang="de-DE"/>
-            </a:defPPr>
-            <a:lvl1pPr marL="0" algn="l" defTabSz="914400" rtl="0" eaLnBrk="1" latinLnBrk="0" hangingPunct="1">
-              <a:defRPr sz="1800" kern="1200">
-                <a:solidFill>
-                  <a:schemeClr val="tx1"/>
-                </a:solidFill>
-                <a:latin typeface="+mn-lt"/>
-                <a:ea typeface="+mn-ea"/>
-                <a:cs typeface="+mn-cs"/>
-              </a:defRPr>
-            </a:lvl1pPr>
-            <a:lvl2pPr marL="457200" algn="l" defTabSz="914400" rtl="0" eaLnBrk="1" latinLnBrk="0" hangingPunct="1">
-              <a:defRPr sz="1800" kern="1200">
-                <a:solidFill>
-                  <a:schemeClr val="tx1"/>
-                </a:solidFill>
-                <a:latin typeface="+mn-lt"/>
-                <a:ea typeface="+mn-ea"/>
-                <a:cs typeface="+mn-cs"/>
-              </a:defRPr>
-            </a:lvl2pPr>
-            <a:lvl3pPr marL="914400" algn="l" defTabSz="914400" rtl="0" eaLnBrk="1" latinLnBrk="0" hangingPunct="1">
-              <a:defRPr sz="1800" kern="1200">
-                <a:solidFill>
-                  <a:schemeClr val="tx1"/>
-                </a:solidFill>
-                <a:latin typeface="+mn-lt"/>
-                <a:ea typeface="+mn-ea"/>
-                <a:cs typeface="+mn-cs"/>
-              </a:defRPr>
-            </a:lvl3pPr>
-            <a:lvl4pPr marL="1371600" algn="l" defTabSz="914400" rtl="0" eaLnBrk="1" latinLnBrk="0" hangingPunct="1">
-              <a:defRPr sz="1800" kern="1200">
-                <a:solidFill>
-                  <a:schemeClr val="tx1"/>
-                </a:solidFill>
-                <a:latin typeface="+mn-lt"/>
-                <a:ea typeface="+mn-ea"/>
-                <a:cs typeface="+mn-cs"/>
-              </a:defRPr>
-            </a:lvl4pPr>
-            <a:lvl5pPr marL="1828800" algn="l" defTabSz="914400" rtl="0" eaLnBrk="1" latinLnBrk="0" hangingPunct="1">
-              <a:defRPr sz="1800" kern="1200">
-                <a:solidFill>
-                  <a:schemeClr val="tx1"/>
-                </a:solidFill>
-                <a:latin typeface="+mn-lt"/>
-                <a:ea typeface="+mn-ea"/>
-                <a:cs typeface="+mn-cs"/>
-              </a:defRPr>
-            </a:lvl5pPr>
-            <a:lvl6pPr marL="2286000" algn="l" defTabSz="914400" rtl="0" eaLnBrk="1" latinLnBrk="0" hangingPunct="1">
-              <a:defRPr sz="1800" kern="1200">
-                <a:solidFill>
-                  <a:schemeClr val="tx1"/>
-                </a:solidFill>
-                <a:latin typeface="+mn-lt"/>
-                <a:ea typeface="+mn-ea"/>
-                <a:cs typeface="+mn-cs"/>
-              </a:defRPr>
-            </a:lvl6pPr>
-            <a:lvl7pPr marL="2743200" algn="l" defTabSz="914400" rtl="0" eaLnBrk="1" latinLnBrk="0" hangingPunct="1">
-              <a:defRPr sz="1800" kern="1200">
-                <a:solidFill>
-                  <a:schemeClr val="tx1"/>
-                </a:solidFill>
-                <a:latin typeface="+mn-lt"/>
-                <a:ea typeface="+mn-ea"/>
-                <a:cs typeface="+mn-cs"/>
-              </a:defRPr>
-            </a:lvl7pPr>
-            <a:lvl8pPr marL="3200400" algn="l" defTabSz="914400" rtl="0" eaLnBrk="1" latinLnBrk="0" hangingPunct="1">
-              <a:defRPr sz="1800" kern="1200">
-                <a:solidFill>
-                  <a:schemeClr val="tx1"/>
-                </a:solidFill>
-                <a:latin typeface="+mn-lt"/>
-                <a:ea typeface="+mn-ea"/>
-                <a:cs typeface="+mn-cs"/>
-              </a:defRPr>
-            </a:lvl8pPr>
-            <a:lvl9pPr marL="3657600" algn="l" defTabSz="914400" rtl="0" eaLnBrk="1" latinLnBrk="0" hangingPunct="1">
-              <a:defRPr sz="1800" kern="1200">
-                <a:solidFill>
-                  <a:schemeClr val="tx1"/>
-                </a:solidFill>
-                <a:latin typeface="+mn-lt"/>
-                <a:ea typeface="+mn-ea"/>
-                <a:cs typeface="+mn-cs"/>
-              </a:defRPr>
-            </a:lvl9pPr>
-          </a:lstStyle>
-          <a:p>
-            <a:pPr lvl="0" eaLnBrk="1" hangingPunct="1">
-              <a:lnSpc>
-                <a:spcPct val="120000"/>
-              </a:lnSpc>
-            </a:pPr>
-            <a:r>
-              <a:rPr lang="en-US" altLang="en-US" spc="50" dirty="0">
-                <a:solidFill>
-                  <a:schemeClr val="bg1"/>
-                </a:solidFill>
-                <a:latin typeface="+mn-lt"/>
-              </a:rPr>
-              <a:t>Deep Learning</a:t>
-            </a:r>
-          </a:p>
-        </p:txBody>
-      </p:sp>
-      <p:sp>
-        <p:nvSpPr>
-          <p:cNvPr id="27" name="TextBox 26">
-            <a:extLst>
-              <a:ext uri="{FF2B5EF4-FFF2-40B4-BE49-F238E27FC236}">
-                <a16:creationId xmlns:a16="http://schemas.microsoft.com/office/drawing/2014/main" id="{DB5B64E1-E778-CE37-D132-97B59C7B893D}"/>
-              </a:ext>
-            </a:extLst>
-          </p:cNvPr>
-          <p:cNvSpPr txBox="1"/>
-          <p:nvPr/>
-        </p:nvSpPr>
-        <p:spPr>
-          <a:xfrm>
-            <a:off x="7026571" y="2195106"/>
-            <a:ext cx="3585535" cy="2308324"/>
-          </a:xfrm>
-          <a:prstGeom prst="rect">
-            <a:avLst/>
-          </a:prstGeom>
-          <a:noFill/>
-        </p:spPr>
-        <p:txBody>
-          <a:bodyPr wrap="square">
-            <a:spAutoFit/>
-          </a:bodyPr>
-          <a:lstStyle/>
-          <a:p>
-            <a:r>
-              <a:rPr lang="en-GB" sz="4800" b="1" dirty="0">
-                <a:solidFill>
-                  <a:schemeClr val="bg1"/>
-                </a:solidFill>
-                <a:effectLst>
-                  <a:outerShdw blurRad="38100" dist="38100" dir="2700000" algn="tl">
-                    <a:srgbClr val="000000">
-                      <a:alpha val="43137"/>
-                    </a:srgbClr>
-                  </a:outerShdw>
-                </a:effectLst>
-                <a:latin typeface="Calibri Light" panose="020F0302020204030204" pitchFamily="34" charset="0"/>
-                <a:ea typeface="Calibri Light" panose="020F0302020204030204" pitchFamily="34" charset="0"/>
-                <a:cs typeface="Calibri Light" panose="020F0302020204030204" pitchFamily="34" charset="0"/>
-              </a:rPr>
-              <a:t>WHAT IS MACHINE LEARNING?</a:t>
-            </a:r>
           </a:p>
         </p:txBody>
       </p:sp>
       <p:pic>
         <p:nvPicPr>
-          <p:cNvPr id="28" name="Picture 27">
-            <a:extLst>
-              <a:ext uri="{FF2B5EF4-FFF2-40B4-BE49-F238E27FC236}">
-                <a16:creationId xmlns:a16="http://schemas.microsoft.com/office/drawing/2014/main" id="{56D1E704-B97A-D11B-7EC9-AEBF1EE4E875}"/>
+          <p:cNvPr id="3" name="Picture 2" descr="A group of people sitting at a table with laptops&#10;&#10;Description automatically generated">
+            <a:extLst>
+              <a:ext uri="{FF2B5EF4-FFF2-40B4-BE49-F238E27FC236}">
+                <a16:creationId xmlns:a16="http://schemas.microsoft.com/office/drawing/2014/main" id="{A491E1AA-77AA-1824-4EA9-F71DC871FED7}"/>
               </a:ext>
             </a:extLst>
           </p:cNvPr>
@@ -5159,32 +7593,77 @@
           </p:cNvPicPr>
           <p:nvPr/>
         </p:nvPicPr>
-        <p:blipFill>
-          <a:blip r:embed="rId2">
-            <a:extLst>
-              <a:ext uri="{28A0092B-C50C-407E-A947-70E740481C1C}">
-                <a14:useLocalDpi xmlns:a14="http://schemas.microsoft.com/office/drawing/2010/main" val="0"/>
-              </a:ext>
-            </a:extLst>
-          </a:blip>
-          <a:stretch>
-            <a:fillRect/>
-          </a:stretch>
+        <p:blipFill rotWithShape="1">
+          <a:blip r:embed="rId2"/>
+          <a:srcRect b="15167"/>
+          <a:stretch/>
         </p:blipFill>
         <p:spPr>
           <a:xfrm>
-            <a:off x="11115483" y="143902"/>
-            <a:ext cx="896410" cy="853625"/>
+            <a:off x="838200" y="754148"/>
+            <a:ext cx="10515600" cy="4995575"/>
           </a:xfrm>
           <a:prstGeom prst="rect">
             <a:avLst/>
           </a:prstGeom>
         </p:spPr>
       </p:pic>
+      <p:cxnSp>
+        <p:nvCxnSpPr>
+          <p:cNvPr id="14" name="Straight Connector 13">
+            <a:extLst>
+              <a:ext uri="{FF2B5EF4-FFF2-40B4-BE49-F238E27FC236}">
+                <a16:creationId xmlns:a16="http://schemas.microsoft.com/office/drawing/2014/main" id="{469F4FF8-F8B0-4630-BA1B-0D8B324CD5FF}"/>
+              </a:ext>
+              <a:ext uri="{C183D7F6-B498-43B3-948B-1728B52AA6E4}">
+                <adec:decorative xmlns:adec="http://schemas.microsoft.com/office/drawing/2017/decorative" val="1"/>
+              </a:ext>
+            </a:extLst>
+          </p:cNvPr>
+          <p:cNvCxnSpPr>
+            <a:cxnSpLocks noGrp="1" noRot="1" noChangeAspect="1" noMove="1" noResize="1" noEditPoints="1" noAdjustHandles="1" noChangeArrowheads="1" noChangeShapeType="1"/>
+          </p:cNvCxnSpPr>
+          <p:nvPr>
+            <p:extLst>
+              <p:ext uri="{386F3935-93C4-4BCD-93E2-E3B085C9AB24}">
+                <p16:designElem xmlns:p16="http://schemas.microsoft.com/office/powerpoint/2015/main" val="1"/>
+              </p:ext>
+            </p:extLst>
+          </p:nvPr>
+        </p:nvCxnSpPr>
+        <p:spPr>
+          <a:xfrm flipH="1">
+            <a:off x="596464" y="6329769"/>
+            <a:ext cx="11000232" cy="0"/>
+          </a:xfrm>
+          <a:prstGeom prst="line">
+            <a:avLst/>
+          </a:prstGeom>
+          <a:ln w="152400">
+            <a:solidFill>
+              <a:schemeClr val="accent4"/>
+            </a:solidFill>
+          </a:ln>
+        </p:spPr>
+        <p:style>
+          <a:lnRef idx="1">
+            <a:schemeClr val="accent1"/>
+          </a:lnRef>
+          <a:fillRef idx="0">
+            <a:schemeClr val="accent1"/>
+          </a:fillRef>
+          <a:effectRef idx="0">
+            <a:schemeClr val="accent1"/>
+          </a:effectRef>
+          <a:fontRef idx="minor">
+            <a:schemeClr val="tx1"/>
+          </a:fontRef>
+        </p:style>
+      </p:cxnSp>
     </p:spTree>
     <p:extLst>
       <p:ext uri="{BB962C8B-B14F-4D97-AF65-F5344CB8AC3E}">
-        <p14:creationId xmlns:p14="http://schemas.microsoft.com/office/powerpoint/2010/main" val="2098855887"/>
+        <p14:creationId xmlns:p14="http://schemas.microsoft.com/office/powerpoint/2010/main" val="2103184694"/>
       </p:ext>
     </p:extLst>
   </p:cSld>
@@ -5195,6 +7674,1587 @@
 </file>
 
 <file path=ppt/slides/slide4.xml><?xml version="1.0" encoding="utf-8"?>
+<p:sld xmlns:a="http://schemas.openxmlformats.org/drawingml/2006/main" xmlns:r="http://schemas.openxmlformats.org/officeDocument/2006/relationships" xmlns:p="http://schemas.openxmlformats.org/presentationml/2006/main">
+  <p:cSld>
+    <p:bg>
+      <p:bgPr>
+        <a:solidFill>
+          <a:schemeClr val="bg1"/>
+        </a:solidFill>
+        <a:effectLst/>
+      </p:bgPr>
+    </p:bg>
+    <p:spTree>
+      <p:nvGrpSpPr>
+        <p:cNvPr id="1" name=""/>
+        <p:cNvGrpSpPr/>
+        <p:nvPr/>
+      </p:nvGrpSpPr>
+      <p:grpSpPr>
+        <a:xfrm>
+          <a:off x="0" y="0"/>
+          <a:ext cx="0" cy="0"/>
+          <a:chOff x="0" y="0"/>
+          <a:chExt cx="0" cy="0"/>
+        </a:xfrm>
+      </p:grpSpPr>
+      <p:sp>
+        <p:nvSpPr>
+          <p:cNvPr id="17" name="Rectangle 8">
+            <a:extLst>
+              <a:ext uri="{FF2B5EF4-FFF2-40B4-BE49-F238E27FC236}">
+                <a16:creationId xmlns:a16="http://schemas.microsoft.com/office/drawing/2014/main" id="{42A4FC2C-047E-45A5-965D-8E1E3BF09BC6}"/>
+              </a:ext>
+              <a:ext uri="{C183D7F6-B498-43B3-948B-1728B52AA6E4}">
+                <adec:decorative xmlns:adec="http://schemas.microsoft.com/office/drawing/2017/decorative" val="1"/>
+              </a:ext>
+            </a:extLst>
+          </p:cNvPr>
+          <p:cNvSpPr>
+            <a:spLocks noGrp="1" noRot="1" noChangeAspect="1" noMove="1" noResize="1" noEditPoints="1" noAdjustHandles="1" noChangeArrowheads="1" noChangeShapeType="1" noTextEdit="1"/>
+          </p:cNvSpPr>
+          <p:nvPr>
+            <p:extLst>
+              <p:ext uri="{386F3935-93C4-4BCD-93E2-E3B085C9AB24}">
+                <p16:designElem xmlns:p16="http://schemas.microsoft.com/office/powerpoint/2015/main" val="1"/>
+              </p:ext>
+            </p:extLst>
+          </p:nvPr>
+        </p:nvSpPr>
+        <p:spPr bwMode="white">
+          <a:xfrm>
+            <a:off x="1524" y="0"/>
+            <a:ext cx="12188952" cy="6858000"/>
+          </a:xfrm>
+          <a:prstGeom prst="rect">
+            <a:avLst/>
+          </a:prstGeom>
+          <a:noFill/>
+          <a:ln>
+            <a:noFill/>
+          </a:ln>
+        </p:spPr>
+        <p:style>
+          <a:lnRef idx="2">
+            <a:schemeClr val="accent1">
+              <a:shade val="50000"/>
+            </a:schemeClr>
+          </a:lnRef>
+          <a:fillRef idx="1">
+            <a:schemeClr val="accent1"/>
+          </a:fillRef>
+          <a:effectRef idx="0">
+            <a:schemeClr val="accent1"/>
+          </a:effectRef>
+          <a:fontRef idx="minor">
+            <a:schemeClr val="lt1"/>
+          </a:fontRef>
+        </p:style>
+        <p:txBody>
+          <a:bodyPr rtlCol="0" anchor="ctr"/>
+          <a:lstStyle>
+            <a:defPPr>
+              <a:defRPr lang="en-US"/>
+            </a:defPPr>
+            <a:lvl1pPr marL="0" algn="l" defTabSz="914400" rtl="0" eaLnBrk="1" latinLnBrk="0" hangingPunct="1">
+              <a:defRPr sz="1800" kern="1200">
+                <a:solidFill>
+                  <a:schemeClr val="lt1"/>
+                </a:solidFill>
+                <a:latin typeface="+mn-lt"/>
+                <a:ea typeface="+mn-ea"/>
+                <a:cs typeface="+mn-cs"/>
+              </a:defRPr>
+            </a:lvl1pPr>
+            <a:lvl2pPr marL="457200" algn="l" defTabSz="914400" rtl="0" eaLnBrk="1" latinLnBrk="0" hangingPunct="1">
+              <a:defRPr sz="1800" kern="1200">
+                <a:solidFill>
+                  <a:schemeClr val="lt1"/>
+                </a:solidFill>
+                <a:latin typeface="+mn-lt"/>
+                <a:ea typeface="+mn-ea"/>
+                <a:cs typeface="+mn-cs"/>
+              </a:defRPr>
+            </a:lvl2pPr>
+            <a:lvl3pPr marL="914400" algn="l" defTabSz="914400" rtl="0" eaLnBrk="1" latinLnBrk="0" hangingPunct="1">
+              <a:defRPr sz="1800" kern="1200">
+                <a:solidFill>
+                  <a:schemeClr val="lt1"/>
+                </a:solidFill>
+                <a:latin typeface="+mn-lt"/>
+                <a:ea typeface="+mn-ea"/>
+                <a:cs typeface="+mn-cs"/>
+              </a:defRPr>
+            </a:lvl3pPr>
+            <a:lvl4pPr marL="1371600" algn="l" defTabSz="914400" rtl="0" eaLnBrk="1" latinLnBrk="0" hangingPunct="1">
+              <a:defRPr sz="1800" kern="1200">
+                <a:solidFill>
+                  <a:schemeClr val="lt1"/>
+                </a:solidFill>
+                <a:latin typeface="+mn-lt"/>
+                <a:ea typeface="+mn-ea"/>
+                <a:cs typeface="+mn-cs"/>
+              </a:defRPr>
+            </a:lvl4pPr>
+            <a:lvl5pPr marL="1828800" algn="l" defTabSz="914400" rtl="0" eaLnBrk="1" latinLnBrk="0" hangingPunct="1">
+              <a:defRPr sz="1800" kern="1200">
+                <a:solidFill>
+                  <a:schemeClr val="lt1"/>
+                </a:solidFill>
+                <a:latin typeface="+mn-lt"/>
+                <a:ea typeface="+mn-ea"/>
+                <a:cs typeface="+mn-cs"/>
+              </a:defRPr>
+            </a:lvl5pPr>
+            <a:lvl6pPr marL="2286000" algn="l" defTabSz="914400" rtl="0" eaLnBrk="1" latinLnBrk="0" hangingPunct="1">
+              <a:defRPr sz="1800" kern="1200">
+                <a:solidFill>
+                  <a:schemeClr val="lt1"/>
+                </a:solidFill>
+                <a:latin typeface="+mn-lt"/>
+                <a:ea typeface="+mn-ea"/>
+                <a:cs typeface="+mn-cs"/>
+              </a:defRPr>
+            </a:lvl6pPr>
+            <a:lvl7pPr marL="2743200" algn="l" defTabSz="914400" rtl="0" eaLnBrk="1" latinLnBrk="0" hangingPunct="1">
+              <a:defRPr sz="1800" kern="1200">
+                <a:solidFill>
+                  <a:schemeClr val="lt1"/>
+                </a:solidFill>
+                <a:latin typeface="+mn-lt"/>
+                <a:ea typeface="+mn-ea"/>
+                <a:cs typeface="+mn-cs"/>
+              </a:defRPr>
+            </a:lvl7pPr>
+            <a:lvl8pPr marL="3200400" algn="l" defTabSz="914400" rtl="0" eaLnBrk="1" latinLnBrk="0" hangingPunct="1">
+              <a:defRPr sz="1800" kern="1200">
+                <a:solidFill>
+                  <a:schemeClr val="lt1"/>
+                </a:solidFill>
+                <a:latin typeface="+mn-lt"/>
+                <a:ea typeface="+mn-ea"/>
+                <a:cs typeface="+mn-cs"/>
+              </a:defRPr>
+            </a:lvl8pPr>
+            <a:lvl9pPr marL="3657600" algn="l" defTabSz="914400" rtl="0" eaLnBrk="1" latinLnBrk="0" hangingPunct="1">
+              <a:defRPr sz="1800" kern="1200">
+                <a:solidFill>
+                  <a:schemeClr val="lt1"/>
+                </a:solidFill>
+                <a:latin typeface="+mn-lt"/>
+                <a:ea typeface="+mn-ea"/>
+                <a:cs typeface="+mn-cs"/>
+              </a:defRPr>
+            </a:lvl9pPr>
+          </a:lstStyle>
+          <a:p>
+            <a:pPr algn="ctr"/>
+            <a:endParaRPr lang="en-US"/>
+          </a:p>
+        </p:txBody>
+      </p:sp>
+      <p:pic>
+        <p:nvPicPr>
+          <p:cNvPr id="4" name="Picture 3" descr="A person sitting on a chair&#10;&#10;Description automatically generated">
+            <a:extLst>
+              <a:ext uri="{FF2B5EF4-FFF2-40B4-BE49-F238E27FC236}">
+                <a16:creationId xmlns:a16="http://schemas.microsoft.com/office/drawing/2014/main" id="{0D9658CA-C8B6-34EF-A30A-0863B572CE51}"/>
+              </a:ext>
+            </a:extLst>
+          </p:cNvPr>
+          <p:cNvPicPr>
+            <a:picLocks noChangeAspect="1"/>
+          </p:cNvPicPr>
+          <p:nvPr/>
+        </p:nvPicPr>
+        <p:blipFill rotWithShape="1">
+          <a:blip r:embed="rId2"/>
+          <a:srcRect r="1" b="1428"/>
+          <a:stretch/>
+        </p:blipFill>
+        <p:spPr>
+          <a:xfrm>
+            <a:off x="196850" y="173518"/>
+            <a:ext cx="11798300" cy="6512763"/>
+          </a:xfrm>
+          <a:prstGeom prst="rect">
+            <a:avLst/>
+          </a:prstGeom>
+        </p:spPr>
+      </p:pic>
+      <p:sp>
+        <p:nvSpPr>
+          <p:cNvPr id="5" name="Rectangle 4">
+            <a:extLst>
+              <a:ext uri="{FF2B5EF4-FFF2-40B4-BE49-F238E27FC236}">
+                <a16:creationId xmlns:a16="http://schemas.microsoft.com/office/drawing/2014/main" id="{19CFD012-DC67-9A90-C5A9-947E5E1E532E}"/>
+              </a:ext>
+            </a:extLst>
+          </p:cNvPr>
+          <p:cNvSpPr/>
+          <p:nvPr/>
+        </p:nvSpPr>
+        <p:spPr>
+          <a:xfrm>
+            <a:off x="9182420" y="5536932"/>
+            <a:ext cx="2189950" cy="583987"/>
+          </a:xfrm>
+          <a:prstGeom prst="rect">
+            <a:avLst/>
+          </a:prstGeom>
+          <a:solidFill>
+            <a:srgbClr val="FFC100"/>
+          </a:solidFill>
+          <a:ln>
+            <a:noFill/>
+          </a:ln>
+        </p:spPr>
+        <p:style>
+          <a:lnRef idx="2">
+            <a:schemeClr val="accent1">
+              <a:shade val="15000"/>
+            </a:schemeClr>
+          </a:lnRef>
+          <a:fillRef idx="1">
+            <a:schemeClr val="accent1"/>
+          </a:fillRef>
+          <a:effectRef idx="0">
+            <a:schemeClr val="accent1"/>
+          </a:effectRef>
+          <a:fontRef idx="minor">
+            <a:schemeClr val="lt1"/>
+          </a:fontRef>
+        </p:style>
+        <p:txBody>
+          <a:bodyPr rtlCol="0" anchor="ctr"/>
+          <a:lstStyle/>
+          <a:p>
+            <a:pPr algn="ctr"/>
+            <a:endParaRPr lang="en-GB"/>
+          </a:p>
+        </p:txBody>
+      </p:sp>
+    </p:spTree>
+    <p:extLst>
+      <p:ext uri="{BB962C8B-B14F-4D97-AF65-F5344CB8AC3E}">
+        <p14:creationId xmlns:p14="http://schemas.microsoft.com/office/powerpoint/2010/main" val="2510620650"/>
+      </p:ext>
+    </p:extLst>
+  </p:cSld>
+  <p:clrMapOvr>
+    <a:masterClrMapping/>
+  </p:clrMapOvr>
+</p:sld>
+</file>
+
+<file path=ppt/slides/slide5.xml><?xml version="1.0" encoding="utf-8"?>
+<p:sld xmlns:a="http://schemas.openxmlformats.org/drawingml/2006/main" xmlns:r="http://schemas.openxmlformats.org/officeDocument/2006/relationships" xmlns:p="http://schemas.openxmlformats.org/presentationml/2006/main">
+  <p:cSld>
+    <p:bg>
+      <p:bgPr>
+        <a:solidFill>
+          <a:schemeClr val="bg1"/>
+        </a:solidFill>
+        <a:effectLst/>
+      </p:bgPr>
+    </p:bg>
+    <p:spTree>
+      <p:nvGrpSpPr>
+        <p:cNvPr id="1" name=""/>
+        <p:cNvGrpSpPr/>
+        <p:nvPr/>
+      </p:nvGrpSpPr>
+      <p:grpSpPr>
+        <a:xfrm>
+          <a:off x="0" y="0"/>
+          <a:ext cx="0" cy="0"/>
+          <a:chOff x="0" y="0"/>
+          <a:chExt cx="0" cy="0"/>
+        </a:xfrm>
+      </p:grpSpPr>
+      <p:sp>
+        <p:nvSpPr>
+          <p:cNvPr id="10" name="Rectangle 9">
+            <a:extLst>
+              <a:ext uri="{FF2B5EF4-FFF2-40B4-BE49-F238E27FC236}">
+                <a16:creationId xmlns:a16="http://schemas.microsoft.com/office/drawing/2014/main" id="{42A4FC2C-047E-45A5-965D-8E1E3BF09BC6}"/>
+              </a:ext>
+              <a:ext uri="{C183D7F6-B498-43B3-948B-1728B52AA6E4}">
+                <adec:decorative xmlns:adec="http://schemas.microsoft.com/office/drawing/2017/decorative" val="1"/>
+              </a:ext>
+            </a:extLst>
+          </p:cNvPr>
+          <p:cNvSpPr>
+            <a:spLocks noGrp="1" noRot="1" noChangeAspect="1" noMove="1" noResize="1" noEditPoints="1" noAdjustHandles="1" noChangeArrowheads="1" noChangeShapeType="1" noTextEdit="1"/>
+          </p:cNvSpPr>
+          <p:nvPr>
+            <p:extLst>
+              <p:ext uri="{386F3935-93C4-4BCD-93E2-E3B085C9AB24}">
+                <p16:designElem xmlns:p16="http://schemas.microsoft.com/office/powerpoint/2015/main" val="1"/>
+              </p:ext>
+            </p:extLst>
+          </p:nvPr>
+        </p:nvSpPr>
+        <p:spPr bwMode="white">
+          <a:xfrm>
+            <a:off x="1524" y="0"/>
+            <a:ext cx="12188952" cy="6858000"/>
+          </a:xfrm>
+          <a:prstGeom prst="rect">
+            <a:avLst/>
+          </a:prstGeom>
+          <a:noFill/>
+          <a:ln>
+            <a:noFill/>
+          </a:ln>
+        </p:spPr>
+        <p:style>
+          <a:lnRef idx="2">
+            <a:schemeClr val="accent1">
+              <a:shade val="50000"/>
+            </a:schemeClr>
+          </a:lnRef>
+          <a:fillRef idx="1">
+            <a:schemeClr val="accent1"/>
+          </a:fillRef>
+          <a:effectRef idx="0">
+            <a:schemeClr val="accent1"/>
+          </a:effectRef>
+          <a:fontRef idx="minor">
+            <a:schemeClr val="lt1"/>
+          </a:fontRef>
+        </p:style>
+        <p:txBody>
+          <a:bodyPr rtlCol="0" anchor="ctr"/>
+          <a:lstStyle>
+            <a:defPPr>
+              <a:defRPr lang="en-US"/>
+            </a:defPPr>
+            <a:lvl1pPr marL="0" algn="l" defTabSz="914400" rtl="0" eaLnBrk="1" latinLnBrk="0" hangingPunct="1">
+              <a:defRPr sz="1800" kern="1200">
+                <a:solidFill>
+                  <a:schemeClr val="lt1"/>
+                </a:solidFill>
+                <a:latin typeface="+mn-lt"/>
+                <a:ea typeface="+mn-ea"/>
+                <a:cs typeface="+mn-cs"/>
+              </a:defRPr>
+            </a:lvl1pPr>
+            <a:lvl2pPr marL="457200" algn="l" defTabSz="914400" rtl="0" eaLnBrk="1" latinLnBrk="0" hangingPunct="1">
+              <a:defRPr sz="1800" kern="1200">
+                <a:solidFill>
+                  <a:schemeClr val="lt1"/>
+                </a:solidFill>
+                <a:latin typeface="+mn-lt"/>
+                <a:ea typeface="+mn-ea"/>
+                <a:cs typeface="+mn-cs"/>
+              </a:defRPr>
+            </a:lvl2pPr>
+            <a:lvl3pPr marL="914400" algn="l" defTabSz="914400" rtl="0" eaLnBrk="1" latinLnBrk="0" hangingPunct="1">
+              <a:defRPr sz="1800" kern="1200">
+                <a:solidFill>
+                  <a:schemeClr val="lt1"/>
+                </a:solidFill>
+                <a:latin typeface="+mn-lt"/>
+                <a:ea typeface="+mn-ea"/>
+                <a:cs typeface="+mn-cs"/>
+              </a:defRPr>
+            </a:lvl3pPr>
+            <a:lvl4pPr marL="1371600" algn="l" defTabSz="914400" rtl="0" eaLnBrk="1" latinLnBrk="0" hangingPunct="1">
+              <a:defRPr sz="1800" kern="1200">
+                <a:solidFill>
+                  <a:schemeClr val="lt1"/>
+                </a:solidFill>
+                <a:latin typeface="+mn-lt"/>
+                <a:ea typeface="+mn-ea"/>
+                <a:cs typeface="+mn-cs"/>
+              </a:defRPr>
+            </a:lvl4pPr>
+            <a:lvl5pPr marL="1828800" algn="l" defTabSz="914400" rtl="0" eaLnBrk="1" latinLnBrk="0" hangingPunct="1">
+              <a:defRPr sz="1800" kern="1200">
+                <a:solidFill>
+                  <a:schemeClr val="lt1"/>
+                </a:solidFill>
+                <a:latin typeface="+mn-lt"/>
+                <a:ea typeface="+mn-ea"/>
+                <a:cs typeface="+mn-cs"/>
+              </a:defRPr>
+            </a:lvl5pPr>
+            <a:lvl6pPr marL="2286000" algn="l" defTabSz="914400" rtl="0" eaLnBrk="1" latinLnBrk="0" hangingPunct="1">
+              <a:defRPr sz="1800" kern="1200">
+                <a:solidFill>
+                  <a:schemeClr val="lt1"/>
+                </a:solidFill>
+                <a:latin typeface="+mn-lt"/>
+                <a:ea typeface="+mn-ea"/>
+                <a:cs typeface="+mn-cs"/>
+              </a:defRPr>
+            </a:lvl6pPr>
+            <a:lvl7pPr marL="2743200" algn="l" defTabSz="914400" rtl="0" eaLnBrk="1" latinLnBrk="0" hangingPunct="1">
+              <a:defRPr sz="1800" kern="1200">
+                <a:solidFill>
+                  <a:schemeClr val="lt1"/>
+                </a:solidFill>
+                <a:latin typeface="+mn-lt"/>
+                <a:ea typeface="+mn-ea"/>
+                <a:cs typeface="+mn-cs"/>
+              </a:defRPr>
+            </a:lvl7pPr>
+            <a:lvl8pPr marL="3200400" algn="l" defTabSz="914400" rtl="0" eaLnBrk="1" latinLnBrk="0" hangingPunct="1">
+              <a:defRPr sz="1800" kern="1200">
+                <a:solidFill>
+                  <a:schemeClr val="lt1"/>
+                </a:solidFill>
+                <a:latin typeface="+mn-lt"/>
+                <a:ea typeface="+mn-ea"/>
+                <a:cs typeface="+mn-cs"/>
+              </a:defRPr>
+            </a:lvl8pPr>
+            <a:lvl9pPr marL="3657600" algn="l" defTabSz="914400" rtl="0" eaLnBrk="1" latinLnBrk="0" hangingPunct="1">
+              <a:defRPr sz="1800" kern="1200">
+                <a:solidFill>
+                  <a:schemeClr val="lt1"/>
+                </a:solidFill>
+                <a:latin typeface="+mn-lt"/>
+                <a:ea typeface="+mn-ea"/>
+                <a:cs typeface="+mn-cs"/>
+              </a:defRPr>
+            </a:lvl9pPr>
+          </a:lstStyle>
+          <a:p>
+            <a:pPr algn="ctr"/>
+            <a:endParaRPr lang="en-US"/>
+          </a:p>
+        </p:txBody>
+      </p:sp>
+      <p:pic>
+        <p:nvPicPr>
+          <p:cNvPr id="5" name="Picture 4" descr="A person and person in suits&#10;&#10;Description automatically generated">
+            <a:extLst>
+              <a:ext uri="{FF2B5EF4-FFF2-40B4-BE49-F238E27FC236}">
+                <a16:creationId xmlns:a16="http://schemas.microsoft.com/office/drawing/2014/main" id="{151CB394-44C2-8257-C89C-25AF6E17D1ED}"/>
+              </a:ext>
+            </a:extLst>
+          </p:cNvPr>
+          <p:cNvPicPr>
+            <a:picLocks noChangeAspect="1"/>
+          </p:cNvPicPr>
+          <p:nvPr/>
+        </p:nvPicPr>
+        <p:blipFill rotWithShape="1">
+          <a:blip r:embed="rId2"/>
+          <a:srcRect t="1427" r="1" b="1"/>
+          <a:stretch/>
+        </p:blipFill>
+        <p:spPr>
+          <a:xfrm>
+            <a:off x="196850" y="173518"/>
+            <a:ext cx="11798300" cy="6512763"/>
+          </a:xfrm>
+          <a:prstGeom prst="rect">
+            <a:avLst/>
+          </a:prstGeom>
+        </p:spPr>
+      </p:pic>
+    </p:spTree>
+    <p:extLst>
+      <p:ext uri="{BB962C8B-B14F-4D97-AF65-F5344CB8AC3E}">
+        <p14:creationId xmlns:p14="http://schemas.microsoft.com/office/powerpoint/2010/main" val="3824152779"/>
+      </p:ext>
+    </p:extLst>
+  </p:cSld>
+  <p:clrMapOvr>
+    <a:masterClrMapping/>
+  </p:clrMapOvr>
+</p:sld>
+</file>
+
+<file path=ppt/slides/slide6.xml><?xml version="1.0" encoding="utf-8"?>
+<p:sld xmlns:a="http://schemas.openxmlformats.org/drawingml/2006/main" xmlns:r="http://schemas.openxmlformats.org/officeDocument/2006/relationships" xmlns:p="http://schemas.openxmlformats.org/presentationml/2006/main">
+  <p:cSld>
+    <p:bg>
+      <p:bgPr>
+        <a:solidFill>
+          <a:srgbClr val="152247"/>
+        </a:solidFill>
+        <a:effectLst/>
+      </p:bgPr>
+    </p:bg>
+    <p:spTree>
+      <p:nvGrpSpPr>
+        <p:cNvPr id="1" name=""/>
+        <p:cNvGrpSpPr/>
+        <p:nvPr/>
+      </p:nvGrpSpPr>
+      <p:grpSpPr>
+        <a:xfrm>
+          <a:off x="0" y="0"/>
+          <a:ext cx="0" cy="0"/>
+          <a:chOff x="0" y="0"/>
+          <a:chExt cx="0" cy="0"/>
+        </a:xfrm>
+      </p:grpSpPr>
+      <p:grpSp>
+        <p:nvGrpSpPr>
+          <p:cNvPr id="16" name="Group 15">
+            <a:extLst>
+              <a:ext uri="{FF2B5EF4-FFF2-40B4-BE49-F238E27FC236}">
+                <a16:creationId xmlns:a16="http://schemas.microsoft.com/office/drawing/2014/main" id="{CC2E3D39-CD7F-3C24-6ED0-FF9DF9ACF109}"/>
+              </a:ext>
+            </a:extLst>
+          </p:cNvPr>
+          <p:cNvGrpSpPr/>
+          <p:nvPr/>
+        </p:nvGrpSpPr>
+        <p:grpSpPr>
+          <a:xfrm>
+            <a:off x="1203579" y="1939186"/>
+            <a:ext cx="10292353" cy="3902355"/>
+            <a:chOff x="942322" y="1708665"/>
+            <a:chExt cx="10292353" cy="3902355"/>
+          </a:xfrm>
+        </p:grpSpPr>
+        <p:pic>
+          <p:nvPicPr>
+            <p:cNvPr id="3" name="Picture 2" descr="A person smiling at the camera&#10;&#10;Description automatically generated">
+              <a:extLst>
+                <a:ext uri="{FF2B5EF4-FFF2-40B4-BE49-F238E27FC236}">
+                  <a16:creationId xmlns:a16="http://schemas.microsoft.com/office/drawing/2014/main" id="{D56CD846-5A2B-9DB7-2E81-18A2BE573930}"/>
+                </a:ext>
+              </a:extLst>
+            </p:cNvPr>
+            <p:cNvPicPr>
+              <a:picLocks noChangeAspect="1"/>
+            </p:cNvPicPr>
+            <p:nvPr/>
+          </p:nvPicPr>
+          <p:blipFill>
+            <a:blip r:embed="rId2">
+              <a:extLst>
+                <a:ext uri="{28A0092B-C50C-407E-A947-70E740481C1C}">
+                  <a14:useLocalDpi xmlns:a14="http://schemas.microsoft.com/office/drawing/2010/main" val="0"/>
+                </a:ext>
+              </a:extLst>
+            </a:blip>
+            <a:stretch>
+              <a:fillRect/>
+            </a:stretch>
+          </p:blipFill>
+          <p:spPr>
+            <a:xfrm>
+              <a:off x="1307647" y="1725706"/>
+              <a:ext cx="2000250" cy="2438400"/>
+            </a:xfrm>
+            <a:prstGeom prst="rect">
+              <a:avLst/>
+            </a:prstGeom>
+            <a:ln w="38100">
+              <a:solidFill>
+                <a:srgbClr val="FFC100"/>
+              </a:solidFill>
+            </a:ln>
+          </p:spPr>
+        </p:pic>
+        <p:sp>
+          <p:nvSpPr>
+            <p:cNvPr id="4" name="TextBox 3">
+              <a:extLst>
+                <a:ext uri="{FF2B5EF4-FFF2-40B4-BE49-F238E27FC236}">
+                  <a16:creationId xmlns:a16="http://schemas.microsoft.com/office/drawing/2014/main" id="{1B2F1117-7AE0-BC01-9C25-8342A68FCAEC}"/>
+                </a:ext>
+              </a:extLst>
+            </p:cNvPr>
+            <p:cNvSpPr txBox="1"/>
+            <p:nvPr/>
+          </p:nvSpPr>
+          <p:spPr>
+            <a:xfrm>
+              <a:off x="942322" y="4549170"/>
+              <a:ext cx="2746265" cy="1046440"/>
+            </a:xfrm>
+            <a:prstGeom prst="rect">
+              <a:avLst/>
+            </a:prstGeom>
+            <a:noFill/>
+          </p:spPr>
+          <p:txBody>
+            <a:bodyPr wrap="none" rtlCol="0">
+              <a:spAutoFit/>
+            </a:bodyPr>
+            <a:lstStyle/>
+            <a:p>
+              <a:pPr algn="ctr"/>
+              <a:r>
+                <a:rPr lang="en-GB" sz="1600" b="1" dirty="0">
+                  <a:solidFill>
+                    <a:srgbClr val="FFC100"/>
+                  </a:solidFill>
+                  <a:latin typeface="Arial" panose="020B0604020202020204" pitchFamily="34" charset="0"/>
+                  <a:cs typeface="Arial" panose="020B0604020202020204" pitchFamily="34" charset="0"/>
+                </a:rPr>
+                <a:t>Nabanita Roy</a:t>
+              </a:r>
+            </a:p>
+            <a:p>
+              <a:pPr algn="ctr"/>
+              <a:r>
+                <a:rPr lang="en-GB" sz="1200" i="1" dirty="0">
+                  <a:solidFill>
+                    <a:schemeClr val="bg1"/>
+                  </a:solidFill>
+                  <a:latin typeface="Arial" panose="020B0604020202020204" pitchFamily="34" charset="0"/>
+                  <a:cs typeface="Arial" panose="020B0604020202020204" pitchFamily="34" charset="0"/>
+                </a:rPr>
+                <a:t>Women in AI Ireland</a:t>
+              </a:r>
+            </a:p>
+            <a:p>
+              <a:pPr algn="ctr"/>
+              <a:r>
+                <a:rPr lang="en-GB" sz="1200" i="1" dirty="0">
+                  <a:solidFill>
+                    <a:schemeClr val="bg1"/>
+                  </a:solidFill>
+                  <a:latin typeface="Arial" panose="020B0604020202020204" pitchFamily="34" charset="0"/>
+                  <a:cs typeface="Arial" panose="020B0604020202020204" pitchFamily="34" charset="0"/>
+                </a:rPr>
+                <a:t>Data Scientist at EY</a:t>
+              </a:r>
+            </a:p>
+            <a:p>
+              <a:pPr algn="ctr"/>
+              <a:endParaRPr lang="en-GB" sz="1100" dirty="0">
+                <a:solidFill>
+                  <a:schemeClr val="bg1"/>
+                </a:solidFill>
+                <a:latin typeface="Arial" panose="020B0604020202020204" pitchFamily="34" charset="0"/>
+                <a:cs typeface="Arial" panose="020B0604020202020204" pitchFamily="34" charset="0"/>
+              </a:endParaRPr>
+            </a:p>
+            <a:p>
+              <a:pPr algn="ctr"/>
+              <a:r>
+                <a:rPr lang="en-GB" sz="1100" dirty="0">
+                  <a:solidFill>
+                    <a:schemeClr val="bg1"/>
+                  </a:solidFill>
+                  <a:latin typeface="Arial" panose="020B0604020202020204" pitchFamily="34" charset="0"/>
+                  <a:cs typeface="Arial" panose="020B0604020202020204" pitchFamily="34" charset="0"/>
+                </a:rPr>
+                <a:t>https://www.linkedin.com/in/nabanita-roy/</a:t>
+              </a:r>
+            </a:p>
+          </p:txBody>
+        </p:sp>
+        <p:pic>
+          <p:nvPicPr>
+            <p:cNvPr id="6" name="Picture 5" descr="A person smiling at the camera&#10;&#10;Description automatically generated">
+              <a:extLst>
+                <a:ext uri="{FF2B5EF4-FFF2-40B4-BE49-F238E27FC236}">
+                  <a16:creationId xmlns:a16="http://schemas.microsoft.com/office/drawing/2014/main" id="{3E795CED-7EB8-6B6A-EF75-DAD344420BC6}"/>
+                </a:ext>
+              </a:extLst>
+            </p:cNvPr>
+            <p:cNvPicPr>
+              <a:picLocks noChangeAspect="1"/>
+            </p:cNvPicPr>
+            <p:nvPr/>
+          </p:nvPicPr>
+          <p:blipFill rotWithShape="1">
+            <a:blip r:embed="rId3">
+              <a:extLst>
+                <a:ext uri="{28A0092B-C50C-407E-A947-70E740481C1C}">
+                  <a14:useLocalDpi xmlns:a14="http://schemas.microsoft.com/office/drawing/2010/main" val="0"/>
+                </a:ext>
+              </a:extLst>
+            </a:blip>
+            <a:srcRect l="9048" r="9048"/>
+            <a:stretch/>
+          </p:blipFill>
+          <p:spPr>
+            <a:xfrm>
+              <a:off x="8371833" y="1723825"/>
+              <a:ext cx="2000250" cy="2442161"/>
+            </a:xfrm>
+            <a:prstGeom prst="rect">
+              <a:avLst/>
+            </a:prstGeom>
+            <a:ln w="38100">
+              <a:solidFill>
+                <a:srgbClr val="FFC100"/>
+              </a:solidFill>
+            </a:ln>
+          </p:spPr>
+        </p:pic>
+        <p:sp>
+          <p:nvSpPr>
+            <p:cNvPr id="7" name="TextBox 6">
+              <a:extLst>
+                <a:ext uri="{FF2B5EF4-FFF2-40B4-BE49-F238E27FC236}">
+                  <a16:creationId xmlns:a16="http://schemas.microsoft.com/office/drawing/2014/main" id="{F71E0620-0C0D-707C-6D75-C3CF2CABC933}"/>
+                </a:ext>
+              </a:extLst>
+            </p:cNvPr>
+            <p:cNvSpPr txBox="1"/>
+            <p:nvPr/>
+          </p:nvSpPr>
+          <p:spPr>
+            <a:xfrm>
+              <a:off x="7638819" y="4549170"/>
+              <a:ext cx="3595856" cy="1061829"/>
+            </a:xfrm>
+            <a:prstGeom prst="rect">
+              <a:avLst/>
+            </a:prstGeom>
+            <a:noFill/>
+          </p:spPr>
+          <p:txBody>
+            <a:bodyPr wrap="none" rtlCol="0">
+              <a:spAutoFit/>
+            </a:bodyPr>
+            <a:lstStyle/>
+            <a:p>
+              <a:pPr algn="ctr"/>
+              <a:r>
+                <a:rPr lang="en-GB" sz="1600" b="1" dirty="0">
+                  <a:solidFill>
+                    <a:srgbClr val="FFC100"/>
+                  </a:solidFill>
+                  <a:latin typeface="Arial" panose="020B0604020202020204" pitchFamily="34" charset="0"/>
+                  <a:cs typeface="Arial" panose="020B0604020202020204" pitchFamily="34" charset="0"/>
+                </a:rPr>
+                <a:t>Bhawna Singh</a:t>
+              </a:r>
+            </a:p>
+            <a:p>
+              <a:pPr algn="ctr"/>
+              <a:r>
+                <a:rPr lang="en-GB" sz="1200" i="1" dirty="0">
+                  <a:solidFill>
+                    <a:schemeClr val="bg1"/>
+                  </a:solidFill>
+                  <a:latin typeface="Arial" panose="020B0604020202020204" pitchFamily="34" charset="0"/>
+                  <a:cs typeface="Arial" panose="020B0604020202020204" pitchFamily="34" charset="0"/>
+                </a:rPr>
+                <a:t>Women in AI Ireland</a:t>
+              </a:r>
+            </a:p>
+            <a:p>
+              <a:pPr algn="ctr"/>
+              <a:r>
+                <a:rPr lang="en-GB" sz="1200" i="1" dirty="0">
+                  <a:solidFill>
+                    <a:schemeClr val="bg1"/>
+                  </a:solidFill>
+                  <a:latin typeface="Arial" panose="020B0604020202020204" pitchFamily="34" charset="0"/>
+                  <a:cs typeface="Arial" panose="020B0604020202020204" pitchFamily="34" charset="0"/>
+                </a:rPr>
+                <a:t>Data Scientist at </a:t>
+              </a:r>
+              <a:r>
+                <a:rPr lang="en-GB" sz="1200" i="1" dirty="0" err="1">
+                  <a:solidFill>
+                    <a:schemeClr val="bg1"/>
+                  </a:solidFill>
+                  <a:latin typeface="Arial" panose="020B0604020202020204" pitchFamily="34" charset="0"/>
+                  <a:cs typeface="Arial" panose="020B0604020202020204" pitchFamily="34" charset="0"/>
+                </a:rPr>
+                <a:t>CeADAR</a:t>
+              </a:r>
+              <a:r>
+                <a:rPr lang="en-GB" sz="1200" i="1" dirty="0">
+                  <a:solidFill>
+                    <a:schemeClr val="bg1"/>
+                  </a:solidFill>
+                  <a:latin typeface="Arial" panose="020B0604020202020204" pitchFamily="34" charset="0"/>
+                  <a:cs typeface="Arial" panose="020B0604020202020204" pitchFamily="34" charset="0"/>
+                </a:rPr>
+                <a:t> Ireland</a:t>
+              </a:r>
+            </a:p>
+            <a:p>
+              <a:pPr algn="ctr"/>
+              <a:endParaRPr lang="en-GB" sz="1200" i="1" dirty="0">
+                <a:solidFill>
+                  <a:schemeClr val="bg1"/>
+                </a:solidFill>
+                <a:latin typeface="Arial" panose="020B0604020202020204" pitchFamily="34" charset="0"/>
+                <a:cs typeface="Arial" panose="020B0604020202020204" pitchFamily="34" charset="0"/>
+              </a:endParaRPr>
+            </a:p>
+            <a:p>
+              <a:pPr algn="ctr"/>
+              <a:r>
+                <a:rPr lang="en-GB" sz="1100" dirty="0">
+                  <a:solidFill>
+                    <a:schemeClr val="bg1"/>
+                  </a:solidFill>
+                  <a:latin typeface="Arial" panose="020B0604020202020204" pitchFamily="34" charset="0"/>
+                  <a:cs typeface="Arial" panose="020B0604020202020204" pitchFamily="34" charset="0"/>
+                </a:rPr>
+                <a:t>https://www.linkedin.com/in/bhawna-singh-7ab813140/</a:t>
+              </a:r>
+            </a:p>
+          </p:txBody>
+        </p:sp>
+        <p:sp>
+          <p:nvSpPr>
+            <p:cNvPr id="9" name="TextBox 8">
+              <a:extLst>
+                <a:ext uri="{FF2B5EF4-FFF2-40B4-BE49-F238E27FC236}">
+                  <a16:creationId xmlns:a16="http://schemas.microsoft.com/office/drawing/2014/main" id="{E1A34289-5317-CC00-709F-49640A78EFC9}"/>
+                </a:ext>
+              </a:extLst>
+            </p:cNvPr>
+            <p:cNvSpPr txBox="1"/>
+            <p:nvPr/>
+          </p:nvSpPr>
+          <p:spPr>
+            <a:xfrm>
+              <a:off x="2731674" y="4533802"/>
+              <a:ext cx="6231750" cy="1077218"/>
+            </a:xfrm>
+            <a:prstGeom prst="rect">
+              <a:avLst/>
+            </a:prstGeom>
+            <a:noFill/>
+          </p:spPr>
+          <p:txBody>
+            <a:bodyPr wrap="square">
+              <a:spAutoFit/>
+            </a:bodyPr>
+            <a:lstStyle/>
+            <a:p>
+              <a:pPr algn="ctr"/>
+              <a:r>
+                <a:rPr lang="en-GB" sz="1600" b="1" dirty="0">
+                  <a:solidFill>
+                    <a:srgbClr val="FFC100"/>
+                  </a:solidFill>
+                  <a:latin typeface="Arial" panose="020B0604020202020204" pitchFamily="34" charset="0"/>
+                  <a:cs typeface="Arial" panose="020B0604020202020204" pitchFamily="34" charset="0"/>
+                </a:rPr>
+                <a:t>Liliya Akhtyamova</a:t>
+              </a:r>
+            </a:p>
+            <a:p>
+              <a:pPr algn="ctr"/>
+              <a:r>
+                <a:rPr lang="en-GB" sz="1200" i="1" dirty="0">
+                  <a:solidFill>
+                    <a:schemeClr val="bg1"/>
+                  </a:solidFill>
+                  <a:latin typeface="Arial" panose="020B0604020202020204" pitchFamily="34" charset="0"/>
+                  <a:cs typeface="Arial" panose="020B0604020202020204" pitchFamily="34" charset="0"/>
+                </a:rPr>
+                <a:t>Women in AI Ireland</a:t>
+              </a:r>
+            </a:p>
+            <a:p>
+              <a:pPr algn="ctr"/>
+              <a:r>
+                <a:rPr lang="en-GB" sz="1200" i="1" dirty="0">
+                  <a:solidFill>
+                    <a:schemeClr val="bg1"/>
+                  </a:solidFill>
+                  <a:latin typeface="Arial" panose="020B0604020202020204" pitchFamily="34" charset="0"/>
+                  <a:cs typeface="Arial" panose="020B0604020202020204" pitchFamily="34" charset="0"/>
+                </a:rPr>
+                <a:t>Senior Data Scientist &amp; ML Engineer</a:t>
+              </a:r>
+            </a:p>
+            <a:p>
+              <a:pPr algn="ctr"/>
+              <a:r>
+                <a:rPr lang="en-GB" sz="1200" i="1" dirty="0">
+                  <a:solidFill>
+                    <a:schemeClr val="bg1"/>
+                  </a:solidFill>
+                  <a:latin typeface="Arial" panose="020B0604020202020204" pitchFamily="34" charset="0"/>
+                  <a:cs typeface="Arial" panose="020B0604020202020204" pitchFamily="34" charset="0"/>
+                </a:rPr>
+                <a:t>iCIMS</a:t>
+              </a:r>
+            </a:p>
+            <a:p>
+              <a:pPr algn="ctr"/>
+              <a:r>
+                <a:rPr lang="en-GB" sz="1100" dirty="0">
+                  <a:solidFill>
+                    <a:schemeClr val="bg1"/>
+                  </a:solidFill>
+                  <a:latin typeface="Arial" panose="020B0604020202020204" pitchFamily="34" charset="0"/>
+                  <a:cs typeface="Arial" panose="020B0604020202020204" pitchFamily="34" charset="0"/>
+                </a:rPr>
+                <a:t>https://www.linkedin.com/in/datawhizette/</a:t>
+              </a:r>
+            </a:p>
+          </p:txBody>
+        </p:sp>
+        <p:pic>
+          <p:nvPicPr>
+            <p:cNvPr id="12" name="Picture 11" descr="A person smiling at the camera&#10;&#10;Description automatically generated">
+              <a:extLst>
+                <a:ext uri="{FF2B5EF4-FFF2-40B4-BE49-F238E27FC236}">
+                  <a16:creationId xmlns:a16="http://schemas.microsoft.com/office/drawing/2014/main" id="{348952CB-1C2B-55B0-ED62-43B8802955D1}"/>
+                </a:ext>
+              </a:extLst>
+            </p:cNvPr>
+            <p:cNvPicPr>
+              <a:picLocks noChangeAspect="1"/>
+            </p:cNvPicPr>
+            <p:nvPr/>
+          </p:nvPicPr>
+          <p:blipFill rotWithShape="1">
+            <a:blip r:embed="rId4">
+              <a:extLst>
+                <a:ext uri="{28A0092B-C50C-407E-A947-70E740481C1C}">
+                  <a14:useLocalDpi xmlns:a14="http://schemas.microsoft.com/office/drawing/2010/main" val="0"/>
+                </a:ext>
+              </a:extLst>
+            </a:blip>
+            <a:srcRect l="9095" r="9095"/>
+            <a:stretch/>
+          </p:blipFill>
+          <p:spPr>
+            <a:xfrm>
+              <a:off x="4839740" y="1708665"/>
+              <a:ext cx="2000250" cy="2448023"/>
+            </a:xfrm>
+            <a:prstGeom prst="rect">
+              <a:avLst/>
+            </a:prstGeom>
+            <a:ln w="38100">
+              <a:solidFill>
+                <a:srgbClr val="FFC100"/>
+              </a:solidFill>
+            </a:ln>
+          </p:spPr>
+        </p:pic>
+      </p:grpSp>
+      <p:sp>
+        <p:nvSpPr>
+          <p:cNvPr id="13" name="TextBox 12">
+            <a:extLst>
+              <a:ext uri="{FF2B5EF4-FFF2-40B4-BE49-F238E27FC236}">
+                <a16:creationId xmlns:a16="http://schemas.microsoft.com/office/drawing/2014/main" id="{5265F55D-7DD6-51CF-DAFF-90B36D5BF2C4}"/>
+              </a:ext>
+            </a:extLst>
+          </p:cNvPr>
+          <p:cNvSpPr txBox="1"/>
+          <p:nvPr/>
+        </p:nvSpPr>
+        <p:spPr>
+          <a:xfrm>
+            <a:off x="1303528" y="435092"/>
+            <a:ext cx="9831899" cy="874375"/>
+          </a:xfrm>
+          <a:prstGeom prst="rect">
+            <a:avLst/>
+          </a:prstGeom>
+        </p:spPr>
+        <p:txBody>
+          <a:bodyPr vert="horz" lIns="91440" tIns="45720" rIns="91440" bIns="45720" rtlCol="0" anchor="ctr">
+            <a:normAutofit/>
+          </a:bodyPr>
+          <a:lstStyle/>
+          <a:p>
+            <a:pPr algn="ctr">
+              <a:lnSpc>
+                <a:spcPct val="90000"/>
+              </a:lnSpc>
+              <a:spcBef>
+                <a:spcPct val="0"/>
+              </a:spcBef>
+              <a:spcAft>
+                <a:spcPts val="600"/>
+              </a:spcAft>
+            </a:pPr>
+            <a:r>
+              <a:rPr lang="en-US" sz="3600" b="1" dirty="0">
+                <a:solidFill>
+                  <a:srgbClr val="FFC100"/>
+                </a:solidFill>
+                <a:latin typeface="Arial" panose="020B0604020202020204" pitchFamily="34" charset="0"/>
+                <a:ea typeface="+mj-ea"/>
+                <a:cs typeface="Arial" panose="020B0604020202020204" pitchFamily="34" charset="0"/>
+              </a:rPr>
+              <a:t>The WAI TEAM today!</a:t>
+            </a:r>
+            <a:endParaRPr lang="en-US" sz="3600" b="1" kern="1200" dirty="0">
+              <a:solidFill>
+                <a:srgbClr val="FFC100"/>
+              </a:solidFill>
+              <a:latin typeface="Arial" panose="020B0604020202020204" pitchFamily="34" charset="0"/>
+              <a:ea typeface="+mj-ea"/>
+              <a:cs typeface="Arial" panose="020B0604020202020204" pitchFamily="34" charset="0"/>
+            </a:endParaRPr>
+          </a:p>
+        </p:txBody>
+      </p:sp>
+      <p:pic>
+        <p:nvPicPr>
+          <p:cNvPr id="14" name="Picture 13">
+            <a:extLst>
+              <a:ext uri="{FF2B5EF4-FFF2-40B4-BE49-F238E27FC236}">
+                <a16:creationId xmlns:a16="http://schemas.microsoft.com/office/drawing/2014/main" id="{D36FFF3D-CA20-D285-D27E-EBA216EB301A}"/>
+              </a:ext>
+            </a:extLst>
+          </p:cNvPr>
+          <p:cNvPicPr>
+            <a:picLocks noChangeAspect="1"/>
+          </p:cNvPicPr>
+          <p:nvPr/>
+        </p:nvPicPr>
+        <p:blipFill>
+          <a:blip r:embed="rId5">
+            <a:extLst>
+              <a:ext uri="{28A0092B-C50C-407E-A947-70E740481C1C}">
+                <a14:useLocalDpi xmlns:a14="http://schemas.microsoft.com/office/drawing/2010/main" val="0"/>
+              </a:ext>
+            </a:extLst>
+          </a:blip>
+          <a:stretch>
+            <a:fillRect/>
+          </a:stretch>
+        </p:blipFill>
+        <p:spPr>
+          <a:xfrm>
+            <a:off x="11219680" y="81495"/>
+            <a:ext cx="885818" cy="843538"/>
+          </a:xfrm>
+          <a:prstGeom prst="rect">
+            <a:avLst/>
+          </a:prstGeom>
+        </p:spPr>
+      </p:pic>
+      <p:pic>
+        <p:nvPicPr>
+          <p:cNvPr id="15" name="Picture 2" descr="EuroPython - DEV Community">
+            <a:extLst>
+              <a:ext uri="{FF2B5EF4-FFF2-40B4-BE49-F238E27FC236}">
+                <a16:creationId xmlns:a16="http://schemas.microsoft.com/office/drawing/2014/main" id="{39E096D1-4FFD-0154-B9C2-8BC69CB16641}"/>
+              </a:ext>
+            </a:extLst>
+          </p:cNvPr>
+          <p:cNvPicPr>
+            <a:picLocks noChangeAspect="1" noChangeArrowheads="1"/>
+          </p:cNvPicPr>
+          <p:nvPr/>
+        </p:nvPicPr>
+        <p:blipFill>
+          <a:blip r:embed="rId6">
+            <a:extLst>
+              <a:ext uri="{28A0092B-C50C-407E-A947-70E740481C1C}">
+                <a14:useLocalDpi xmlns:a14="http://schemas.microsoft.com/office/drawing/2010/main" val="0"/>
+              </a:ext>
+            </a:extLst>
+          </a:blip>
+          <a:srcRect/>
+          <a:stretch>
+            <a:fillRect/>
+          </a:stretch>
+        </p:blipFill>
+        <p:spPr bwMode="auto">
+          <a:xfrm>
+            <a:off x="0" y="0"/>
+            <a:ext cx="925033" cy="925033"/>
+          </a:xfrm>
+          <a:prstGeom prst="rect">
+            <a:avLst/>
+          </a:prstGeom>
+          <a:noFill/>
+          <a:extLst>
+            <a:ext uri="{909E8E84-426E-40DD-AFC4-6F175D3DCCD1}">
+              <a14:hiddenFill xmlns:a14="http://schemas.microsoft.com/office/drawing/2010/main">
+                <a:solidFill>
+                  <a:srgbClr val="FFFFFF"/>
+                </a:solidFill>
+              </a14:hiddenFill>
+            </a:ext>
+          </a:extLst>
+        </p:spPr>
+      </p:pic>
+    </p:spTree>
+    <p:extLst>
+      <p:ext uri="{BB962C8B-B14F-4D97-AF65-F5344CB8AC3E}">
+        <p14:creationId xmlns:p14="http://schemas.microsoft.com/office/powerpoint/2010/main" val="1213805738"/>
+      </p:ext>
+    </p:extLst>
+  </p:cSld>
+  <p:clrMapOvr>
+    <a:masterClrMapping/>
+  </p:clrMapOvr>
+</p:sld>
+</file>
+
+<file path=ppt/slides/slide7.xml><?xml version="1.0" encoding="utf-8"?>
+<p:sld xmlns:a="http://schemas.openxmlformats.org/drawingml/2006/main" xmlns:r="http://schemas.openxmlformats.org/officeDocument/2006/relationships" xmlns:p="http://schemas.openxmlformats.org/presentationml/2006/main">
+  <p:cSld>
+    <p:bg>
+      <p:bgPr>
+        <a:solidFill>
+          <a:schemeClr val="bg1"/>
+        </a:solidFill>
+        <a:effectLst/>
+      </p:bgPr>
+    </p:bg>
+    <p:spTree>
+      <p:nvGrpSpPr>
+        <p:cNvPr id="1" name=""/>
+        <p:cNvGrpSpPr/>
+        <p:nvPr/>
+      </p:nvGrpSpPr>
+      <p:grpSpPr>
+        <a:xfrm>
+          <a:off x="0" y="0"/>
+          <a:ext cx="0" cy="0"/>
+          <a:chOff x="0" y="0"/>
+          <a:chExt cx="0" cy="0"/>
+        </a:xfrm>
+      </p:grpSpPr>
+      <p:pic>
+        <p:nvPicPr>
+          <p:cNvPr id="4098" name="Picture 2" descr="The new Gmail vs Inbox — differences explained">
+            <a:extLst>
+              <a:ext uri="{FF2B5EF4-FFF2-40B4-BE49-F238E27FC236}">
+                <a16:creationId xmlns:a16="http://schemas.microsoft.com/office/drawing/2014/main" id="{76AB3A7B-BA35-8035-BA92-02E747485BBE}"/>
+              </a:ext>
+            </a:extLst>
+          </p:cNvPr>
+          <p:cNvPicPr>
+            <a:picLocks noChangeAspect="1" noChangeArrowheads="1"/>
+          </p:cNvPicPr>
+          <p:nvPr/>
+        </p:nvPicPr>
+        <p:blipFill rotWithShape="1">
+          <a:blip r:embed="rId2">
+            <a:extLst>
+              <a:ext uri="{28A0092B-C50C-407E-A947-70E740481C1C}">
+                <a14:useLocalDpi xmlns:a14="http://schemas.microsoft.com/office/drawing/2010/main" val="0"/>
+              </a:ext>
+            </a:extLst>
+          </a:blip>
+          <a:srcRect b="55821"/>
+          <a:stretch/>
+        </p:blipFill>
+        <p:spPr bwMode="auto">
+          <a:xfrm>
+            <a:off x="1080049" y="1331461"/>
+            <a:ext cx="3133724" cy="2461240"/>
+          </a:xfrm>
+          <a:prstGeom prst="rect">
+            <a:avLst/>
+          </a:prstGeom>
+          <a:noFill/>
+          <a:extLst>
+            <a:ext uri="{909E8E84-426E-40DD-AFC4-6F175D3DCCD1}">
+              <a14:hiddenFill xmlns:a14="http://schemas.microsoft.com/office/drawing/2010/main">
+                <a:solidFill>
+                  <a:srgbClr val="FFFFFF"/>
+                </a:solidFill>
+              </a14:hiddenFill>
+            </a:ext>
+          </a:extLst>
+        </p:spPr>
+      </p:pic>
+      <p:pic>
+        <p:nvPicPr>
+          <p:cNvPr id="4100" name="Picture 4" descr="Global Routing &amp; Optimized Route Planning - Google Maps Platform">
+            <a:extLst>
+              <a:ext uri="{FF2B5EF4-FFF2-40B4-BE49-F238E27FC236}">
+                <a16:creationId xmlns:a16="http://schemas.microsoft.com/office/drawing/2014/main" id="{3442D519-96D1-9936-283F-4A4386FB1BD7}"/>
+              </a:ext>
+            </a:extLst>
+          </p:cNvPr>
+          <p:cNvPicPr>
+            <a:picLocks noChangeAspect="1" noChangeArrowheads="1"/>
+          </p:cNvPicPr>
+          <p:nvPr/>
+        </p:nvPicPr>
+        <p:blipFill rotWithShape="1">
+          <a:blip r:embed="rId3">
+            <a:extLst>
+              <a:ext uri="{28A0092B-C50C-407E-A947-70E740481C1C}">
+                <a14:useLocalDpi xmlns:a14="http://schemas.microsoft.com/office/drawing/2010/main" val="0"/>
+              </a:ext>
+            </a:extLst>
+          </a:blip>
+          <a:srcRect l="8547" t="8707" r="8871" b="21548"/>
+          <a:stretch/>
+        </p:blipFill>
+        <p:spPr bwMode="auto">
+          <a:xfrm>
+            <a:off x="8008802" y="1339350"/>
+            <a:ext cx="3285950" cy="2518429"/>
+          </a:xfrm>
+          <a:prstGeom prst="rect">
+            <a:avLst/>
+          </a:prstGeom>
+          <a:noFill/>
+          <a:extLst>
+            <a:ext uri="{909E8E84-426E-40DD-AFC4-6F175D3DCCD1}">
+              <a14:hiddenFill xmlns:a14="http://schemas.microsoft.com/office/drawing/2010/main">
+                <a:solidFill>
+                  <a:srgbClr val="FFFFFF"/>
+                </a:solidFill>
+              </a14:hiddenFill>
+            </a:ext>
+          </a:extLst>
+        </p:spPr>
+      </p:pic>
+      <p:pic>
+        <p:nvPicPr>
+          <p:cNvPr id="3" name="Picture 2">
+            <a:extLst>
+              <a:ext uri="{FF2B5EF4-FFF2-40B4-BE49-F238E27FC236}">
+                <a16:creationId xmlns:a16="http://schemas.microsoft.com/office/drawing/2014/main" id="{55B43BCB-6FE6-54D6-CEB4-E9226364E433}"/>
+              </a:ext>
+            </a:extLst>
+          </p:cNvPr>
+          <p:cNvPicPr>
+            <a:picLocks noChangeAspect="1"/>
+          </p:cNvPicPr>
+          <p:nvPr/>
+        </p:nvPicPr>
+        <p:blipFill rotWithShape="1">
+          <a:blip r:embed="rId4"/>
+          <a:srcRect l="3315" r="1889" b="33986"/>
+          <a:stretch/>
+        </p:blipFill>
+        <p:spPr>
+          <a:xfrm>
+            <a:off x="1080049" y="3857780"/>
+            <a:ext cx="10214700" cy="2614816"/>
+          </a:xfrm>
+          <a:prstGeom prst="rect">
+            <a:avLst/>
+          </a:prstGeom>
+        </p:spPr>
+      </p:pic>
+      <p:sp>
+        <p:nvSpPr>
+          <p:cNvPr id="4" name="TextBox 3">
+            <a:extLst>
+              <a:ext uri="{FF2B5EF4-FFF2-40B4-BE49-F238E27FC236}">
+                <a16:creationId xmlns:a16="http://schemas.microsoft.com/office/drawing/2014/main" id="{4F2D67A2-5B81-579B-53E6-D61BC78C4523}"/>
+              </a:ext>
+            </a:extLst>
+          </p:cNvPr>
+          <p:cNvSpPr txBox="1"/>
+          <p:nvPr/>
+        </p:nvSpPr>
+        <p:spPr>
+          <a:xfrm>
+            <a:off x="5311807" y="1164460"/>
+            <a:ext cx="1751185" cy="2057615"/>
+          </a:xfrm>
+          <a:prstGeom prst="rect">
+            <a:avLst/>
+          </a:prstGeom>
+          <a:noFill/>
+        </p:spPr>
+        <p:txBody>
+          <a:bodyPr wrap="none" rtlCol="0">
+            <a:spAutoFit/>
+          </a:bodyPr>
+          <a:lstStyle/>
+          <a:p>
+            <a:pPr algn="ctr">
+              <a:lnSpc>
+                <a:spcPct val="250000"/>
+              </a:lnSpc>
+            </a:pPr>
+            <a:r>
+              <a:rPr lang="en-GB" dirty="0"/>
+              <a:t>Google Mail</a:t>
+            </a:r>
+          </a:p>
+          <a:p>
+            <a:pPr algn="ctr">
+              <a:lnSpc>
+                <a:spcPct val="250000"/>
+              </a:lnSpc>
+            </a:pPr>
+            <a:r>
+              <a:rPr lang="en-GB" dirty="0"/>
+              <a:t>Google Maps</a:t>
+            </a:r>
+          </a:p>
+          <a:p>
+            <a:pPr algn="ctr">
+              <a:lnSpc>
+                <a:spcPct val="250000"/>
+              </a:lnSpc>
+            </a:pPr>
+            <a:r>
+              <a:rPr lang="en-GB" dirty="0"/>
+              <a:t>Google Translate</a:t>
+            </a:r>
+          </a:p>
+        </p:txBody>
+      </p:sp>
+      <p:cxnSp>
+        <p:nvCxnSpPr>
+          <p:cNvPr id="6" name="Straight Arrow Connector 5">
+            <a:extLst>
+              <a:ext uri="{FF2B5EF4-FFF2-40B4-BE49-F238E27FC236}">
+                <a16:creationId xmlns:a16="http://schemas.microsoft.com/office/drawing/2014/main" id="{329E61D1-D5E4-C7FF-372F-B7F89B14D6EE}"/>
+              </a:ext>
+            </a:extLst>
+          </p:cNvPr>
+          <p:cNvCxnSpPr/>
+          <p:nvPr/>
+        </p:nvCxnSpPr>
+        <p:spPr>
+          <a:xfrm flipH="1">
+            <a:off x="4323375" y="1617035"/>
+            <a:ext cx="1063256" cy="0"/>
+          </a:xfrm>
+          <a:prstGeom prst="straightConnector1">
+            <a:avLst/>
+          </a:prstGeom>
+          <a:ln w="28575">
+            <a:tailEnd type="triangle"/>
+          </a:ln>
+        </p:spPr>
+        <p:style>
+          <a:lnRef idx="1">
+            <a:schemeClr val="dk1"/>
+          </a:lnRef>
+          <a:fillRef idx="0">
+            <a:schemeClr val="dk1"/>
+          </a:fillRef>
+          <a:effectRef idx="0">
+            <a:schemeClr val="dk1"/>
+          </a:effectRef>
+          <a:fontRef idx="minor">
+            <a:schemeClr val="tx1"/>
+          </a:fontRef>
+        </p:style>
+      </p:cxnSp>
+      <p:cxnSp>
+        <p:nvCxnSpPr>
+          <p:cNvPr id="7" name="Straight Arrow Connector 6">
+            <a:extLst>
+              <a:ext uri="{FF2B5EF4-FFF2-40B4-BE49-F238E27FC236}">
+                <a16:creationId xmlns:a16="http://schemas.microsoft.com/office/drawing/2014/main" id="{75EE1394-D414-634B-1990-0E2258FD4B00}"/>
+              </a:ext>
+            </a:extLst>
+          </p:cNvPr>
+          <p:cNvCxnSpPr>
+            <a:cxnSpLocks/>
+          </p:cNvCxnSpPr>
+          <p:nvPr/>
+        </p:nvCxnSpPr>
+        <p:spPr>
+          <a:xfrm>
+            <a:off x="6992148" y="2366798"/>
+            <a:ext cx="776177" cy="0"/>
+          </a:xfrm>
+          <a:prstGeom prst="straightConnector1">
+            <a:avLst/>
+          </a:prstGeom>
+          <a:ln w="28575">
+            <a:tailEnd type="triangle"/>
+          </a:ln>
+        </p:spPr>
+        <p:style>
+          <a:lnRef idx="1">
+            <a:schemeClr val="dk1"/>
+          </a:lnRef>
+          <a:fillRef idx="0">
+            <a:schemeClr val="dk1"/>
+          </a:fillRef>
+          <a:effectRef idx="0">
+            <a:schemeClr val="dk1"/>
+          </a:effectRef>
+          <a:fontRef idx="minor">
+            <a:schemeClr val="tx1"/>
+          </a:fontRef>
+        </p:style>
+      </p:cxnSp>
+      <p:cxnSp>
+        <p:nvCxnSpPr>
+          <p:cNvPr id="10" name="Straight Arrow Connector 9">
+            <a:extLst>
+              <a:ext uri="{FF2B5EF4-FFF2-40B4-BE49-F238E27FC236}">
+                <a16:creationId xmlns:a16="http://schemas.microsoft.com/office/drawing/2014/main" id="{D2922293-7862-E1BE-D105-162DE8AF6076}"/>
+              </a:ext>
+            </a:extLst>
+          </p:cNvPr>
+          <p:cNvCxnSpPr>
+            <a:cxnSpLocks/>
+            <a:stCxn id="4" idx="2"/>
+          </p:cNvCxnSpPr>
+          <p:nvPr/>
+        </p:nvCxnSpPr>
+        <p:spPr>
+          <a:xfrm>
+            <a:off x="6187400" y="3222075"/>
+            <a:ext cx="0" cy="723490"/>
+          </a:xfrm>
+          <a:prstGeom prst="straightConnector1">
+            <a:avLst/>
+          </a:prstGeom>
+          <a:ln w="28575">
+            <a:tailEnd type="triangle"/>
+          </a:ln>
+        </p:spPr>
+        <p:style>
+          <a:lnRef idx="1">
+            <a:schemeClr val="dk1"/>
+          </a:lnRef>
+          <a:fillRef idx="0">
+            <a:schemeClr val="dk1"/>
+          </a:fillRef>
+          <a:effectRef idx="0">
+            <a:schemeClr val="dk1"/>
+          </a:effectRef>
+          <a:fontRef idx="minor">
+            <a:schemeClr val="tx1"/>
+          </a:fontRef>
+        </p:style>
+      </p:cxnSp>
+      <p:pic>
+        <p:nvPicPr>
+          <p:cNvPr id="13" name="Picture 12" descr="A black background with a black square&#10;&#10;Description automatically generated">
+            <a:extLst>
+              <a:ext uri="{FF2B5EF4-FFF2-40B4-BE49-F238E27FC236}">
+                <a16:creationId xmlns:a16="http://schemas.microsoft.com/office/drawing/2014/main" id="{5D02BDAC-790F-47B1-1DA8-E2950D4A7423}"/>
+              </a:ext>
+            </a:extLst>
+          </p:cNvPr>
+          <p:cNvPicPr>
+            <a:picLocks noChangeAspect="1"/>
+          </p:cNvPicPr>
+          <p:nvPr/>
+        </p:nvPicPr>
+        <p:blipFill>
+          <a:blip r:embed="rId5">
+            <a:extLst>
+              <a:ext uri="{28A0092B-C50C-407E-A947-70E740481C1C}">
+                <a14:useLocalDpi xmlns:a14="http://schemas.microsoft.com/office/drawing/2010/main" val="0"/>
+              </a:ext>
+            </a:extLst>
+          </a:blip>
+          <a:stretch>
+            <a:fillRect/>
+          </a:stretch>
+        </p:blipFill>
+        <p:spPr>
+          <a:xfrm>
+            <a:off x="11544403" y="0"/>
+            <a:ext cx="647597" cy="616688"/>
+          </a:xfrm>
+          <a:prstGeom prst="rect">
+            <a:avLst/>
+          </a:prstGeom>
+        </p:spPr>
+      </p:pic>
+      <p:sp>
+        <p:nvSpPr>
+          <p:cNvPr id="14" name="TextBox 13">
+            <a:extLst>
+              <a:ext uri="{FF2B5EF4-FFF2-40B4-BE49-F238E27FC236}">
+                <a16:creationId xmlns:a16="http://schemas.microsoft.com/office/drawing/2014/main" id="{3117671D-84F3-5F25-02E8-96A0CC4AAC79}"/>
+              </a:ext>
+            </a:extLst>
+          </p:cNvPr>
+          <p:cNvSpPr txBox="1"/>
+          <p:nvPr/>
+        </p:nvSpPr>
+        <p:spPr>
+          <a:xfrm>
+            <a:off x="0" y="6549656"/>
+            <a:ext cx="1489510" cy="261610"/>
+          </a:xfrm>
+          <a:prstGeom prst="rect">
+            <a:avLst/>
+          </a:prstGeom>
+          <a:noFill/>
+        </p:spPr>
+        <p:txBody>
+          <a:bodyPr wrap="none" rtlCol="0">
+            <a:spAutoFit/>
+          </a:bodyPr>
+          <a:lstStyle/>
+          <a:p>
+            <a:r>
+              <a:rPr lang="en-GB" sz="1100" dirty="0"/>
+              <a:t>Image Sources: Google</a:t>
+            </a:r>
+          </a:p>
+        </p:txBody>
+      </p:sp>
+      <p:sp>
+        <p:nvSpPr>
+          <p:cNvPr id="15" name="TextBox 14">
+            <a:extLst>
+              <a:ext uri="{FF2B5EF4-FFF2-40B4-BE49-F238E27FC236}">
+                <a16:creationId xmlns:a16="http://schemas.microsoft.com/office/drawing/2014/main" id="{F2F96194-D0C7-E93A-4950-EDC8BF4DD17B}"/>
+              </a:ext>
+            </a:extLst>
+          </p:cNvPr>
+          <p:cNvSpPr txBox="1"/>
+          <p:nvPr/>
+        </p:nvSpPr>
+        <p:spPr>
+          <a:xfrm>
+            <a:off x="1011535" y="179500"/>
+            <a:ext cx="9831899" cy="874375"/>
+          </a:xfrm>
+          <a:prstGeom prst="rect">
+            <a:avLst/>
+          </a:prstGeom>
+        </p:spPr>
+        <p:txBody>
+          <a:bodyPr vert="horz" lIns="91440" tIns="45720" rIns="91440" bIns="45720" rtlCol="0" anchor="ctr">
+            <a:normAutofit/>
+          </a:bodyPr>
+          <a:lstStyle/>
+          <a:p>
+            <a:pPr algn="ctr">
+              <a:lnSpc>
+                <a:spcPct val="90000"/>
+              </a:lnSpc>
+              <a:spcBef>
+                <a:spcPct val="0"/>
+              </a:spcBef>
+              <a:spcAft>
+                <a:spcPts val="600"/>
+              </a:spcAft>
+            </a:pPr>
+            <a:r>
+              <a:rPr lang="en-US" sz="4400" b="1" dirty="0">
+                <a:latin typeface="+mj-lt"/>
+                <a:ea typeface="+mj-ea"/>
+                <a:cs typeface="+mj-cs"/>
+              </a:rPr>
+              <a:t>Not Promoting Google but…</a:t>
+            </a:r>
+            <a:endParaRPr lang="en-US" sz="4400" b="1" kern="1200" dirty="0">
+              <a:latin typeface="+mj-lt"/>
+              <a:ea typeface="+mj-ea"/>
+              <a:cs typeface="+mj-cs"/>
+            </a:endParaRPr>
+          </a:p>
+        </p:txBody>
+      </p:sp>
+    </p:spTree>
+    <p:extLst>
+      <p:ext uri="{BB962C8B-B14F-4D97-AF65-F5344CB8AC3E}">
+        <p14:creationId xmlns:p14="http://schemas.microsoft.com/office/powerpoint/2010/main" val="3115005056"/>
+      </p:ext>
+    </p:extLst>
+  </p:cSld>
+  <p:clrMapOvr>
+    <a:masterClrMapping/>
+  </p:clrMapOvr>
+</p:sld>
+</file>
+
+<file path=ppt/slides/slide8.xml><?xml version="1.0" encoding="utf-8"?>
 <p:sld xmlns:a="http://schemas.openxmlformats.org/drawingml/2006/main" xmlns:r="http://schemas.openxmlformats.org/officeDocument/2006/relationships" xmlns:p="http://schemas.openxmlformats.org/presentationml/2006/main">
   <p:cSld>
     <p:spTree>
@@ -5213,690 +9273,110 @@
       </p:grpSpPr>
       <p:sp>
         <p:nvSpPr>
-          <p:cNvPr id="3" name="TextBox 2">
-            <a:extLst>
-              <a:ext uri="{FF2B5EF4-FFF2-40B4-BE49-F238E27FC236}">
-                <a16:creationId xmlns:a16="http://schemas.microsoft.com/office/drawing/2014/main" id="{3F645782-D999-492F-9C4C-8895E41FE101}"/>
-              </a:ext>
-            </a:extLst>
-          </p:cNvPr>
-          <p:cNvSpPr txBox="1"/>
+          <p:cNvPr id="4" name="Rectangle 3">
+            <a:extLst>
+              <a:ext uri="{FF2B5EF4-FFF2-40B4-BE49-F238E27FC236}">
+                <a16:creationId xmlns:a16="http://schemas.microsoft.com/office/drawing/2014/main" id="{6DF159AF-2A29-AF60-DAB0-250A1BFA9BAF}"/>
+              </a:ext>
+            </a:extLst>
+          </p:cNvPr>
+          <p:cNvSpPr/>
           <p:nvPr/>
         </p:nvSpPr>
         <p:spPr>
           <a:xfrm>
-            <a:off x="429491" y="459570"/>
-            <a:ext cx="6096000" cy="523220"/>
+            <a:off x="0" y="643465"/>
+            <a:ext cx="12192000" cy="5050403"/>
           </a:xfrm>
           <a:prstGeom prst="rect">
             <a:avLst/>
           </a:prstGeom>
-          <a:noFill/>
-        </p:spPr>
-        <p:txBody>
-          <a:bodyPr wrap="square">
-            <a:spAutoFit/>
-          </a:bodyPr>
-          <a:lstStyle/>
-          <a:p>
-            <a:r>
-              <a:rPr lang="en-GB" sz="2800" b="1" dirty="0">
-                <a:solidFill>
-                  <a:schemeClr val="bg1"/>
-                </a:solidFill>
-                <a:effectLst>
-                  <a:outerShdw blurRad="38100" dist="38100" dir="2700000" algn="tl">
-                    <a:srgbClr val="000000">
-                      <a:alpha val="43137"/>
-                    </a:srgbClr>
-                  </a:outerShdw>
-                </a:effectLst>
-                <a:latin typeface="Calibri Light" panose="020F0302020204030204" pitchFamily="34" charset="0"/>
-                <a:ea typeface="Calibri Light" panose="020F0302020204030204" pitchFamily="34" charset="0"/>
-                <a:cs typeface="Calibri Light" panose="020F0302020204030204" pitchFamily="34" charset="0"/>
-              </a:rPr>
-              <a:t>TYPES OF MACHINE LEARNING</a:t>
-            </a:r>
-          </a:p>
-        </p:txBody>
-      </p:sp>
-      <p:sp>
-        <p:nvSpPr>
-          <p:cNvPr id="8" name="TextBox 7">
-            <a:extLst>
-              <a:ext uri="{FF2B5EF4-FFF2-40B4-BE49-F238E27FC236}">
-                <a16:creationId xmlns:a16="http://schemas.microsoft.com/office/drawing/2014/main" id="{9D6D712C-2C0C-D2BD-DF04-D8DEF159D356}"/>
-              </a:ext>
-            </a:extLst>
-          </p:cNvPr>
-          <p:cNvSpPr txBox="1"/>
-          <p:nvPr/>
-        </p:nvSpPr>
-        <p:spPr>
-          <a:xfrm>
-            <a:off x="4946245" y="1254443"/>
-            <a:ext cx="1911927" cy="369332"/>
-          </a:xfrm>
-          <a:prstGeom prst="rect">
-            <a:avLst/>
-          </a:prstGeom>
-          <a:noFill/>
-        </p:spPr>
-        <p:txBody>
-          <a:bodyPr wrap="square">
-            <a:spAutoFit/>
-          </a:bodyPr>
-          <a:lstStyle/>
-          <a:p>
-            <a:pPr algn="ctr"/>
-            <a:r>
-              <a:rPr lang="en-GB" dirty="0">
-                <a:solidFill>
-                  <a:schemeClr val="bg1"/>
-                </a:solidFill>
-              </a:rPr>
-              <a:t>Machine Learning</a:t>
-            </a:r>
-          </a:p>
-        </p:txBody>
-      </p:sp>
-      <p:grpSp>
-        <p:nvGrpSpPr>
-          <p:cNvPr id="13" name="Group 12">
-            <a:extLst>
-              <a:ext uri="{FF2B5EF4-FFF2-40B4-BE49-F238E27FC236}">
-                <a16:creationId xmlns:a16="http://schemas.microsoft.com/office/drawing/2014/main" id="{1A54D33D-FC7E-4A84-95CC-25B0A21668B9}"/>
-              </a:ext>
-            </a:extLst>
-          </p:cNvPr>
-          <p:cNvGrpSpPr/>
-          <p:nvPr/>
-        </p:nvGrpSpPr>
-        <p:grpSpPr>
-          <a:xfrm>
-            <a:off x="2556165" y="2204482"/>
-            <a:ext cx="7661562" cy="649574"/>
-            <a:chOff x="4253347" y="2337486"/>
-            <a:chExt cx="7661562" cy="649574"/>
-          </a:xfrm>
-        </p:grpSpPr>
-        <p:sp>
-          <p:nvSpPr>
-            <p:cNvPr id="4" name="TextBox 3">
-              <a:extLst>
-                <a:ext uri="{FF2B5EF4-FFF2-40B4-BE49-F238E27FC236}">
-                  <a16:creationId xmlns:a16="http://schemas.microsoft.com/office/drawing/2014/main" id="{B47D3CCC-FD2A-A6AF-E477-EBB60284231F}"/>
-                </a:ext>
-              </a:extLst>
-            </p:cNvPr>
-            <p:cNvSpPr txBox="1"/>
-            <p:nvPr/>
-          </p:nvSpPr>
-          <p:spPr>
-            <a:xfrm>
-              <a:off x="4253347" y="2340729"/>
-              <a:ext cx="1215910" cy="646331"/>
-            </a:xfrm>
-            <a:prstGeom prst="rect">
-              <a:avLst/>
-            </a:prstGeom>
+          <a:solidFill>
+            <a:schemeClr val="bg1">
+              <a:lumMod val="95000"/>
+            </a:schemeClr>
+          </a:solidFill>
+          <a:ln>
             <a:noFill/>
-          </p:spPr>
-          <p:txBody>
-            <a:bodyPr wrap="none" rtlCol="0">
-              <a:spAutoFit/>
-            </a:bodyPr>
-            <a:lstStyle/>
-            <a:p>
-              <a:pPr algn="ctr"/>
-              <a:r>
-                <a:rPr lang="en-GB" dirty="0">
-                  <a:solidFill>
-                    <a:schemeClr val="bg1"/>
-                  </a:solidFill>
-                </a:rPr>
-                <a:t>Supervised</a:t>
-              </a:r>
-            </a:p>
-            <a:p>
-              <a:pPr algn="ctr"/>
-              <a:r>
-                <a:rPr lang="en-GB" dirty="0">
-                  <a:solidFill>
-                    <a:schemeClr val="bg1"/>
-                  </a:solidFill>
-                </a:rPr>
-                <a:t>Learning</a:t>
-              </a:r>
-            </a:p>
-          </p:txBody>
-        </p:sp>
-        <p:sp>
-          <p:nvSpPr>
-            <p:cNvPr id="6" name="TextBox 5">
-              <a:extLst>
-                <a:ext uri="{FF2B5EF4-FFF2-40B4-BE49-F238E27FC236}">
-                  <a16:creationId xmlns:a16="http://schemas.microsoft.com/office/drawing/2014/main" id="{579892F3-9639-C91A-5789-85695695F377}"/>
-                </a:ext>
-              </a:extLst>
-            </p:cNvPr>
-            <p:cNvSpPr txBox="1"/>
-            <p:nvPr/>
-          </p:nvSpPr>
-          <p:spPr>
-            <a:xfrm>
-              <a:off x="6868564" y="2337486"/>
-              <a:ext cx="1461655" cy="646331"/>
-            </a:xfrm>
-            <a:prstGeom prst="rect">
-              <a:avLst/>
-            </a:prstGeom>
-            <a:noFill/>
-          </p:spPr>
-          <p:txBody>
-            <a:bodyPr wrap="square">
-              <a:spAutoFit/>
-            </a:bodyPr>
-            <a:lstStyle/>
-            <a:p>
-              <a:pPr algn="ctr"/>
-              <a:r>
-                <a:rPr lang="en-GB" dirty="0">
-                  <a:solidFill>
-                    <a:schemeClr val="bg1"/>
-                  </a:solidFill>
-                </a:rPr>
-                <a:t>Unsupervised</a:t>
-              </a:r>
-            </a:p>
-            <a:p>
-              <a:pPr algn="ctr"/>
-              <a:r>
-                <a:rPr lang="en-GB" dirty="0">
-                  <a:solidFill>
-                    <a:schemeClr val="bg1"/>
-                  </a:solidFill>
-                </a:rPr>
-                <a:t>Learning</a:t>
-              </a:r>
-            </a:p>
-          </p:txBody>
-        </p:sp>
-        <p:sp>
-          <p:nvSpPr>
-            <p:cNvPr id="9" name="TextBox 8">
-              <a:extLst>
-                <a:ext uri="{FF2B5EF4-FFF2-40B4-BE49-F238E27FC236}">
-                  <a16:creationId xmlns:a16="http://schemas.microsoft.com/office/drawing/2014/main" id="{F101741B-6BA2-8414-DF7D-7A24C492E0E3}"/>
-                </a:ext>
-              </a:extLst>
-            </p:cNvPr>
-            <p:cNvSpPr txBox="1"/>
-            <p:nvPr/>
-          </p:nvSpPr>
-          <p:spPr>
-            <a:xfrm>
-              <a:off x="9414164" y="2337486"/>
-              <a:ext cx="2500745" cy="646331"/>
-            </a:xfrm>
-            <a:prstGeom prst="rect">
-              <a:avLst/>
-            </a:prstGeom>
-            <a:noFill/>
-          </p:spPr>
-          <p:txBody>
-            <a:bodyPr wrap="square">
-              <a:spAutoFit/>
-            </a:bodyPr>
-            <a:lstStyle/>
-            <a:p>
-              <a:pPr algn="ctr"/>
-              <a:r>
-                <a:rPr lang="en-GB" dirty="0">
-                  <a:solidFill>
-                    <a:schemeClr val="bg1"/>
-                  </a:solidFill>
-                </a:rPr>
-                <a:t>Reinforcement </a:t>
-              </a:r>
-            </a:p>
-            <a:p>
-              <a:pPr algn="ctr"/>
-              <a:r>
-                <a:rPr lang="en-GB" dirty="0">
-                  <a:solidFill>
-                    <a:schemeClr val="bg1"/>
-                  </a:solidFill>
-                </a:rPr>
-                <a:t>Learning</a:t>
-              </a:r>
-            </a:p>
-          </p:txBody>
-        </p:sp>
-      </p:grpSp>
-      <p:sp>
-        <p:nvSpPr>
-          <p:cNvPr id="10" name="TextBox 9">
-            <a:extLst>
-              <a:ext uri="{FF2B5EF4-FFF2-40B4-BE49-F238E27FC236}">
-                <a16:creationId xmlns:a16="http://schemas.microsoft.com/office/drawing/2014/main" id="{6CA676B6-F411-6BEB-2AF7-3CB8BE41ED97}"/>
-              </a:ext>
-            </a:extLst>
-          </p:cNvPr>
-          <p:cNvSpPr txBox="1"/>
-          <p:nvPr/>
-        </p:nvSpPr>
-        <p:spPr>
-          <a:xfrm>
-            <a:off x="1427020" y="3624730"/>
-            <a:ext cx="1427018" cy="369332"/>
-          </a:xfrm>
-          <a:prstGeom prst="rect">
-            <a:avLst/>
-          </a:prstGeom>
-          <a:noFill/>
-        </p:spPr>
-        <p:txBody>
-          <a:bodyPr wrap="square">
-            <a:spAutoFit/>
-          </a:bodyPr>
-          <a:lstStyle/>
-          <a:p>
-            <a:pPr algn="ctr"/>
-            <a:r>
-              <a:rPr lang="en-GB" dirty="0">
-                <a:solidFill>
-                  <a:schemeClr val="bg1"/>
-                </a:solidFill>
-              </a:rPr>
-              <a:t>Regression</a:t>
-            </a:r>
-          </a:p>
-        </p:txBody>
-      </p:sp>
-      <p:sp>
-        <p:nvSpPr>
-          <p:cNvPr id="11" name="TextBox 10">
-            <a:extLst>
-              <a:ext uri="{FF2B5EF4-FFF2-40B4-BE49-F238E27FC236}">
-                <a16:creationId xmlns:a16="http://schemas.microsoft.com/office/drawing/2014/main" id="{7DB53B66-7CC2-7827-C036-985207164EF7}"/>
-              </a:ext>
-            </a:extLst>
-          </p:cNvPr>
-          <p:cNvSpPr txBox="1"/>
-          <p:nvPr/>
-        </p:nvSpPr>
-        <p:spPr>
-          <a:xfrm>
-            <a:off x="3299201" y="3624730"/>
-            <a:ext cx="1427018" cy="369332"/>
-          </a:xfrm>
-          <a:prstGeom prst="rect">
-            <a:avLst/>
-          </a:prstGeom>
-          <a:noFill/>
-        </p:spPr>
-        <p:txBody>
-          <a:bodyPr wrap="square">
-            <a:spAutoFit/>
-          </a:bodyPr>
-          <a:lstStyle/>
-          <a:p>
-            <a:pPr algn="ctr"/>
-            <a:r>
-              <a:rPr lang="en-GB" dirty="0">
-                <a:solidFill>
-                  <a:schemeClr val="bg1"/>
-                </a:solidFill>
-              </a:rPr>
-              <a:t>Classification</a:t>
-            </a:r>
-          </a:p>
-        </p:txBody>
-      </p:sp>
-      <p:sp>
-        <p:nvSpPr>
-          <p:cNvPr id="12" name="TextBox 11">
-            <a:extLst>
-              <a:ext uri="{FF2B5EF4-FFF2-40B4-BE49-F238E27FC236}">
-                <a16:creationId xmlns:a16="http://schemas.microsoft.com/office/drawing/2014/main" id="{F0A2B0CC-C68A-A7B4-ABBD-6E9BF55B364D}"/>
-              </a:ext>
-            </a:extLst>
-          </p:cNvPr>
-          <p:cNvSpPr txBox="1"/>
-          <p:nvPr/>
-        </p:nvSpPr>
-        <p:spPr>
-          <a:xfrm>
-            <a:off x="5188699" y="3636214"/>
-            <a:ext cx="1427018" cy="369332"/>
-          </a:xfrm>
-          <a:prstGeom prst="rect">
-            <a:avLst/>
-          </a:prstGeom>
-          <a:noFill/>
-        </p:spPr>
-        <p:txBody>
-          <a:bodyPr wrap="square">
-            <a:spAutoFit/>
-          </a:bodyPr>
-          <a:lstStyle/>
-          <a:p>
-            <a:pPr algn="ctr"/>
-            <a:r>
-              <a:rPr lang="en-GB" dirty="0">
-                <a:solidFill>
-                  <a:schemeClr val="bg1"/>
-                </a:solidFill>
-              </a:rPr>
-              <a:t>Clustering</a:t>
-            </a:r>
-          </a:p>
-        </p:txBody>
-      </p:sp>
-      <p:cxnSp>
-        <p:nvCxnSpPr>
-          <p:cNvPr id="17" name="Connector: Elbow 16">
-            <a:extLst>
-              <a:ext uri="{FF2B5EF4-FFF2-40B4-BE49-F238E27FC236}">
-                <a16:creationId xmlns:a16="http://schemas.microsoft.com/office/drawing/2014/main" id="{5C344358-DD68-F237-8467-D83D41FC1781}"/>
-              </a:ext>
-            </a:extLst>
-          </p:cNvPr>
-          <p:cNvCxnSpPr>
-            <a:stCxn id="8" idx="2"/>
-            <a:endCxn id="4" idx="0"/>
-          </p:cNvCxnSpPr>
-          <p:nvPr/>
-        </p:nvCxnSpPr>
-        <p:spPr>
-          <a:xfrm rot="5400000">
-            <a:off x="4241190" y="546706"/>
-            <a:ext cx="583950" cy="2738089"/>
-          </a:xfrm>
-          <a:prstGeom prst="bentConnector3">
-            <a:avLst/>
-          </a:prstGeom>
-          <a:ln>
-            <a:solidFill>
-              <a:schemeClr val="bg1">
-                <a:lumMod val="85000"/>
-              </a:schemeClr>
-            </a:solidFill>
-            <a:tailEnd type="triangle"/>
           </a:ln>
         </p:spPr>
         <p:style>
-          <a:lnRef idx="1">
-            <a:schemeClr val="accent1"/>
+          <a:lnRef idx="2">
+            <a:schemeClr val="accent1">
+              <a:shade val="15000"/>
+            </a:schemeClr>
           </a:lnRef>
-          <a:fillRef idx="0">
+          <a:fillRef idx="1">
             <a:schemeClr val="accent1"/>
           </a:fillRef>
           <a:effectRef idx="0">
             <a:schemeClr val="accent1"/>
           </a:effectRef>
           <a:fontRef idx="minor">
-            <a:schemeClr val="tx1"/>
+            <a:schemeClr val="lt1"/>
           </a:fontRef>
         </p:style>
-      </p:cxnSp>
-      <p:cxnSp>
-        <p:nvCxnSpPr>
-          <p:cNvPr id="18" name="Connector: Elbow 17">
-            <a:extLst>
-              <a:ext uri="{FF2B5EF4-FFF2-40B4-BE49-F238E27FC236}">
-                <a16:creationId xmlns:a16="http://schemas.microsoft.com/office/drawing/2014/main" id="{3C3B6419-1EAB-87C5-051B-3791897D6E9A}"/>
-              </a:ext>
-            </a:extLst>
-          </p:cNvPr>
-          <p:cNvCxnSpPr>
-            <a:cxnSpLocks/>
-            <a:stCxn id="8" idx="2"/>
-            <a:endCxn id="9" idx="0"/>
-          </p:cNvCxnSpPr>
-          <p:nvPr/>
-        </p:nvCxnSpPr>
-        <p:spPr>
-          <a:xfrm rot="16200000" flipH="1">
-            <a:off x="7144429" y="381555"/>
-            <a:ext cx="580707" cy="3065146"/>
-          </a:xfrm>
-          <a:prstGeom prst="bentConnector3">
-            <a:avLst>
-              <a:gd name="adj1" fmla="val 50000"/>
-            </a:avLst>
-          </a:prstGeom>
-          <a:ln>
-            <a:solidFill>
-              <a:schemeClr val="bg1">
-                <a:lumMod val="85000"/>
-              </a:schemeClr>
-            </a:solidFill>
-            <a:tailEnd type="triangle"/>
-          </a:ln>
-        </p:spPr>
-        <p:style>
-          <a:lnRef idx="1">
-            <a:schemeClr val="accent1"/>
-          </a:lnRef>
-          <a:fillRef idx="0">
-            <a:schemeClr val="accent1"/>
-          </a:fillRef>
-          <a:effectRef idx="0">
-            <a:schemeClr val="accent1"/>
-          </a:effectRef>
-          <a:fontRef idx="minor">
-            <a:schemeClr val="tx1"/>
-          </a:fontRef>
-        </p:style>
-      </p:cxnSp>
-      <p:cxnSp>
-        <p:nvCxnSpPr>
-          <p:cNvPr id="21" name="Connector: Elbow 20">
-            <a:extLst>
-              <a:ext uri="{FF2B5EF4-FFF2-40B4-BE49-F238E27FC236}">
-                <a16:creationId xmlns:a16="http://schemas.microsoft.com/office/drawing/2014/main" id="{D67DA990-259E-B7C9-3510-5090F1915D5E}"/>
-              </a:ext>
-            </a:extLst>
-          </p:cNvPr>
-          <p:cNvCxnSpPr>
-            <a:cxnSpLocks/>
-            <a:stCxn id="8" idx="2"/>
-            <a:endCxn id="6" idx="0"/>
-          </p:cNvCxnSpPr>
-          <p:nvPr/>
-        </p:nvCxnSpPr>
-        <p:spPr>
-          <a:xfrm rot="16200000" flipH="1">
-            <a:off x="5611856" y="1914127"/>
-            <a:ext cx="580707" cy="1"/>
-          </a:xfrm>
-          <a:prstGeom prst="bentConnector3">
-            <a:avLst>
-              <a:gd name="adj1" fmla="val 50000"/>
-            </a:avLst>
-          </a:prstGeom>
-          <a:ln>
-            <a:solidFill>
-              <a:schemeClr val="bg1">
-                <a:lumMod val="85000"/>
-              </a:schemeClr>
-            </a:solidFill>
-            <a:tailEnd type="triangle"/>
-          </a:ln>
-        </p:spPr>
-        <p:style>
-          <a:lnRef idx="1">
-            <a:schemeClr val="accent1"/>
-          </a:lnRef>
-          <a:fillRef idx="0">
-            <a:schemeClr val="accent1"/>
-          </a:fillRef>
-          <a:effectRef idx="0">
-            <a:schemeClr val="accent1"/>
-          </a:effectRef>
-          <a:fontRef idx="minor">
-            <a:schemeClr val="tx1"/>
-          </a:fontRef>
-        </p:style>
-      </p:cxnSp>
-      <p:cxnSp>
-        <p:nvCxnSpPr>
-          <p:cNvPr id="24" name="Connector: Elbow 23">
-            <a:extLst>
-              <a:ext uri="{FF2B5EF4-FFF2-40B4-BE49-F238E27FC236}">
-                <a16:creationId xmlns:a16="http://schemas.microsoft.com/office/drawing/2014/main" id="{C294D8D5-37A2-4682-CCD8-73358A7E1BCF}"/>
-              </a:ext>
-            </a:extLst>
-          </p:cNvPr>
-          <p:cNvCxnSpPr>
-            <a:cxnSpLocks/>
-            <a:stCxn id="4" idx="2"/>
-            <a:endCxn id="10" idx="0"/>
-          </p:cNvCxnSpPr>
-          <p:nvPr/>
-        </p:nvCxnSpPr>
-        <p:spPr>
-          <a:xfrm rot="5400000">
-            <a:off x="2266988" y="2727598"/>
-            <a:ext cx="770674" cy="1023591"/>
-          </a:xfrm>
-          <a:prstGeom prst="bentConnector3">
-            <a:avLst>
-              <a:gd name="adj1" fmla="val 50000"/>
-            </a:avLst>
-          </a:prstGeom>
-          <a:ln>
-            <a:solidFill>
-              <a:schemeClr val="bg1">
-                <a:lumMod val="85000"/>
-              </a:schemeClr>
-            </a:solidFill>
-            <a:tailEnd type="triangle"/>
-          </a:ln>
-        </p:spPr>
-        <p:style>
-          <a:lnRef idx="1">
-            <a:schemeClr val="accent1"/>
-          </a:lnRef>
-          <a:fillRef idx="0">
-            <a:schemeClr val="accent1"/>
-          </a:fillRef>
-          <a:effectRef idx="0">
-            <a:schemeClr val="accent1"/>
-          </a:effectRef>
-          <a:fontRef idx="minor">
-            <a:schemeClr val="tx1"/>
-          </a:fontRef>
-        </p:style>
-      </p:cxnSp>
-      <p:cxnSp>
-        <p:nvCxnSpPr>
-          <p:cNvPr id="27" name="Connector: Elbow 26">
-            <a:extLst>
-              <a:ext uri="{FF2B5EF4-FFF2-40B4-BE49-F238E27FC236}">
-                <a16:creationId xmlns:a16="http://schemas.microsoft.com/office/drawing/2014/main" id="{2DC49FE0-3EA0-8027-5379-14C6F94AF3B1}"/>
-              </a:ext>
-            </a:extLst>
-          </p:cNvPr>
-          <p:cNvCxnSpPr>
-            <a:cxnSpLocks/>
-            <a:stCxn id="4" idx="2"/>
-            <a:endCxn id="11" idx="0"/>
-          </p:cNvCxnSpPr>
-          <p:nvPr/>
-        </p:nvCxnSpPr>
-        <p:spPr>
-          <a:xfrm rot="16200000" flipH="1">
-            <a:off x="3203078" y="2815098"/>
-            <a:ext cx="770674" cy="848590"/>
-          </a:xfrm>
-          <a:prstGeom prst="bentConnector3">
-            <a:avLst>
-              <a:gd name="adj1" fmla="val 50000"/>
-            </a:avLst>
-          </a:prstGeom>
-          <a:ln>
-            <a:solidFill>
-              <a:schemeClr val="bg1">
-                <a:lumMod val="85000"/>
-              </a:schemeClr>
-            </a:solidFill>
-            <a:tailEnd type="triangle"/>
-          </a:ln>
-        </p:spPr>
-        <p:style>
-          <a:lnRef idx="1">
-            <a:schemeClr val="accent1"/>
-          </a:lnRef>
-          <a:fillRef idx="0">
-            <a:schemeClr val="accent1"/>
-          </a:fillRef>
-          <a:effectRef idx="0">
-            <a:schemeClr val="accent1"/>
-          </a:effectRef>
-          <a:fontRef idx="minor">
-            <a:schemeClr val="tx1"/>
-          </a:fontRef>
-        </p:style>
-      </p:cxnSp>
-      <p:cxnSp>
-        <p:nvCxnSpPr>
-          <p:cNvPr id="30" name="Connector: Elbow 29">
-            <a:extLst>
-              <a:ext uri="{FF2B5EF4-FFF2-40B4-BE49-F238E27FC236}">
-                <a16:creationId xmlns:a16="http://schemas.microsoft.com/office/drawing/2014/main" id="{01C79BC7-96BB-8608-1AFD-91592380C25C}"/>
-              </a:ext>
-            </a:extLst>
-          </p:cNvPr>
-          <p:cNvCxnSpPr>
-            <a:cxnSpLocks/>
-            <a:stCxn id="6" idx="2"/>
-            <a:endCxn id="12" idx="0"/>
-          </p:cNvCxnSpPr>
-          <p:nvPr/>
-        </p:nvCxnSpPr>
-        <p:spPr>
-          <a:xfrm rot="5400000">
-            <a:off x="5509509" y="3243512"/>
-            <a:ext cx="785401" cy="2"/>
-          </a:xfrm>
-          <a:prstGeom prst="bentConnector3">
-            <a:avLst>
-              <a:gd name="adj1" fmla="val 50000"/>
-            </a:avLst>
-          </a:prstGeom>
-          <a:ln>
-            <a:solidFill>
-              <a:schemeClr val="bg1">
-                <a:lumMod val="85000"/>
-              </a:schemeClr>
-            </a:solidFill>
-            <a:tailEnd type="triangle"/>
-          </a:ln>
-        </p:spPr>
-        <p:style>
-          <a:lnRef idx="1">
-            <a:schemeClr val="accent1"/>
-          </a:lnRef>
-          <a:fillRef idx="0">
-            <a:schemeClr val="accent1"/>
-          </a:fillRef>
-          <a:effectRef idx="0">
-            <a:schemeClr val="accent1"/>
-          </a:effectRef>
-          <a:fontRef idx="minor">
-            <a:schemeClr val="tx1"/>
-          </a:fontRef>
-        </p:style>
-      </p:cxnSp>
+        <p:txBody>
+          <a:bodyPr rtlCol="0" anchor="ctr"/>
+          <a:lstStyle/>
+          <a:p>
+            <a:pPr algn="ctr"/>
+            <a:endParaRPr lang="en-GB"/>
+          </a:p>
+        </p:txBody>
+      </p:sp>
       <p:pic>
         <p:nvPicPr>
-          <p:cNvPr id="35" name="Picture 34">
-            <a:extLst>
-              <a:ext uri="{FF2B5EF4-FFF2-40B4-BE49-F238E27FC236}">
-                <a16:creationId xmlns:a16="http://schemas.microsoft.com/office/drawing/2014/main" id="{CBC56515-1D02-4918-943C-0E28230E0F7B}"/>
+          <p:cNvPr id="2050" name="Picture 2" descr="What is Machine Learning Course| Its Importance and Types-FORE">
+            <a:extLst>
+              <a:ext uri="{FF2B5EF4-FFF2-40B4-BE49-F238E27FC236}">
+                <a16:creationId xmlns:a16="http://schemas.microsoft.com/office/drawing/2014/main" id="{D9A150CF-0C8B-02B5-5EE0-40FBB65AED7A}"/>
+              </a:ext>
+            </a:extLst>
+          </p:cNvPr>
+          <p:cNvPicPr>
+            <a:picLocks noChangeAspect="1" noChangeArrowheads="1"/>
+          </p:cNvPicPr>
+          <p:nvPr/>
+        </p:nvPicPr>
+        <p:blipFill>
+          <a:blip r:embed="rId2">
+            <a:extLst>
+              <a:ext uri="{28A0092B-C50C-407E-A947-70E740481C1C}">
+                <a14:useLocalDpi xmlns:a14="http://schemas.microsoft.com/office/drawing/2010/main" val="0"/>
+              </a:ext>
+            </a:extLst>
+          </a:blip>
+          <a:stretch>
+            <a:fillRect/>
+          </a:stretch>
+        </p:blipFill>
+        <p:spPr bwMode="auto">
+          <a:xfrm>
+            <a:off x="1548190" y="643466"/>
+            <a:ext cx="9095619" cy="5571067"/>
+          </a:xfrm>
+          <a:prstGeom prst="rect">
+            <a:avLst/>
+          </a:prstGeom>
+          <a:noFill/>
+          <a:extLst>
+            <a:ext uri="{909E8E84-426E-40DD-AFC4-6F175D3DCCD1}">
+              <a14:hiddenFill xmlns:a14="http://schemas.microsoft.com/office/drawing/2010/main">
+                <a:solidFill>
+                  <a:srgbClr val="FFFFFF"/>
+                </a:solidFill>
+              </a14:hiddenFill>
+            </a:ext>
+          </a:extLst>
+        </p:spPr>
+      </p:pic>
+      <p:pic>
+        <p:nvPicPr>
+          <p:cNvPr id="2" name="Picture 1" descr="A black background with a black square&#10;&#10;Description automatically generated">
+            <a:extLst>
+              <a:ext uri="{FF2B5EF4-FFF2-40B4-BE49-F238E27FC236}">
+                <a16:creationId xmlns:a16="http://schemas.microsoft.com/office/drawing/2014/main" id="{AC95A10E-872A-6150-7DB2-FBEB01CD4A0C}"/>
               </a:ext>
             </a:extLst>
           </p:cNvPr>
@@ -5906,7 +9386,7 @@
           <p:nvPr/>
         </p:nvPicPr>
         <p:blipFill>
-          <a:blip r:embed="rId2">
+          <a:blip r:embed="rId3">
             <a:extLst>
               <a:ext uri="{28A0092B-C50C-407E-A947-70E740481C1C}">
                 <a14:useLocalDpi xmlns:a14="http://schemas.microsoft.com/office/drawing/2010/main" val="0"/>
@@ -5919,7 +9399,7 @@
         </p:blipFill>
         <p:spPr>
           <a:xfrm>
-            <a:off x="11115483" y="143902"/>
+            <a:off x="11295590" y="5905515"/>
             <a:ext cx="896410" cy="853625"/>
           </a:xfrm>
           <a:prstGeom prst="rect">
@@ -5927,60 +9407,12 @@
           </a:prstGeom>
         </p:spPr>
       </p:pic>
-      <p:cxnSp>
-        <p:nvCxnSpPr>
-          <p:cNvPr id="36" name="Connector: Elbow 35">
-            <a:extLst>
-              <a:ext uri="{FF2B5EF4-FFF2-40B4-BE49-F238E27FC236}">
-                <a16:creationId xmlns:a16="http://schemas.microsoft.com/office/drawing/2014/main" id="{3F316EB9-9097-34AB-0226-5C85EB6FC260}"/>
-              </a:ext>
-            </a:extLst>
-          </p:cNvPr>
-          <p:cNvCxnSpPr>
-            <a:cxnSpLocks/>
-          </p:cNvCxnSpPr>
-          <p:nvPr/>
-        </p:nvCxnSpPr>
-        <p:spPr>
-          <a:xfrm rot="5400000">
-            <a:off x="8574654" y="3243513"/>
-            <a:ext cx="785401" cy="2"/>
-          </a:xfrm>
-          <a:prstGeom prst="bentConnector3">
-            <a:avLst>
-              <a:gd name="adj1" fmla="val 50000"/>
-            </a:avLst>
-          </a:prstGeom>
-          <a:ln>
-            <a:solidFill>
-              <a:schemeClr val="bg1">
-                <a:lumMod val="85000"/>
-              </a:schemeClr>
-            </a:solidFill>
-            <a:tailEnd type="triangle"/>
-          </a:ln>
-        </p:spPr>
-        <p:style>
-          <a:lnRef idx="1">
-            <a:schemeClr val="accent1"/>
-          </a:lnRef>
-          <a:fillRef idx="0">
-            <a:schemeClr val="accent1"/>
-          </a:fillRef>
-          <a:effectRef idx="0">
-            <a:schemeClr val="accent1"/>
-          </a:effectRef>
-          <a:fontRef idx="minor">
-            <a:schemeClr val="tx1"/>
-          </a:fontRef>
-        </p:style>
-      </p:cxnSp>
-      <p:sp>
-        <p:nvSpPr>
-          <p:cNvPr id="39" name="TextBox 38">
-            <a:extLst>
-              <a:ext uri="{FF2B5EF4-FFF2-40B4-BE49-F238E27FC236}">
-                <a16:creationId xmlns:a16="http://schemas.microsoft.com/office/drawing/2014/main" id="{CFF17356-A2F9-C2E5-5B35-FA7A1E59AD57}"/>
+      <p:sp>
+        <p:nvSpPr>
+          <p:cNvPr id="3" name="TextBox 2">
+            <a:extLst>
+              <a:ext uri="{FF2B5EF4-FFF2-40B4-BE49-F238E27FC236}">
+                <a16:creationId xmlns:a16="http://schemas.microsoft.com/office/drawing/2014/main" id="{7176B518-690A-A8F7-71A0-73A15A43D753}"/>
               </a:ext>
             </a:extLst>
           </p:cNvPr>
@@ -5989,8 +9421,8 @@
         </p:nvSpPr>
         <p:spPr>
           <a:xfrm>
-            <a:off x="8032344" y="3640166"/>
-            <a:ext cx="1876947" cy="369332"/>
+            <a:off x="144780" y="6505224"/>
+            <a:ext cx="6750566" cy="253916"/>
           </a:xfrm>
           <a:prstGeom prst="rect">
             <a:avLst/>
@@ -5998,19 +9430,14 @@
           <a:noFill/>
         </p:spPr>
         <p:txBody>
-          <a:bodyPr wrap="square">
+          <a:bodyPr wrap="none" rtlCol="0">
             <a:spAutoFit/>
           </a:bodyPr>
           <a:lstStyle/>
           <a:p>
-            <a:pPr algn="ctr"/>
-            <a:r>
-              <a:rPr lang="en-GB" dirty="0">
-                <a:solidFill>
-                  <a:schemeClr val="bg1"/>
-                </a:solidFill>
-              </a:rPr>
-              <a:t>Decision Making</a:t>
+            <a:r>
+              <a:rPr lang="en-GB" sz="1050" dirty="0"/>
+              <a:t>Image Source: https://www.fsm.ac.in/blog/an-introduction-to-machine-learning-its-importance-types-and-applications/</a:t>
             </a:r>
           </a:p>
         </p:txBody>
@@ -6018,7 +9445,7 @@
     </p:spTree>
     <p:extLst>
       <p:ext uri="{BB962C8B-B14F-4D97-AF65-F5344CB8AC3E}">
-        <p14:creationId xmlns:p14="http://schemas.microsoft.com/office/powerpoint/2010/main" val="2222064853"/>
+        <p14:creationId xmlns:p14="http://schemas.microsoft.com/office/powerpoint/2010/main" val="3087074380"/>
       </p:ext>
     </p:extLst>
   </p:cSld>
@@ -6028,7 +9455,7 @@
 </p:sld>
 </file>
 
-<file path=ppt/slides/slide5.xml><?xml version="1.0" encoding="utf-8"?>
+<file path=ppt/slides/slide9.xml><?xml version="1.0" encoding="utf-8"?>
 <p:sld xmlns:a="http://schemas.openxmlformats.org/drawingml/2006/main" xmlns:r="http://schemas.openxmlformats.org/officeDocument/2006/relationships" xmlns:p="http://schemas.openxmlformats.org/presentationml/2006/main">
   <p:cSld>
     <p:spTree>
@@ -6045,10 +9472,309 @@
           <a:chExt cx="0" cy="0"/>
         </a:xfrm>
       </p:grpSpPr>
+      <p:sp>
+        <p:nvSpPr>
+          <p:cNvPr id="5" name="Rectangle 4">
+            <a:extLst>
+              <a:ext uri="{FF2B5EF4-FFF2-40B4-BE49-F238E27FC236}">
+                <a16:creationId xmlns:a16="http://schemas.microsoft.com/office/drawing/2014/main" id="{144C60B8-7CB5-6AAD-8292-320D7AFEEC40}"/>
+              </a:ext>
+            </a:extLst>
+          </p:cNvPr>
+          <p:cNvSpPr/>
+          <p:nvPr/>
+        </p:nvSpPr>
+        <p:spPr>
+          <a:xfrm>
+            <a:off x="0" y="1194997"/>
+            <a:ext cx="12192000" cy="4710518"/>
+          </a:xfrm>
+          <a:prstGeom prst="rect">
+            <a:avLst/>
+          </a:prstGeom>
+          <a:solidFill>
+            <a:schemeClr val="bg1">
+              <a:lumMod val="95000"/>
+            </a:schemeClr>
+          </a:solidFill>
+          <a:ln>
+            <a:noFill/>
+          </a:ln>
+        </p:spPr>
+        <p:style>
+          <a:lnRef idx="2">
+            <a:schemeClr val="accent1">
+              <a:shade val="15000"/>
+            </a:schemeClr>
+          </a:lnRef>
+          <a:fillRef idx="1">
+            <a:schemeClr val="accent1"/>
+          </a:fillRef>
+          <a:effectRef idx="0">
+            <a:schemeClr val="accent1"/>
+          </a:effectRef>
+          <a:fontRef idx="minor">
+            <a:schemeClr val="lt1"/>
+          </a:fontRef>
+        </p:style>
+        <p:txBody>
+          <a:bodyPr rtlCol="0" anchor="ctr"/>
+          <a:lstStyle/>
+          <a:p>
+            <a:pPr algn="ctr"/>
+            <a:endParaRPr lang="en-GB"/>
+          </a:p>
+        </p:txBody>
+      </p:sp>
+      <p:pic>
+        <p:nvPicPr>
+          <p:cNvPr id="2050" name="Picture 2" descr="What is Machine Learning Course| Its Importance and Types-FORE">
+            <a:extLst>
+              <a:ext uri="{FF2B5EF4-FFF2-40B4-BE49-F238E27FC236}">
+                <a16:creationId xmlns:a16="http://schemas.microsoft.com/office/drawing/2014/main" id="{D9A150CF-0C8B-02B5-5EE0-40FBB65AED7A}"/>
+              </a:ext>
+            </a:extLst>
+          </p:cNvPr>
+          <p:cNvPicPr>
+            <a:picLocks noChangeAspect="1" noChangeArrowheads="1"/>
+          </p:cNvPicPr>
+          <p:nvPr/>
+        </p:nvPicPr>
+        <p:blipFill>
+          <a:blip r:embed="rId2">
+            <a:extLst>
+              <a:ext uri="{28A0092B-C50C-407E-A947-70E740481C1C}">
+                <a14:useLocalDpi xmlns:a14="http://schemas.microsoft.com/office/drawing/2010/main" val="0"/>
+              </a:ext>
+            </a:extLst>
+          </a:blip>
+          <a:stretch>
+            <a:fillRect/>
+          </a:stretch>
+        </p:blipFill>
+        <p:spPr bwMode="auto">
+          <a:xfrm>
+            <a:off x="5695061" y="1643139"/>
+            <a:ext cx="6227319" cy="3814233"/>
+          </a:xfrm>
+          <a:prstGeom prst="rect">
+            <a:avLst/>
+          </a:prstGeom>
+          <a:noFill/>
+          <a:extLst>
+            <a:ext uri="{909E8E84-426E-40DD-AFC4-6F175D3DCCD1}">
+              <a14:hiddenFill xmlns:a14="http://schemas.microsoft.com/office/drawing/2010/main">
+                <a:solidFill>
+                  <a:srgbClr val="FFFFFF"/>
+                </a:solidFill>
+              </a14:hiddenFill>
+            </a:ext>
+          </a:extLst>
+        </p:spPr>
+      </p:pic>
+      <p:pic>
+        <p:nvPicPr>
+          <p:cNvPr id="2" name="Picture 1" descr="A black background with a black square&#10;&#10;Description automatically generated">
+            <a:extLst>
+              <a:ext uri="{FF2B5EF4-FFF2-40B4-BE49-F238E27FC236}">
+                <a16:creationId xmlns:a16="http://schemas.microsoft.com/office/drawing/2014/main" id="{AC95A10E-872A-6150-7DB2-FBEB01CD4A0C}"/>
+              </a:ext>
+            </a:extLst>
+          </p:cNvPr>
+          <p:cNvPicPr>
+            <a:picLocks noChangeAspect="1"/>
+          </p:cNvPicPr>
+          <p:nvPr/>
+        </p:nvPicPr>
+        <p:blipFill>
+          <a:blip r:embed="rId3">
+            <a:extLst>
+              <a:ext uri="{28A0092B-C50C-407E-A947-70E740481C1C}">
+                <a14:useLocalDpi xmlns:a14="http://schemas.microsoft.com/office/drawing/2010/main" val="0"/>
+              </a:ext>
+            </a:extLst>
+          </a:blip>
+          <a:stretch>
+            <a:fillRect/>
+          </a:stretch>
+        </p:blipFill>
+        <p:spPr>
+          <a:xfrm>
+            <a:off x="11295590" y="5905515"/>
+            <a:ext cx="896410" cy="853625"/>
+          </a:xfrm>
+          <a:prstGeom prst="rect">
+            <a:avLst/>
+          </a:prstGeom>
+        </p:spPr>
+      </p:pic>
+      <p:sp>
+        <p:nvSpPr>
+          <p:cNvPr id="3" name="TextBox 2">
+            <a:extLst>
+              <a:ext uri="{FF2B5EF4-FFF2-40B4-BE49-F238E27FC236}">
+                <a16:creationId xmlns:a16="http://schemas.microsoft.com/office/drawing/2014/main" id="{7176B518-690A-A8F7-71A0-73A15A43D753}"/>
+              </a:ext>
+            </a:extLst>
+          </p:cNvPr>
+          <p:cNvSpPr txBox="1"/>
+          <p:nvPr/>
+        </p:nvSpPr>
+        <p:spPr>
+          <a:xfrm>
+            <a:off x="144781" y="6343642"/>
+            <a:ext cx="8663940" cy="415498"/>
+          </a:xfrm>
+          <a:prstGeom prst="rect">
+            <a:avLst/>
+          </a:prstGeom>
+          <a:noFill/>
+        </p:spPr>
+        <p:txBody>
+          <a:bodyPr wrap="square" rtlCol="0">
+            <a:spAutoFit/>
+          </a:bodyPr>
+          <a:lstStyle/>
+          <a:p>
+            <a:r>
+              <a:rPr lang="en-GB" sz="1050" dirty="0"/>
+              <a:t>Image Source: </a:t>
+            </a:r>
+            <a:r>
+              <a:rPr lang="en-GB" sz="1050" dirty="0">
+                <a:hlinkClick r:id="rId4">
+                  <a:extLst>
+                    <a:ext uri="{A12FA001-AC4F-418D-AE19-62706E023703}">
+                      <ahyp:hlinkClr xmlns:ahyp="http://schemas.microsoft.com/office/drawing/2018/hyperlinkcolor" val="tx"/>
+                    </a:ext>
+                  </a:extLst>
+                </a:hlinkClick>
+              </a:rPr>
+              <a:t>https://www.fsm.ac.in/blog/an-introduction-to-machine-learning-its-importance-types-and-applications/</a:t>
+            </a:r>
+            <a:r>
+              <a:rPr lang="en-GB" sz="1050" dirty="0"/>
+              <a:t>, </a:t>
+            </a:r>
+            <a:r>
+              <a:rPr lang="en-GB" sz="1050" dirty="0">
+                <a:hlinkClick r:id="rId5">
+                  <a:extLst>
+                    <a:ext uri="{A12FA001-AC4F-418D-AE19-62706E023703}">
+                      <ahyp:hlinkClr xmlns:ahyp="http://schemas.microsoft.com/office/drawing/2018/hyperlinkcolor" val="tx"/>
+                    </a:ext>
+                  </a:extLst>
+                </a:hlinkClick>
+              </a:rPr>
+              <a:t>https://medium.com/@mail2princeyadav/machine-learning-vs-deep-learning-b5c5a4fc5c</a:t>
+            </a:r>
+            <a:r>
+              <a:rPr lang="en-GB" sz="1050" dirty="0"/>
+              <a:t> </a:t>
+            </a:r>
+          </a:p>
+        </p:txBody>
+      </p:sp>
+      <p:pic>
+        <p:nvPicPr>
+          <p:cNvPr id="6146" name="Picture 2" descr="Machine Learning vs. Deep Learning | by Prince Yadav | Medium">
+            <a:extLst>
+              <a:ext uri="{FF2B5EF4-FFF2-40B4-BE49-F238E27FC236}">
+                <a16:creationId xmlns:a16="http://schemas.microsoft.com/office/drawing/2014/main" id="{97E009D2-9AD9-A97A-A565-6B5780484D1C}"/>
+              </a:ext>
+            </a:extLst>
+          </p:cNvPr>
+          <p:cNvPicPr>
+            <a:picLocks noChangeAspect="1" noChangeArrowheads="1"/>
+          </p:cNvPicPr>
+          <p:nvPr/>
+        </p:nvPicPr>
+        <p:blipFill>
+          <a:blip r:embed="rId6">
+            <a:extLst>
+              <a:ext uri="{28A0092B-C50C-407E-A947-70E740481C1C}">
+                <a14:useLocalDpi xmlns:a14="http://schemas.microsoft.com/office/drawing/2010/main" val="0"/>
+              </a:ext>
+            </a:extLst>
+          </a:blip>
+          <a:srcRect/>
+          <a:stretch>
+            <a:fillRect/>
+          </a:stretch>
+        </p:blipFill>
+        <p:spPr bwMode="auto">
+          <a:xfrm>
+            <a:off x="725231" y="1916430"/>
+            <a:ext cx="4614520" cy="3025140"/>
+          </a:xfrm>
+          <a:prstGeom prst="rect">
+            <a:avLst/>
+          </a:prstGeom>
+          <a:noFill/>
+          <a:extLst>
+            <a:ext uri="{909E8E84-426E-40DD-AFC4-6F175D3DCCD1}">
+              <a14:hiddenFill xmlns:a14="http://schemas.microsoft.com/office/drawing/2010/main">
+                <a:solidFill>
+                  <a:srgbClr val="FFFFFF"/>
+                </a:solidFill>
+              </a14:hiddenFill>
+            </a:ext>
+          </a:extLst>
+        </p:spPr>
+      </p:pic>
+      <p:sp>
+        <p:nvSpPr>
+          <p:cNvPr id="4" name="TextBox 3">
+            <a:extLst>
+              <a:ext uri="{FF2B5EF4-FFF2-40B4-BE49-F238E27FC236}">
+                <a16:creationId xmlns:a16="http://schemas.microsoft.com/office/drawing/2014/main" id="{340E9D68-88C9-D899-41AE-F48FE8C4AE7E}"/>
+              </a:ext>
+            </a:extLst>
+          </p:cNvPr>
+          <p:cNvSpPr txBox="1"/>
+          <p:nvPr/>
+        </p:nvSpPr>
+        <p:spPr>
+          <a:xfrm>
+            <a:off x="1011535" y="179500"/>
+            <a:ext cx="9831899" cy="874375"/>
+          </a:xfrm>
+          <a:prstGeom prst="rect">
+            <a:avLst/>
+          </a:prstGeom>
+        </p:spPr>
+        <p:txBody>
+          <a:bodyPr vert="horz" lIns="91440" tIns="45720" rIns="91440" bIns="45720" rtlCol="0" anchor="ctr">
+            <a:normAutofit/>
+          </a:bodyPr>
+          <a:lstStyle/>
+          <a:p>
+            <a:pPr algn="ctr">
+              <a:lnSpc>
+                <a:spcPct val="90000"/>
+              </a:lnSpc>
+              <a:spcBef>
+                <a:spcPct val="0"/>
+              </a:spcBef>
+              <a:spcAft>
+                <a:spcPts val="600"/>
+              </a:spcAft>
+            </a:pPr>
+            <a:r>
+              <a:rPr lang="en-US" sz="4400" b="1" kern="1200" dirty="0">
+                <a:latin typeface="+mj-lt"/>
+                <a:ea typeface="+mj-ea"/>
+                <a:cs typeface="+mj-cs"/>
+              </a:rPr>
+              <a:t>Artificial Intelligence &amp; Machine Learning</a:t>
+            </a:r>
+          </a:p>
+        </p:txBody>
+      </p:sp>
     </p:spTree>
     <p:extLst>
       <p:ext uri="{BB962C8B-B14F-4D97-AF65-F5344CB8AC3E}">
-        <p14:creationId xmlns:p14="http://schemas.microsoft.com/office/powerpoint/2010/main" val="1545599252"/>
+        <p14:creationId xmlns:p14="http://schemas.microsoft.com/office/powerpoint/2010/main" val="4117970644"/>
       </p:ext>
     </p:extLst>
   </p:cSld>
@@ -6351,4 +10077,299 @@
     </a:ext>
   </a:extLst>
 </a:theme>
+</file>
+
+<file path=ppt/theme/theme2.xml><?xml version="1.0" encoding="utf-8"?>
+<a:theme xmlns:a="http://schemas.openxmlformats.org/drawingml/2006/main" name="Office Theme">
+  <a:themeElements>
+    <a:clrScheme name="Office">
+      <a:dk1>
+        <a:sysClr val="windowText" lastClr="000000"/>
+      </a:dk1>
+      <a:lt1>
+        <a:sysClr val="window" lastClr="FFFFFF"/>
+      </a:lt1>
+      <a:dk2>
+        <a:srgbClr val="44546A"/>
+      </a:dk2>
+      <a:lt2>
+        <a:srgbClr val="E7E6E6"/>
+      </a:lt2>
+      <a:accent1>
+        <a:srgbClr val="4472C4"/>
+      </a:accent1>
+      <a:accent2>
+        <a:srgbClr val="ED7D31"/>
+      </a:accent2>
+      <a:accent3>
+        <a:srgbClr val="A5A5A5"/>
+      </a:accent3>
+      <a:accent4>
+        <a:srgbClr val="FFC000"/>
+      </a:accent4>
+      <a:accent5>
+        <a:srgbClr val="5B9BD5"/>
+      </a:accent5>
+      <a:accent6>
+        <a:srgbClr val="70AD47"/>
+      </a:accent6>
+      <a:hlink>
+        <a:srgbClr val="0563C1"/>
+      </a:hlink>
+      <a:folHlink>
+        <a:srgbClr val="954F72"/>
+      </a:folHlink>
+    </a:clrScheme>
+    <a:fontScheme name="Office">
+      <a:majorFont>
+        <a:latin typeface="Calibri Light" panose="020F0302020204030204"/>
+        <a:ea typeface=""/>
+        <a:cs typeface=""/>
+        <a:font script="Jpan" typeface="游ゴシック Light"/>
+        <a:font script="Hang" typeface="맑은 고딕"/>
+        <a:font script="Hans" typeface="等线 Light"/>
+        <a:font script="Hant" typeface="新細明體"/>
+        <a:font script="Arab" typeface="Times New Roman"/>
+        <a:font script="Hebr" typeface="Times New Roman"/>
+        <a:font script="Thai" typeface="Angsana New"/>
+        <a:font script="Ethi" typeface="Nyala"/>
+        <a:font script="Beng" typeface="Vrinda"/>
+        <a:font script="Gujr" typeface="Shruti"/>
+        <a:font script="Khmr" typeface="MoolBoran"/>
+        <a:font script="Knda" typeface="Tunga"/>
+        <a:font script="Guru" typeface="Raavi"/>
+        <a:font script="Cans" typeface="Euphemia"/>
+        <a:font script="Cher" typeface="Plantagenet Cherokee"/>
+        <a:font script="Yiii" typeface="Microsoft Yi Baiti"/>
+        <a:font script="Tibt" typeface="Microsoft Himalaya"/>
+        <a:font script="Thaa" typeface="MV Boli"/>
+        <a:font script="Deva" typeface="Mangal"/>
+        <a:font script="Telu" typeface="Gautami"/>
+        <a:font script="Taml" typeface="Latha"/>
+        <a:font script="Syrc" typeface="Estrangelo Edessa"/>
+        <a:font script="Orya" typeface="Kalinga"/>
+        <a:font script="Mlym" typeface="Kartika"/>
+        <a:font script="Laoo" typeface="DokChampa"/>
+        <a:font script="Sinh" typeface="Iskoola Pota"/>
+        <a:font script="Mong" typeface="Mongolian Baiti"/>
+        <a:font script="Viet" typeface="Times New Roman"/>
+        <a:font script="Uigh" typeface="Microsoft Uighur"/>
+        <a:font script="Geor" typeface="Sylfaen"/>
+        <a:font script="Armn" typeface="Arial"/>
+        <a:font script="Bugi" typeface="Leelawadee UI"/>
+        <a:font script="Bopo" typeface="Microsoft JhengHei"/>
+        <a:font script="Java" typeface="Javanese Text"/>
+        <a:font script="Lisu" typeface="Segoe UI"/>
+        <a:font script="Mymr" typeface="Myanmar Text"/>
+        <a:font script="Nkoo" typeface="Ebrima"/>
+        <a:font script="Olck" typeface="Nirmala UI"/>
+        <a:font script="Osma" typeface="Ebrima"/>
+        <a:font script="Phag" typeface="Phagspa"/>
+        <a:font script="Syrn" typeface="Estrangelo Edessa"/>
+        <a:font script="Syrj" typeface="Estrangelo Edessa"/>
+        <a:font script="Syre" typeface="Estrangelo Edessa"/>
+        <a:font script="Sora" typeface="Nirmala UI"/>
+        <a:font script="Tale" typeface="Microsoft Tai Le"/>
+        <a:font script="Talu" typeface="Microsoft New Tai Lue"/>
+        <a:font script="Tfng" typeface="Ebrima"/>
+      </a:majorFont>
+      <a:minorFont>
+        <a:latin typeface="Calibri" panose="020F0502020204030204"/>
+        <a:ea typeface=""/>
+        <a:cs typeface=""/>
+        <a:font script="Jpan" typeface="游ゴシック"/>
+        <a:font script="Hang" typeface="맑은 고딕"/>
+        <a:font script="Hans" typeface="等线"/>
+        <a:font script="Hant" typeface="新細明體"/>
+        <a:font script="Arab" typeface="Arial"/>
+        <a:font script="Hebr" typeface="Arial"/>
+        <a:font script="Thai" typeface="Cordia New"/>
+        <a:font script="Ethi" typeface="Nyala"/>
+        <a:font script="Beng" typeface="Vrinda"/>
+        <a:font script="Gujr" typeface="Shruti"/>
+        <a:font script="Khmr" typeface="DaunPenh"/>
+        <a:font script="Knda" typeface="Tunga"/>
+        <a:font script="Guru" typeface="Raavi"/>
+        <a:font script="Cans" typeface="Euphemia"/>
+        <a:font script="Cher" typeface="Plantagenet Cherokee"/>
+        <a:font script="Yiii" typeface="Microsoft Yi Baiti"/>
+        <a:font script="Tibt" typeface="Microsoft Himalaya"/>
+        <a:font script="Thaa" typeface="MV Boli"/>
+        <a:font script="Deva" typeface="Mangal"/>
+        <a:font script="Telu" typeface="Gautami"/>
+        <a:font script="Taml" typeface="Latha"/>
+        <a:font script="Syrc" typeface="Estrangelo Edessa"/>
+        <a:font script="Orya" typeface="Kalinga"/>
+        <a:font script="Mlym" typeface="Kartika"/>
+        <a:font script="Laoo" typeface="DokChampa"/>
+        <a:font script="Sinh" typeface="Iskoola Pota"/>
+        <a:font script="Mong" typeface="Mongolian Baiti"/>
+        <a:font script="Viet" typeface="Arial"/>
+        <a:font script="Uigh" typeface="Microsoft Uighur"/>
+        <a:font script="Geor" typeface="Sylfaen"/>
+        <a:font script="Armn" typeface="Arial"/>
+        <a:font script="Bugi" typeface="Leelawadee UI"/>
+        <a:font script="Bopo" typeface="Microsoft JhengHei"/>
+        <a:font script="Java" typeface="Javanese Text"/>
+        <a:font script="Lisu" typeface="Segoe UI"/>
+        <a:font script="Mymr" typeface="Myanmar Text"/>
+        <a:font script="Nkoo" typeface="Ebrima"/>
+        <a:font script="Olck" typeface="Nirmala UI"/>
+        <a:font script="Osma" typeface="Ebrima"/>
+        <a:font script="Phag" typeface="Phagspa"/>
+        <a:font script="Syrn" typeface="Estrangelo Edessa"/>
+        <a:font script="Syrj" typeface="Estrangelo Edessa"/>
+        <a:font script="Syre" typeface="Estrangelo Edessa"/>
+        <a:font script="Sora" typeface="Nirmala UI"/>
+        <a:font script="Tale" typeface="Microsoft Tai Le"/>
+        <a:font script="Talu" typeface="Microsoft New Tai Lue"/>
+        <a:font script="Tfng" typeface="Ebrima"/>
+      </a:minorFont>
+    </a:fontScheme>
+    <a:fmtScheme name="Office">
+      <a:fillStyleLst>
+        <a:solidFill>
+          <a:schemeClr val="phClr"/>
+        </a:solidFill>
+        <a:gradFill rotWithShape="1">
+          <a:gsLst>
+            <a:gs pos="0">
+              <a:schemeClr val="phClr">
+                <a:lumMod val="110000"/>
+                <a:satMod val="105000"/>
+                <a:tint val="67000"/>
+              </a:schemeClr>
+            </a:gs>
+            <a:gs pos="50000">
+              <a:schemeClr val="phClr">
+                <a:lumMod val="105000"/>
+                <a:satMod val="103000"/>
+                <a:tint val="73000"/>
+              </a:schemeClr>
+            </a:gs>
+            <a:gs pos="100000">
+              <a:schemeClr val="phClr">
+                <a:lumMod val="105000"/>
+                <a:satMod val="109000"/>
+                <a:tint val="81000"/>
+              </a:schemeClr>
+            </a:gs>
+          </a:gsLst>
+          <a:lin ang="5400000" scaled="0"/>
+        </a:gradFill>
+        <a:gradFill rotWithShape="1">
+          <a:gsLst>
+            <a:gs pos="0">
+              <a:schemeClr val="phClr">
+                <a:satMod val="103000"/>
+                <a:lumMod val="102000"/>
+                <a:tint val="94000"/>
+              </a:schemeClr>
+            </a:gs>
+            <a:gs pos="50000">
+              <a:schemeClr val="phClr">
+                <a:satMod val="110000"/>
+                <a:lumMod val="100000"/>
+                <a:shade val="100000"/>
+              </a:schemeClr>
+            </a:gs>
+            <a:gs pos="100000">
+              <a:schemeClr val="phClr">
+                <a:lumMod val="99000"/>
+                <a:satMod val="120000"/>
+                <a:shade val="78000"/>
+              </a:schemeClr>
+            </a:gs>
+          </a:gsLst>
+          <a:lin ang="5400000" scaled="0"/>
+        </a:gradFill>
+      </a:fillStyleLst>
+      <a:lnStyleLst>
+        <a:ln w="6350" cap="flat" cmpd="sng" algn="ctr">
+          <a:solidFill>
+            <a:schemeClr val="phClr"/>
+          </a:solidFill>
+          <a:prstDash val="solid"/>
+          <a:miter lim="800000"/>
+        </a:ln>
+        <a:ln w="12700" cap="flat" cmpd="sng" algn="ctr">
+          <a:solidFill>
+            <a:schemeClr val="phClr"/>
+          </a:solidFill>
+          <a:prstDash val="solid"/>
+          <a:miter lim="800000"/>
+        </a:ln>
+        <a:ln w="19050" cap="flat" cmpd="sng" algn="ctr">
+          <a:solidFill>
+            <a:schemeClr val="phClr"/>
+          </a:solidFill>
+          <a:prstDash val="solid"/>
+          <a:miter lim="800000"/>
+        </a:ln>
+      </a:lnStyleLst>
+      <a:effectStyleLst>
+        <a:effectStyle>
+          <a:effectLst/>
+        </a:effectStyle>
+        <a:effectStyle>
+          <a:effectLst/>
+        </a:effectStyle>
+        <a:effectStyle>
+          <a:effectLst>
+            <a:outerShdw blurRad="57150" dist="19050" dir="5400000" algn="ctr" rotWithShape="0">
+              <a:srgbClr val="000000">
+                <a:alpha val="63000"/>
+              </a:srgbClr>
+            </a:outerShdw>
+          </a:effectLst>
+        </a:effectStyle>
+      </a:effectStyleLst>
+      <a:bgFillStyleLst>
+        <a:solidFill>
+          <a:schemeClr val="phClr"/>
+        </a:solidFill>
+        <a:solidFill>
+          <a:schemeClr val="phClr">
+            <a:tint val="95000"/>
+            <a:satMod val="170000"/>
+          </a:schemeClr>
+        </a:solidFill>
+        <a:gradFill rotWithShape="1">
+          <a:gsLst>
+            <a:gs pos="0">
+              <a:schemeClr val="phClr">
+                <a:tint val="93000"/>
+                <a:satMod val="150000"/>
+                <a:shade val="98000"/>
+                <a:lumMod val="102000"/>
+              </a:schemeClr>
+            </a:gs>
+            <a:gs pos="50000">
+              <a:schemeClr val="phClr">
+                <a:tint val="98000"/>
+                <a:satMod val="130000"/>
+                <a:shade val="90000"/>
+                <a:lumMod val="103000"/>
+              </a:schemeClr>
+            </a:gs>
+            <a:gs pos="100000">
+              <a:schemeClr val="phClr">
+                <a:shade val="63000"/>
+                <a:satMod val="120000"/>
+              </a:schemeClr>
+            </a:gs>
+          </a:gsLst>
+          <a:lin ang="5400000" scaled="0"/>
+        </a:gradFill>
+      </a:bgFillStyleLst>
+    </a:fmtScheme>
+  </a:themeElements>
+  <a:objectDefaults/>
+  <a:extraClrSchemeLst/>
+  <a:extLst>
+    <a:ext uri="{05A4C25C-085E-4340-85A3-A5531E510DB2}">
+      <thm15:themeFamily xmlns:thm15="http://schemas.microsoft.com/office/thememl/2012/main" name="Office Theme" id="{62F939B6-93AF-4DB8-9C6B-D6C7DFDC589F}" vid="{4A3C46E8-61CC-4603-A589-7422A47A8E4A}"/>
+    </a:ext>
+  </a:extLst>
+</a:theme>
 </file>
--- a/Slides/Intro_to_ML.pptx
+++ b/Slides/Intro_to_ML.pptx
@@ -5,7 +5,7 @@
     <p:sldMasterId id="2147483648" r:id="rId1"/>
   </p:sldMasterIdLst>
   <p:notesMasterIdLst>
-    <p:notesMasterId r:id="rId16"/>
+    <p:notesMasterId r:id="rId17"/>
   </p:notesMasterIdLst>
   <p:sldIdLst>
     <p:sldId id="256" r:id="rId2"/>
@@ -21,7 +21,8 @@
     <p:sldId id="259" r:id="rId12"/>
     <p:sldId id="266" r:id="rId13"/>
     <p:sldId id="271" r:id="rId14"/>
-    <p:sldId id="272" r:id="rId15"/>
+    <p:sldId id="273" r:id="rId15"/>
+    <p:sldId id="272" r:id="rId16"/>
   </p:sldIdLst>
   <p:sldSz cx="12192000" cy="6858000"/>
   <p:notesSz cx="6858000" cy="9144000"/>
@@ -654,7 +655,7 @@
           <a:p>
             <a:fld id="{D1654FDD-9E49-465A-9CE6-D364C8D83C0E}" type="datetimeFigureOut">
               <a:rPr lang="en-GB" smtClean="0"/>
-              <a:t>16/07/2023</a:t>
+              <a:t>17/07/2023</a:t>
             </a:fld>
             <a:endParaRPr lang="en-GB"/>
           </a:p>
@@ -854,7 +855,7 @@
           <a:p>
             <a:fld id="{D1654FDD-9E49-465A-9CE6-D364C8D83C0E}" type="datetimeFigureOut">
               <a:rPr lang="en-GB" smtClean="0"/>
-              <a:t>16/07/2023</a:t>
+              <a:t>17/07/2023</a:t>
             </a:fld>
             <a:endParaRPr lang="en-GB"/>
           </a:p>
@@ -1064,7 +1065,7 @@
           <a:p>
             <a:fld id="{D1654FDD-9E49-465A-9CE6-D364C8D83C0E}" type="datetimeFigureOut">
               <a:rPr lang="en-GB" smtClean="0"/>
-              <a:t>16/07/2023</a:t>
+              <a:t>17/07/2023</a:t>
             </a:fld>
             <a:endParaRPr lang="en-GB"/>
           </a:p>
@@ -1264,7 +1265,7 @@
           <a:p>
             <a:fld id="{D1654FDD-9E49-465A-9CE6-D364C8D83C0E}" type="datetimeFigureOut">
               <a:rPr lang="en-GB" smtClean="0"/>
-              <a:t>16/07/2023</a:t>
+              <a:t>17/07/2023</a:t>
             </a:fld>
             <a:endParaRPr lang="en-GB"/>
           </a:p>
@@ -1540,7 +1541,7 @@
           <a:p>
             <a:fld id="{D1654FDD-9E49-465A-9CE6-D364C8D83C0E}" type="datetimeFigureOut">
               <a:rPr lang="en-GB" smtClean="0"/>
-              <a:t>16/07/2023</a:t>
+              <a:t>17/07/2023</a:t>
             </a:fld>
             <a:endParaRPr lang="en-GB"/>
           </a:p>
@@ -1808,7 +1809,7 @@
           <a:p>
             <a:fld id="{D1654FDD-9E49-465A-9CE6-D364C8D83C0E}" type="datetimeFigureOut">
               <a:rPr lang="en-GB" smtClean="0"/>
-              <a:t>16/07/2023</a:t>
+              <a:t>17/07/2023</a:t>
             </a:fld>
             <a:endParaRPr lang="en-GB"/>
           </a:p>
@@ -2223,7 +2224,7 @@
           <a:p>
             <a:fld id="{D1654FDD-9E49-465A-9CE6-D364C8D83C0E}" type="datetimeFigureOut">
               <a:rPr lang="en-GB" smtClean="0"/>
-              <a:t>16/07/2023</a:t>
+              <a:t>17/07/2023</a:t>
             </a:fld>
             <a:endParaRPr lang="en-GB"/>
           </a:p>
@@ -2365,7 +2366,7 @@
           <a:p>
             <a:fld id="{D1654FDD-9E49-465A-9CE6-D364C8D83C0E}" type="datetimeFigureOut">
               <a:rPr lang="en-GB" smtClean="0"/>
-              <a:t>16/07/2023</a:t>
+              <a:t>17/07/2023</a:t>
             </a:fld>
             <a:endParaRPr lang="en-GB"/>
           </a:p>
@@ -2478,7 +2479,7 @@
           <a:p>
             <a:fld id="{D1654FDD-9E49-465A-9CE6-D364C8D83C0E}" type="datetimeFigureOut">
               <a:rPr lang="en-GB" smtClean="0"/>
-              <a:t>16/07/2023</a:t>
+              <a:t>17/07/2023</a:t>
             </a:fld>
             <a:endParaRPr lang="en-GB"/>
           </a:p>
@@ -2791,7 +2792,7 @@
           <a:p>
             <a:fld id="{D1654FDD-9E49-465A-9CE6-D364C8D83C0E}" type="datetimeFigureOut">
               <a:rPr lang="en-GB" smtClean="0"/>
-              <a:t>16/07/2023</a:t>
+              <a:t>17/07/2023</a:t>
             </a:fld>
             <a:endParaRPr lang="en-GB"/>
           </a:p>
@@ -3080,7 +3081,7 @@
           <a:p>
             <a:fld id="{D1654FDD-9E49-465A-9CE6-D364C8D83C0E}" type="datetimeFigureOut">
               <a:rPr lang="en-GB" smtClean="0"/>
-              <a:t>16/07/2023</a:t>
+              <a:t>17/07/2023</a:t>
             </a:fld>
             <a:endParaRPr lang="en-GB"/>
           </a:p>
@@ -3326,7 +3327,7 @@
           <a:p>
             <a:fld id="{D1654FDD-9E49-465A-9CE6-D364C8D83C0E}" type="datetimeFigureOut">
               <a:rPr lang="en-GB" smtClean="0"/>
-              <a:t>16/07/2023</a:t>
+              <a:t>17/07/2023</a:t>
             </a:fld>
             <a:endParaRPr lang="en-GB"/>
           </a:p>
@@ -6000,6 +6001,780 @@
 </file>
 
 <file path=ppt/slides/slide14.xml><?xml version="1.0" encoding="utf-8"?>
+<p:sld xmlns:a="http://schemas.openxmlformats.org/drawingml/2006/main" xmlns:r="http://schemas.openxmlformats.org/officeDocument/2006/relationships" xmlns:p="http://schemas.openxmlformats.org/presentationml/2006/main">
+  <p:cSld>
+    <p:spTree>
+      <p:nvGrpSpPr>
+        <p:cNvPr id="1" name=""/>
+        <p:cNvGrpSpPr/>
+        <p:nvPr/>
+      </p:nvGrpSpPr>
+      <p:grpSpPr>
+        <a:xfrm>
+          <a:off x="0" y="0"/>
+          <a:ext cx="0" cy="0"/>
+          <a:chOff x="0" y="0"/>
+          <a:chExt cx="0" cy="0"/>
+        </a:xfrm>
+      </p:grpSpPr>
+      <p:sp>
+        <p:nvSpPr>
+          <p:cNvPr id="3" name="TextBox 2">
+            <a:extLst>
+              <a:ext uri="{FF2B5EF4-FFF2-40B4-BE49-F238E27FC236}">
+                <a16:creationId xmlns:a16="http://schemas.microsoft.com/office/drawing/2014/main" id="{1862DDCD-CCA2-AD00-8EB2-1DF7D34E93F4}"/>
+              </a:ext>
+            </a:extLst>
+          </p:cNvPr>
+          <p:cNvSpPr txBox="1"/>
+          <p:nvPr/>
+        </p:nvSpPr>
+        <p:spPr>
+          <a:xfrm>
+            <a:off x="704428" y="1293707"/>
+            <a:ext cx="9387840" cy="338554"/>
+          </a:xfrm>
+          <a:prstGeom prst="rect">
+            <a:avLst/>
+          </a:prstGeom>
+          <a:noFill/>
+        </p:spPr>
+        <p:txBody>
+          <a:bodyPr wrap="square" rtlCol="0">
+            <a:spAutoFit/>
+          </a:bodyPr>
+          <a:lstStyle/>
+          <a:p>
+            <a:r>
+              <a:rPr lang="en-GB" sz="1600" b="1" i="0" dirty="0">
+                <a:solidFill>
+                  <a:srgbClr val="242424"/>
+                </a:solidFill>
+                <a:effectLst/>
+                <a:latin typeface="source-serif-pro"/>
+              </a:rPr>
+              <a:t>Explore customer demographic data to identify patterns</a:t>
+            </a:r>
+          </a:p>
+        </p:txBody>
+      </p:sp>
+      <p:sp>
+        <p:nvSpPr>
+          <p:cNvPr id="5" name="TextBox 4">
+            <a:extLst>
+              <a:ext uri="{FF2B5EF4-FFF2-40B4-BE49-F238E27FC236}">
+                <a16:creationId xmlns:a16="http://schemas.microsoft.com/office/drawing/2014/main" id="{681B5D41-8E65-B69D-DA2E-FEE7372FC6AA}"/>
+              </a:ext>
+            </a:extLst>
+          </p:cNvPr>
+          <p:cNvSpPr txBox="1"/>
+          <p:nvPr/>
+        </p:nvSpPr>
+        <p:spPr>
+          <a:xfrm>
+            <a:off x="704428" y="2571324"/>
+            <a:ext cx="6096000" cy="584775"/>
+          </a:xfrm>
+          <a:prstGeom prst="rect">
+            <a:avLst/>
+          </a:prstGeom>
+          <a:noFill/>
+        </p:spPr>
+        <p:txBody>
+          <a:bodyPr wrap="square">
+            <a:spAutoFit/>
+          </a:bodyPr>
+          <a:lstStyle/>
+          <a:p>
+            <a:r>
+              <a:rPr lang="en-GB" sz="1600" b="1" i="0" dirty="0">
+                <a:solidFill>
+                  <a:srgbClr val="242424"/>
+                </a:solidFill>
+                <a:effectLst/>
+                <a:latin typeface="source-serif-pro"/>
+              </a:rPr>
+              <a:t>Predicting Loan Repayment</a:t>
+            </a:r>
+            <a:endParaRPr lang="en-GB" sz="1600" b="1" dirty="0">
+              <a:solidFill>
+                <a:srgbClr val="242424"/>
+              </a:solidFill>
+              <a:latin typeface="source-serif-pro"/>
+            </a:endParaRPr>
+          </a:p>
+          <a:p>
+            <a:endParaRPr lang="en-GB" sz="1600" b="1" dirty="0">
+              <a:solidFill>
+                <a:srgbClr val="242424"/>
+              </a:solidFill>
+              <a:latin typeface="source-serif-pro"/>
+            </a:endParaRPr>
+          </a:p>
+        </p:txBody>
+      </p:sp>
+      <p:sp>
+        <p:nvSpPr>
+          <p:cNvPr id="7" name="TextBox 6">
+            <a:extLst>
+              <a:ext uri="{FF2B5EF4-FFF2-40B4-BE49-F238E27FC236}">
+                <a16:creationId xmlns:a16="http://schemas.microsoft.com/office/drawing/2014/main" id="{C56A0994-F3A3-AFA8-CF3C-3E58B8A1EA69}"/>
+              </a:ext>
+            </a:extLst>
+          </p:cNvPr>
+          <p:cNvSpPr txBox="1"/>
+          <p:nvPr/>
+        </p:nvSpPr>
+        <p:spPr>
+          <a:xfrm>
+            <a:off x="704428" y="3920252"/>
+            <a:ext cx="6096000" cy="584775"/>
+          </a:xfrm>
+          <a:prstGeom prst="rect">
+            <a:avLst/>
+          </a:prstGeom>
+          <a:noFill/>
+        </p:spPr>
+        <p:txBody>
+          <a:bodyPr wrap="square">
+            <a:spAutoFit/>
+          </a:bodyPr>
+          <a:lstStyle/>
+          <a:p>
+            <a:r>
+              <a:rPr lang="en-GB" sz="1600" b="1" i="0" dirty="0">
+                <a:solidFill>
+                  <a:srgbClr val="242424"/>
+                </a:solidFill>
+                <a:effectLst/>
+                <a:latin typeface="source-serif-pro"/>
+              </a:rPr>
+              <a:t>Predict if a skin lesion is benign or malignant based on its characteristics (size, shape, </a:t>
+            </a:r>
+            <a:r>
+              <a:rPr lang="en-GB" sz="1600" b="1" i="0" dirty="0" err="1">
+                <a:solidFill>
+                  <a:srgbClr val="242424"/>
+                </a:solidFill>
+                <a:effectLst/>
+                <a:latin typeface="source-serif-pro"/>
+              </a:rPr>
+              <a:t>color</a:t>
+            </a:r>
+            <a:r>
+              <a:rPr lang="en-GB" sz="1600" b="1" i="0" dirty="0">
+                <a:solidFill>
+                  <a:srgbClr val="242424"/>
+                </a:solidFill>
+                <a:effectLst/>
+                <a:latin typeface="source-serif-pro"/>
+              </a:rPr>
+              <a:t>, etc)</a:t>
+            </a:r>
+          </a:p>
+        </p:txBody>
+      </p:sp>
+      <p:sp>
+        <p:nvSpPr>
+          <p:cNvPr id="9" name="TextBox 8">
+            <a:extLst>
+              <a:ext uri="{FF2B5EF4-FFF2-40B4-BE49-F238E27FC236}">
+                <a16:creationId xmlns:a16="http://schemas.microsoft.com/office/drawing/2014/main" id="{2BBB5878-76C3-D979-5739-5F8C95FE35E5}"/>
+              </a:ext>
+            </a:extLst>
+          </p:cNvPr>
+          <p:cNvSpPr txBox="1"/>
+          <p:nvPr/>
+        </p:nvSpPr>
+        <p:spPr>
+          <a:xfrm>
+            <a:off x="704428" y="5389831"/>
+            <a:ext cx="6096000" cy="584775"/>
+          </a:xfrm>
+          <a:prstGeom prst="rect">
+            <a:avLst/>
+          </a:prstGeom>
+          <a:noFill/>
+        </p:spPr>
+        <p:txBody>
+          <a:bodyPr wrap="square">
+            <a:spAutoFit/>
+          </a:bodyPr>
+          <a:lstStyle/>
+          <a:p>
+            <a:r>
+              <a:rPr lang="en-GB" sz="1600" b="1" i="0" dirty="0">
+                <a:solidFill>
+                  <a:srgbClr val="242424"/>
+                </a:solidFill>
+                <a:effectLst/>
+                <a:latin typeface="source-serif-pro"/>
+              </a:rPr>
+              <a:t>Recommend news articles a reader might want to read based on the article she or he is reading</a:t>
+            </a:r>
+            <a:endParaRPr lang="en-GB" sz="1600" b="1" dirty="0">
+              <a:solidFill>
+                <a:srgbClr val="242424"/>
+              </a:solidFill>
+              <a:latin typeface="source-serif-pro"/>
+            </a:endParaRPr>
+          </a:p>
+        </p:txBody>
+      </p:sp>
+      <p:sp>
+        <p:nvSpPr>
+          <p:cNvPr id="11" name="TextBox 10">
+            <a:extLst>
+              <a:ext uri="{FF2B5EF4-FFF2-40B4-BE49-F238E27FC236}">
+                <a16:creationId xmlns:a16="http://schemas.microsoft.com/office/drawing/2014/main" id="{5B5EEDED-E189-3DD1-8670-0DC51802DDBE}"/>
+              </a:ext>
+            </a:extLst>
+          </p:cNvPr>
+          <p:cNvSpPr txBox="1"/>
+          <p:nvPr/>
+        </p:nvSpPr>
+        <p:spPr>
+          <a:xfrm>
+            <a:off x="6156961" y="4878259"/>
+            <a:ext cx="6096000" cy="338554"/>
+          </a:xfrm>
+          <a:prstGeom prst="rect">
+            <a:avLst/>
+          </a:prstGeom>
+          <a:noFill/>
+        </p:spPr>
+        <p:txBody>
+          <a:bodyPr wrap="square">
+            <a:spAutoFit/>
+          </a:bodyPr>
+          <a:lstStyle/>
+          <a:p>
+            <a:r>
+              <a:rPr lang="en-GB" sz="1600" b="1" i="0" dirty="0">
+                <a:solidFill>
+                  <a:srgbClr val="242424"/>
+                </a:solidFill>
+                <a:effectLst/>
+                <a:latin typeface="source-serif-pro"/>
+              </a:rPr>
+              <a:t>Provide a decision framework for hiring new employees</a:t>
+            </a:r>
+          </a:p>
+        </p:txBody>
+      </p:sp>
+      <p:sp>
+        <p:nvSpPr>
+          <p:cNvPr id="13" name="TextBox 12">
+            <a:extLst>
+              <a:ext uri="{FF2B5EF4-FFF2-40B4-BE49-F238E27FC236}">
+                <a16:creationId xmlns:a16="http://schemas.microsoft.com/office/drawing/2014/main" id="{173F249B-E013-6D23-E2E6-A5C3406A20F8}"/>
+              </a:ext>
+            </a:extLst>
+          </p:cNvPr>
+          <p:cNvSpPr txBox="1"/>
+          <p:nvPr/>
+        </p:nvSpPr>
+        <p:spPr>
+          <a:xfrm>
+            <a:off x="5757334" y="1890316"/>
+            <a:ext cx="6096000" cy="338554"/>
+          </a:xfrm>
+          <a:prstGeom prst="rect">
+            <a:avLst/>
+          </a:prstGeom>
+          <a:noFill/>
+        </p:spPr>
+        <p:txBody>
+          <a:bodyPr wrap="square">
+            <a:spAutoFit/>
+          </a:bodyPr>
+          <a:lstStyle/>
+          <a:p>
+            <a:r>
+              <a:rPr lang="en-GB" sz="1600" b="1" i="0" dirty="0" err="1">
+                <a:solidFill>
+                  <a:srgbClr val="242424"/>
+                </a:solidFill>
+                <a:effectLst/>
+                <a:latin typeface="source-serif-pro"/>
+              </a:rPr>
+              <a:t>Analyze</a:t>
+            </a:r>
+            <a:r>
+              <a:rPr lang="en-GB" sz="1600" b="1" i="0" dirty="0">
+                <a:solidFill>
+                  <a:srgbClr val="242424"/>
+                </a:solidFill>
+                <a:effectLst/>
+                <a:latin typeface="source-serif-pro"/>
+              </a:rPr>
+              <a:t> sentiment to assess product perception in the market.</a:t>
+            </a:r>
+          </a:p>
+        </p:txBody>
+      </p:sp>
+      <p:sp>
+        <p:nvSpPr>
+          <p:cNvPr id="15" name="TextBox 14">
+            <a:extLst>
+              <a:ext uri="{FF2B5EF4-FFF2-40B4-BE49-F238E27FC236}">
+                <a16:creationId xmlns:a16="http://schemas.microsoft.com/office/drawing/2014/main" id="{F649170E-832E-AE45-D483-A0F4A8252D97}"/>
+              </a:ext>
+            </a:extLst>
+          </p:cNvPr>
+          <p:cNvSpPr txBox="1"/>
+          <p:nvPr/>
+        </p:nvSpPr>
+        <p:spPr>
+          <a:xfrm>
+            <a:off x="5699762" y="3039092"/>
+            <a:ext cx="6153572" cy="861774"/>
+          </a:xfrm>
+          <a:prstGeom prst="rect">
+            <a:avLst/>
+          </a:prstGeom>
+          <a:noFill/>
+        </p:spPr>
+        <p:txBody>
+          <a:bodyPr wrap="square">
+            <a:spAutoFit/>
+          </a:bodyPr>
+          <a:lstStyle/>
+          <a:p>
+            <a:pPr algn="r"/>
+            <a:r>
+              <a:rPr lang="en-GB" sz="1600" b="1" i="0" dirty="0">
+                <a:solidFill>
+                  <a:srgbClr val="242424"/>
+                </a:solidFill>
+                <a:effectLst/>
+                <a:latin typeface="source-serif-pro"/>
+              </a:rPr>
+              <a:t>Organizing the genes and samples from a set of microarray experiments so as to reveal biologically interesting patterns.</a:t>
+            </a:r>
+          </a:p>
+          <a:p>
+            <a:pPr algn="r"/>
+            <a:endParaRPr lang="en-GB" sz="1600" b="1" dirty="0">
+              <a:solidFill>
+                <a:srgbClr val="242424"/>
+              </a:solidFill>
+              <a:latin typeface="source-serif-pro"/>
+            </a:endParaRPr>
+          </a:p>
+        </p:txBody>
+      </p:sp>
+      <p:sp>
+        <p:nvSpPr>
+          <p:cNvPr id="17" name="TextBox 16">
+            <a:extLst>
+              <a:ext uri="{FF2B5EF4-FFF2-40B4-BE49-F238E27FC236}">
+                <a16:creationId xmlns:a16="http://schemas.microsoft.com/office/drawing/2014/main" id="{BF4821D6-B4E7-93D0-679B-BA17B35AED6B}"/>
+              </a:ext>
+            </a:extLst>
+          </p:cNvPr>
+          <p:cNvSpPr txBox="1"/>
+          <p:nvPr/>
+        </p:nvSpPr>
+        <p:spPr>
+          <a:xfrm>
+            <a:off x="2734734" y="196398"/>
+            <a:ext cx="6153572" cy="646331"/>
+          </a:xfrm>
+          <a:prstGeom prst="rect">
+            <a:avLst/>
+          </a:prstGeom>
+          <a:noFill/>
+        </p:spPr>
+        <p:txBody>
+          <a:bodyPr wrap="square">
+            <a:spAutoFit/>
+          </a:bodyPr>
+          <a:lstStyle/>
+          <a:p>
+            <a:pPr algn="ctr"/>
+            <a:r>
+              <a:rPr lang="en-US" sz="3600" b="1" dirty="0">
+                <a:solidFill>
+                  <a:schemeClr val="tx1">
+                    <a:alpha val="80000"/>
+                  </a:schemeClr>
+                </a:solidFill>
+              </a:rPr>
+              <a:t>Think About It…</a:t>
+            </a:r>
+            <a:endParaRPr lang="en-GB" sz="3600" b="1" dirty="0"/>
+          </a:p>
+        </p:txBody>
+      </p:sp>
+    </p:spTree>
+    <p:extLst>
+      <p:ext uri="{BB962C8B-B14F-4D97-AF65-F5344CB8AC3E}">
+        <p14:creationId xmlns:p14="http://schemas.microsoft.com/office/powerpoint/2010/main" val="241894687"/>
+      </p:ext>
+    </p:extLst>
+  </p:cSld>
+  <p:clrMapOvr>
+    <a:masterClrMapping/>
+  </p:clrMapOvr>
+  <p:timing>
+    <p:tnLst>
+      <p:par>
+        <p:cTn id="1" dur="indefinite" restart="never" nodeType="tmRoot">
+          <p:childTnLst>
+            <p:seq concurrent="1" nextAc="seek">
+              <p:cTn id="2" dur="indefinite" nodeType="mainSeq">
+                <p:childTnLst>
+                  <p:par>
+                    <p:cTn id="3" fill="hold">
+                      <p:stCondLst>
+                        <p:cond delay="indefinite"/>
+                      </p:stCondLst>
+                      <p:childTnLst>
+                        <p:par>
+                          <p:cTn id="4" fill="hold">
+                            <p:stCondLst>
+                              <p:cond delay="0"/>
+                            </p:stCondLst>
+                            <p:childTnLst>
+                              <p:par>
+                                <p:cTn id="5" presetID="1" presetClass="entr" presetSubtype="0" fill="hold" grpId="0" nodeType="clickEffect">
+                                  <p:stCondLst>
+                                    <p:cond delay="0"/>
+                                  </p:stCondLst>
+                                  <p:childTnLst>
+                                    <p:set>
+                                      <p:cBhvr>
+                                        <p:cTn id="6" dur="1" fill="hold">
+                                          <p:stCondLst>
+                                            <p:cond delay="0"/>
+                                          </p:stCondLst>
+                                        </p:cTn>
+                                        <p:tgtEl>
+                                          <p:spTgt spid="3"/>
+                                        </p:tgtEl>
+                                        <p:attrNameLst>
+                                          <p:attrName>style.visibility</p:attrName>
+                                        </p:attrNameLst>
+                                      </p:cBhvr>
+                                      <p:to>
+                                        <p:strVal val="visible"/>
+                                      </p:to>
+                                    </p:set>
+                                  </p:childTnLst>
+                                </p:cTn>
+                              </p:par>
+                            </p:childTnLst>
+                          </p:cTn>
+                        </p:par>
+                      </p:childTnLst>
+                    </p:cTn>
+                  </p:par>
+                  <p:par>
+                    <p:cTn id="7" fill="hold">
+                      <p:stCondLst>
+                        <p:cond delay="indefinite"/>
+                      </p:stCondLst>
+                      <p:childTnLst>
+                        <p:par>
+                          <p:cTn id="8" fill="hold">
+                            <p:stCondLst>
+                              <p:cond delay="0"/>
+                            </p:stCondLst>
+                            <p:childTnLst>
+                              <p:par>
+                                <p:cTn id="9" presetID="1" presetClass="entr" presetSubtype="0" fill="hold" grpId="0" nodeType="clickEffect">
+                                  <p:stCondLst>
+                                    <p:cond delay="0"/>
+                                  </p:stCondLst>
+                                  <p:childTnLst>
+                                    <p:set>
+                                      <p:cBhvr>
+                                        <p:cTn id="10" dur="1" fill="hold">
+                                          <p:stCondLst>
+                                            <p:cond delay="0"/>
+                                          </p:stCondLst>
+                                        </p:cTn>
+                                        <p:tgtEl>
+                                          <p:spTgt spid="13"/>
+                                        </p:tgtEl>
+                                        <p:attrNameLst>
+                                          <p:attrName>style.visibility</p:attrName>
+                                        </p:attrNameLst>
+                                      </p:cBhvr>
+                                      <p:to>
+                                        <p:strVal val="visible"/>
+                                      </p:to>
+                                    </p:set>
+                                  </p:childTnLst>
+                                </p:cTn>
+                              </p:par>
+                            </p:childTnLst>
+                          </p:cTn>
+                        </p:par>
+                      </p:childTnLst>
+                    </p:cTn>
+                  </p:par>
+                  <p:par>
+                    <p:cTn id="11" fill="hold">
+                      <p:stCondLst>
+                        <p:cond delay="indefinite"/>
+                      </p:stCondLst>
+                      <p:childTnLst>
+                        <p:par>
+                          <p:cTn id="12" fill="hold">
+                            <p:stCondLst>
+                              <p:cond delay="0"/>
+                            </p:stCondLst>
+                            <p:childTnLst>
+                              <p:par>
+                                <p:cTn id="13" presetID="1" presetClass="entr" presetSubtype="0" fill="hold" grpId="0" nodeType="clickEffect">
+                                  <p:stCondLst>
+                                    <p:cond delay="0"/>
+                                  </p:stCondLst>
+                                  <p:childTnLst>
+                                    <p:set>
+                                      <p:cBhvr>
+                                        <p:cTn id="14" dur="1" fill="hold">
+                                          <p:stCondLst>
+                                            <p:cond delay="0"/>
+                                          </p:stCondLst>
+                                        </p:cTn>
+                                        <p:tgtEl>
+                                          <p:spTgt spid="5"/>
+                                        </p:tgtEl>
+                                        <p:attrNameLst>
+                                          <p:attrName>style.visibility</p:attrName>
+                                        </p:attrNameLst>
+                                      </p:cBhvr>
+                                      <p:to>
+                                        <p:strVal val="visible"/>
+                                      </p:to>
+                                    </p:set>
+                                  </p:childTnLst>
+                                </p:cTn>
+                              </p:par>
+                            </p:childTnLst>
+                          </p:cTn>
+                        </p:par>
+                      </p:childTnLst>
+                    </p:cTn>
+                  </p:par>
+                  <p:par>
+                    <p:cTn id="15" fill="hold">
+                      <p:stCondLst>
+                        <p:cond delay="indefinite"/>
+                      </p:stCondLst>
+                      <p:childTnLst>
+                        <p:par>
+                          <p:cTn id="16" fill="hold">
+                            <p:stCondLst>
+                              <p:cond delay="0"/>
+                            </p:stCondLst>
+                            <p:childTnLst>
+                              <p:par>
+                                <p:cTn id="17" presetID="1" presetClass="entr" presetSubtype="0" fill="hold" grpId="0" nodeType="clickEffect">
+                                  <p:stCondLst>
+                                    <p:cond delay="0"/>
+                                  </p:stCondLst>
+                                  <p:childTnLst>
+                                    <p:set>
+                                      <p:cBhvr>
+                                        <p:cTn id="18" dur="1" fill="hold">
+                                          <p:stCondLst>
+                                            <p:cond delay="0"/>
+                                          </p:stCondLst>
+                                        </p:cTn>
+                                        <p:tgtEl>
+                                          <p:spTgt spid="15"/>
+                                        </p:tgtEl>
+                                        <p:attrNameLst>
+                                          <p:attrName>style.visibility</p:attrName>
+                                        </p:attrNameLst>
+                                      </p:cBhvr>
+                                      <p:to>
+                                        <p:strVal val="visible"/>
+                                      </p:to>
+                                    </p:set>
+                                  </p:childTnLst>
+                                </p:cTn>
+                              </p:par>
+                            </p:childTnLst>
+                          </p:cTn>
+                        </p:par>
+                      </p:childTnLst>
+                    </p:cTn>
+                  </p:par>
+                  <p:par>
+                    <p:cTn id="19" fill="hold">
+                      <p:stCondLst>
+                        <p:cond delay="indefinite"/>
+                      </p:stCondLst>
+                      <p:childTnLst>
+                        <p:par>
+                          <p:cTn id="20" fill="hold">
+                            <p:stCondLst>
+                              <p:cond delay="0"/>
+                            </p:stCondLst>
+                            <p:childTnLst>
+                              <p:par>
+                                <p:cTn id="21" presetID="1" presetClass="entr" presetSubtype="0" fill="hold" grpId="0" nodeType="clickEffect">
+                                  <p:stCondLst>
+                                    <p:cond delay="0"/>
+                                  </p:stCondLst>
+                                  <p:childTnLst>
+                                    <p:set>
+                                      <p:cBhvr>
+                                        <p:cTn id="22" dur="1" fill="hold">
+                                          <p:stCondLst>
+                                            <p:cond delay="0"/>
+                                          </p:stCondLst>
+                                        </p:cTn>
+                                        <p:tgtEl>
+                                          <p:spTgt spid="7"/>
+                                        </p:tgtEl>
+                                        <p:attrNameLst>
+                                          <p:attrName>style.visibility</p:attrName>
+                                        </p:attrNameLst>
+                                      </p:cBhvr>
+                                      <p:to>
+                                        <p:strVal val="visible"/>
+                                      </p:to>
+                                    </p:set>
+                                  </p:childTnLst>
+                                </p:cTn>
+                              </p:par>
+                            </p:childTnLst>
+                          </p:cTn>
+                        </p:par>
+                      </p:childTnLst>
+                    </p:cTn>
+                  </p:par>
+                  <p:par>
+                    <p:cTn id="23" fill="hold">
+                      <p:stCondLst>
+                        <p:cond delay="indefinite"/>
+                      </p:stCondLst>
+                      <p:childTnLst>
+                        <p:par>
+                          <p:cTn id="24" fill="hold">
+                            <p:stCondLst>
+                              <p:cond delay="0"/>
+                            </p:stCondLst>
+                            <p:childTnLst>
+                              <p:par>
+                                <p:cTn id="25" presetID="1" presetClass="entr" presetSubtype="0" fill="hold" grpId="0" nodeType="clickEffect">
+                                  <p:stCondLst>
+                                    <p:cond delay="0"/>
+                                  </p:stCondLst>
+                                  <p:childTnLst>
+                                    <p:set>
+                                      <p:cBhvr>
+                                        <p:cTn id="26" dur="1" fill="hold">
+                                          <p:stCondLst>
+                                            <p:cond delay="0"/>
+                                          </p:stCondLst>
+                                        </p:cTn>
+                                        <p:tgtEl>
+                                          <p:spTgt spid="11"/>
+                                        </p:tgtEl>
+                                        <p:attrNameLst>
+                                          <p:attrName>style.visibility</p:attrName>
+                                        </p:attrNameLst>
+                                      </p:cBhvr>
+                                      <p:to>
+                                        <p:strVal val="visible"/>
+                                      </p:to>
+                                    </p:set>
+                                  </p:childTnLst>
+                                </p:cTn>
+                              </p:par>
+                            </p:childTnLst>
+                          </p:cTn>
+                        </p:par>
+                      </p:childTnLst>
+                    </p:cTn>
+                  </p:par>
+                  <p:par>
+                    <p:cTn id="27" fill="hold">
+                      <p:stCondLst>
+                        <p:cond delay="indefinite"/>
+                      </p:stCondLst>
+                      <p:childTnLst>
+                        <p:par>
+                          <p:cTn id="28" fill="hold">
+                            <p:stCondLst>
+                              <p:cond delay="0"/>
+                            </p:stCondLst>
+                            <p:childTnLst>
+                              <p:par>
+                                <p:cTn id="29" presetID="1" presetClass="entr" presetSubtype="0" fill="hold" grpId="0" nodeType="clickEffect">
+                                  <p:stCondLst>
+                                    <p:cond delay="0"/>
+                                  </p:stCondLst>
+                                  <p:childTnLst>
+                                    <p:set>
+                                      <p:cBhvr>
+                                        <p:cTn id="30" dur="1" fill="hold">
+                                          <p:stCondLst>
+                                            <p:cond delay="0"/>
+                                          </p:stCondLst>
+                                        </p:cTn>
+                                        <p:tgtEl>
+                                          <p:spTgt spid="9"/>
+                                        </p:tgtEl>
+                                        <p:attrNameLst>
+                                          <p:attrName>style.visibility</p:attrName>
+                                        </p:attrNameLst>
+                                      </p:cBhvr>
+                                      <p:to>
+                                        <p:strVal val="visible"/>
+                                      </p:to>
+                                    </p:set>
+                                  </p:childTnLst>
+                                </p:cTn>
+                              </p:par>
+                            </p:childTnLst>
+                          </p:cTn>
+                        </p:par>
+                      </p:childTnLst>
+                    </p:cTn>
+                  </p:par>
+                </p:childTnLst>
+              </p:cTn>
+              <p:prevCondLst>
+                <p:cond evt="onPrev" delay="0">
+                  <p:tgtEl>
+                    <p:sldTgt/>
+                  </p:tgtEl>
+                </p:cond>
+              </p:prevCondLst>
+              <p:nextCondLst>
+                <p:cond evt="onNext" delay="0">
+                  <p:tgtEl>
+                    <p:sldTgt/>
+                  </p:tgtEl>
+                </p:cond>
+              </p:nextCondLst>
+            </p:seq>
+          </p:childTnLst>
+        </p:cTn>
+      </p:par>
+    </p:tnLst>
+    <p:bldLst>
+      <p:bldP spid="3" grpId="0"/>
+      <p:bldP spid="5" grpId="0"/>
+      <p:bldP spid="7" grpId="0"/>
+      <p:bldP spid="9" grpId="0"/>
+      <p:bldP spid="11" grpId="0"/>
+      <p:bldP spid="13" grpId="0"/>
+      <p:bldP spid="15" grpId="0"/>
+    </p:bldLst>
+  </p:timing>
+</p:sld>
+</file>
+
+<file path=ppt/slides/slide15.xml><?xml version="1.0" encoding="utf-8"?>
 <p:sld xmlns:a="http://schemas.openxmlformats.org/drawingml/2006/main" xmlns:r="http://schemas.openxmlformats.org/officeDocument/2006/relationships" xmlns:p="http://schemas.openxmlformats.org/presentationml/2006/main">
   <p:cSld>
     <p:bg>
